--- a/Complimentary Course Content/Module7/Lessons/Module7_Lesson2 Configuration Management.pptx
+++ b/Complimentary Course Content/Module7/Lessons/Module7_Lesson2 Configuration Management.pptx
@@ -135,7 +135,7 @@
   </p:defaultTextStyle>
   <p:extLst>
     <p:ext uri="{EFAFB233-063F-42B5-8137-9DF3F51BA10A}">
-      <p15:sldGuideLst xmlns="" xmlns:p15="http://schemas.microsoft.com/office/powerpoint/2012/main">
+      <p15:sldGuideLst xmlns:p15="http://schemas.microsoft.com/office/powerpoint/2012/main" xmlns="">
         <p15:guide id="1" orient="horz" pos="2184" userDrawn="1">
           <p15:clr>
             <a:srgbClr val="A4A3A4"/>
@@ -255,7 +255,7 @@
             <a:fld id="{49B60EF2-7028-489F-85D8-FE86CD7CF2A0}" type="datetimeFigureOut">
               <a:rPr lang="en-US" smtClean="0"/>
               <a:pPr/>
-              <a:t>6/19/16</a:t>
+              <a:t>6/29/16</a:t>
             </a:fld>
             <a:endParaRPr lang="en-US"/>
           </a:p>
@@ -820,12 +820,20 @@
               </a:spcAft>
               <a:buClrTx/>
               <a:buSzTx/>
-              <a:buFont typeface="Arial" panose="020B0604020202020204" pitchFamily="34" charset="0"/>
-              <a:buNone/>
+              <a:buFont typeface="Arial"/>
+              <a:buChar char="•"/>
               <a:tabLst/>
               <a:defRPr/>
             </a:pPr>
-            <a:endParaRPr lang="en-US" b="1" dirty="0" smtClean="0"/>
+            <a:r>
+              <a:rPr lang="en-US" b="0" dirty="0" smtClean="0"/>
+              <a:t>This is not a functional example of Chef</a:t>
+            </a:r>
+            <a:r>
+              <a:rPr lang="en-US" b="0" baseline="0" dirty="0" smtClean="0"/>
+              <a:t> variables, just an easy to understand example of how variables are used.</a:t>
+            </a:r>
+            <a:endParaRPr lang="en-US" b="0" dirty="0" smtClean="0"/>
           </a:p>
         </p:txBody>
       </p:sp>
@@ -1011,26 +1019,14 @@
             </a:r>
             <a:r>
               <a:rPr lang="en-US" b="0" baseline="0" dirty="0" smtClean="0"/>
-              <a:t> variable is resolved inside of a quoted string in Ruby.  This notation allows string characters and variables that need to be resolved to co-exist within one set of quotes.  The end result reads </a:t>
-            </a:r>
-            <a:r>
-              <a:rPr lang="en-US" b="0" baseline="0" dirty="0" smtClean="0"/>
-              <a:t>as:</a:t>
-            </a:r>
-            <a:r>
-              <a:rPr lang="en-US" b="0" baseline="0" dirty="0" smtClean="0"/>
-              <a:t/>
+              <a:t> variable is resolved inside of a quoted string in Ruby.  This notation allows string characters and variables that need to be resolved to co-exist within one set of quotes.  The end result reads as:</a:t>
             </a:r>
             <a:br>
               <a:rPr lang="en-US" b="0" baseline="0" dirty="0" smtClean="0"/>
             </a:br>
             <a:r>
               <a:rPr lang="en-US" b="0" baseline="0" dirty="0" smtClean="0"/>
-              <a:t>file </a:t>
-            </a:r>
-            <a:r>
-              <a:rPr lang="en-US" b="0" baseline="0" dirty="0" smtClean="0"/>
-              <a:t>‘c:\</a:t>
+              <a:t>file ‘c:\</a:t>
             </a:r>
             <a:r>
               <a:rPr lang="en-US" b="0" baseline="0" dirty="0" err="1" smtClean="0"/>
@@ -1235,6 +1231,45 @@
           <a:bodyPr/>
           <a:lstStyle/>
           <a:p>
+            <a:r>
+              <a:rPr lang="en-US" b="1" dirty="0" smtClean="0"/>
+              <a:t>Notes:</a:t>
+            </a:r>
+          </a:p>
+          <a:p>
+            <a:pPr marL="228600" indent="-228600">
+              <a:buFont typeface="Arial"/>
+              <a:buChar char="•"/>
+            </a:pPr>
+            <a:r>
+              <a:rPr lang="en-US" baseline="0" dirty="0" smtClean="0"/>
+              <a:t>Because of </a:t>
+            </a:r>
+            <a:r>
+              <a:rPr lang="en-US" baseline="0" dirty="0" err="1" smtClean="0"/>
+              <a:t>Idempotence</a:t>
+            </a:r>
+            <a:r>
+              <a:rPr lang="en-US" baseline="0" dirty="0" smtClean="0"/>
+              <a:t>, if the script is applied to the server and the server is already in the desired state, then nothing happens.  If the server is not in the desired state, then the server is put into the desired state.</a:t>
+            </a:r>
+            <a:br>
+              <a:rPr lang="en-US" baseline="0" dirty="0" smtClean="0"/>
+            </a:br>
+            <a:r>
+              <a:rPr lang="en-US" baseline="0" dirty="0" smtClean="0"/>
+              <a:t>Example: script dictates that Apache should be installed.  The first time the script is run, Apache is not installed so the client installs Apache.  The next time the script is run Apache is already installed so that step is skipped.  If someone were to manually uninstall Apache, then next time the script runs Apache will be re-installed.  This is </a:t>
+            </a:r>
+            <a:r>
+              <a:rPr lang="en-US" baseline="0" dirty="0" err="1" smtClean="0"/>
+              <a:t>Idempotence</a:t>
+            </a:r>
+            <a:r>
+              <a:rPr lang="en-US" baseline="0" dirty="0" smtClean="0"/>
+              <a:t>.</a:t>
+            </a:r>
+          </a:p>
+          <a:p>
             <a:endParaRPr lang="en-US" dirty="0"/>
           </a:p>
         </p:txBody>
@@ -1403,6 +1438,89 @@
           <a:bodyPr/>
           <a:lstStyle/>
           <a:p>
+            <a:r>
+              <a:rPr lang="en-US" b="1" dirty="0" smtClean="0"/>
+              <a:t>Notes:</a:t>
+            </a:r>
+          </a:p>
+          <a:p>
+            <a:pPr marL="228600" indent="-228600">
+              <a:buFont typeface="Arial"/>
+              <a:buChar char="•"/>
+            </a:pPr>
+            <a:r>
+              <a:rPr lang="en-US" dirty="0" smtClean="0"/>
+              <a:t>These are the most</a:t>
+            </a:r>
+            <a:r>
+              <a:rPr lang="en-US" baseline="0" dirty="0" smtClean="0"/>
+              <a:t> popular CM platforms.</a:t>
+            </a:r>
+          </a:p>
+          <a:p>
+            <a:pPr marL="228600" indent="-228600">
+              <a:buFont typeface="Arial"/>
+              <a:buChar char="•"/>
+            </a:pPr>
+            <a:r>
+              <a:rPr lang="en-US" baseline="0" dirty="0" smtClean="0"/>
+              <a:t>Puppet and Chef are the top platforms.</a:t>
+            </a:r>
+          </a:p>
+          <a:p>
+            <a:pPr marL="228600" indent="-228600">
+              <a:buFont typeface="Arial"/>
+              <a:buChar char="•"/>
+            </a:pPr>
+            <a:r>
+              <a:rPr lang="en-US" baseline="0" dirty="0" err="1" smtClean="0"/>
+              <a:t>Rightscale</a:t>
+            </a:r>
+            <a:r>
+              <a:rPr lang="en-US" baseline="0" dirty="0" smtClean="0"/>
+              <a:t> is GUI driven</a:t>
+            </a:r>
+          </a:p>
+          <a:p>
+            <a:pPr marL="228600" indent="-228600">
+              <a:buFont typeface="Arial"/>
+              <a:buChar char="•"/>
+            </a:pPr>
+            <a:r>
+              <a:rPr lang="en-US" baseline="0" dirty="0" err="1" smtClean="0"/>
+              <a:t>Ansible</a:t>
+            </a:r>
+            <a:r>
+              <a:rPr lang="en-US" baseline="0" dirty="0" smtClean="0"/>
+              <a:t> and Salt are platforms with a smaller (but very loyal) user base, but aren’t really accepted in the Enterprise</a:t>
+            </a:r>
+          </a:p>
+          <a:p>
+            <a:pPr marL="228600" indent="-228600">
+              <a:buFont typeface="Arial"/>
+              <a:buChar char="•"/>
+            </a:pPr>
+            <a:r>
+              <a:rPr lang="en-US" dirty="0" err="1" smtClean="0"/>
+              <a:t>Cfengine</a:t>
+            </a:r>
+            <a:r>
+              <a:rPr lang="en-US" baseline="0" dirty="0" smtClean="0"/>
+              <a:t> started the CM process, but is outdated now</a:t>
+            </a:r>
+          </a:p>
+          <a:p>
+            <a:pPr marL="228600" indent="-228600">
+              <a:buFont typeface="Arial"/>
+              <a:buChar char="•"/>
+            </a:pPr>
+            <a:r>
+              <a:rPr lang="en-US" baseline="0" dirty="0" smtClean="0"/>
+              <a:t>DIY = Do It Yourself, writing your own scripts in BASH or another language of your choosing</a:t>
+            </a:r>
+            <a:endParaRPr lang="en-US" dirty="0" smtClean="0"/>
+          </a:p>
+          <a:p>
             <a:endParaRPr lang="en-US" dirty="0"/>
           </a:p>
         </p:txBody>
@@ -1489,8 +1607,9 @@
           <a:p>
             <a:r>
               <a:rPr lang="en-US" b="1" dirty="0" smtClean="0"/>
-              <a:t>Notes</a:t>
-            </a:r>
+              <a:t>Notes:</a:t>
+            </a:r>
+            <a:endParaRPr lang="en-US" b="1" dirty="0" smtClean="0"/>
           </a:p>
           <a:p>
             <a:pPr marL="171450" indent="-171450">
@@ -1504,6 +1623,54 @@
             <a:r>
               <a:rPr lang="en-US" b="0" baseline="0" dirty="0" smtClean="0"/>
               <a:t> Specific Language, meaning taking an existing programming language and from within that language creating a new language</a:t>
+            </a:r>
+          </a:p>
+          <a:p>
+            <a:pPr marL="171450" indent="-171450">
+              <a:buFont typeface="Arial"/>
+              <a:buChar char="•"/>
+            </a:pPr>
+            <a:endParaRPr lang="en-US" b="0" baseline="0" dirty="0" smtClean="0"/>
+          </a:p>
+          <a:p>
+            <a:pPr marL="0" indent="0">
+              <a:buFont typeface="Arial"/>
+              <a:buNone/>
+            </a:pPr>
+            <a:r>
+              <a:rPr lang="en-US" b="1" baseline="0" dirty="0" smtClean="0"/>
+              <a:t>References:</a:t>
+            </a:r>
+          </a:p>
+          <a:p>
+            <a:pPr marL="171450" marR="0" indent="-171450" algn="l" defTabSz="914400" rtl="0" eaLnBrk="1" fontAlgn="auto" latinLnBrk="0" hangingPunct="1">
+              <a:lnSpc>
+                <a:spcPct val="100000"/>
+              </a:lnSpc>
+              <a:spcBef>
+                <a:spcPts val="0"/>
+              </a:spcBef>
+              <a:spcAft>
+                <a:spcPts val="0"/>
+              </a:spcAft>
+              <a:buClrTx/>
+              <a:buSzTx/>
+              <a:buFont typeface="Arial"/>
+              <a:buChar char="•"/>
+              <a:tabLst/>
+              <a:defRPr/>
+            </a:pPr>
+            <a:r>
+              <a:rPr lang="en-US" b="0" baseline="0" dirty="0" smtClean="0"/>
+              <a:t>https://</a:t>
+            </a:r>
+            <a:r>
+              <a:rPr lang="en-US" b="0" baseline="0" dirty="0" err="1" smtClean="0"/>
+              <a:t>puppet.com</a:t>
+            </a:r>
+            <a:r>
+              <a:rPr lang="en-US" b="0" baseline="0" dirty="0" smtClean="0"/>
+              <a:t>/</a:t>
             </a:r>
           </a:p>
           <a:p>
@@ -1602,6 +1769,57 @@
           <a:bodyPr/>
           <a:lstStyle/>
           <a:p>
+            <a:r>
+              <a:rPr lang="en-US" b="1" dirty="0" smtClean="0"/>
+              <a:t>Notes:</a:t>
+            </a:r>
+          </a:p>
+          <a:p>
+            <a:pPr marL="228600" indent="-228600">
+              <a:buFont typeface="Arial"/>
+              <a:buChar char="•"/>
+            </a:pPr>
+            <a:r>
+              <a:rPr lang="en-US" dirty="0" smtClean="0"/>
+              <a:t>We’ll be using Chef for our examples</a:t>
+            </a:r>
+          </a:p>
+          <a:p>
+            <a:pPr marL="228600" indent="-228600">
+              <a:buFont typeface="Arial"/>
+              <a:buChar char="•"/>
+            </a:pPr>
+            <a:endParaRPr lang="en-US" dirty="0" smtClean="0"/>
+          </a:p>
+          <a:p>
+            <a:pPr marL="0" indent="0">
+              <a:buFont typeface="Arial"/>
+              <a:buNone/>
+            </a:pPr>
+            <a:r>
+              <a:rPr lang="en-US" b="1" dirty="0" smtClean="0"/>
+              <a:t>References:</a:t>
+            </a:r>
+          </a:p>
+          <a:p>
+            <a:pPr marL="228600" indent="-228600">
+              <a:buFont typeface="Arial"/>
+              <a:buChar char="•"/>
+            </a:pPr>
+            <a:r>
+              <a:rPr lang="en-US" dirty="0" smtClean="0"/>
+              <a:t>https://</a:t>
+            </a:r>
+            <a:r>
+              <a:rPr lang="en-US" dirty="0" err="1" smtClean="0"/>
+              <a:t>www.chef.io</a:t>
+            </a:r>
+            <a:r>
+              <a:rPr lang="en-US" dirty="0" smtClean="0"/>
+              <a:t>/</a:t>
+            </a:r>
+          </a:p>
+          <a:p>
             <a:endParaRPr lang="en-US" dirty="0"/>
           </a:p>
         </p:txBody>
@@ -1686,7 +1904,41 @@
           <a:bodyPr/>
           <a:lstStyle/>
           <a:p>
-            <a:endParaRPr lang="en-US" dirty="0"/>
+            <a:r>
+              <a:rPr lang="en-US" b="1" dirty="0" smtClean="0"/>
+              <a:t>References:</a:t>
+            </a:r>
+          </a:p>
+          <a:p>
+            <a:pPr marL="171450" marR="0" indent="-171450" algn="l" defTabSz="914400" rtl="0" eaLnBrk="1" fontAlgn="auto" latinLnBrk="0" hangingPunct="1">
+              <a:lnSpc>
+                <a:spcPct val="100000"/>
+              </a:lnSpc>
+              <a:spcBef>
+                <a:spcPts val="0"/>
+              </a:spcBef>
+              <a:spcAft>
+                <a:spcPts val="0"/>
+              </a:spcAft>
+              <a:buClrTx/>
+              <a:buSzTx/>
+              <a:buFont typeface="Arial"/>
+              <a:buChar char="•"/>
+              <a:tabLst/>
+              <a:defRPr/>
+            </a:pPr>
+            <a:r>
+              <a:rPr lang="en-US" dirty="0" smtClean="0"/>
+              <a:t>http://</a:t>
+            </a:r>
+            <a:r>
+              <a:rPr lang="en-US" dirty="0" err="1" smtClean="0"/>
+              <a:t>www.rightscale.com</a:t>
+            </a:r>
+            <a:r>
+              <a:rPr lang="en-US" dirty="0" smtClean="0"/>
+              <a:t>/</a:t>
+            </a:r>
           </a:p>
         </p:txBody>
       </p:sp>
@@ -2128,15 +2380,7 @@
             </a:pPr>
             <a:r>
               <a:rPr lang="en-US" sz="1200" dirty="0" smtClean="0"/>
-              <a:t>Clouds enable DevOps engineers to launch thousands of servers, use them for a few hours, and then terminate those servers when no </a:t>
-            </a:r>
-            <a:r>
-              <a:rPr lang="en-US" sz="1200" dirty="0" smtClean="0"/>
-              <a:t>longer </a:t>
-            </a:r>
-            <a:r>
-              <a:rPr lang="en-US" sz="1200" dirty="0" smtClean="0"/>
-              <a:t>needed, with no upfront cost before using these resources and no additional cost after they are terminated</a:t>
+              <a:t>Clouds enable DevOps engineers to launch thousands of servers, use them for a few hours, and then terminate those servers when no longer needed, with no upfront cost before using these resources and no additional cost after they are terminated</a:t>
             </a:r>
           </a:p>
           <a:p>
@@ -2228,7 +2472,35 @@
           <a:bodyPr/>
           <a:lstStyle/>
           <a:p>
-            <a:endParaRPr lang="en-US" dirty="0"/>
+            <a:r>
+              <a:rPr lang="en-US" b="1" dirty="0" smtClean="0"/>
+              <a:t>Notes:</a:t>
+            </a:r>
+          </a:p>
+          <a:p>
+            <a:pPr marL="228600" indent="-228600">
+              <a:buFont typeface="Arial"/>
+              <a:buChar char="•"/>
+            </a:pPr>
+            <a:r>
+              <a:rPr lang="en-US" dirty="0" smtClean="0"/>
+              <a:t>The cloud</a:t>
+            </a:r>
+            <a:r>
+              <a:rPr lang="en-US" baseline="0" dirty="0" smtClean="0"/>
+              <a:t> plus configuration management gives incredible flexibility to IT departments.  They can launch 1000 servers, all the configured the same, then terminate them with a single command.</a:t>
+            </a:r>
+          </a:p>
+          <a:p>
+            <a:pPr marL="228600" indent="-228600">
+              <a:buFont typeface="Arial"/>
+              <a:buChar char="•"/>
+            </a:pPr>
+            <a:r>
+              <a:rPr lang="en-US" baseline="0" dirty="0" smtClean="0"/>
+              <a:t>This has huge implications for education and research, and enterprise and SMB businesses, allowing them to dynamically scale compute resources to match their needs in the moment, with no long-term commitments to hardware costs.</a:t>
+            </a:r>
+            <a:endParaRPr lang="en-US" dirty="0" smtClean="0"/>
           </a:p>
         </p:txBody>
       </p:sp>
@@ -2672,7 +2944,139 @@
           <a:bodyPr/>
           <a:lstStyle/>
           <a:p>
-            <a:endParaRPr lang="en-US" dirty="0"/>
+            <a:r>
+              <a:rPr lang="en-US" b="1" dirty="0" smtClean="0"/>
+              <a:t>Notes:</a:t>
+            </a:r>
+          </a:p>
+          <a:p>
+            <a:pPr marL="228600" marR="0" indent="-228600" algn="l" defTabSz="914400" rtl="0" eaLnBrk="1" fontAlgn="auto" latinLnBrk="0" hangingPunct="1">
+              <a:lnSpc>
+                <a:spcPct val="100000"/>
+              </a:lnSpc>
+              <a:spcBef>
+                <a:spcPts val="0"/>
+              </a:spcBef>
+              <a:spcAft>
+                <a:spcPts val="0"/>
+              </a:spcAft>
+              <a:buClrTx/>
+              <a:buSzTx/>
+              <a:buFont typeface="Arial"/>
+              <a:buChar char="•"/>
+              <a:tabLst/>
+              <a:defRPr/>
+            </a:pPr>
+            <a:r>
+              <a:rPr lang="en-US" dirty="0" smtClean="0"/>
+              <a:t>”</a:t>
+            </a:r>
+            <a:r>
+              <a:rPr lang="en-US" sz="1200" dirty="0" smtClean="0"/>
+              <a:t>The application of programmatic methods to create consistency in performance, function, design and the operation of compute resources”.   The</a:t>
+            </a:r>
+            <a:r>
+              <a:rPr lang="en-US" sz="1200" baseline="0" dirty="0" smtClean="0"/>
+              <a:t> key component here is consistency:  you can write a script once, and have it applied to hundreds of virtual machines and they will be configured exactly the same.</a:t>
+            </a:r>
+          </a:p>
+          <a:p>
+            <a:pPr marL="228600" marR="0" indent="-228600" algn="l" defTabSz="914400" rtl="0" eaLnBrk="1" fontAlgn="auto" latinLnBrk="0" hangingPunct="1">
+              <a:lnSpc>
+                <a:spcPct val="100000"/>
+              </a:lnSpc>
+              <a:spcBef>
+                <a:spcPts val="0"/>
+              </a:spcBef>
+              <a:spcAft>
+                <a:spcPts val="0"/>
+              </a:spcAft>
+              <a:buClrTx/>
+              <a:buSzTx/>
+              <a:buFont typeface="Arial"/>
+              <a:buChar char="•"/>
+              <a:tabLst/>
+              <a:defRPr/>
+            </a:pPr>
+            <a:r>
+              <a:rPr lang="en-US" sz="1200" dirty="0" smtClean="0"/>
+              <a:t>“Applied over the life cycle of a system”.</a:t>
+            </a:r>
+            <a:r>
+              <a:rPr lang="en-US" sz="1200" baseline="0" dirty="0" smtClean="0"/>
+              <a:t>  Configuration Management controls how a server is launched, how it is configured, how it is updated and how it is terminated, hence the “lifecycle”.</a:t>
+            </a:r>
+          </a:p>
+          <a:p>
+            <a:pPr marL="228600" marR="0" indent="-228600" algn="l" defTabSz="914400" rtl="0" eaLnBrk="1" fontAlgn="auto" latinLnBrk="0" hangingPunct="1">
+              <a:lnSpc>
+                <a:spcPct val="100000"/>
+              </a:lnSpc>
+              <a:spcBef>
+                <a:spcPts val="0"/>
+              </a:spcBef>
+              <a:spcAft>
+                <a:spcPts val="0"/>
+              </a:spcAft>
+              <a:buClrTx/>
+              <a:buSzTx/>
+              <a:buFont typeface="Arial"/>
+              <a:buChar char="•"/>
+              <a:tabLst/>
+              <a:defRPr/>
+            </a:pPr>
+            <a:r>
+              <a:rPr lang="en-US" sz="1200" dirty="0" smtClean="0"/>
+              <a:t>“The verification of performance as intended through testing”  Testing is an important component</a:t>
+            </a:r>
+            <a:r>
+              <a:rPr lang="en-US" sz="1200" baseline="0" dirty="0" smtClean="0"/>
+              <a:t> of CM to know that your code will work before you roll it out to production (see the testing lesson within this module).</a:t>
+            </a:r>
+          </a:p>
+          <a:p>
+            <a:pPr marL="228600" marR="0" indent="-228600" algn="l" defTabSz="914400" rtl="0" eaLnBrk="1" fontAlgn="auto" latinLnBrk="0" hangingPunct="1">
+              <a:lnSpc>
+                <a:spcPct val="100000"/>
+              </a:lnSpc>
+              <a:spcBef>
+                <a:spcPts val="0"/>
+              </a:spcBef>
+              <a:spcAft>
+                <a:spcPts val="0"/>
+              </a:spcAft>
+              <a:buClrTx/>
+              <a:buSzTx/>
+              <a:buFont typeface="Arial"/>
+              <a:buChar char="•"/>
+              <a:tabLst/>
+              <a:defRPr/>
+            </a:pPr>
+            <a:r>
+              <a:rPr lang="en-US" sz="1200" dirty="0" smtClean="0"/>
+              <a:t>“The use of pre-configured code to accomplish common tasks”  Using a product such as DSC, Chef, Puppet, </a:t>
+            </a:r>
+            <a:r>
+              <a:rPr lang="en-US" sz="1200" dirty="0" err="1" smtClean="0"/>
+              <a:t>Ansible</a:t>
+            </a:r>
+            <a:r>
+              <a:rPr lang="en-US" sz="1200" dirty="0" smtClean="0"/>
+              <a:t>, etc. allows the use of pre-written</a:t>
+            </a:r>
+            <a:r>
+              <a:rPr lang="en-US" sz="1200" baseline="0" dirty="0" smtClean="0"/>
+              <a:t> </a:t>
+            </a:r>
+            <a:r>
+              <a:rPr lang="en-US" sz="1200" dirty="0" smtClean="0"/>
+              <a:t>code to accomplish</a:t>
+            </a:r>
+            <a:r>
+              <a:rPr lang="en-US" sz="1200" baseline="0" dirty="0" smtClean="0"/>
+              <a:t> common tasks.</a:t>
+            </a:r>
+            <a:endParaRPr lang="en-US" sz="1200" dirty="0" smtClean="0"/>
           </a:p>
         </p:txBody>
       </p:sp>
@@ -2756,7 +3160,84 @@
           <a:bodyPr/>
           <a:lstStyle/>
           <a:p>
-            <a:endParaRPr lang="en-US" dirty="0"/>
+            <a:r>
+              <a:rPr lang="en-US" b="1" dirty="0" smtClean="0"/>
+              <a:t>Notes:</a:t>
+            </a:r>
+          </a:p>
+          <a:p>
+            <a:pPr marL="228600" indent="-228600">
+              <a:buFont typeface="Arial"/>
+              <a:buChar char="•"/>
+            </a:pPr>
+            <a:r>
+              <a:rPr lang="en-US" dirty="0" smtClean="0"/>
+              <a:t>Cost avoidance: it is much</a:t>
+            </a:r>
+            <a:r>
+              <a:rPr lang="en-US" baseline="0" dirty="0" smtClean="0"/>
+              <a:t> cheaper to automate server configuration then to pay someone to manually configure a server</a:t>
+            </a:r>
+          </a:p>
+          <a:p>
+            <a:pPr marL="228600" indent="-228600">
+              <a:buFont typeface="Arial"/>
+              <a:buChar char="•"/>
+            </a:pPr>
+            <a:r>
+              <a:rPr lang="en-US" baseline="0" dirty="0" smtClean="0"/>
+              <a:t>Prevention of catastrophic events: Example: you notice a database master server is having increasing hardware failures.  With CM you can launch a new replacement master </a:t>
+            </a:r>
+            <a:r>
+              <a:rPr lang="en-US" baseline="0" dirty="0" err="1" smtClean="0"/>
+              <a:t>Db</a:t>
+            </a:r>
+            <a:r>
+              <a:rPr lang="en-US" baseline="0" dirty="0" smtClean="0"/>
+              <a:t> and failover to the new instance, then terminate the old instance, and your customers will hardly notice the transition, and there is virtually no cost associated with this, effectively avoiding a </a:t>
+            </a:r>
+            <a:r>
+              <a:rPr lang="en-US" baseline="0" dirty="0" err="1" smtClean="0"/>
+              <a:t>catastrophy</a:t>
+            </a:r>
+            <a:r>
+              <a:rPr lang="en-US" baseline="0" dirty="0" smtClean="0"/>
+              <a:t>.</a:t>
+            </a:r>
+          </a:p>
+          <a:p>
+            <a:pPr marL="228600" marR="0" indent="-228600" algn="l" defTabSz="914400" rtl="0" eaLnBrk="1" fontAlgn="auto" latinLnBrk="0" hangingPunct="1">
+              <a:lnSpc>
+                <a:spcPct val="100000"/>
+              </a:lnSpc>
+              <a:spcBef>
+                <a:spcPts val="0"/>
+              </a:spcBef>
+              <a:spcAft>
+                <a:spcPts val="0"/>
+              </a:spcAft>
+              <a:buClrTx/>
+              <a:buSzTx/>
+              <a:buFont typeface="Arial"/>
+              <a:buChar char="•"/>
+              <a:tabLst/>
+              <a:defRPr/>
+            </a:pPr>
+            <a:r>
+              <a:rPr lang="en-US" sz="1200" dirty="0" smtClean="0"/>
+              <a:t>Exponential increase of time-savings in the form of reusable code:</a:t>
+            </a:r>
+            <a:r>
+              <a:rPr lang="en-US" sz="1200" baseline="0" dirty="0" smtClean="0"/>
+              <a:t>  Write something once, and use over and over for increased productivity.</a:t>
+            </a:r>
+            <a:endParaRPr lang="en-US" sz="1200" dirty="0" smtClean="0"/>
+          </a:p>
+          <a:p>
+            <a:pPr marL="0" indent="0">
+              <a:buNone/>
+            </a:pPr>
+            <a:endParaRPr lang="en-US" baseline="0" dirty="0" smtClean="0"/>
           </a:p>
         </p:txBody>
       </p:sp>
@@ -2840,6 +3321,216 @@
           <a:bodyPr/>
           <a:lstStyle/>
           <a:p>
+            <a:r>
+              <a:rPr lang="en-US" b="1" dirty="0" smtClean="0"/>
+              <a:t>Notes: </a:t>
+            </a:r>
+          </a:p>
+          <a:p>
+            <a:pPr marL="228600" indent="-228600">
+              <a:buFont typeface="Arial"/>
+              <a:buChar char="•"/>
+            </a:pPr>
+            <a:r>
+              <a:rPr lang="en-US" baseline="0" dirty="0" smtClean="0"/>
+              <a:t>Example Chef script (covered later in this chapter).  This installs apache (</a:t>
+            </a:r>
+            <a:r>
+              <a:rPr lang="en-US" baseline="0" dirty="0" err="1" smtClean="0"/>
+              <a:t>httpd</a:t>
+            </a:r>
+            <a:r>
+              <a:rPr lang="en-US" baseline="0" dirty="0" smtClean="0"/>
+              <a:t>) on an </a:t>
+            </a:r>
+            <a:r>
+              <a:rPr lang="en-US" baseline="0" dirty="0" err="1" smtClean="0"/>
+              <a:t>CentOS</a:t>
+            </a:r>
+            <a:r>
+              <a:rPr lang="en-US" baseline="0" dirty="0" smtClean="0"/>
+              <a:t>/</a:t>
+            </a:r>
+            <a:r>
+              <a:rPr lang="en-US" baseline="0" dirty="0" err="1" smtClean="0"/>
+              <a:t>Redhat</a:t>
+            </a:r>
+            <a:r>
+              <a:rPr lang="en-US" baseline="0" dirty="0" smtClean="0"/>
+              <a:t> system, then writes an </a:t>
+            </a:r>
+            <a:r>
+              <a:rPr lang="en-US" baseline="0" dirty="0" err="1" smtClean="0"/>
+              <a:t>index.html</a:t>
+            </a:r>
+            <a:r>
+              <a:rPr lang="en-US" baseline="0" dirty="0" smtClean="0"/>
+              <a:t> file into the location where Apache expects to find it, then it starts Apache and configures Apache to start if the machine is rebooted.</a:t>
+            </a:r>
+            <a:br>
+              <a:rPr lang="en-US" baseline="0" dirty="0" smtClean="0"/>
+            </a:br>
+            <a:r>
+              <a:rPr lang="en-US" baseline="0" dirty="0" smtClean="0"/>
+              <a:t/>
+            </a:r>
+            <a:br>
+              <a:rPr lang="en-US" baseline="0" dirty="0" smtClean="0"/>
+            </a:br>
+            <a:r>
+              <a:rPr lang="en-US" baseline="0" dirty="0" smtClean="0"/>
+              <a:t>package “</a:t>
+            </a:r>
+            <a:r>
+              <a:rPr lang="en-US" baseline="0" dirty="0" err="1" smtClean="0"/>
+              <a:t>httpd</a:t>
+            </a:r>
+            <a:r>
+              <a:rPr lang="en-US" baseline="0" dirty="0" smtClean="0"/>
+              <a:t>” do</a:t>
+            </a:r>
+            <a:br>
+              <a:rPr lang="en-US" baseline="0" dirty="0" smtClean="0"/>
+            </a:br>
+            <a:r>
+              <a:rPr lang="en-US" baseline="0" dirty="0" smtClean="0"/>
+              <a:t>   action :install</a:t>
+            </a:r>
+            <a:br>
+              <a:rPr lang="en-US" baseline="0" dirty="0" smtClean="0"/>
+            </a:br>
+            <a:r>
+              <a:rPr lang="en-US" baseline="0" dirty="0" smtClean="0"/>
+              <a:t>end</a:t>
+            </a:r>
+            <a:br>
+              <a:rPr lang="en-US" baseline="0" dirty="0" smtClean="0"/>
+            </a:br>
+            <a:r>
+              <a:rPr lang="en-US" baseline="0" dirty="0" smtClean="0"/>
+              <a:t/>
+            </a:r>
+            <a:br>
+              <a:rPr lang="en-US" baseline="0" dirty="0" smtClean="0"/>
+            </a:br>
+            <a:r>
+              <a:rPr lang="en-US" baseline="0" dirty="0" smtClean="0"/>
+              <a:t>file “/</a:t>
+            </a:r>
+            <a:r>
+              <a:rPr lang="en-US" baseline="0" dirty="0" err="1" smtClean="0"/>
+              <a:t>var</a:t>
+            </a:r>
+            <a:r>
+              <a:rPr lang="en-US" baseline="0" dirty="0" smtClean="0"/>
+              <a:t>/www/html/</a:t>
+            </a:r>
+            <a:r>
+              <a:rPr lang="en-US" baseline="0" dirty="0" err="1" smtClean="0"/>
+              <a:t>index.html</a:t>
+            </a:r>
+            <a:r>
+              <a:rPr lang="en-US" baseline="0" dirty="0" smtClean="0"/>
+              <a:t>” do</a:t>
+            </a:r>
+            <a:br>
+              <a:rPr lang="en-US" baseline="0" dirty="0" smtClean="0"/>
+            </a:br>
+            <a:r>
+              <a:rPr lang="en-US" baseline="0" dirty="0" smtClean="0"/>
+              <a:t>    content “</a:t>
+            </a:r>
+            <a:r>
+              <a:rPr lang="en-US" baseline="0" dirty="0" err="1" smtClean="0"/>
+              <a:t>Hellow</a:t>
+            </a:r>
+            <a:r>
+              <a:rPr lang="en-US" baseline="0" dirty="0" smtClean="0"/>
+              <a:t> World”</a:t>
+            </a:r>
+            <a:br>
+              <a:rPr lang="en-US" baseline="0" dirty="0" smtClean="0"/>
+            </a:br>
+            <a:r>
+              <a:rPr lang="en-US" baseline="0" dirty="0" smtClean="0"/>
+              <a:t>    action :create</a:t>
+            </a:r>
+            <a:br>
+              <a:rPr lang="en-US" baseline="0" dirty="0" smtClean="0"/>
+            </a:br>
+            <a:r>
+              <a:rPr lang="en-US" baseline="0" dirty="0" smtClean="0"/>
+              <a:t>end</a:t>
+            </a:r>
+            <a:br>
+              <a:rPr lang="en-US" baseline="0" dirty="0" smtClean="0"/>
+            </a:br>
+            <a:r>
+              <a:rPr lang="en-US" baseline="0" dirty="0" smtClean="0"/>
+              <a:t/>
+            </a:r>
+            <a:br>
+              <a:rPr lang="en-US" baseline="0" dirty="0" smtClean="0"/>
+            </a:br>
+            <a:r>
+              <a:rPr lang="en-US" baseline="0" dirty="0" smtClean="0"/>
+              <a:t>service “</a:t>
+            </a:r>
+            <a:r>
+              <a:rPr lang="en-US" baseline="0" dirty="0" err="1" smtClean="0"/>
+              <a:t>httpd</a:t>
+            </a:r>
+            <a:r>
+              <a:rPr lang="en-US" baseline="0" dirty="0" smtClean="0"/>
+              <a:t>” do</a:t>
+            </a:r>
+            <a:br>
+              <a:rPr lang="en-US" baseline="0" dirty="0" smtClean="0"/>
+            </a:br>
+            <a:r>
+              <a:rPr lang="en-US" baseline="0" dirty="0" smtClean="0"/>
+              <a:t>    action [:enable, :start]</a:t>
+            </a:r>
+            <a:br>
+              <a:rPr lang="en-US" baseline="0" dirty="0" smtClean="0"/>
+            </a:br>
+            <a:r>
+              <a:rPr lang="en-US" baseline="0" dirty="0" smtClean="0"/>
+              <a:t>end</a:t>
+            </a:r>
+            <a:br>
+              <a:rPr lang="en-US" baseline="0" dirty="0" smtClean="0"/>
+            </a:br>
+            <a:endParaRPr lang="en-US" baseline="0" dirty="0" smtClean="0"/>
+          </a:p>
+          <a:p>
+            <a:pPr marL="0" indent="0">
+              <a:buNone/>
+            </a:pPr>
+            <a:r>
+              <a:rPr lang="en-US" b="1" baseline="0" dirty="0" smtClean="0"/>
+              <a:t>References:</a:t>
+            </a:r>
+          </a:p>
+          <a:p>
+            <a:pPr marL="228600" indent="-228600">
+              <a:buFont typeface="Arial"/>
+              <a:buChar char="•"/>
+            </a:pPr>
+            <a:r>
+              <a:rPr lang="en-US" baseline="0" dirty="0" smtClean="0"/>
+              <a:t>See </a:t>
+            </a:r>
+            <a:r>
+              <a:rPr lang="en-US" baseline="0" dirty="0" err="1" smtClean="0"/>
+              <a:t>www.rightscale.com</a:t>
+            </a:r>
+            <a:r>
+              <a:rPr lang="en-US" baseline="0" dirty="0" smtClean="0"/>
+              <a:t> for an example of a Graphically driven Configuration Management platform</a:t>
+            </a:r>
+          </a:p>
+          <a:p>
             <a:endParaRPr lang="en-US" dirty="0"/>
           </a:p>
         </p:txBody>
@@ -2924,6 +3615,27 @@
           <a:bodyPr/>
           <a:lstStyle/>
           <a:p>
+            <a:r>
+              <a:rPr lang="en-US" b="1" dirty="0" smtClean="0"/>
+              <a:t>Notes:</a:t>
+            </a:r>
+          </a:p>
+          <a:p>
+            <a:pPr marL="171450" indent="-171450">
+              <a:buFont typeface="Arial"/>
+              <a:buChar char="•"/>
+            </a:pPr>
+            <a:r>
+              <a:rPr lang="en-US" dirty="0" smtClean="0"/>
+              <a:t>Typically</a:t>
+            </a:r>
+            <a:r>
+              <a:rPr lang="en-US" baseline="0" dirty="0" smtClean="0"/>
+              <a:t> each function would be a different script; one script for launching the instance and a separate script for installing and configuring the database.</a:t>
+            </a:r>
+            <a:endParaRPr lang="en-US" dirty="0" smtClean="0"/>
+          </a:p>
+          <a:p>
             <a:endParaRPr lang="en-US" dirty="0"/>
           </a:p>
         </p:txBody>
@@ -3058,9 +3770,274 @@
             </a:r>
             <a:r>
               <a:rPr lang="en-US" baseline="0" dirty="0" smtClean="0"/>
-              <a:t> that an Apache web server is installed and started, with a default web page is created with the words “Hello, World!”</a:t>
-            </a:r>
-            <a:endParaRPr lang="en-US" dirty="0"/>
+              <a:t> that an Apache web server is installed and started, with a default web page is created with the words “Hello, World!</a:t>
+            </a:r>
+            <a:r>
+              <a:rPr lang="en-US" baseline="0" dirty="0" smtClean="0"/>
+              <a:t>”</a:t>
+            </a:r>
+            <a:endParaRPr lang="en-US" baseline="0" dirty="0"/>
+          </a:p>
+          <a:p>
+            <a:pPr marL="228600" marR="0" lvl="0" indent="-228600" algn="l" defTabSz="914400" rtl="0" eaLnBrk="1" fontAlgn="auto" latinLnBrk="0" hangingPunct="1">
+              <a:lnSpc>
+                <a:spcPct val="100000"/>
+              </a:lnSpc>
+              <a:spcBef>
+                <a:spcPts val="0"/>
+              </a:spcBef>
+              <a:spcAft>
+                <a:spcPts val="0"/>
+              </a:spcAft>
+              <a:buClrTx/>
+              <a:buSzTx/>
+              <a:buFont typeface="Arial"/>
+              <a:buChar char="•"/>
+              <a:tabLst/>
+              <a:defRPr/>
+            </a:pPr>
+            <a:r>
+              <a:rPr lang="en-US" baseline="0" dirty="0" err="1" smtClean="0"/>
+              <a:t>Httpd</a:t>
+            </a:r>
+            <a:r>
+              <a:rPr lang="en-US" baseline="0" dirty="0" smtClean="0"/>
+              <a:t> is the package name for Apache on </a:t>
+            </a:r>
+            <a:r>
+              <a:rPr lang="en-US" baseline="0" dirty="0" err="1" smtClean="0"/>
+              <a:t>CentOS</a:t>
+            </a:r>
+            <a:r>
+              <a:rPr lang="en-US" baseline="0" dirty="0" smtClean="0"/>
+              <a:t>.  It is called “apache2” for Ubuntu.  </a:t>
+            </a:r>
+          </a:p>
+          <a:p>
+            <a:pPr marL="228600" marR="0" lvl="0" indent="-228600" algn="l" defTabSz="914400" rtl="0" eaLnBrk="1" fontAlgn="auto" latinLnBrk="0" hangingPunct="1">
+              <a:lnSpc>
+                <a:spcPct val="100000"/>
+              </a:lnSpc>
+              <a:spcBef>
+                <a:spcPts val="0"/>
+              </a:spcBef>
+              <a:spcAft>
+                <a:spcPts val="0"/>
+              </a:spcAft>
+              <a:buClrTx/>
+              <a:buSzTx/>
+              <a:buFont typeface="Arial"/>
+              <a:buChar char="•"/>
+              <a:tabLst/>
+              <a:defRPr/>
+            </a:pPr>
+            <a:r>
+              <a:rPr lang="en-US" baseline="0" dirty="0" smtClean="0"/>
+              <a:t>The ’service’ block here has the simplified action “start”.  In practical examples, we use</a:t>
+            </a:r>
+            <a:br>
+              <a:rPr lang="en-US" baseline="0" dirty="0" smtClean="0"/>
+            </a:br>
+            <a:r>
+              <a:rPr lang="en-US" baseline="0" dirty="0" smtClean="0"/>
+              <a:t>action [:enable , :start]</a:t>
+            </a:r>
+            <a:br>
+              <a:rPr lang="en-US" baseline="0" dirty="0" smtClean="0"/>
+            </a:br>
+            <a:r>
+              <a:rPr lang="en-US" baseline="0" dirty="0" smtClean="0"/>
+              <a:t>so that it starts the Apache process now and it enables the server such that the Apache process starts if the machine is rebooted.</a:t>
+            </a:r>
+          </a:p>
+          <a:p>
+            <a:pPr marL="228600" marR="0" lvl="0" indent="-228600" algn="l" defTabSz="914400" rtl="0" eaLnBrk="1" fontAlgn="auto" latinLnBrk="0" hangingPunct="1">
+              <a:lnSpc>
+                <a:spcPct val="100000"/>
+              </a:lnSpc>
+              <a:spcBef>
+                <a:spcPts val="0"/>
+              </a:spcBef>
+              <a:spcAft>
+                <a:spcPts val="0"/>
+              </a:spcAft>
+              <a:buClrTx/>
+              <a:buSzTx/>
+              <a:buFont typeface="Arial"/>
+              <a:buChar char="•"/>
+              <a:tabLst/>
+              <a:defRPr/>
+            </a:pPr>
+            <a:r>
+              <a:rPr lang="en-US" baseline="0" dirty="0" smtClean="0"/>
+              <a:t>For the Package and File resources, you could leave out the action because these resources are using the default action.  The more streamlined code would look like:</a:t>
+            </a:r>
+            <a:br>
+              <a:rPr lang="en-US" baseline="0" dirty="0" smtClean="0"/>
+            </a:br>
+            <a:r>
+              <a:rPr lang="en-US" baseline="0" dirty="0" smtClean="0"/>
+              <a:t>package “</a:t>
+            </a:r>
+            <a:r>
+              <a:rPr lang="en-US" baseline="0" dirty="0" err="1" smtClean="0"/>
+              <a:t>httpd</a:t>
+            </a:r>
+            <a:r>
+              <a:rPr lang="en-US" baseline="0" dirty="0" smtClean="0"/>
+              <a:t>”</a:t>
+            </a:r>
+            <a:br>
+              <a:rPr lang="en-US" baseline="0" dirty="0" smtClean="0"/>
+            </a:br>
+            <a:r>
+              <a:rPr lang="en-US" baseline="0" dirty="0" smtClean="0"/>
+              <a:t/>
+            </a:r>
+            <a:br>
+              <a:rPr lang="en-US" baseline="0" dirty="0" smtClean="0"/>
+            </a:br>
+            <a:r>
+              <a:rPr lang="en-US" baseline="0" dirty="0" smtClean="0"/>
+              <a:t>service “</a:t>
+            </a:r>
+            <a:r>
+              <a:rPr lang="en-US" baseline="0" dirty="0" err="1" smtClean="0"/>
+              <a:t>httpd</a:t>
+            </a:r>
+            <a:r>
+              <a:rPr lang="en-US" baseline="0" dirty="0" smtClean="0"/>
+              <a:t>” do</a:t>
+            </a:r>
+            <a:br>
+              <a:rPr lang="en-US" baseline="0" dirty="0" smtClean="0"/>
+            </a:br>
+            <a:r>
+              <a:rPr lang="en-US" baseline="0" dirty="0" smtClean="0"/>
+              <a:t>  action [:enable, :start]</a:t>
+            </a:r>
+            <a:br>
+              <a:rPr lang="en-US" baseline="0" dirty="0" smtClean="0"/>
+            </a:br>
+            <a:r>
+              <a:rPr lang="en-US" baseline="0" dirty="0" smtClean="0"/>
+              <a:t>end</a:t>
+            </a:r>
+            <a:br>
+              <a:rPr lang="en-US" baseline="0" dirty="0" smtClean="0"/>
+            </a:br>
+            <a:r>
+              <a:rPr lang="en-US" baseline="0" dirty="0" smtClean="0"/>
+              <a:t/>
+            </a:r>
+            <a:br>
+              <a:rPr lang="en-US" baseline="0" dirty="0" smtClean="0"/>
+            </a:br>
+            <a:r>
+              <a:rPr lang="en-US" baseline="0" dirty="0" smtClean="0"/>
+              <a:t>file “/</a:t>
+            </a:r>
+            <a:r>
+              <a:rPr lang="en-US" baseline="0" dirty="0" err="1" smtClean="0"/>
+              <a:t>var</a:t>
+            </a:r>
+            <a:r>
+              <a:rPr lang="en-US" baseline="0" dirty="0" smtClean="0"/>
+              <a:t>/www/html/</a:t>
+            </a:r>
+            <a:r>
+              <a:rPr lang="en-US" baseline="0" dirty="0" err="1" smtClean="0"/>
+              <a:t>index.html</a:t>
+            </a:r>
+            <a:r>
+              <a:rPr lang="en-US" baseline="0" dirty="0" smtClean="0"/>
+              <a:t>” do</a:t>
+            </a:r>
+            <a:br>
+              <a:rPr lang="en-US" baseline="0" dirty="0" smtClean="0"/>
+            </a:br>
+            <a:r>
+              <a:rPr lang="en-US" baseline="0" dirty="0" smtClean="0"/>
+              <a:t>    content “Hello World”</a:t>
+            </a:r>
+            <a:br>
+              <a:rPr lang="en-US" baseline="0" dirty="0" smtClean="0"/>
+            </a:br>
+            <a:r>
+              <a:rPr lang="en-US" baseline="0" dirty="0" smtClean="0"/>
+              <a:t>end</a:t>
+            </a:r>
+          </a:p>
+          <a:p>
+            <a:pPr marL="0" marR="0" lvl="0" indent="0" algn="l" defTabSz="914400" rtl="0" eaLnBrk="1" fontAlgn="auto" latinLnBrk="0" hangingPunct="1">
+              <a:lnSpc>
+                <a:spcPct val="100000"/>
+              </a:lnSpc>
+              <a:spcBef>
+                <a:spcPts val="0"/>
+              </a:spcBef>
+              <a:spcAft>
+                <a:spcPts val="0"/>
+              </a:spcAft>
+              <a:buClrTx/>
+              <a:buSzTx/>
+              <a:buFont typeface="Arial"/>
+              <a:buNone/>
+              <a:tabLst/>
+              <a:defRPr/>
+            </a:pPr>
+            <a:endParaRPr lang="en-US" baseline="0" dirty="0" smtClean="0"/>
+          </a:p>
+          <a:p>
+            <a:pPr marL="0" marR="0" lvl="0" indent="0" algn="l" defTabSz="914400" rtl="0" eaLnBrk="1" fontAlgn="auto" latinLnBrk="0" hangingPunct="1">
+              <a:lnSpc>
+                <a:spcPct val="100000"/>
+              </a:lnSpc>
+              <a:spcBef>
+                <a:spcPts val="0"/>
+              </a:spcBef>
+              <a:spcAft>
+                <a:spcPts val="0"/>
+              </a:spcAft>
+              <a:buClrTx/>
+              <a:buSzTx/>
+              <a:buFont typeface="Arial" panose="020B0604020202020204" pitchFamily="34" charset="0"/>
+              <a:buNone/>
+              <a:tabLst/>
+              <a:defRPr/>
+            </a:pPr>
+            <a:r>
+              <a:rPr lang="en-US" b="1" baseline="0" dirty="0" smtClean="0"/>
+              <a:t>References:</a:t>
+            </a:r>
+          </a:p>
+          <a:p>
+            <a:pPr marL="228600" marR="0" lvl="0" indent="-228600" algn="l" defTabSz="914400" rtl="0" eaLnBrk="1" fontAlgn="auto" latinLnBrk="0" hangingPunct="1">
+              <a:lnSpc>
+                <a:spcPct val="100000"/>
+              </a:lnSpc>
+              <a:spcBef>
+                <a:spcPts val="0"/>
+              </a:spcBef>
+              <a:spcAft>
+                <a:spcPts val="0"/>
+              </a:spcAft>
+              <a:buClrTx/>
+              <a:buSzTx/>
+              <a:buFont typeface="Arial"/>
+              <a:buChar char="•"/>
+              <a:tabLst/>
+              <a:defRPr/>
+            </a:pPr>
+            <a:r>
+              <a:rPr lang="en-US" baseline="0" dirty="0" smtClean="0"/>
+              <a:t>For default actions, see: </a:t>
+            </a:r>
+            <a:r>
+              <a:rPr lang="en-US" baseline="0" dirty="0" err="1" smtClean="0"/>
+              <a:t>docs.chef.io</a:t>
+            </a:r>
+            <a:endParaRPr lang="en-US" baseline="0" dirty="0" smtClean="0"/>
           </a:p>
         </p:txBody>
       </p:sp>
@@ -3228,6 +4205,22 @@
         <p:txBody>
           <a:bodyPr/>
           <a:lstStyle/>
+          <a:p>
+            <a:r>
+              <a:rPr lang="en-US" b="1" dirty="0" smtClean="0"/>
+              <a:t>Notes:</a:t>
+            </a:r>
+          </a:p>
+          <a:p>
+            <a:pPr marL="228600" indent="-228600">
+              <a:buFont typeface="Arial"/>
+              <a:buChar char="•"/>
+            </a:pPr>
+            <a:r>
+              <a:rPr lang="en-US" baseline="0" dirty="0" smtClean="0"/>
+              <a:t>Variables are important to allow you to write code once and use it in different situations.  Example: you create code that installs and configures a database, but every department in your company needs their own database with a unique username and password.  Variables allow the same code to be run to create a database for each department, but with unique values for each department’s database for username and password.</a:t>
+            </a:r>
+          </a:p>
           <a:p>
             <a:endParaRPr lang="en-US" dirty="0"/>
           </a:p>
@@ -3419,7 +4412,7 @@
             <a:fld id="{0459C166-16D3-4A25-A2F8-C51E0E346B22}" type="datetimeFigureOut">
               <a:rPr lang="en-US" smtClean="0"/>
               <a:pPr/>
-              <a:t>6/19/16</a:t>
+              <a:t>6/29/16</a:t>
             </a:fld>
             <a:endParaRPr lang="en-US"/>
           </a:p>
@@ -3788,7 +4781,7 @@
             <a:fld id="{0459C166-16D3-4A25-A2F8-C51E0E346B22}" type="datetimeFigureOut">
               <a:rPr lang="en-US" smtClean="0"/>
               <a:pPr/>
-              <a:t>6/19/16</a:t>
+              <a:t>6/29/16</a:t>
             </a:fld>
             <a:endParaRPr lang="en-US"/>
           </a:p>
@@ -3908,7 +4901,7 @@
             <a:fld id="{0459C166-16D3-4A25-A2F8-C51E0E346B22}" type="datetimeFigureOut">
               <a:rPr lang="en-US" smtClean="0"/>
               <a:pPr/>
-              <a:t>6/19/16</a:t>
+              <a:t>6/29/16</a:t>
             </a:fld>
             <a:endParaRPr lang="en-US"/>
           </a:p>
@@ -4080,7 +5073,7 @@
             <a:fld id="{0459C166-16D3-4A25-A2F8-C51E0E346B22}" type="datetimeFigureOut">
               <a:rPr lang="en-US" smtClean="0"/>
               <a:pPr/>
-              <a:t>6/19/16</a:t>
+              <a:t>6/29/16</a:t>
             </a:fld>
             <a:endParaRPr lang="en-US"/>
           </a:p>
@@ -4346,7 +5339,7 @@
             <a:fld id="{0459C166-16D3-4A25-A2F8-C51E0E346B22}" type="datetimeFigureOut">
               <a:rPr lang="en-US" smtClean="0"/>
               <a:pPr/>
-              <a:t>6/19/16</a:t>
+              <a:t>6/29/16</a:t>
             </a:fld>
             <a:endParaRPr lang="en-US"/>
           </a:p>
@@ -4666,7 +5659,7 @@
             <a:fld id="{0459C166-16D3-4A25-A2F8-C51E0E346B22}" type="datetimeFigureOut">
               <a:rPr lang="en-US" smtClean="0"/>
               <a:pPr/>
-              <a:t>6/19/16</a:t>
+              <a:t>6/29/16</a:t>
             </a:fld>
             <a:endParaRPr lang="en-US"/>
           </a:p>
@@ -5065,7 +6058,7 @@
             <a:fld id="{0459C166-16D3-4A25-A2F8-C51E0E346B22}" type="datetimeFigureOut">
               <a:rPr lang="en-US" smtClean="0"/>
               <a:pPr/>
-              <a:t>6/19/16</a:t>
+              <a:t>6/29/16</a:t>
             </a:fld>
             <a:endParaRPr lang="en-US"/>
           </a:p>
@@ -6037,7 +7030,7 @@
             <a:fld id="{0459C166-16D3-4A25-A2F8-C51E0E346B22}" type="datetimeFigureOut">
               <a:rPr lang="en-US" smtClean="0"/>
               <a:pPr/>
-              <a:t>6/19/16</a:t>
+              <a:t>6/29/16</a:t>
             </a:fld>
             <a:endParaRPr lang="en-US"/>
           </a:p>
@@ -6251,7 +7244,7 @@
             <a:fld id="{0459C166-16D3-4A25-A2F8-C51E0E346B22}" type="datetimeFigureOut">
               <a:rPr lang="en-US" smtClean="0"/>
               <a:pPr/>
-              <a:t>6/19/16</a:t>
+              <a:t>6/29/16</a:t>
             </a:fld>
             <a:endParaRPr lang="en-US"/>
           </a:p>
@@ -7176,23 +8169,7 @@
                     <a:srgbClr val="000000"/>
                   </a:solidFill>
                 </a:rPr>
-                <a:t>Each </a:t>
-              </a:r>
-              <a:r>
-                <a:rPr lang="en-US" sz="2800" dirty="0" smtClean="0">
-                  <a:solidFill>
-                    <a:srgbClr val="000000"/>
-                  </a:solidFill>
-                </a:rPr>
-                <a:t>configuration management platform has the ability to utilize </a:t>
-              </a:r>
-              <a:r>
-                <a:rPr lang="en-US" sz="2800" dirty="0" smtClean="0">
-                  <a:solidFill>
-                    <a:srgbClr val="000000"/>
-                  </a:solidFill>
-                </a:rPr>
-                <a:t>variables</a:t>
+                <a:t>Each configuration management platform has the ability to utilize variables</a:t>
               </a:r>
               <a:endParaRPr lang="en-US" sz="2800" dirty="0">
                 <a:solidFill>
@@ -7211,23 +8188,7 @@
                     <a:srgbClr val="000000"/>
                   </a:solidFill>
                 </a:rPr>
-                <a:t>These </a:t>
-              </a:r>
-              <a:r>
-                <a:rPr lang="en-US" sz="2800" dirty="0" smtClean="0">
-                  <a:solidFill>
-                    <a:srgbClr val="000000"/>
-                  </a:solidFill>
-                </a:rPr>
-                <a:t>variables allow for one script to employ unique values on each </a:t>
-              </a:r>
-              <a:r>
-                <a:rPr lang="en-US" sz="2800" dirty="0" smtClean="0">
-                  <a:solidFill>
-                    <a:srgbClr val="000000"/>
-                  </a:solidFill>
-                </a:rPr>
-                <a:t>server</a:t>
+                <a:t>These variables allow for one script to employ unique values on each server</a:t>
               </a:r>
               <a:endParaRPr lang="en-US" sz="2800" dirty="0">
                 <a:solidFill>
@@ -7246,45 +8207,8 @@
                     <a:srgbClr val="000000"/>
                   </a:solidFill>
                 </a:rPr>
-                <a:t>These </a:t>
+                <a:t>These variables can be set in the script or, more commonly, in other locations, providing global controls and portability</a:t>
               </a:r>
-              <a:r>
-                <a:rPr lang="en-US" sz="2800" dirty="0" smtClean="0">
-                  <a:solidFill>
-                    <a:srgbClr val="000000"/>
-                  </a:solidFill>
-                </a:rPr>
-                <a:t>variables can be set in the script or, more commonly, in </a:t>
-              </a:r>
-              <a:r>
-                <a:rPr lang="en-US" sz="2800" dirty="0" smtClean="0">
-                  <a:solidFill>
-                    <a:srgbClr val="000000"/>
-                  </a:solidFill>
-                </a:rPr>
-                <a:t>other locations</a:t>
-              </a:r>
-              <a:r>
-                <a:rPr lang="en-US" sz="2800" dirty="0" smtClean="0">
-                  <a:solidFill>
-                    <a:srgbClr val="000000"/>
-                  </a:solidFill>
-                </a:rPr>
-                <a:t>, providing global controls and </a:t>
-              </a:r>
-              <a:r>
-                <a:rPr lang="en-US" sz="2800" dirty="0" smtClean="0">
-                  <a:solidFill>
-                    <a:srgbClr val="000000"/>
-                  </a:solidFill>
-                </a:rPr>
-                <a:t>portability</a:t>
-              </a:r>
-              <a:endParaRPr lang="en-US" sz="2800" dirty="0" smtClean="0">
-                <a:solidFill>
-                  <a:srgbClr val="000000"/>
-                </a:solidFill>
-              </a:endParaRPr>
             </a:p>
           </p:txBody>
         </p:sp>
@@ -8187,15 +9111,7 @@
                     <a:srgbClr val="000000"/>
                   </a:solidFill>
                 </a:rPr>
-                <a:t>The </a:t>
-              </a:r>
-              <a:r>
-                <a:rPr lang="en-US" sz="2800" dirty="0" smtClean="0">
-                  <a:solidFill>
-                    <a:srgbClr val="000000"/>
-                  </a:solidFill>
-                </a:rPr>
-                <a:t>term ‘</a:t>
+                <a:t>The term ‘</a:t>
               </a:r>
               <a:r>
                 <a:rPr lang="en-US" sz="2800" dirty="0" err="1" smtClean="0">
@@ -8225,23 +9141,7 @@
                     <a:srgbClr val="000000"/>
                   </a:solidFill>
                 </a:rPr>
-                <a:t>If </a:t>
-              </a:r>
-              <a:r>
-                <a:rPr lang="en-US" sz="2800" dirty="0" smtClean="0">
-                  <a:solidFill>
-                    <a:srgbClr val="000000"/>
-                  </a:solidFill>
-                </a:rPr>
-                <a:t>you apply the same instruction set a second time to a server, </a:t>
-              </a:r>
-              <a:r>
-                <a:rPr lang="en-US" sz="2800" dirty="0" smtClean="0">
-                  <a:solidFill>
-                    <a:srgbClr val="000000"/>
-                  </a:solidFill>
-                </a:rPr>
-                <a:t>only</a:t>
+                <a:t>If you apply the same instruction set a second time to a server, only</a:t>
               </a:r>
               <a:r>
                 <a:rPr lang="en-US" sz="2800" dirty="0">
@@ -8257,39 +9157,7 @@
                     <a:srgbClr val="000000"/>
                   </a:solidFill>
                 </a:rPr>
-                <a:t>the </a:t>
-              </a:r>
-              <a:r>
-                <a:rPr lang="en-US" sz="2800" dirty="0" smtClean="0">
-                  <a:solidFill>
-                    <a:srgbClr val="000000"/>
-                  </a:solidFill>
-                </a:rPr>
-                <a:t>changes that need to happen to bring the server into agreement </a:t>
-              </a:r>
-              <a:r>
-                <a:rPr lang="en-US" sz="2800" dirty="0" smtClean="0">
-                  <a:solidFill>
-                    <a:srgbClr val="000000"/>
-                  </a:solidFill>
-                </a:rPr>
-                <a:t>with </a:t>
-              </a:r>
-              <a:r>
-                <a:rPr lang="en-US" sz="2800" dirty="0" smtClean="0">
-                  <a:solidFill>
-                    <a:srgbClr val="000000"/>
-                  </a:solidFill>
-                </a:rPr>
-                <a:t>the script are </a:t>
-              </a:r>
-              <a:r>
-                <a:rPr lang="en-US" sz="2800" dirty="0" smtClean="0">
-                  <a:solidFill>
-                    <a:srgbClr val="000000"/>
-                  </a:solidFill>
-                </a:rPr>
-                <a:t>implemented</a:t>
+                <a:t>the changes that need to happen to bring the server into agreement with the script are implemented</a:t>
               </a:r>
               <a:endParaRPr lang="en-US" sz="2800" dirty="0">
                 <a:solidFill>
@@ -8308,45 +9176,8 @@
                     <a:srgbClr val="000000"/>
                   </a:solidFill>
                 </a:rPr>
-                <a:t>If </a:t>
+                <a:t>If the script dictates that Apache should be installed, but Apache is already installed, this step is skipped</a:t>
               </a:r>
-              <a:r>
-                <a:rPr lang="en-US" sz="2800" dirty="0" smtClean="0">
-                  <a:solidFill>
-                    <a:srgbClr val="000000"/>
-                  </a:solidFill>
-                </a:rPr>
-                <a:t>the script dictates that Apache should be installed, but Apache is </a:t>
-              </a:r>
-              <a:r>
-                <a:rPr lang="en-US" sz="2800" dirty="0" smtClean="0">
-                  <a:solidFill>
-                    <a:srgbClr val="000000"/>
-                  </a:solidFill>
-                </a:rPr>
-                <a:t>already </a:t>
-              </a:r>
-              <a:r>
-                <a:rPr lang="en-US" sz="2800" dirty="0" smtClean="0">
-                  <a:solidFill>
-                    <a:srgbClr val="000000"/>
-                  </a:solidFill>
-                </a:rPr>
-                <a:t>installed, this step is </a:t>
-              </a:r>
-              <a:r>
-                <a:rPr lang="en-US" sz="2800" dirty="0" smtClean="0">
-                  <a:solidFill>
-                    <a:srgbClr val="000000"/>
-                  </a:solidFill>
-                </a:rPr>
-                <a:t>skipped</a:t>
-              </a:r>
-              <a:endParaRPr lang="en-US" sz="2800" dirty="0" smtClean="0">
-                <a:solidFill>
-                  <a:srgbClr val="000000"/>
-                </a:solidFill>
-              </a:endParaRPr>
             </a:p>
           </p:txBody>
         </p:sp>
@@ -9339,11 +10170,6 @@
                 </a:rPr>
                 <a:t>Puppet</a:t>
               </a:r>
-              <a:endParaRPr lang="en-US" sz="2800" dirty="0" smtClean="0">
-                <a:solidFill>
-                  <a:srgbClr val="000000"/>
-                </a:solidFill>
-              </a:endParaRPr>
             </a:p>
             <a:p>
               <a:pPr marL="1371600" lvl="2" indent="-457200">
@@ -9358,11 +10184,6 @@
                 </a:rPr>
                 <a:t>Chef</a:t>
               </a:r>
-              <a:endParaRPr lang="en-US" sz="2800" dirty="0" smtClean="0">
-                <a:solidFill>
-                  <a:srgbClr val="000000"/>
-                </a:solidFill>
-              </a:endParaRPr>
             </a:p>
             <a:p>
               <a:pPr marL="1371600" lvl="2" indent="-457200">
@@ -9415,11 +10236,6 @@
                 </a:rPr>
                 <a:t>Salt</a:t>
               </a:r>
-              <a:endParaRPr lang="en-US" sz="2800" dirty="0" smtClean="0">
-                <a:solidFill>
-                  <a:srgbClr val="000000"/>
-                </a:solidFill>
-              </a:endParaRPr>
             </a:p>
             <a:p>
               <a:pPr marL="1371600" lvl="2" indent="-457200">
@@ -9873,29 +10689,8 @@
                     <a:srgbClr val="000000"/>
                   </a:solidFill>
                 </a:rPr>
-                <a:t>Requires </a:t>
+                <a:t>Requires knowledge of the Puppet DSL</a:t>
               </a:r>
-              <a:r>
-                <a:rPr lang="en-US" sz="2800" dirty="0" smtClean="0">
-                  <a:solidFill>
-                    <a:srgbClr val="000000"/>
-                  </a:solidFill>
-                </a:rPr>
-                <a:t>knowledge of the Puppet </a:t>
-              </a:r>
-              <a:r>
-                <a:rPr lang="en-US" sz="2800" dirty="0" smtClean="0">
-                  <a:solidFill>
-                    <a:srgbClr val="000000"/>
-                  </a:solidFill>
-                </a:rPr>
-                <a:t>DSL</a:t>
-              </a:r>
-              <a:endParaRPr lang="en-US" sz="2800" dirty="0" smtClean="0">
-                <a:solidFill>
-                  <a:srgbClr val="000000"/>
-                </a:solidFill>
-              </a:endParaRPr>
             </a:p>
             <a:p>
               <a:pPr marL="1371600" lvl="2" indent="-457200">
@@ -9908,23 +10703,7 @@
                     <a:srgbClr val="000000"/>
                   </a:solidFill>
                 </a:rPr>
-                <a:t>Largest </a:t>
-              </a:r>
-              <a:r>
-                <a:rPr lang="en-US" sz="2800" dirty="0" smtClean="0">
-                  <a:solidFill>
-                    <a:srgbClr val="000000"/>
-                  </a:solidFill>
-                </a:rPr>
-                <a:t>installed base of any Configuration Management </a:t>
-              </a:r>
-              <a:r>
-                <a:rPr lang="en-US" sz="2800" dirty="0" smtClean="0">
-                  <a:solidFill>
-                    <a:srgbClr val="000000"/>
-                  </a:solidFill>
-                </a:rPr>
-                <a:t>software</a:t>
+                <a:t>Largest installed base of any Configuration Management software</a:t>
               </a:r>
               <a:endParaRPr lang="en-US" sz="2800" dirty="0">
                 <a:solidFill>
@@ -9943,29 +10722,8 @@
                     <a:srgbClr val="000000"/>
                   </a:solidFill>
                 </a:rPr>
-                <a:t>Significant </a:t>
+                <a:t>Significant adoption in the Enterprise space</a:t>
               </a:r>
-              <a:r>
-                <a:rPr lang="en-US" sz="2800" dirty="0" smtClean="0">
-                  <a:solidFill>
-                    <a:srgbClr val="000000"/>
-                  </a:solidFill>
-                </a:rPr>
-                <a:t>adoption in the Enterprise </a:t>
-              </a:r>
-              <a:r>
-                <a:rPr lang="en-US" sz="2800" dirty="0" smtClean="0">
-                  <a:solidFill>
-                    <a:srgbClr val="000000"/>
-                  </a:solidFill>
-                </a:rPr>
-                <a:t>space</a:t>
-              </a:r>
-              <a:endParaRPr lang="en-US" sz="2800" dirty="0" smtClean="0">
-                <a:solidFill>
-                  <a:srgbClr val="000000"/>
-                </a:solidFill>
-              </a:endParaRPr>
             </a:p>
             <a:p>
               <a:pPr marL="1371600" lvl="2" indent="-457200">
@@ -9978,39 +10736,7 @@
                     <a:srgbClr val="000000"/>
                   </a:solidFill>
                 </a:rPr>
-                <a:t>Many </a:t>
-              </a:r>
-              <a:r>
-                <a:rPr lang="en-US" sz="2800" dirty="0" smtClean="0">
-                  <a:solidFill>
-                    <a:srgbClr val="000000"/>
-                  </a:solidFill>
-                </a:rPr>
-                <a:t>modules already developed (so chances are high you </a:t>
-              </a:r>
-              <a:r>
-                <a:rPr lang="en-US" sz="2800" dirty="0" smtClean="0">
-                  <a:solidFill>
-                    <a:srgbClr val="000000"/>
-                  </a:solidFill>
-                </a:rPr>
-                <a:t>can leverage </a:t>
-              </a:r>
-              <a:r>
-                <a:rPr lang="en-US" sz="2800" dirty="0" smtClean="0">
-                  <a:solidFill>
-                    <a:srgbClr val="000000"/>
-                  </a:solidFill>
-                </a:rPr>
-                <a:t>existing software to accomplish your goals</a:t>
-              </a:r>
-              <a:r>
-                <a:rPr lang="en-US" sz="2800" dirty="0" smtClean="0">
-                  <a:solidFill>
-                    <a:srgbClr val="000000"/>
-                  </a:solidFill>
-                </a:rPr>
-                <a:t>)</a:t>
+                <a:t>Many modules already developed (so chances are high you can leverage existing software to accomplish your goals)</a:t>
               </a:r>
               <a:endParaRPr lang="en-US" sz="2800" dirty="0">
                 <a:solidFill>
@@ -10432,15 +11158,7 @@
                     <a:srgbClr val="000000"/>
                   </a:solidFill>
                 </a:rPr>
-                <a:t>Requires </a:t>
-              </a:r>
-              <a:r>
-                <a:rPr lang="en-US" sz="2800" dirty="0" smtClean="0">
-                  <a:solidFill>
-                    <a:srgbClr val="000000"/>
-                  </a:solidFill>
-                </a:rPr>
-                <a:t>some knowledge of Ruby</a:t>
+                <a:t>Requires some knowledge of Ruby</a:t>
               </a:r>
             </a:p>
             <a:p>
@@ -10454,31 +11172,7 @@
                     <a:srgbClr val="000000"/>
                   </a:solidFill>
                 </a:rPr>
-                <a:t>Large </a:t>
-              </a:r>
-              <a:r>
-                <a:rPr lang="en-US" sz="2800" dirty="0" smtClean="0">
-                  <a:solidFill>
-                    <a:srgbClr val="000000"/>
-                  </a:solidFill>
-                </a:rPr>
-                <a:t>community providing many resources (so you can </a:t>
-              </a:r>
-              <a:r>
-                <a:rPr lang="en-US" sz="2800" dirty="0" smtClean="0">
-                  <a:solidFill>
-                    <a:srgbClr val="000000"/>
-                  </a:solidFill>
-                </a:rPr>
-                <a:t>leverage community </a:t>
-              </a:r>
-              <a:r>
-                <a:rPr lang="en-US" sz="2800" dirty="0" smtClean="0">
-                  <a:solidFill>
-                    <a:srgbClr val="000000"/>
-                  </a:solidFill>
-                </a:rPr>
-                <a:t>resources instead of writing your own)</a:t>
+                <a:t>Large community providing many resources (so you can leverage community resources instead of writing your own)</a:t>
               </a:r>
             </a:p>
             <a:p>
@@ -10492,29 +11186,8 @@
                     <a:srgbClr val="000000"/>
                   </a:solidFill>
                 </a:rPr>
-                <a:t>One </a:t>
+                <a:t>One of the top two platforms in the space with significant Enterprise adoption</a:t>
               </a:r>
-              <a:r>
-                <a:rPr lang="en-US" sz="2800" dirty="0" smtClean="0">
-                  <a:solidFill>
-                    <a:srgbClr val="000000"/>
-                  </a:solidFill>
-                </a:rPr>
-                <a:t>of the top two platforms in the space with significant </a:t>
-              </a:r>
-              <a:r>
-                <a:rPr lang="en-US" sz="2800" dirty="0" smtClean="0">
-                  <a:solidFill>
-                    <a:srgbClr val="000000"/>
-                  </a:solidFill>
-                </a:rPr>
-                <a:t>Enterprise adoption</a:t>
-              </a:r>
-              <a:endParaRPr lang="en-US" sz="2800" dirty="0" smtClean="0">
-                <a:solidFill>
-                  <a:srgbClr val="000000"/>
-                </a:solidFill>
-              </a:endParaRPr>
             </a:p>
           </p:txBody>
         </p:sp>
@@ -10662,12 +11335,6 @@
                   </a:rPr>
                   <a:t>Graphical Configuration Management</a:t>
                 </a:r>
-                <a:endParaRPr lang="en-US" sz="2800" kern="0" dirty="0">
-                  <a:solidFill>
-                    <a:prstClr val="white"/>
-                  </a:solidFill>
-                  <a:latin typeface="+mj-lt"/>
-                </a:endParaRPr>
               </a:p>
             </p:txBody>
           </p:sp>
@@ -10910,15 +11577,7 @@
                     <a:srgbClr val="000000"/>
                   </a:solidFill>
                 </a:rPr>
-                <a:t>No </a:t>
-              </a:r>
-              <a:r>
-                <a:rPr lang="en-US" sz="2800" dirty="0" smtClean="0">
-                  <a:solidFill>
-                    <a:srgbClr val="000000"/>
-                  </a:solidFill>
-                </a:rPr>
-                <a:t>programming knowledge needed</a:t>
+                <a:t>No programming knowledge needed</a:t>
               </a:r>
             </a:p>
             <a:p>
@@ -10932,31 +11591,7 @@
                     <a:srgbClr val="000000"/>
                   </a:solidFill>
                 </a:rPr>
-                <a:t>Powerful </a:t>
-              </a:r>
-              <a:r>
-                <a:rPr lang="en-US" sz="2800" dirty="0" smtClean="0">
-                  <a:solidFill>
-                    <a:srgbClr val="000000"/>
-                  </a:solidFill>
-                </a:rPr>
-                <a:t>graphical interface for multi-cloud configuration, which </a:t>
-              </a:r>
-              <a:r>
-                <a:rPr lang="en-US" sz="2800" dirty="0" smtClean="0">
-                  <a:solidFill>
-                    <a:srgbClr val="000000"/>
-                  </a:solidFill>
-                </a:rPr>
-                <a:t>translates </a:t>
-              </a:r>
-              <a:r>
-                <a:rPr lang="en-US" sz="2800" dirty="0" smtClean="0">
-                  <a:solidFill>
-                    <a:srgbClr val="000000"/>
-                  </a:solidFill>
-                </a:rPr>
-                <a:t>GUI requests into cloud API commands</a:t>
+                <a:t>Powerful graphical interface for multi-cloud configuration, which translates GUI requests into cloud API commands</a:t>
               </a:r>
             </a:p>
             <a:p>
@@ -10970,23 +11605,7 @@
                     <a:srgbClr val="000000"/>
                   </a:solidFill>
                 </a:rPr>
-                <a:t>Targeted </a:t>
-              </a:r>
-              <a:r>
-                <a:rPr lang="en-US" sz="2800" dirty="0" smtClean="0">
-                  <a:solidFill>
-                    <a:srgbClr val="000000"/>
-                  </a:solidFill>
-                </a:rPr>
-                <a:t>at the </a:t>
-              </a:r>
-              <a:r>
-                <a:rPr lang="en-US" sz="2800" dirty="0" smtClean="0">
-                  <a:solidFill>
-                    <a:srgbClr val="000000"/>
-                  </a:solidFill>
-                </a:rPr>
-                <a:t>Enterprise</a:t>
+                <a:t>Targeted at the Enterprise</a:t>
               </a:r>
               <a:endParaRPr lang="en-US" sz="2800" dirty="0">
                 <a:solidFill>
@@ -11241,12 +11860,6 @@
                   </a:rPr>
                   <a:t>Programmatic Configuration Management</a:t>
                 </a:r>
-                <a:endParaRPr lang="en-US" sz="2800" kern="0" dirty="0">
-                  <a:solidFill>
-                    <a:prstClr val="white"/>
-                  </a:solidFill>
-                  <a:latin typeface="+mj-lt"/>
-                </a:endParaRPr>
               </a:p>
             </p:txBody>
           </p:sp>
@@ -11489,15 +12102,7 @@
                     <a:srgbClr val="000000"/>
                   </a:solidFill>
                 </a:rPr>
-                <a:t>Both </a:t>
-              </a:r>
-              <a:r>
-                <a:rPr lang="en-US" sz="2800" dirty="0" smtClean="0">
-                  <a:solidFill>
-                    <a:srgbClr val="000000"/>
-                  </a:solidFill>
-                </a:rPr>
-                <a:t>are programmatic configuration management platforms</a:t>
+                <a:t>Both are programmatic configuration management platforms</a:t>
               </a:r>
             </a:p>
             <a:p>
@@ -11511,15 +12116,7 @@
                     <a:srgbClr val="000000"/>
                   </a:solidFill>
                 </a:rPr>
-                <a:t>Both </a:t>
-              </a:r>
-              <a:r>
-                <a:rPr lang="en-US" sz="2800" dirty="0" smtClean="0">
-                  <a:solidFill>
-                    <a:srgbClr val="000000"/>
-                  </a:solidFill>
-                </a:rPr>
-                <a:t>platforms have </a:t>
+                <a:t>Both platforms have </a:t>
               </a:r>
               <a:r>
                 <a:rPr lang="en-US" sz="2800" dirty="0">
@@ -11557,45 +12154,8 @@
                     <a:srgbClr val="000000"/>
                   </a:solidFill>
                 </a:rPr>
-                <a:t>Smaller</a:t>
+                <a:t>Smaller, less robust configuration management platforms as compared to Chef and Puppet</a:t>
               </a:r>
-              <a:r>
-                <a:rPr lang="en-US" sz="2800" dirty="0" smtClean="0">
-                  <a:solidFill>
-                    <a:srgbClr val="000000"/>
-                  </a:solidFill>
-                </a:rPr>
-                <a:t>, less robust configuration management platforms </a:t>
-              </a:r>
-              <a:r>
-                <a:rPr lang="en-US" sz="2800" dirty="0" smtClean="0">
-                  <a:solidFill>
-                    <a:srgbClr val="000000"/>
-                  </a:solidFill>
-                </a:rPr>
-                <a:t>as compared </a:t>
-              </a:r>
-              <a:r>
-                <a:rPr lang="en-US" sz="2800" dirty="0" smtClean="0">
-                  <a:solidFill>
-                    <a:srgbClr val="000000"/>
-                  </a:solidFill>
-                </a:rPr>
-                <a:t>to Chef and </a:t>
-              </a:r>
-              <a:r>
-                <a:rPr lang="en-US" sz="2800" dirty="0" smtClean="0">
-                  <a:solidFill>
-                    <a:srgbClr val="000000"/>
-                  </a:solidFill>
-                </a:rPr>
-                <a:t>Puppet</a:t>
-              </a:r>
-              <a:endParaRPr lang="en-US" sz="2800" dirty="0" smtClean="0">
-                <a:solidFill>
-                  <a:srgbClr val="000000"/>
-                </a:solidFill>
-              </a:endParaRPr>
             </a:p>
           </p:txBody>
         </p:sp>
@@ -12011,23 +12571,7 @@
                     <a:srgbClr val="000000"/>
                   </a:solidFill>
                 </a:rPr>
-                <a:t>The </a:t>
-              </a:r>
-              <a:r>
-                <a:rPr lang="en-US" sz="2800" dirty="0" smtClean="0">
-                  <a:solidFill>
-                    <a:srgbClr val="000000"/>
-                  </a:solidFill>
-                </a:rPr>
-                <a:t>original configuration management </a:t>
-              </a:r>
-              <a:r>
-                <a:rPr lang="en-US" sz="2800" dirty="0" smtClean="0">
-                  <a:solidFill>
-                    <a:srgbClr val="000000"/>
-                  </a:solidFill>
-                </a:rPr>
-                <a:t>platform</a:t>
+                <a:t>The original configuration management platform</a:t>
               </a:r>
               <a:endParaRPr lang="en-US" sz="2800" dirty="0">
                 <a:solidFill>
@@ -12046,15 +12590,7 @@
                     <a:srgbClr val="000000"/>
                   </a:solidFill>
                 </a:rPr>
-                <a:t>No </a:t>
-              </a:r>
-              <a:r>
-                <a:rPr lang="en-US" sz="2800" dirty="0" smtClean="0">
-                  <a:solidFill>
-                    <a:srgbClr val="000000"/>
-                  </a:solidFill>
-                </a:rPr>
-                <a:t>significant installed base at this time, but as an historical artifact, </a:t>
+                <a:t>No significant installed base at this time, but as an historical artifact, </a:t>
               </a:r>
               <a:r>
                 <a:rPr lang="en-US" sz="2800" dirty="0" err="1" smtClean="0">
@@ -12070,31 +12606,7 @@
                     <a:srgbClr val="000000"/>
                   </a:solidFill>
                 </a:rPr>
-                <a:t> </a:t>
-              </a:r>
-              <a:r>
-                <a:rPr lang="en-US" sz="2800" dirty="0" smtClean="0">
-                  <a:solidFill>
-                    <a:srgbClr val="000000"/>
-                  </a:solidFill>
-                </a:rPr>
-                <a:t>started Configuration Management as an </a:t>
-              </a:r>
-              <a:r>
-                <a:rPr lang="en-US" sz="2800" dirty="0" smtClean="0">
-                  <a:solidFill>
-                    <a:srgbClr val="000000"/>
-                  </a:solidFill>
-                </a:rPr>
-                <a:t>important component </a:t>
-              </a:r>
-              <a:r>
-                <a:rPr lang="en-US" sz="2800" dirty="0" smtClean="0">
-                  <a:solidFill>
-                    <a:srgbClr val="000000"/>
-                  </a:solidFill>
-                </a:rPr>
-                <a:t>in the IT space</a:t>
+                <a:t> started Configuration Management as an important component in the IT space</a:t>
               </a:r>
               <a:endParaRPr lang="en-US" sz="2800" dirty="0">
                 <a:solidFill>
@@ -12516,15 +13028,7 @@
                     <a:srgbClr val="000000"/>
                   </a:solidFill>
                 </a:rPr>
-                <a:t>Instead </a:t>
-              </a:r>
-              <a:r>
-                <a:rPr lang="en-US" sz="2800" dirty="0" smtClean="0">
-                  <a:solidFill>
-                    <a:srgbClr val="000000"/>
-                  </a:solidFill>
-                </a:rPr>
-                <a:t>of using an existing </a:t>
+                <a:t>Instead of using an existing </a:t>
               </a:r>
               <a:r>
                 <a:rPr lang="en-US" sz="2800" dirty="0" err="1" smtClean="0">
@@ -12540,31 +13044,7 @@
                     <a:srgbClr val="000000"/>
                   </a:solidFill>
                 </a:rPr>
-                <a:t> management platform, developers can </a:t>
-              </a:r>
-              <a:r>
-                <a:rPr lang="en-US" sz="2800" dirty="0" smtClean="0">
-                  <a:solidFill>
-                    <a:srgbClr val="000000"/>
-                  </a:solidFill>
-                </a:rPr>
-                <a:t>write </a:t>
-              </a:r>
-              <a:r>
-                <a:rPr lang="en-US" sz="2800" dirty="0" smtClean="0">
-                  <a:solidFill>
-                    <a:srgbClr val="000000"/>
-                  </a:solidFill>
-                </a:rPr>
-                <a:t>their </a:t>
-              </a:r>
-              <a:r>
-                <a:rPr lang="en-US" sz="2800" dirty="0" smtClean="0">
-                  <a:solidFill>
-                    <a:srgbClr val="000000"/>
-                  </a:solidFill>
-                </a:rPr>
-                <a:t>own</a:t>
+                <a:t> management platform, developers can write their own</a:t>
               </a:r>
             </a:p>
             <a:p>
@@ -12578,23 +13058,7 @@
                     <a:srgbClr val="000000"/>
                   </a:solidFill>
                 </a:rPr>
-                <a:t>Can </a:t>
-              </a:r>
-              <a:r>
-                <a:rPr lang="en-US" sz="2800" dirty="0" smtClean="0">
-                  <a:solidFill>
-                    <a:srgbClr val="000000"/>
-                  </a:solidFill>
-                </a:rPr>
-                <a:t>use BASH, PowerShell Script, Ruby or any development </a:t>
-              </a:r>
-              <a:r>
-                <a:rPr lang="en-US" sz="2800" dirty="0" smtClean="0">
-                  <a:solidFill>
-                    <a:srgbClr val="000000"/>
-                  </a:solidFill>
-                </a:rPr>
-                <a:t>platform</a:t>
+                <a:t>Can use BASH, PowerShell Script, Ruby or any development platform</a:t>
               </a:r>
             </a:p>
             <a:p>
@@ -12608,31 +13072,7 @@
                     <a:srgbClr val="000000"/>
                   </a:solidFill>
                 </a:rPr>
-                <a:t>Not </a:t>
-              </a:r>
-              <a:r>
-                <a:rPr lang="en-US" sz="2800" dirty="0" smtClean="0">
-                  <a:solidFill>
-                    <a:srgbClr val="000000"/>
-                  </a:solidFill>
-                </a:rPr>
-                <a:t>recommended since there are so many options which are </a:t>
-              </a:r>
-              <a:r>
-                <a:rPr lang="en-US" sz="2800" dirty="0" smtClean="0">
-                  <a:solidFill>
-                    <a:srgbClr val="000000"/>
-                  </a:solidFill>
-                </a:rPr>
-                <a:t>already developed </a:t>
-              </a:r>
-              <a:r>
-                <a:rPr lang="en-US" sz="2800" dirty="0" smtClean="0">
-                  <a:solidFill>
-                    <a:srgbClr val="000000"/>
-                  </a:solidFill>
-                </a:rPr>
-                <a:t>and have a large community supporting them</a:t>
+                <a:t>Not recommended since there are so many options which are already developed and have a large community supporting them</a:t>
               </a:r>
               <a:endParaRPr lang="en-US" sz="2800" dirty="0">
                 <a:solidFill>
@@ -13054,21 +13494,8 @@
                     <a:srgbClr val="000000"/>
                   </a:solidFill>
                 </a:rPr>
-                <a:t>Compute </a:t>
+                <a:t>Compute resources that are owned by another entity such as: </a:t>
               </a:r>
-              <a:r>
-                <a:rPr lang="en-US" sz="2800" dirty="0" smtClean="0">
-                  <a:solidFill>
-                    <a:srgbClr val="000000"/>
-                  </a:solidFill>
-                </a:rPr>
-                <a:t>resources that are owned by another entity such as: </a:t>
-              </a:r>
-              <a:endParaRPr lang="en-US" sz="2800" dirty="0" smtClean="0">
-                <a:solidFill>
-                  <a:srgbClr val="000000"/>
-                </a:solidFill>
-              </a:endParaRPr>
             </a:p>
             <a:p>
               <a:pPr marL="1828800" lvl="3" indent="-457200">
@@ -13095,15 +13522,7 @@
                     <a:srgbClr val="000000"/>
                   </a:solidFill>
                 </a:rPr>
-                <a:t>Amazon </a:t>
-              </a:r>
-              <a:r>
-                <a:rPr lang="en-US" sz="2800" dirty="0" smtClean="0">
-                  <a:solidFill>
-                    <a:srgbClr val="000000"/>
-                  </a:solidFill>
-                </a:rPr>
-                <a:t>Web Services</a:t>
+                <a:t>Amazon Web Services</a:t>
               </a:r>
             </a:p>
             <a:p>
@@ -13117,15 +13536,7 @@
                     <a:srgbClr val="000000"/>
                   </a:solidFill>
                 </a:rPr>
-                <a:t>These </a:t>
-              </a:r>
-              <a:r>
-                <a:rPr lang="en-US" sz="2800" dirty="0" smtClean="0">
-                  <a:solidFill>
-                    <a:srgbClr val="000000"/>
-                  </a:solidFill>
-                </a:rPr>
-                <a:t>resources can be “rented” for low cost and no commitment</a:t>
+                <a:t>These resources can be “rented” for low cost and no commitment</a:t>
               </a:r>
             </a:p>
             <a:p>
@@ -13139,31 +13550,7 @@
                     <a:srgbClr val="000000"/>
                   </a:solidFill>
                 </a:rPr>
-                <a:t>This </a:t>
-              </a:r>
-              <a:r>
-                <a:rPr lang="en-US" sz="2800" dirty="0" smtClean="0">
-                  <a:solidFill>
-                    <a:srgbClr val="000000"/>
-                  </a:solidFill>
-                </a:rPr>
-                <a:t>provides nearly unlimited resources for anyone needing on</a:t>
-              </a:r>
-              <a:r>
-                <a:rPr lang="en-US" sz="2800" dirty="0" smtClean="0">
-                  <a:solidFill>
-                    <a:srgbClr val="000000"/>
-                  </a:solidFill>
-                </a:rPr>
-                <a:t>-demand </a:t>
-              </a:r>
-              <a:r>
-                <a:rPr lang="en-US" sz="2800" dirty="0" smtClean="0">
-                  <a:solidFill>
-                    <a:srgbClr val="000000"/>
-                  </a:solidFill>
-                </a:rPr>
-                <a:t>compute resources </a:t>
+                <a:t>This provides nearly unlimited resources for anyone needing on-demand compute resources </a:t>
               </a:r>
               <a:endParaRPr lang="en-US" sz="2800" dirty="0">
                 <a:solidFill>
@@ -13329,25 +13716,7 @@
                     </a:solidFill>
                     <a:latin typeface="+mj-lt"/>
                   </a:rPr>
-                  <a:t>    </a:t>
-                </a:r>
-                <a:r>
-                  <a:rPr lang="en-US" sz="2800" kern="0" dirty="0" smtClean="0">
-                    <a:solidFill>
-                      <a:prstClr val="white"/>
-                    </a:solidFill>
-                    <a:latin typeface="+mj-lt"/>
-                  </a:rPr>
-                  <a:t>	Why </a:t>
-                </a:r>
-                <a:r>
-                  <a:rPr lang="en-US" sz="2800" kern="0" dirty="0" smtClean="0">
-                    <a:solidFill>
-                      <a:prstClr val="white"/>
-                    </a:solidFill>
-                    <a:latin typeface="+mj-lt"/>
-                  </a:rPr>
-                  <a:t>use </a:t>
+                  <a:t>    	Why use </a:t>
                 </a:r>
                 <a:r>
                   <a:rPr lang="en-US" sz="2800" kern="0" dirty="0" err="1" smtClean="0">
@@ -13621,15 +13990,7 @@
                     <a:srgbClr val="000000"/>
                   </a:solidFill>
                 </a:rPr>
-                <a:t>Provides </a:t>
-              </a:r>
-              <a:r>
-                <a:rPr lang="en-US" sz="2800" dirty="0" smtClean="0">
-                  <a:solidFill>
-                    <a:srgbClr val="000000"/>
-                  </a:solidFill>
-                </a:rPr>
-                <a:t>for large-scale automation of compute resources</a:t>
+                <a:t>Provides for large-scale automation of compute resources</a:t>
               </a:r>
             </a:p>
             <a:p>
@@ -13643,31 +14004,7 @@
                     <a:srgbClr val="000000"/>
                   </a:solidFill>
                 </a:rPr>
-                <a:t>Can </a:t>
-              </a:r>
-              <a:r>
-                <a:rPr lang="en-US" sz="2800" dirty="0" smtClean="0">
-                  <a:solidFill>
-                    <a:srgbClr val="000000"/>
-                  </a:solidFill>
-                </a:rPr>
-                <a:t>use the public cloud’s API, allowing for additional programmatic </a:t>
-              </a:r>
-              <a:r>
-                <a:rPr lang="en-US" sz="2800" dirty="0" smtClean="0">
-                  <a:solidFill>
-                    <a:srgbClr val="000000"/>
-                  </a:solidFill>
-                </a:rPr>
-                <a:t>and </a:t>
-              </a:r>
-              <a:r>
-                <a:rPr lang="en-US" sz="2800" dirty="0" smtClean="0">
-                  <a:solidFill>
-                    <a:srgbClr val="000000"/>
-                  </a:solidFill>
-                </a:rPr>
-                <a:t>graphical interfaces to be created into the cloud ecosystem</a:t>
+                <a:t>Can use the public cloud’s API, allowing for additional programmatic and graphical interfaces to be created into the cloud ecosystem</a:t>
               </a:r>
             </a:p>
             <a:p>
@@ -13681,15 +14018,7 @@
                     <a:srgbClr val="000000"/>
                   </a:solidFill>
                 </a:rPr>
-                <a:t>Abstract </a:t>
-              </a:r>
-              <a:r>
-                <a:rPr lang="en-US" sz="2800" dirty="0" smtClean="0">
-                  <a:solidFill>
-                    <a:srgbClr val="000000"/>
-                  </a:solidFill>
-                </a:rPr>
-                <a:t>cloud complexity with features provided by </a:t>
+                <a:t>Abstract cloud complexity with features provided by </a:t>
               </a:r>
               <a:r>
                 <a:rPr lang="en-US" sz="2800" dirty="0" err="1" smtClean="0">
@@ -15397,15 +15726,7 @@
               </a:pPr>
               <a:r>
                 <a:rPr lang="en-US" sz="2800" dirty="0" smtClean="0"/>
-                <a:t>Define </a:t>
-              </a:r>
-              <a:r>
-                <a:rPr lang="en-US" sz="2800" dirty="0" smtClean="0"/>
-                <a:t>configuration management and infrastructure </a:t>
-              </a:r>
-              <a:r>
-                <a:rPr lang="en-US" sz="2800" dirty="0" smtClean="0"/>
-                <a:t>automation</a:t>
+                <a:t>Define configuration management and infrastructure automation</a:t>
               </a:r>
               <a:endParaRPr lang="en-US" sz="2800" dirty="0"/>
             </a:p>
@@ -15416,15 +15737,7 @@
               </a:pPr>
               <a:r>
                 <a:rPr lang="en-US" sz="2800" dirty="0" smtClean="0"/>
-                <a:t>Know </a:t>
-              </a:r>
-              <a:r>
-                <a:rPr lang="en-US" sz="2800" dirty="0" smtClean="0"/>
-                <a:t>the leading configuration management tools and </a:t>
-              </a:r>
-              <a:r>
-                <a:rPr lang="en-US" sz="2800" dirty="0" smtClean="0"/>
-                <a:t>platforms</a:t>
+                <a:t>Know the leading configuration management tools and platforms</a:t>
               </a:r>
               <a:endParaRPr lang="en-US" sz="2800" dirty="0"/>
             </a:p>
@@ -15435,15 +15748,7 @@
               </a:pPr>
               <a:r>
                 <a:rPr lang="en-US" sz="2800" dirty="0" smtClean="0"/>
-                <a:t>Explain </a:t>
-              </a:r>
-              <a:r>
-                <a:rPr lang="en-US" sz="2800" dirty="0" smtClean="0"/>
-                <a:t>how integration with the cloud changes </a:t>
-              </a:r>
-              <a:r>
-                <a:rPr lang="en-US" sz="2800" dirty="0" smtClean="0"/>
-                <a:t>implementation</a:t>
+                <a:t>Explain how integration with the cloud changes implementation</a:t>
               </a:r>
               <a:endParaRPr lang="en-US" sz="2800" dirty="0"/>
             </a:p>
@@ -15454,11 +15759,7 @@
               </a:pPr>
               <a:r>
                 <a:rPr lang="en-US" sz="2800" dirty="0" smtClean="0"/>
-                <a:t>Review </a:t>
-              </a:r>
-              <a:r>
-                <a:rPr lang="en-US" sz="2800" dirty="0" smtClean="0"/>
-                <a:t>configuration management examples</a:t>
+                <a:t>Review configuration management examples</a:t>
               </a:r>
               <a:endParaRPr lang="en-US" sz="2800" dirty="0"/>
             </a:p>
@@ -15866,39 +16167,7 @@
                     <a:srgbClr val="000000"/>
                   </a:solidFill>
                 </a:rPr>
-                <a:t>The </a:t>
-              </a:r>
-              <a:r>
-                <a:rPr lang="en-US" sz="2800" dirty="0" smtClean="0">
-                  <a:solidFill>
-                    <a:srgbClr val="000000"/>
-                  </a:solidFill>
-                </a:rPr>
-                <a:t>application of programmatic methods to create consistency </a:t>
-              </a:r>
-              <a:r>
-                <a:rPr lang="en-US" sz="2800" dirty="0" smtClean="0">
-                  <a:solidFill>
-                    <a:srgbClr val="000000"/>
-                  </a:solidFill>
-                </a:rPr>
-                <a:t>in performance</a:t>
-              </a:r>
-              <a:r>
-                <a:rPr lang="en-US" sz="2800" dirty="0" smtClean="0">
-                  <a:solidFill>
-                    <a:srgbClr val="000000"/>
-                  </a:solidFill>
-                </a:rPr>
-                <a:t>, function, design and the operation of compute </a:t>
-              </a:r>
-              <a:r>
-                <a:rPr lang="en-US" sz="2800" dirty="0" smtClean="0">
-                  <a:solidFill>
-                    <a:srgbClr val="000000"/>
-                  </a:solidFill>
-                </a:rPr>
-                <a:t>resources</a:t>
+                <a:t>The application of programmatic methods to create consistency in performance, function, design and the operation of compute resources</a:t>
               </a:r>
               <a:endParaRPr lang="en-US" sz="2800" dirty="0">
                 <a:solidFill>
@@ -15917,15 +16186,7 @@
                     <a:srgbClr val="000000"/>
                   </a:solidFill>
                 </a:rPr>
-                <a:t>Applied </a:t>
-              </a:r>
-              <a:r>
-                <a:rPr lang="en-US" sz="2800" dirty="0" smtClean="0">
-                  <a:solidFill>
-                    <a:srgbClr val="000000"/>
-                  </a:solidFill>
-                </a:rPr>
-                <a:t>over the life cycle of a system</a:t>
+                <a:t>Applied over the life cycle of a system</a:t>
               </a:r>
             </a:p>
             <a:p>
@@ -15939,15 +16200,7 @@
                     <a:srgbClr val="000000"/>
                   </a:solidFill>
                 </a:rPr>
-                <a:t>The </a:t>
-              </a:r>
-              <a:r>
-                <a:rPr lang="en-US" sz="2800" dirty="0" smtClean="0">
-                  <a:solidFill>
-                    <a:srgbClr val="000000"/>
-                  </a:solidFill>
-                </a:rPr>
-                <a:t>verification of performance as intended through testing</a:t>
+                <a:t>The verification of performance as intended through testing</a:t>
               </a:r>
             </a:p>
             <a:p>
@@ -15961,29 +16214,8 @@
                     <a:srgbClr val="000000"/>
                   </a:solidFill>
                 </a:rPr>
-                <a:t>The </a:t>
+                <a:t>The use of pre-configured code to accomplish common tasks</a:t>
               </a:r>
-              <a:r>
-                <a:rPr lang="en-US" sz="2800" dirty="0" smtClean="0">
-                  <a:solidFill>
-                    <a:srgbClr val="000000"/>
-                  </a:solidFill>
-                </a:rPr>
-                <a:t>use of pre-configured code to accomplish common </a:t>
-              </a:r>
-              <a:r>
-                <a:rPr lang="en-US" sz="2800" dirty="0" smtClean="0">
-                  <a:solidFill>
-                    <a:srgbClr val="000000"/>
-                  </a:solidFill>
-                </a:rPr>
-                <a:t>tasks</a:t>
-              </a:r>
-              <a:endParaRPr lang="en-US" sz="2800" dirty="0" smtClean="0">
-                <a:solidFill>
-                  <a:srgbClr val="000000"/>
-                </a:solidFill>
-              </a:endParaRPr>
             </a:p>
           </p:txBody>
         </p:sp>
@@ -16393,15 +16625,7 @@
                     <a:srgbClr val="000000"/>
                   </a:solidFill>
                 </a:rPr>
-                <a:t>A </a:t>
-              </a:r>
-              <a:r>
-                <a:rPr lang="en-US" sz="2800" dirty="0" smtClean="0">
-                  <a:solidFill>
-                    <a:srgbClr val="000000"/>
-                  </a:solidFill>
-                </a:rPr>
-                <a:t>many times return on investment as a result of:</a:t>
+                <a:t>A many times return on investment as a result of:</a:t>
               </a:r>
             </a:p>
             <a:p>
@@ -16415,15 +16639,7 @@
                     <a:srgbClr val="000000"/>
                   </a:solidFill>
                 </a:rPr>
-                <a:t>Cost </a:t>
-              </a:r>
-              <a:r>
-                <a:rPr lang="en-US" sz="2800" dirty="0" smtClean="0">
-                  <a:solidFill>
-                    <a:srgbClr val="000000"/>
-                  </a:solidFill>
-                </a:rPr>
-                <a:t>avoidance</a:t>
+                <a:t>Cost avoidance</a:t>
               </a:r>
             </a:p>
             <a:p>
@@ -16437,15 +16653,7 @@
                     <a:srgbClr val="000000"/>
                   </a:solidFill>
                 </a:rPr>
-                <a:t>Prevention </a:t>
-              </a:r>
-              <a:r>
-                <a:rPr lang="en-US" sz="2800" dirty="0" smtClean="0">
-                  <a:solidFill>
-                    <a:srgbClr val="000000"/>
-                  </a:solidFill>
-                </a:rPr>
-                <a:t>of catastrophic events</a:t>
+                <a:t>Prevention of catastrophic events</a:t>
               </a:r>
             </a:p>
             <a:p>
@@ -16459,15 +16667,7 @@
                     <a:srgbClr val="000000"/>
                   </a:solidFill>
                 </a:rPr>
-                <a:t>Exponential </a:t>
-              </a:r>
-              <a:r>
-                <a:rPr lang="en-US" sz="2800" dirty="0" smtClean="0">
-                  <a:solidFill>
-                    <a:srgbClr val="000000"/>
-                  </a:solidFill>
-                </a:rPr>
-                <a:t>increase of time-savings in the form of reusable code</a:t>
+                <a:t>Exponential increase of time-savings in the form of reusable code</a:t>
               </a:r>
             </a:p>
             <a:p>
@@ -16629,16 +16829,7 @@
                     </a:solidFill>
                     <a:latin typeface="+mj-lt"/>
                   </a:rPr>
-                  <a:t>	Examples of configuration </a:t>
-                </a:r>
-                <a:r>
-                  <a:rPr lang="en-US" sz="2800" kern="0" noProof="0" dirty="0" smtClean="0">
-                    <a:solidFill>
-                      <a:prstClr val="white"/>
-                    </a:solidFill>
-                    <a:latin typeface="+mj-lt"/>
-                  </a:rPr>
-                  <a:t>management:</a:t>
+                  <a:t>	Examples of configuration management:</a:t>
                 </a:r>
                 <a:endParaRPr kumimoji="0" lang="en-US" sz="2800" u="none" strike="noStrike" kern="0" cap="none" spc="0" normalizeH="0" baseline="0" noProof="0" dirty="0">
                   <a:ln>
@@ -16894,39 +17085,7 @@
                     <a:srgbClr val="000000"/>
                   </a:solidFill>
                 </a:rPr>
-                <a:t>A </a:t>
-              </a:r>
-              <a:r>
-                <a:rPr lang="en-US" sz="2800" dirty="0" smtClean="0">
-                  <a:solidFill>
-                    <a:srgbClr val="000000"/>
-                  </a:solidFill>
-                </a:rPr>
-                <a:t>script that defines how to install, configure and start an Apache </a:t>
-              </a:r>
-              <a:r>
-                <a:rPr lang="en-US" sz="2800" dirty="0" smtClean="0">
-                  <a:solidFill>
-                    <a:srgbClr val="000000"/>
-                  </a:solidFill>
-                </a:rPr>
-                <a:t>Web Server </a:t>
-              </a:r>
-              <a:r>
-                <a:rPr lang="en-US" sz="2800" dirty="0" smtClean="0">
-                  <a:solidFill>
-                    <a:srgbClr val="000000"/>
-                  </a:solidFill>
-                </a:rPr>
-                <a:t>or Internet Information Server (IIS</a:t>
-              </a:r>
-              <a:r>
-                <a:rPr lang="en-US" sz="2800" dirty="0" smtClean="0">
-                  <a:solidFill>
-                    <a:srgbClr val="000000"/>
-                  </a:solidFill>
-                </a:rPr>
-                <a:t>)</a:t>
+                <a:t>A script that defines how to install, configure and start an Apache Web Server or Internet Information Server (IIS)</a:t>
               </a:r>
               <a:endParaRPr lang="en-US" sz="2800" dirty="0">
                 <a:solidFill>
@@ -16945,39 +17104,7 @@
                     <a:srgbClr val="000000"/>
                   </a:solidFill>
                 </a:rPr>
-                <a:t>A </a:t>
-              </a:r>
-              <a:r>
-                <a:rPr lang="en-US" sz="2800" dirty="0" smtClean="0">
-                  <a:solidFill>
-                    <a:srgbClr val="000000"/>
-                  </a:solidFill>
-                </a:rPr>
-                <a:t>graphical interface that allows for the provisioning, configuration </a:t>
-              </a:r>
-              <a:r>
-                <a:rPr lang="en-US" sz="2800" dirty="0" smtClean="0">
-                  <a:solidFill>
-                    <a:srgbClr val="000000"/>
-                  </a:solidFill>
-                </a:rPr>
-                <a:t>and termination </a:t>
-              </a:r>
-              <a:r>
-                <a:rPr lang="en-US" sz="2800" dirty="0" smtClean="0">
-                  <a:solidFill>
-                    <a:srgbClr val="000000"/>
-                  </a:solidFill>
-                </a:rPr>
-                <a:t>of virtual or physical </a:t>
-              </a:r>
-              <a:r>
-                <a:rPr lang="en-US" sz="2800" dirty="0" smtClean="0">
-                  <a:solidFill>
-                    <a:srgbClr val="000000"/>
-                  </a:solidFill>
-                </a:rPr>
-                <a:t>resources</a:t>
+                <a:t>A graphical interface that allows for the provisioning, configuration and termination of virtual or physical resources</a:t>
               </a:r>
               <a:endParaRPr lang="en-US" sz="2800" dirty="0"/>
             </a:p>
@@ -17386,15 +17513,7 @@
                     <a:srgbClr val="000000"/>
                   </a:solidFill>
                 </a:rPr>
-                <a:t>Launching </a:t>
-              </a:r>
-              <a:r>
-                <a:rPr lang="en-US" sz="2800" dirty="0" smtClean="0">
-                  <a:solidFill>
-                    <a:srgbClr val="000000"/>
-                  </a:solidFill>
-                </a:rPr>
-                <a:t>an instance from a public cloud</a:t>
+                <a:t>Launching an instance from a public cloud</a:t>
               </a:r>
             </a:p>
             <a:p>
@@ -17408,15 +17527,7 @@
                     <a:srgbClr val="000000"/>
                   </a:solidFill>
                 </a:rPr>
-                <a:t>Installing </a:t>
-              </a:r>
-              <a:r>
-                <a:rPr lang="en-US" sz="2800" dirty="0" smtClean="0">
-                  <a:solidFill>
-                    <a:srgbClr val="000000"/>
-                  </a:solidFill>
-                </a:rPr>
-                <a:t>a database on that instance</a:t>
+                <a:t>Installing a database on that instance</a:t>
               </a:r>
             </a:p>
             <a:p>
@@ -17430,15 +17541,7 @@
                     <a:srgbClr val="000000"/>
                   </a:solidFill>
                 </a:rPr>
-                <a:t>Making </a:t>
-              </a:r>
-              <a:r>
-                <a:rPr lang="en-US" sz="2800" dirty="0" smtClean="0">
-                  <a:solidFill>
-                    <a:srgbClr val="000000"/>
-                  </a:solidFill>
-                </a:rPr>
-                <a:t>that database available for access by web servers</a:t>
+                <a:t>Making that database available for access by web servers</a:t>
               </a:r>
             </a:p>
             <a:p>
@@ -18278,11 +18381,6 @@
                 </a:rPr>
                 <a:t>-thousand servers </a:t>
               </a:r>
-              <a:endParaRPr lang="en-US" sz="2800" dirty="0">
-                <a:solidFill>
-                  <a:srgbClr val="000000"/>
-                </a:solidFill>
-              </a:endParaRPr>
             </a:p>
             <a:p>
               <a:pPr marL="1371600" lvl="2" indent="-457200">
@@ -18621,7 +18719,7 @@
   <a:extraClrSchemeLst/>
   <a:extLst>
     <a:ext uri="{05A4C25C-085E-4340-85A3-A5531E510DB2}">
-      <thm15:themeFamily xmlns="" xmlns:thm15="http://schemas.microsoft.com/office/thememl/2012/main" name="Office Theme" id="{62F939B6-93AF-4DB8-9C6B-D6C7DFDC589F}" vid="{4A3C46E8-61CC-4603-A589-7422A47A8E4A}"/>
+      <thm15:themeFamily xmlns:thm15="http://schemas.microsoft.com/office/thememl/2012/main" xmlns="" name="Office Theme" id="{62F939B6-93AF-4DB8-9C6B-D6C7DFDC589F}" vid="{4A3C46E8-61CC-4603-A589-7422A47A8E4A}"/>
     </a:ext>
   </a:extLst>
 </a:theme>
@@ -18916,7 +19014,7 @@
   <a:extraClrSchemeLst/>
   <a:extLst>
     <a:ext uri="{05A4C25C-085E-4340-85A3-A5531E510DB2}">
-      <thm15:themeFamily xmlns="" xmlns:thm15="http://schemas.microsoft.com/office/thememl/2012/main" name="Office Theme" id="{62F939B6-93AF-4DB8-9C6B-D6C7DFDC589F}" vid="{4A3C46E8-61CC-4603-A589-7422A47A8E4A}"/>
+      <thm15:themeFamily xmlns:thm15="http://schemas.microsoft.com/office/thememl/2012/main" xmlns="" name="Office Theme" id="{62F939B6-93AF-4DB8-9C6B-D6C7DFDC589F}" vid="{4A3C46E8-61CC-4603-A589-7422A47A8E4A}"/>
     </a:ext>
   </a:extLst>
 </a:theme>

--- a/Complimentary Course Content/Module7/Lessons/Module7_Lesson2 Configuration Management.pptx
+++ b/Complimentary Course Content/Module7/Lessons/Module7_Lesson2 Configuration Management.pptx
@@ -135,7 +135,7 @@
   </p:defaultTextStyle>
   <p:extLst>
     <p:ext uri="{EFAFB233-063F-42B5-8137-9DF3F51BA10A}">
-      <p15:sldGuideLst xmlns:p15="http://schemas.microsoft.com/office/powerpoint/2012/main" xmlns="">
+      <p15:sldGuideLst xmlns="" xmlns:p15="http://schemas.microsoft.com/office/powerpoint/2012/main">
         <p15:guide id="1" orient="horz" pos="2184" userDrawn="1">
           <p15:clr>
             <a:srgbClr val="A4A3A4"/>
@@ -255,7 +255,7 @@
             <a:fld id="{49B60EF2-7028-489F-85D8-FE86CD7CF2A0}" type="datetimeFigureOut">
               <a:rPr lang="en-US" smtClean="0"/>
               <a:pPr/>
-              <a:t>6/29/16</a:t>
+              <a:t>6/30/16</a:t>
             </a:fld>
             <a:endParaRPr lang="en-US"/>
           </a:p>
@@ -1609,7 +1609,6 @@
               <a:rPr lang="en-US" b="1" dirty="0" smtClean="0"/>
               <a:t>Notes:</a:t>
             </a:r>
-            <a:endParaRPr lang="en-US" b="1" dirty="0" smtClean="0"/>
           </a:p>
           <a:p>
             <a:pPr marL="171450" indent="-171450">
@@ -3770,11 +3769,7 @@
             </a:r>
             <a:r>
               <a:rPr lang="en-US" baseline="0" dirty="0" smtClean="0"/>
-              <a:t> that an Apache web server is installed and started, with a default web page is created with the words “Hello, World!</a:t>
-            </a:r>
-            <a:r>
-              <a:rPr lang="en-US" baseline="0" dirty="0" smtClean="0"/>
-              <a:t>”</a:t>
+              <a:t> that an Apache web server is installed and started, with a default web page is created with the words “Hello, World!”</a:t>
             </a:r>
             <a:endParaRPr lang="en-US" baseline="0" dirty="0"/>
           </a:p>
@@ -4412,7 +4407,7 @@
             <a:fld id="{0459C166-16D3-4A25-A2F8-C51E0E346B22}" type="datetimeFigureOut">
               <a:rPr lang="en-US" smtClean="0"/>
               <a:pPr/>
-              <a:t>6/29/16</a:t>
+              <a:t>6/30/16</a:t>
             </a:fld>
             <a:endParaRPr lang="en-US"/>
           </a:p>
@@ -4781,7 +4776,7 @@
             <a:fld id="{0459C166-16D3-4A25-A2F8-C51E0E346B22}" type="datetimeFigureOut">
               <a:rPr lang="en-US" smtClean="0"/>
               <a:pPr/>
-              <a:t>6/29/16</a:t>
+              <a:t>6/30/16</a:t>
             </a:fld>
             <a:endParaRPr lang="en-US"/>
           </a:p>
@@ -4901,7 +4896,7 @@
             <a:fld id="{0459C166-16D3-4A25-A2F8-C51E0E346B22}" type="datetimeFigureOut">
               <a:rPr lang="en-US" smtClean="0"/>
               <a:pPr/>
-              <a:t>6/29/16</a:t>
+              <a:t>6/30/16</a:t>
             </a:fld>
             <a:endParaRPr lang="en-US"/>
           </a:p>
@@ -5073,7 +5068,7 @@
             <a:fld id="{0459C166-16D3-4A25-A2F8-C51E0E346B22}" type="datetimeFigureOut">
               <a:rPr lang="en-US" smtClean="0"/>
               <a:pPr/>
-              <a:t>6/29/16</a:t>
+              <a:t>6/30/16</a:t>
             </a:fld>
             <a:endParaRPr lang="en-US"/>
           </a:p>
@@ -5339,7 +5334,7 @@
             <a:fld id="{0459C166-16D3-4A25-A2F8-C51E0E346B22}" type="datetimeFigureOut">
               <a:rPr lang="en-US" smtClean="0"/>
               <a:pPr/>
-              <a:t>6/29/16</a:t>
+              <a:t>6/30/16</a:t>
             </a:fld>
             <a:endParaRPr lang="en-US"/>
           </a:p>
@@ -5659,7 +5654,7 @@
             <a:fld id="{0459C166-16D3-4A25-A2F8-C51E0E346B22}" type="datetimeFigureOut">
               <a:rPr lang="en-US" smtClean="0"/>
               <a:pPr/>
-              <a:t>6/29/16</a:t>
+              <a:t>6/30/16</a:t>
             </a:fld>
             <a:endParaRPr lang="en-US"/>
           </a:p>
@@ -6058,7 +6053,7 @@
             <a:fld id="{0459C166-16D3-4A25-A2F8-C51E0E346B22}" type="datetimeFigureOut">
               <a:rPr lang="en-US" smtClean="0"/>
               <a:pPr/>
-              <a:t>6/29/16</a:t>
+              <a:t>6/30/16</a:t>
             </a:fld>
             <a:endParaRPr lang="en-US"/>
           </a:p>
@@ -7030,7 +7025,7 @@
             <a:fld id="{0459C166-16D3-4A25-A2F8-C51E0E346B22}" type="datetimeFigureOut">
               <a:rPr lang="en-US" smtClean="0"/>
               <a:pPr/>
-              <a:t>6/29/16</a:t>
+              <a:t>6/30/16</a:t>
             </a:fld>
             <a:endParaRPr lang="en-US"/>
           </a:p>
@@ -7244,7 +7239,7 @@
             <a:fld id="{0459C166-16D3-4A25-A2F8-C51E0E346B22}" type="datetimeFigureOut">
               <a:rPr lang="en-US" smtClean="0"/>
               <a:pPr/>
-              <a:t>6/29/16</a:t>
+              <a:t>6/30/16</a:t>
             </a:fld>
             <a:endParaRPr lang="en-US"/>
           </a:p>
@@ -16744,7 +16739,11 @@
           <a:p>
             <a:r>
               <a:rPr lang="en-US" sz="4400" dirty="0" smtClean="0"/>
-              <a:t>Defining Configuration Management?</a:t>
+              <a:t>Defining Configuration </a:t>
+            </a:r>
+            <a:r>
+              <a:rPr lang="en-US" sz="4400" dirty="0" smtClean="0"/>
+              <a:t>Management</a:t>
             </a:r>
             <a:endParaRPr lang="en-US" sz="4400" dirty="0"/>
           </a:p>
@@ -17172,7 +17171,15 @@
           <a:p>
             <a:r>
               <a:rPr lang="en-US" sz="4400" dirty="0" smtClean="0"/>
-              <a:t>Example of Configuration Management?</a:t>
+              <a:t>Example of </a:t>
+            </a:r>
+            <a:r>
+              <a:rPr lang="en-US" sz="4400" smtClean="0"/>
+              <a:t>Configuration </a:t>
+            </a:r>
+            <a:r>
+              <a:rPr lang="en-US" sz="4400" smtClean="0"/>
+              <a:t>Management</a:t>
             </a:r>
             <a:endParaRPr lang="en-US" sz="4400" dirty="0"/>
           </a:p>
@@ -18719,7 +18726,7 @@
   <a:extraClrSchemeLst/>
   <a:extLst>
     <a:ext uri="{05A4C25C-085E-4340-85A3-A5531E510DB2}">
-      <thm15:themeFamily xmlns:thm15="http://schemas.microsoft.com/office/thememl/2012/main" xmlns="" name="Office Theme" id="{62F939B6-93AF-4DB8-9C6B-D6C7DFDC589F}" vid="{4A3C46E8-61CC-4603-A589-7422A47A8E4A}"/>
+      <thm15:themeFamily xmlns="" xmlns:thm15="http://schemas.microsoft.com/office/thememl/2012/main" name="Office Theme" id="{62F939B6-93AF-4DB8-9C6B-D6C7DFDC589F}" vid="{4A3C46E8-61CC-4603-A589-7422A47A8E4A}"/>
     </a:ext>
   </a:extLst>
 </a:theme>
@@ -19014,7 +19021,7 @@
   <a:extraClrSchemeLst/>
   <a:extLst>
     <a:ext uri="{05A4C25C-085E-4340-85A3-A5531E510DB2}">
-      <thm15:themeFamily xmlns:thm15="http://schemas.microsoft.com/office/thememl/2012/main" xmlns="" name="Office Theme" id="{62F939B6-93AF-4DB8-9C6B-D6C7DFDC589F}" vid="{4A3C46E8-61CC-4603-A589-7422A47A8E4A}"/>
+      <thm15:themeFamily xmlns="" xmlns:thm15="http://schemas.microsoft.com/office/thememl/2012/main" name="Office Theme" id="{62F939B6-93AF-4DB8-9C6B-D6C7DFDC589F}" vid="{4A3C46E8-61CC-4603-A589-7422A47A8E4A}"/>
     </a:ext>
   </a:extLst>
 </a:theme>

--- a/Complimentary Course Content/Module7/Lessons/Module7_Lesson2 Configuration Management.pptx
+++ b/Complimentary Course Content/Module7/Lessons/Module7_Lesson2 Configuration Management.pptx
@@ -135,7 +135,7 @@
   </p:defaultTextStyle>
   <p:extLst>
     <p:ext uri="{EFAFB233-063F-42B5-8137-9DF3F51BA10A}">
-      <p15:sldGuideLst xmlns="" xmlns:p15="http://schemas.microsoft.com/office/powerpoint/2012/main">
+      <p15:sldGuideLst xmlns:p15="http://schemas.microsoft.com/office/powerpoint/2012/main" xmlns="">
         <p15:guide id="1" orient="horz" pos="2184" userDrawn="1">
           <p15:clr>
             <a:srgbClr val="A4A3A4"/>
@@ -255,7 +255,7 @@
             <a:fld id="{49B60EF2-7028-489F-85D8-FE86CD7CF2A0}" type="datetimeFigureOut">
               <a:rPr lang="en-US" smtClean="0"/>
               <a:pPr/>
-              <a:t>6/30/16</a:t>
+              <a:t>7/7/16</a:t>
             </a:fld>
             <a:endParaRPr lang="en-US"/>
           </a:p>
@@ -4407,7 +4407,7 @@
             <a:fld id="{0459C166-16D3-4A25-A2F8-C51E0E346B22}" type="datetimeFigureOut">
               <a:rPr lang="en-US" smtClean="0"/>
               <a:pPr/>
-              <a:t>6/30/16</a:t>
+              <a:t>7/7/16</a:t>
             </a:fld>
             <a:endParaRPr lang="en-US"/>
           </a:p>
@@ -4776,7 +4776,7 @@
             <a:fld id="{0459C166-16D3-4A25-A2F8-C51E0E346B22}" type="datetimeFigureOut">
               <a:rPr lang="en-US" smtClean="0"/>
               <a:pPr/>
-              <a:t>6/30/16</a:t>
+              <a:t>7/7/16</a:t>
             </a:fld>
             <a:endParaRPr lang="en-US"/>
           </a:p>
@@ -4896,7 +4896,7 @@
             <a:fld id="{0459C166-16D3-4A25-A2F8-C51E0E346B22}" type="datetimeFigureOut">
               <a:rPr lang="en-US" smtClean="0"/>
               <a:pPr/>
-              <a:t>6/30/16</a:t>
+              <a:t>7/7/16</a:t>
             </a:fld>
             <a:endParaRPr lang="en-US"/>
           </a:p>
@@ -5068,7 +5068,7 @@
             <a:fld id="{0459C166-16D3-4A25-A2F8-C51E0E346B22}" type="datetimeFigureOut">
               <a:rPr lang="en-US" smtClean="0"/>
               <a:pPr/>
-              <a:t>6/30/16</a:t>
+              <a:t>7/7/16</a:t>
             </a:fld>
             <a:endParaRPr lang="en-US"/>
           </a:p>
@@ -5334,7 +5334,7 @@
             <a:fld id="{0459C166-16D3-4A25-A2F8-C51E0E346B22}" type="datetimeFigureOut">
               <a:rPr lang="en-US" smtClean="0"/>
               <a:pPr/>
-              <a:t>6/30/16</a:t>
+              <a:t>7/7/16</a:t>
             </a:fld>
             <a:endParaRPr lang="en-US"/>
           </a:p>
@@ -5654,7 +5654,7 @@
             <a:fld id="{0459C166-16D3-4A25-A2F8-C51E0E346B22}" type="datetimeFigureOut">
               <a:rPr lang="en-US" smtClean="0"/>
               <a:pPr/>
-              <a:t>6/30/16</a:t>
+              <a:t>7/7/16</a:t>
             </a:fld>
             <a:endParaRPr lang="en-US"/>
           </a:p>
@@ -6053,7 +6053,7 @@
             <a:fld id="{0459C166-16D3-4A25-A2F8-C51E0E346B22}" type="datetimeFigureOut">
               <a:rPr lang="en-US" smtClean="0"/>
               <a:pPr/>
-              <a:t>6/30/16</a:t>
+              <a:t>7/7/16</a:t>
             </a:fld>
             <a:endParaRPr lang="en-US"/>
           </a:p>
@@ -7025,7 +7025,7 @@
             <a:fld id="{0459C166-16D3-4A25-A2F8-C51E0E346B22}" type="datetimeFigureOut">
               <a:rPr lang="en-US" smtClean="0"/>
               <a:pPr/>
-              <a:t>6/30/16</a:t>
+              <a:t>7/7/16</a:t>
             </a:fld>
             <a:endParaRPr lang="en-US"/>
           </a:p>
@@ -7239,7 +7239,7 @@
             <a:fld id="{0459C166-16D3-4A25-A2F8-C51E0E346B22}" type="datetimeFigureOut">
               <a:rPr lang="en-US" smtClean="0"/>
               <a:pPr/>
-              <a:t>6/30/16</a:t>
+              <a:t>7/7/16</a:t>
             </a:fld>
             <a:endParaRPr lang="en-US"/>
           </a:p>
@@ -16739,11 +16739,7 @@
           <a:p>
             <a:r>
               <a:rPr lang="en-US" sz="4400" dirty="0" smtClean="0"/>
-              <a:t>Defining Configuration </a:t>
-            </a:r>
-            <a:r>
-              <a:rPr lang="en-US" sz="4400" dirty="0" smtClean="0"/>
-              <a:t>Management</a:t>
+              <a:t>Defining Configuration Management</a:t>
             </a:r>
             <a:endParaRPr lang="en-US" sz="4400" dirty="0"/>
           </a:p>
@@ -17175,11 +17171,7 @@
             </a:r>
             <a:r>
               <a:rPr lang="en-US" sz="4400" smtClean="0"/>
-              <a:t>Configuration </a:t>
-            </a:r>
-            <a:r>
-              <a:rPr lang="en-US" sz="4400" smtClean="0"/>
-              <a:t>Management</a:t>
+              <a:t>Configuration Management</a:t>
             </a:r>
             <a:endParaRPr lang="en-US" sz="4400" dirty="0"/>
           </a:p>
@@ -18726,7 +18718,7 @@
   <a:extraClrSchemeLst/>
   <a:extLst>
     <a:ext uri="{05A4C25C-085E-4340-85A3-A5531E510DB2}">
-      <thm15:themeFamily xmlns="" xmlns:thm15="http://schemas.microsoft.com/office/thememl/2012/main" name="Office Theme" id="{62F939B6-93AF-4DB8-9C6B-D6C7DFDC589F}" vid="{4A3C46E8-61CC-4603-A589-7422A47A8E4A}"/>
+      <thm15:themeFamily xmlns:thm15="http://schemas.microsoft.com/office/thememl/2012/main" xmlns="" name="Office Theme" id="{62F939B6-93AF-4DB8-9C6B-D6C7DFDC589F}" vid="{4A3C46E8-61CC-4603-A589-7422A47A8E4A}"/>
     </a:ext>
   </a:extLst>
 </a:theme>
@@ -19021,7 +19013,7 @@
   <a:extraClrSchemeLst/>
   <a:extLst>
     <a:ext uri="{05A4C25C-085E-4340-85A3-A5531E510DB2}">
-      <thm15:themeFamily xmlns="" xmlns:thm15="http://schemas.microsoft.com/office/thememl/2012/main" name="Office Theme" id="{62F939B6-93AF-4DB8-9C6B-D6C7DFDC589F}" vid="{4A3C46E8-61CC-4603-A589-7422A47A8E4A}"/>
+      <thm15:themeFamily xmlns:thm15="http://schemas.microsoft.com/office/thememl/2012/main" xmlns="" name="Office Theme" id="{62F939B6-93AF-4DB8-9C6B-D6C7DFDC589F}" vid="{4A3C46E8-61CC-4603-A589-7422A47A8E4A}"/>
     </a:ext>
   </a:extLst>
 </a:theme>

--- a/Complimentary Course Content/Module7/Lessons/Module7_Lesson2 Configuration Management.pptx
+++ b/Complimentary Course Content/Module7/Lessons/Module7_Lesson2 Configuration Management.pptx
@@ -139,7 +139,7 @@
   </p:defaultTextStyle>
   <p:extLst>
     <p:ext uri="{EFAFB233-063F-42B5-8137-9DF3F51BA10A}">
-      <p15:sldGuideLst xmlns="" xmlns:p15="http://schemas.microsoft.com/office/powerpoint/2012/main">
+      <p15:sldGuideLst xmlns:p15="http://schemas.microsoft.com/office/powerpoint/2012/main" xmlns="">
         <p15:guide id="1" orient="horz" pos="2184" userDrawn="1">
           <p15:clr>
             <a:srgbClr val="A4A3A4"/>
@@ -259,7 +259,7 @@
             <a:fld id="{49B60EF2-7028-489F-85D8-FE86CD7CF2A0}" type="datetimeFigureOut">
               <a:rPr lang="en-US" smtClean="0"/>
               <a:pPr/>
-              <a:t>7/11/16</a:t>
+              <a:t>7/14/16</a:t>
             </a:fld>
             <a:endParaRPr lang="en-US"/>
           </a:p>
@@ -668,7 +668,22 @@
             </a:pPr>
             <a:r>
               <a:rPr lang="en-US" baseline="0" dirty="0" smtClean="0"/>
-              <a:t>Variables are important to allow you to write code once and use it in different situations.  Example: you create code that installs and configures a database, but every department in your company needs their own database with a unique username and password.  Variables allow the same code to be run to create a database for each department, but with unique values for each department’s database for username and password.</a:t>
+              <a:t>Variables are important to allow you to write code once and use it in different situations.  </a:t>
+            </a:r>
+            <a:endParaRPr lang="en-US" baseline="0" dirty="0" smtClean="0"/>
+          </a:p>
+          <a:p>
+            <a:pPr marL="228600" indent="-228600">
+              <a:buFont typeface="Arial"/>
+              <a:buChar char="•"/>
+            </a:pPr>
+            <a:r>
+              <a:rPr lang="en-US" baseline="0" dirty="0" smtClean="0"/>
+              <a:t>Example</a:t>
+            </a:r>
+            <a:r>
+              <a:rPr lang="en-US" baseline="0" dirty="0" smtClean="0"/>
+              <a:t>: you create code that installs and configures a database, but every department in your company needs their own database with a unique username and password.  Variables allow the same code to be run to create a database for each department, but with unique values for each department’s database for username and password.</a:t>
             </a:r>
           </a:p>
           <a:p>
@@ -1041,7 +1056,7 @@
             </a:pPr>
             <a:r>
               <a:rPr lang="en-US" b="0" dirty="0" smtClean="0"/>
-              <a:t>In this file we are using the variables set in the previous slide.</a:t>
+              <a:t>This code snippet uses the variables set in the previous slide.</a:t>
             </a:r>
           </a:p>
           <a:p>
@@ -1064,7 +1079,11 @@
             </a:pPr>
             <a:r>
               <a:rPr lang="en-US" b="0" dirty="0" smtClean="0"/>
-              <a:t>This is not a functioning</a:t>
+              <a:t>This </a:t>
+            </a:r>
+            <a:r>
+              <a:rPr lang="en-US" b="0" dirty="0" smtClean="0"/>
+              <a:t>is not a functioning</a:t>
             </a:r>
             <a:r>
               <a:rPr lang="en-US" b="0" baseline="0" dirty="0" smtClean="0"/>
@@ -2207,8 +2226,23 @@
             </a:pPr>
             <a:r>
               <a:rPr lang="en-US" dirty="0" smtClean="0"/>
-              <a:t>We’ll be using Chef for our examples</a:t>
-            </a:r>
+              <a:t>Chef is used throughout this module for examples.</a:t>
+            </a:r>
+          </a:p>
+          <a:p>
+            <a:pPr marL="228600" indent="-228600">
+              <a:buFont typeface="Arial"/>
+              <a:buChar char="•"/>
+            </a:pPr>
+            <a:r>
+              <a:rPr lang="en-US" sz="1200" dirty="0" smtClean="0">
+                <a:solidFill>
+                  <a:srgbClr val="000000"/>
+                </a:solidFill>
+              </a:rPr>
+              <a:t>Chef’s large community allows you to leverage community resources instead of writing your own</a:t>
+            </a:r>
+            <a:endParaRPr lang="en-US" dirty="0" smtClean="0"/>
           </a:p>
           <a:p>
             <a:pPr marL="228600" indent="-228600">
@@ -2830,7 +2864,31 @@
             </a:r>
             <a:r>
               <a:rPr lang="en-US" baseline="0" dirty="0" smtClean="0"/>
-              <a:t> plus configuration management gives incredible flexibility to IT departments.  They can launch 1000 servers, all the configured the same, then terminate them with a single command.</a:t>
+              <a:t> plus configuration management gives incredible flexibility to IT departments.  </a:t>
+            </a:r>
+            <a:r>
+              <a:rPr lang="en-US" baseline="0" dirty="0" smtClean="0"/>
+              <a:t>Over 1000 servers could be launched, </a:t>
+            </a:r>
+            <a:r>
+              <a:rPr lang="en-US" baseline="0" dirty="0" smtClean="0"/>
+              <a:t>all </a:t>
+            </a:r>
+            <a:r>
+              <a:rPr lang="en-US" baseline="0" dirty="0" smtClean="0"/>
+              <a:t>configured </a:t>
+            </a:r>
+            <a:r>
+              <a:rPr lang="en-US" baseline="0" dirty="0" smtClean="0"/>
+              <a:t>the same, then </a:t>
+            </a:r>
+            <a:r>
+              <a:rPr lang="en-US" baseline="0" dirty="0" smtClean="0"/>
+              <a:t>terminated </a:t>
+            </a:r>
+            <a:r>
+              <a:rPr lang="en-US" baseline="0" dirty="0" smtClean="0"/>
+              <a:t>with a single command.</a:t>
             </a:r>
           </a:p>
           <a:p>
@@ -2840,7 +2898,31 @@
             </a:pPr>
             <a:r>
               <a:rPr lang="en-US" baseline="0" dirty="0" smtClean="0"/>
-              <a:t>This has huge implications for education and research, and enterprise and SMB businesses, allowing them to dynamically scale compute resources to match their needs in the moment, with no long-term commitments to hardware costs.</a:t>
+              <a:t>This has huge implications for </a:t>
+            </a:r>
+            <a:r>
+              <a:rPr lang="en-US" baseline="0" dirty="0" smtClean="0"/>
+              <a:t>education, research</a:t>
+            </a:r>
+            <a:r>
+              <a:rPr lang="en-US" baseline="0" dirty="0" smtClean="0"/>
+              <a:t>, </a:t>
+            </a:r>
+            <a:r>
+              <a:rPr lang="en-US" baseline="0" dirty="0" smtClean="0"/>
+              <a:t>enterprise </a:t>
+            </a:r>
+            <a:r>
+              <a:rPr lang="en-US" baseline="0" dirty="0" smtClean="0"/>
+              <a:t>and SMB businesses, allowing them to dynamically scale </a:t>
+            </a:r>
+            <a:r>
+              <a:rPr lang="en-US" baseline="0" dirty="0" smtClean="0"/>
+              <a:t>computing </a:t>
+            </a:r>
+            <a:r>
+              <a:rPr lang="en-US" baseline="0" dirty="0" smtClean="0"/>
+              <a:t>resources to match their needs in the moment, with no long-term commitments to hardware costs.</a:t>
             </a:r>
             <a:endParaRPr lang="en-US" dirty="0" smtClean="0"/>
           </a:p>
@@ -3310,12 +3392,8 @@
               <a:defRPr/>
             </a:pPr>
             <a:r>
-              <a:rPr lang="en-US" dirty="0" smtClean="0"/>
-              <a:t>”</a:t>
-            </a:r>
-            <a:r>
               <a:rPr lang="en-US" sz="1200" dirty="0" smtClean="0"/>
-              <a:t>The application of programmatic methods to create consistency in performance, function, design and the operation of compute resources”.   The</a:t>
+              <a:t>The</a:t>
             </a:r>
             <a:r>
               <a:rPr lang="en-US" sz="1200" baseline="0" dirty="0" smtClean="0"/>
@@ -3341,12 +3419,8 @@
               <a:defRPr/>
             </a:pPr>
             <a:r>
-              <a:rPr lang="en-US" sz="1200" dirty="0" smtClean="0"/>
-              <a:t>“Applied over the life cycle of a system”.</a:t>
-            </a:r>
-            <a:r>
               <a:rPr lang="en-US" sz="1200" baseline="0" dirty="0" smtClean="0"/>
-              <a:t>  Configuration Management controls how a server is launched, how it is configured, how it is updated and how it is terminated, hence the “lifecycle”.</a:t>
+              <a:t>Configuration management controls how a server is launched, how it is configured, how it is updated and how it is terminated, hence the “lifecycle.”</a:t>
             </a:r>
           </a:p>
           <a:p>
@@ -3369,11 +3443,11 @@
             </a:pPr>
             <a:r>
               <a:rPr lang="en-US" sz="1200" dirty="0" smtClean="0"/>
-              <a:t>“The verification of performance as intended through testing”  Testing is an important component</a:t>
+              <a:t>Testing is an important component</a:t>
             </a:r>
             <a:r>
               <a:rPr lang="en-US" sz="1200" baseline="0" dirty="0" smtClean="0"/>
-              <a:t> of CM to know that your code will work before you roll it out to production (see the testing lesson within this module).</a:t>
+              <a:t> of CM to ensure that code will work before it is rolled out to production (see the testing lesson within this module).</a:t>
             </a:r>
           </a:p>
           <a:p>
@@ -3396,7 +3470,7 @@
             </a:pPr>
             <a:r>
               <a:rPr lang="en-US" sz="1200" dirty="0" smtClean="0"/>
-              <a:t>“The use of pre-configured code to accomplish common tasks”  Using a product such as DSC, Chef, Puppet, </a:t>
+              <a:t>Using products such as DSC, Chef, Puppet, </a:t>
             </a:r>
             <a:r>
               <a:rPr lang="en-US" sz="1200" dirty="0" err="1" smtClean="0"/>
@@ -3514,11 +3588,11 @@
             </a:pPr>
             <a:r>
               <a:rPr lang="en-US" dirty="0" smtClean="0"/>
-              <a:t>Cost avoidance: it is much</a:t>
+              <a:t>It is much</a:t>
             </a:r>
             <a:r>
               <a:rPr lang="en-US" baseline="0" dirty="0" smtClean="0"/>
-              <a:t> cheaper to automate server configuration then to pay someone to manually configure a server</a:t>
+              <a:t> cheaper to automate server configuration than to pay someone to manually configure a server.</a:t>
             </a:r>
           </a:p>
           <a:p>
@@ -3528,7 +3602,7 @@
             </a:pPr>
             <a:r>
               <a:rPr lang="en-US" baseline="0" dirty="0" smtClean="0"/>
-              <a:t>Prevention of catastrophic events: Example: you notice a database master server is having increasing hardware failures.  With CM you can launch a new replacement master </a:t>
+              <a:t>Example of a catastrophic event: A database master server is having increasing hardware failures.  With CM, a new replacement master </a:t>
             </a:r>
             <a:r>
               <a:rPr lang="en-US" baseline="0" dirty="0" err="1" smtClean="0"/>
@@ -3536,49 +3610,8 @@
             </a:r>
             <a:r>
               <a:rPr lang="en-US" baseline="0" dirty="0" smtClean="0"/>
-              <a:t> and failover to the new instance, then terminate the old instance, and your customers will hardly notice the transition, and there is virtually no cost associated with this, effectively avoiding a </a:t>
-            </a:r>
-            <a:r>
-              <a:rPr lang="en-US" baseline="0" dirty="0" err="1" smtClean="0"/>
-              <a:t>catastrophy</a:t>
-            </a:r>
-            <a:r>
-              <a:rPr lang="en-US" baseline="0" dirty="0" smtClean="0"/>
-              <a:t>.</a:t>
-            </a:r>
-          </a:p>
-          <a:p>
-            <a:pPr marL="228600" marR="0" indent="-228600" algn="l" defTabSz="914400" rtl="0" eaLnBrk="1" fontAlgn="auto" latinLnBrk="0" hangingPunct="1">
-              <a:lnSpc>
-                <a:spcPct val="100000"/>
-              </a:lnSpc>
-              <a:spcBef>
-                <a:spcPts val="0"/>
-              </a:spcBef>
-              <a:spcAft>
-                <a:spcPts val="0"/>
-              </a:spcAft>
-              <a:buClrTx/>
-              <a:buSzTx/>
-              <a:buFont typeface="Arial"/>
-              <a:buChar char="•"/>
-              <a:tabLst/>
-              <a:defRPr/>
-            </a:pPr>
-            <a:r>
-              <a:rPr lang="en-US" sz="1200" dirty="0" smtClean="0"/>
-              <a:t>Exponential increase of time-savings in the form of reusable code:</a:t>
-            </a:r>
-            <a:r>
-              <a:rPr lang="en-US" sz="1200" baseline="0" dirty="0" smtClean="0"/>
-              <a:t>  Write something once, and use over and over for increased productivity.</a:t>
-            </a:r>
-            <a:endParaRPr lang="en-US" sz="1200" dirty="0" smtClean="0"/>
-          </a:p>
-          <a:p>
-            <a:pPr marL="0" indent="0">
-              <a:buNone/>
-            </a:pPr>
+              <a:t> can be launched and failover can be done for the new instance. The old instance can then be terminated with very little effect to customers and virtually no cost.</a:t>
+            </a:r>
             <a:endParaRPr lang="en-US" baseline="0" dirty="0" smtClean="0"/>
           </a:p>
         </p:txBody>
@@ -4171,21 +4204,23 @@
             </a:pPr>
             <a:r>
               <a:rPr lang="en-US" baseline="0" dirty="0" smtClean="0"/>
-              <a:t>The ’service’ block here has the simplified action “start”.  In practical examples, we use</a:t>
-            </a:r>
-            <a:br>
+              <a:t>The ’service’ block here has the simplified action “start”.  In practical examples, we </a:t>
+            </a:r>
+            <a:r>
               <a:rPr lang="en-US" baseline="0" dirty="0" smtClean="0"/>
-            </a:br>
+              <a:t>use action </a:t>
+            </a:r>
             <a:r>
               <a:rPr lang="en-US" baseline="0" dirty="0" smtClean="0"/>
-              <a:t>action [:enable , :start]</a:t>
-            </a:r>
-            <a:br>
+              <a:t>[:enable , :start</a:t>
+            </a:r>
+            <a:r>
               <a:rPr lang="en-US" baseline="0" dirty="0" smtClean="0"/>
-            </a:br>
+              <a:t>] so </a:t>
+            </a:r>
             <a:r>
               <a:rPr lang="en-US" baseline="0" dirty="0" smtClean="0"/>
-              <a:t>so that it starts the Apache process now and it enables the server such that the Apache process starts if the machine is rebooted.</a:t>
+              <a:t>that it starts the Apache process now and it enables the server such that the Apache process starts if the machine is rebooted.</a:t>
             </a:r>
           </a:p>
           <a:p>
@@ -4797,7 +4832,7 @@
             <a:fld id="{0459C166-16D3-4A25-A2F8-C51E0E346B22}" type="datetimeFigureOut">
               <a:rPr lang="en-US" smtClean="0"/>
               <a:pPr/>
-              <a:t>7/11/16</a:t>
+              <a:t>7/14/16</a:t>
             </a:fld>
             <a:endParaRPr lang="en-US"/>
           </a:p>
@@ -5166,7 +5201,7 @@
             <a:fld id="{0459C166-16D3-4A25-A2F8-C51E0E346B22}" type="datetimeFigureOut">
               <a:rPr lang="en-US" smtClean="0"/>
               <a:pPr/>
-              <a:t>7/11/16</a:t>
+              <a:t>7/14/16</a:t>
             </a:fld>
             <a:endParaRPr lang="en-US"/>
           </a:p>
@@ -5286,7 +5321,7 @@
             <a:fld id="{0459C166-16D3-4A25-A2F8-C51E0E346B22}" type="datetimeFigureOut">
               <a:rPr lang="en-US" smtClean="0"/>
               <a:pPr/>
-              <a:t>7/11/16</a:t>
+              <a:t>7/14/16</a:t>
             </a:fld>
             <a:endParaRPr lang="en-US"/>
           </a:p>
@@ -5505,7 +5540,7 @@
                 <a:latin typeface="Segoe UI"/>
               </a:rPr>
               <a:pPr/>
-              <a:t>7/11/16</a:t>
+              <a:t>7/14/16</a:t>
             </a:fld>
             <a:endParaRPr lang="en-US">
               <a:solidFill>
@@ -5712,7 +5747,7 @@
                 <a:latin typeface="Segoe UI"/>
               </a:rPr>
               <a:pPr/>
-              <a:t>7/11/16</a:t>
+              <a:t>7/14/16</a:t>
             </a:fld>
             <a:endParaRPr lang="en-US">
               <a:solidFill>
@@ -6011,7 +6046,7 @@
                 <a:latin typeface="Segoe UI"/>
               </a:rPr>
               <a:pPr/>
-              <a:t>7/11/16</a:t>
+              <a:t>7/14/16</a:t>
             </a:fld>
             <a:endParaRPr lang="en-US">
               <a:solidFill>
@@ -6358,7 +6393,7 @@
                 <a:latin typeface="Segoe UI"/>
               </a:rPr>
               <a:pPr/>
-              <a:t>7/11/16</a:t>
+              <a:t>7/14/16</a:t>
             </a:fld>
             <a:endParaRPr lang="en-US">
               <a:solidFill>
@@ -6738,7 +6773,7 @@
                 <a:latin typeface="Segoe UI"/>
               </a:rPr>
               <a:pPr/>
-              <a:t>7/11/16</a:t>
+              <a:t>7/14/16</a:t>
             </a:fld>
             <a:endParaRPr lang="en-US">
               <a:solidFill>
@@ -7622,7 +7657,7 @@
             <a:fld id="{0459C166-16D3-4A25-A2F8-C51E0E346B22}" type="datetimeFigureOut">
               <a:rPr lang="en-US" smtClean="0"/>
               <a:pPr/>
-              <a:t>7/11/16</a:t>
+              <a:t>7/14/16</a:t>
             </a:fld>
             <a:endParaRPr lang="en-US"/>
           </a:p>
@@ -7863,7 +7898,7 @@
                 <a:latin typeface="Segoe UI"/>
               </a:rPr>
               <a:pPr/>
-              <a:t>7/11/16</a:t>
+              <a:t>7/14/16</a:t>
             </a:fld>
             <a:endParaRPr lang="en-US">
               <a:solidFill>
@@ -8267,7 +8302,7 @@
                 <a:latin typeface="Segoe UI"/>
               </a:rPr>
               <a:pPr/>
-              <a:t>7/11/16</a:t>
+              <a:t>7/14/16</a:t>
             </a:fld>
             <a:endParaRPr lang="en-US">
               <a:solidFill>
@@ -8422,7 +8457,7 @@
                 <a:latin typeface="Segoe UI"/>
               </a:rPr>
               <a:pPr/>
-              <a:t>7/11/16</a:t>
+              <a:t>7/14/16</a:t>
             </a:fld>
             <a:endParaRPr lang="en-US">
               <a:solidFill>
@@ -8716,7 +8751,7 @@
             <a:fld id="{0459C166-16D3-4A25-A2F8-C51E0E346B22}" type="datetimeFigureOut">
               <a:rPr lang="en-US" smtClean="0"/>
               <a:pPr/>
-              <a:t>7/11/16</a:t>
+              <a:t>7/14/16</a:t>
             </a:fld>
             <a:endParaRPr lang="en-US"/>
           </a:p>
@@ -9036,7 +9071,7 @@
             <a:fld id="{0459C166-16D3-4A25-A2F8-C51E0E346B22}" type="datetimeFigureOut">
               <a:rPr lang="en-US" smtClean="0"/>
               <a:pPr/>
-              <a:t>7/11/16</a:t>
+              <a:t>7/14/16</a:t>
             </a:fld>
             <a:endParaRPr lang="en-US"/>
           </a:p>
@@ -9435,7 +9470,7 @@
             <a:fld id="{0459C166-16D3-4A25-A2F8-C51E0E346B22}" type="datetimeFigureOut">
               <a:rPr lang="en-US" smtClean="0"/>
               <a:pPr/>
-              <a:t>7/11/16</a:t>
+              <a:t>7/14/16</a:t>
             </a:fld>
             <a:endParaRPr lang="en-US"/>
           </a:p>
@@ -10407,7 +10442,7 @@
             <a:fld id="{0459C166-16D3-4A25-A2F8-C51E0E346B22}" type="datetimeFigureOut">
               <a:rPr lang="en-US" smtClean="0"/>
               <a:pPr/>
-              <a:t>7/11/16</a:t>
+              <a:t>7/14/16</a:t>
             </a:fld>
             <a:endParaRPr lang="en-US"/>
           </a:p>
@@ -10621,7 +10656,7 @@
             <a:fld id="{0459C166-16D3-4A25-A2F8-C51E0E346B22}" type="datetimeFigureOut">
               <a:rPr lang="en-US" smtClean="0"/>
               <a:pPr/>
-              <a:t>7/11/16</a:t>
+              <a:t>7/14/16</a:t>
             </a:fld>
             <a:endParaRPr lang="en-US"/>
           </a:p>
@@ -11169,7 +11204,7 @@
                 <a:latin typeface="Segoe UI"/>
               </a:rPr>
               <a:pPr/>
-              <a:t>7/11/16</a:t>
+              <a:t>7/14/16</a:t>
             </a:fld>
             <a:endParaRPr lang="en-US">
               <a:solidFill>
@@ -15180,11 +15215,6 @@
                 </a:rPr>
                 <a:t>DIY</a:t>
               </a:r>
-              <a:endParaRPr lang="en-US" sz="2800" dirty="0">
-                <a:solidFill>
-                  <a:srgbClr val="000000"/>
-                </a:solidFill>
-              </a:endParaRPr>
             </a:p>
           </p:txBody>
         </p:sp>
@@ -16630,8 +16660,21 @@
                     <a:srgbClr val="000000"/>
                   </a:solidFill>
                 </a:rPr>
-                <a:t>Large community providing many resources (so you can leverage community resources instead of writing your own)</a:t>
+                <a:t>Large community providing many </a:t>
               </a:r>
+              <a:r>
+                <a:rPr lang="en-US" sz="2800" dirty="0" smtClean="0">
+                  <a:solidFill>
+                    <a:srgbClr val="000000"/>
+                  </a:solidFill>
+                </a:rPr>
+                <a:t>resources</a:t>
+              </a:r>
+              <a:endParaRPr lang="en-US" sz="2800" dirty="0" smtClean="0">
+                <a:solidFill>
+                  <a:srgbClr val="000000"/>
+                </a:solidFill>
+              </a:endParaRPr>
             </a:p>
             <a:p>
               <a:pPr marL="1371600" lvl="2" indent="-457200">
@@ -17965,8 +18008,27 @@
                     <a:srgbClr val="000000"/>
                   </a:solidFill>
                 </a:rPr>
-                <a:t>No significant installed base at this time, but as an historical artifact, </a:t>
+                <a:t>No significant installed base at this </a:t>
               </a:r>
+              <a:r>
+                <a:rPr lang="en-US" sz="2800" dirty="0" smtClean="0">
+                  <a:solidFill>
+                    <a:srgbClr val="000000"/>
+                  </a:solidFill>
+                </a:rPr>
+                <a:t>time</a:t>
+              </a:r>
+              <a:endParaRPr lang="en-US" sz="2800" dirty="0">
+                <a:solidFill>
+                  <a:srgbClr val="000000"/>
+                </a:solidFill>
+              </a:endParaRPr>
+            </a:p>
+            <a:p>
+              <a:pPr marL="1371600" lvl="2" indent="-457200">
+                <a:buFont typeface="Wingdings" charset="2"/>
+                <a:buChar char="§"/>
+              </a:pPr>
               <a:r>
                 <a:rPr lang="en-US" sz="2800" dirty="0" err="1" smtClean="0">
                   <a:solidFill>
@@ -17981,7 +18043,15 @@
                     <a:srgbClr val="000000"/>
                   </a:solidFill>
                 </a:rPr>
-                <a:t> started Configuration Management as an important component in the IT space</a:t>
+                <a:t> </a:t>
+              </a:r>
+              <a:r>
+                <a:rPr lang="en-US" sz="2800" dirty="0" smtClean="0">
+                  <a:solidFill>
+                    <a:srgbClr val="000000"/>
+                  </a:solidFill>
+                </a:rPr>
+                <a:t>started Configuration Management as an important component in the IT space</a:t>
               </a:r>
               <a:endParaRPr lang="en-US" sz="2800" dirty="0">
                 <a:solidFill>
@@ -18398,28 +18468,12 @@
                 <a:buChar char="§"/>
               </a:pPr>
               <a:r>
-                <a:rPr lang="en-US" sz="2800" dirty="0" smtClean="0">
+                <a:rPr lang="en-US" sz="2800" dirty="0">
                   <a:solidFill>
                     <a:srgbClr val="000000"/>
                   </a:solidFill>
                 </a:rPr>
-                <a:t>Instead of using an existing </a:t>
-              </a:r>
-              <a:r>
-                <a:rPr lang="en-US" sz="2800" dirty="0" err="1" smtClean="0">
-                  <a:solidFill>
-                    <a:srgbClr val="000000"/>
-                  </a:solidFill>
-                </a:rPr>
-                <a:t>config</a:t>
-              </a:r>
-              <a:r>
-                <a:rPr lang="en-US" sz="2800" dirty="0" smtClean="0">
-                  <a:solidFill>
-                    <a:srgbClr val="000000"/>
-                  </a:solidFill>
-                </a:rPr>
-                <a:t> management platform, developers can write their own</a:t>
+                <a:t>Developers can write their own configuration management scripts</a:t>
               </a:r>
             </a:p>
             <a:p>
@@ -18433,7 +18487,15 @@
                     <a:srgbClr val="000000"/>
                   </a:solidFill>
                 </a:rPr>
-                <a:t>Can use BASH, PowerShell Script, Ruby or any development platform</a:t>
+                <a:t>Can </a:t>
+              </a:r>
+              <a:r>
+                <a:rPr lang="en-US" sz="2800" dirty="0" smtClean="0">
+                  <a:solidFill>
+                    <a:srgbClr val="000000"/>
+                  </a:solidFill>
+                </a:rPr>
+                <a:t>use BASH, PowerShell Script, Ruby or any development platform</a:t>
               </a:r>
             </a:p>
             <a:p>
@@ -23864,7 +23926,7 @@
   <a:extraClrSchemeLst/>
   <a:extLst>
     <a:ext uri="{05A4C25C-085E-4340-85A3-A5531E510DB2}">
-      <thm15:themeFamily xmlns="" xmlns:thm15="http://schemas.microsoft.com/office/thememl/2012/main" name="Office Theme" id="{62F939B6-93AF-4DB8-9C6B-D6C7DFDC589F}" vid="{4A3C46E8-61CC-4603-A589-7422A47A8E4A}"/>
+      <thm15:themeFamily xmlns:thm15="http://schemas.microsoft.com/office/thememl/2012/main" xmlns="" name="Office Theme" id="{62F939B6-93AF-4DB8-9C6B-D6C7DFDC589F}" vid="{4A3C46E8-61CC-4603-A589-7422A47A8E4A}"/>
     </a:ext>
   </a:extLst>
 </a:theme>
@@ -24133,7 +24195,7 @@
   <a:extraClrSchemeLst/>
   <a:extLst>
     <a:ext uri="{05A4C25C-085E-4340-85A3-A5531E510DB2}">
-      <thm15:themeFamily xmlns="" xmlns:thm15="http://schemas.microsoft.com/office/thememl/2012/main" name="Office Theme" id="{62F939B6-93AF-4DB8-9C6B-D6C7DFDC589F}" vid="{4A3C46E8-61CC-4603-A589-7422A47A8E4A}"/>
+      <thm15:themeFamily xmlns:thm15="http://schemas.microsoft.com/office/thememl/2012/main" xmlns="" name="Office Theme" id="{62F939B6-93AF-4DB8-9C6B-D6C7DFDC589F}" vid="{4A3C46E8-61CC-4603-A589-7422A47A8E4A}"/>
     </a:ext>
   </a:extLst>
 </a:theme>
@@ -24428,7 +24490,7 @@
   <a:extraClrSchemeLst/>
   <a:extLst>
     <a:ext uri="{05A4C25C-085E-4340-85A3-A5531E510DB2}">
-      <thm15:themeFamily xmlns="" xmlns:thm15="http://schemas.microsoft.com/office/thememl/2012/main" name="Office Theme" id="{62F939B6-93AF-4DB8-9C6B-D6C7DFDC589F}" vid="{4A3C46E8-61CC-4603-A589-7422A47A8E4A}"/>
+      <thm15:themeFamily xmlns:thm15="http://schemas.microsoft.com/office/thememl/2012/main" xmlns="" name="Office Theme" id="{62F939B6-93AF-4DB8-9C6B-D6C7DFDC589F}" vid="{4A3C46E8-61CC-4603-A589-7422A47A8E4A}"/>
     </a:ext>
   </a:extLst>
 </a:theme>

--- a/Complimentary Course Content/Module7/Lessons/Module7_Lesson2 Configuration Management.pptx
+++ b/Complimentary Course Content/Module7/Lessons/Module7_Lesson2 Configuration Management.pptx
@@ -6,39 +6,38 @@
     <p:sldMasterId id="2147483684" r:id="rId2"/>
   </p:sldMasterIdLst>
   <p:notesMasterIdLst>
-    <p:notesMasterId r:id="rId33"/>
+    <p:notesMasterId r:id="rId32"/>
   </p:notesMasterIdLst>
   <p:sldIdLst>
     <p:sldId id="256" r:id="rId3"/>
     <p:sldId id="346" r:id="rId4"/>
     <p:sldId id="318" r:id="rId5"/>
-    <p:sldId id="320" r:id="rId6"/>
-    <p:sldId id="321" r:id="rId7"/>
-    <p:sldId id="326" r:id="rId8"/>
-    <p:sldId id="322" r:id="rId9"/>
-    <p:sldId id="323" r:id="rId10"/>
-    <p:sldId id="347" r:id="rId11"/>
-    <p:sldId id="324" r:id="rId12"/>
-    <p:sldId id="325" r:id="rId13"/>
-    <p:sldId id="327" r:id="rId14"/>
-    <p:sldId id="328" r:id="rId15"/>
-    <p:sldId id="329" r:id="rId16"/>
-    <p:sldId id="330" r:id="rId17"/>
-    <p:sldId id="332" r:id="rId18"/>
-    <p:sldId id="348" r:id="rId19"/>
-    <p:sldId id="333" r:id="rId20"/>
-    <p:sldId id="338" r:id="rId21"/>
-    <p:sldId id="349" r:id="rId22"/>
-    <p:sldId id="337" r:id="rId23"/>
-    <p:sldId id="339" r:id="rId24"/>
-    <p:sldId id="340" r:id="rId25"/>
-    <p:sldId id="341" r:id="rId26"/>
-    <p:sldId id="342" r:id="rId27"/>
-    <p:sldId id="344" r:id="rId28"/>
-    <p:sldId id="345" r:id="rId29"/>
-    <p:sldId id="313" r:id="rId30"/>
-    <p:sldId id="343" r:id="rId31"/>
-    <p:sldId id="319" r:id="rId32"/>
+    <p:sldId id="321" r:id="rId6"/>
+    <p:sldId id="326" r:id="rId7"/>
+    <p:sldId id="322" r:id="rId8"/>
+    <p:sldId id="323" r:id="rId9"/>
+    <p:sldId id="347" r:id="rId10"/>
+    <p:sldId id="324" r:id="rId11"/>
+    <p:sldId id="325" r:id="rId12"/>
+    <p:sldId id="327" r:id="rId13"/>
+    <p:sldId id="328" r:id="rId14"/>
+    <p:sldId id="329" r:id="rId15"/>
+    <p:sldId id="330" r:id="rId16"/>
+    <p:sldId id="332" r:id="rId17"/>
+    <p:sldId id="348" r:id="rId18"/>
+    <p:sldId id="333" r:id="rId19"/>
+    <p:sldId id="338" r:id="rId20"/>
+    <p:sldId id="349" r:id="rId21"/>
+    <p:sldId id="337" r:id="rId22"/>
+    <p:sldId id="339" r:id="rId23"/>
+    <p:sldId id="340" r:id="rId24"/>
+    <p:sldId id="341" r:id="rId25"/>
+    <p:sldId id="342" r:id="rId26"/>
+    <p:sldId id="344" r:id="rId27"/>
+    <p:sldId id="345" r:id="rId28"/>
+    <p:sldId id="313" r:id="rId29"/>
+    <p:sldId id="343" r:id="rId30"/>
+    <p:sldId id="319" r:id="rId31"/>
   </p:sldIdLst>
   <p:sldSz cx="12192000" cy="6858000"/>
   <p:notesSz cx="6858000" cy="9144000"/>
@@ -259,7 +258,7 @@
             <a:fld id="{49B60EF2-7028-489F-85D8-FE86CD7CF2A0}" type="datetimeFigureOut">
               <a:rPr lang="en-US" smtClean="0"/>
               <a:pPr/>
-              <a:t>7/14/16</a:t>
+              <a:t>7/26/16</a:t>
             </a:fld>
             <a:endParaRPr lang="en-US"/>
           </a:p>
@@ -656,38 +655,24 @@
           <a:bodyPr/>
           <a:lstStyle/>
           <a:p>
-            <a:r>
-              <a:rPr lang="en-US" b="1" dirty="0" smtClean="0"/>
-              <a:t>Notes:</a:t>
-            </a:r>
-          </a:p>
-          <a:p>
-            <a:pPr marL="228600" indent="-228600">
-              <a:buFont typeface="Arial"/>
-              <a:buChar char="•"/>
+            <a:pPr marL="171450" marR="0" lvl="0" indent="-171450" algn="l" defTabSz="914400" rtl="0" eaLnBrk="1" fontAlgn="auto" latinLnBrk="0" hangingPunct="1">
+              <a:lnSpc>
+                <a:spcPct val="100000"/>
+              </a:lnSpc>
+              <a:spcBef>
+                <a:spcPts val="0"/>
+              </a:spcBef>
+              <a:spcAft>
+                <a:spcPts val="0"/>
+              </a:spcAft>
+              <a:buClrTx/>
+              <a:buSzTx/>
+              <a:buFont typeface="Arial" panose="020B0604020202020204" pitchFamily="34" charset="0"/>
+              <a:buNone/>
+              <a:tabLst/>
+              <a:defRPr/>
             </a:pPr>
-            <a:r>
-              <a:rPr lang="en-US" baseline="0" dirty="0" smtClean="0"/>
-              <a:t>Variables are important to allow you to write code once and use it in different situations.  </a:t>
-            </a:r>
-            <a:endParaRPr lang="en-US" baseline="0" dirty="0" smtClean="0"/>
-          </a:p>
-          <a:p>
-            <a:pPr marL="228600" indent="-228600">
-              <a:buFont typeface="Arial"/>
-              <a:buChar char="•"/>
-            </a:pPr>
-            <a:r>
-              <a:rPr lang="en-US" baseline="0" dirty="0" smtClean="0"/>
-              <a:t>Example</a:t>
-            </a:r>
-            <a:r>
-              <a:rPr lang="en-US" baseline="0" dirty="0" smtClean="0"/>
-              <a:t>: you create code that installs and configures a database, but every department in your company needs their own database with a unique username and password.  Variables allow the same code to be run to create a database for each department, but with unique values for each department’s database for username and password.</a:t>
-            </a:r>
-          </a:p>
-          <a:p>
-            <a:endParaRPr lang="en-US" dirty="0"/>
+            <a:endParaRPr lang="en-US" b="1" dirty="0" smtClean="0"/>
           </a:p>
         </p:txBody>
       </p:sp>
@@ -708,6 +693,7 @@
           <a:p>
             <a:fld id="{01283FAC-A721-45A3-BBDE-EAF2B09B7CD9}" type="slidenum">
               <a:rPr lang="en-US" smtClean="0"/>
+              <a:pPr/>
               <a:t>11</a:t>
             </a:fld>
             <a:endParaRPr lang="en-US"/>
@@ -717,7 +703,7 @@
     </p:spTree>
     <p:extLst>
       <p:ext uri="{BB962C8B-B14F-4D97-AF65-F5344CB8AC3E}">
-        <p14:creationId xmlns:p14="http://schemas.microsoft.com/office/powerpoint/2010/main" val="155379973"/>
+        <p14:creationId xmlns:p14="http://schemas.microsoft.com/office/powerpoint/2010/main" val="1442726811"/>
       </p:ext>
     </p:extLst>
   </p:cSld>
@@ -788,7 +774,42 @@
               <a:tabLst/>
               <a:defRPr/>
             </a:pPr>
-            <a:endParaRPr lang="en-US" b="1" dirty="0" smtClean="0"/>
+            <a:r>
+              <a:rPr lang="en-US" b="1" dirty="0"/>
+              <a:t>Notes</a:t>
+            </a:r>
+            <a:r>
+              <a:rPr lang="en-US" b="1" dirty="0" smtClean="0"/>
+              <a:t>:</a:t>
+            </a:r>
+          </a:p>
+          <a:p>
+            <a:pPr marL="171450" marR="0" lvl="0" indent="-171450" algn="l" defTabSz="914400" rtl="0" eaLnBrk="1" fontAlgn="auto" latinLnBrk="0" hangingPunct="1">
+              <a:lnSpc>
+                <a:spcPct val="100000"/>
+              </a:lnSpc>
+              <a:spcBef>
+                <a:spcPts val="0"/>
+              </a:spcBef>
+              <a:spcAft>
+                <a:spcPts val="0"/>
+              </a:spcAft>
+              <a:buClrTx/>
+              <a:buSzTx/>
+              <a:buFont typeface="Arial"/>
+              <a:buChar char="•"/>
+              <a:tabLst/>
+              <a:defRPr/>
+            </a:pPr>
+            <a:r>
+              <a:rPr lang="en-US" b="0" dirty="0" smtClean="0"/>
+              <a:t>This is not a functional example of Chef</a:t>
+            </a:r>
+            <a:r>
+              <a:rPr lang="en-US" b="0" baseline="0" dirty="0" smtClean="0"/>
+              <a:t> variables, just an easy to understand example of how variables are used.</a:t>
+            </a:r>
+            <a:endParaRPr lang="en-US" b="0" dirty="0" smtClean="0"/>
           </a:p>
         </p:txBody>
       </p:sp>
@@ -919,13 +940,189 @@
             </a:pPr>
             <a:r>
               <a:rPr lang="en-US" b="0" dirty="0" smtClean="0"/>
-              <a:t>This is not a functional example of Chef</a:t>
+              <a:t>This code snippet uses the variables set in the previous slide.</a:t>
+            </a:r>
+          </a:p>
+          <a:p>
+            <a:pPr marL="171450" marR="0" lvl="0" indent="-171450" algn="l" defTabSz="914400" rtl="0" eaLnBrk="1" fontAlgn="auto" latinLnBrk="0" hangingPunct="1">
+              <a:lnSpc>
+                <a:spcPct val="100000"/>
+              </a:lnSpc>
+              <a:spcBef>
+                <a:spcPts val="0"/>
+              </a:spcBef>
+              <a:spcAft>
+                <a:spcPts val="0"/>
+              </a:spcAft>
+              <a:buClrTx/>
+              <a:buSzTx/>
+              <a:buFont typeface="Arial"/>
+              <a:buChar char="•"/>
+              <a:tabLst/>
+              <a:defRPr/>
+            </a:pPr>
+            <a:r>
+              <a:rPr lang="en-US" b="0" dirty="0" smtClean="0"/>
+              <a:t>This is not a functioning</a:t>
             </a:r>
             <a:r>
               <a:rPr lang="en-US" b="0" baseline="0" dirty="0" smtClean="0"/>
-              <a:t> variables, just an easy to understand example of how variables are used.</a:t>
+              <a:t> example and is missing some key Chef specific elements that will be explained in a later lesson.</a:t>
             </a:r>
             <a:endParaRPr lang="en-US" b="0" dirty="0" smtClean="0"/>
+          </a:p>
+          <a:p>
+            <a:pPr marL="171450" marR="0" lvl="0" indent="-171450" algn="l" defTabSz="914400" rtl="0" eaLnBrk="1" fontAlgn="auto" latinLnBrk="0" hangingPunct="1">
+              <a:lnSpc>
+                <a:spcPct val="100000"/>
+              </a:lnSpc>
+              <a:spcBef>
+                <a:spcPts val="0"/>
+              </a:spcBef>
+              <a:spcAft>
+                <a:spcPts val="0"/>
+              </a:spcAft>
+              <a:buClrTx/>
+              <a:buSzTx/>
+              <a:buFont typeface="Arial"/>
+              <a:buChar char="•"/>
+              <a:tabLst/>
+              <a:defRPr/>
+            </a:pPr>
+            <a:r>
+              <a:rPr lang="en-US" b="0" dirty="0" smtClean="0"/>
+              <a:t>The notation #{….} is how a</a:t>
+            </a:r>
+            <a:r>
+              <a:rPr lang="en-US" b="0" baseline="0" dirty="0" smtClean="0"/>
+              <a:t> variable is resolved inside of a quoted string in Ruby.  This notation allows string characters and variables that need to be resolved to co-exist within one set of quotes.  The end result reads as:</a:t>
+            </a:r>
+            <a:br>
+              <a:rPr lang="en-US" b="0" baseline="0" dirty="0" smtClean="0"/>
+            </a:br>
+            <a:r>
+              <a:rPr lang="en-US" b="0" baseline="0" dirty="0" smtClean="0"/>
+              <a:t>file ‘c:\</a:t>
+            </a:r>
+            <a:r>
+              <a:rPr lang="en-US" b="0" baseline="0" dirty="0" err="1" smtClean="0"/>
+              <a:t>ProgramData</a:t>
+            </a:r>
+            <a:r>
+              <a:rPr lang="en-US" b="0" baseline="0" dirty="0" smtClean="0"/>
+              <a:t>\</a:t>
+            </a:r>
+            <a:r>
+              <a:rPr lang="en-US" b="0" baseline="0" dirty="0" err="1" smtClean="0"/>
+              <a:t>my.ini</a:t>
+            </a:r>
+            <a:r>
+              <a:rPr lang="en-US" b="0" baseline="0" dirty="0" smtClean="0"/>
+              <a:t>’ do</a:t>
+            </a:r>
+            <a:br>
+              <a:rPr lang="en-US" b="0" baseline="0" dirty="0" smtClean="0"/>
+            </a:br>
+            <a:r>
+              <a:rPr lang="en-US" b="0" baseline="0" dirty="0" smtClean="0"/>
+              <a:t>content “</a:t>
+            </a:r>
+            <a:br>
+              <a:rPr lang="en-US" b="0" baseline="0" dirty="0" smtClean="0"/>
+            </a:br>
+            <a:r>
+              <a:rPr lang="en-US" b="0" baseline="0" dirty="0" smtClean="0"/>
+              <a:t>   user=</a:t>
+            </a:r>
+            <a:r>
+              <a:rPr lang="en-US" b="0" baseline="0" dirty="0" err="1" smtClean="0"/>
+              <a:t>myDBuser</a:t>
+            </a:r>
+            <a:r>
+              <a:rPr lang="en-US" b="0" baseline="0" dirty="0" smtClean="0"/>
+              <a:t/>
+            </a:r>
+            <a:br>
+              <a:rPr lang="en-US" b="0" baseline="0" dirty="0" smtClean="0"/>
+            </a:br>
+            <a:r>
+              <a:rPr lang="en-US" b="0" baseline="0" dirty="0" smtClean="0"/>
+              <a:t>   password=</a:t>
+            </a:r>
+            <a:r>
+              <a:rPr lang="en-US" b="0" baseline="0" dirty="0" err="1" smtClean="0"/>
+              <a:t>myDBpasswd</a:t>
+            </a:r>
+            <a:r>
+              <a:rPr lang="en-US" b="0" baseline="0" dirty="0" smtClean="0"/>
+              <a:t/>
+            </a:r>
+            <a:br>
+              <a:rPr lang="en-US" b="0" baseline="0" dirty="0" smtClean="0"/>
+            </a:br>
+            <a:r>
+              <a:rPr lang="en-US" b="0" baseline="0" dirty="0" smtClean="0"/>
+              <a:t>“</a:t>
+            </a:r>
+          </a:p>
+          <a:p>
+            <a:pPr marL="171450" marR="0" lvl="0" indent="-171450" algn="l" defTabSz="914400" rtl="0" eaLnBrk="1" fontAlgn="auto" latinLnBrk="0" hangingPunct="1">
+              <a:lnSpc>
+                <a:spcPct val="100000"/>
+              </a:lnSpc>
+              <a:spcBef>
+                <a:spcPts val="0"/>
+              </a:spcBef>
+              <a:spcAft>
+                <a:spcPts val="0"/>
+              </a:spcAft>
+              <a:buClrTx/>
+              <a:buSzTx/>
+              <a:buFont typeface="Arial"/>
+              <a:buChar char="•"/>
+              <a:tabLst/>
+              <a:defRPr/>
+            </a:pPr>
+            <a:r>
+              <a:rPr lang="en-US" b="1" baseline="0" dirty="0" smtClean="0"/>
+              <a:t>“</a:t>
+            </a:r>
+            <a:r>
+              <a:rPr lang="en-US" b="0" baseline="0" dirty="0" smtClean="0"/>
+              <a:t>rights :read, ‘Everyone’</a:t>
+            </a:r>
+            <a:r>
+              <a:rPr lang="en-US" b="1" baseline="0" dirty="0" smtClean="0"/>
+              <a:t>” </a:t>
+            </a:r>
+            <a:r>
+              <a:rPr lang="en-US" b="0" baseline="0" dirty="0" smtClean="0"/>
+              <a:t>sets access permissions. This is a Windows notation and would be different for a Linux server</a:t>
+            </a:r>
+            <a:r>
+              <a:rPr lang="en-US" b="1" baseline="0" dirty="0" smtClean="0"/>
+              <a:t>.</a:t>
+            </a:r>
+          </a:p>
+          <a:p>
+            <a:pPr marL="171450" marR="0" lvl="0" indent="-171450" algn="l" defTabSz="914400" rtl="0" eaLnBrk="1" fontAlgn="auto" latinLnBrk="0" hangingPunct="1">
+              <a:lnSpc>
+                <a:spcPct val="100000"/>
+              </a:lnSpc>
+              <a:spcBef>
+                <a:spcPts val="0"/>
+              </a:spcBef>
+              <a:spcAft>
+                <a:spcPts val="0"/>
+              </a:spcAft>
+              <a:buClrTx/>
+              <a:buSzTx/>
+              <a:buFont typeface="Arial"/>
+              <a:buChar char="•"/>
+              <a:tabLst/>
+              <a:defRPr/>
+            </a:pPr>
+            <a:endParaRPr lang="en-US" b="1" dirty="0" smtClean="0"/>
           </a:p>
         </p:txBody>
       </p:sp>
@@ -1010,239 +1207,46 @@
           <a:bodyPr/>
           <a:lstStyle/>
           <a:p>
-            <a:pPr marL="171450" marR="0" lvl="0" indent="-171450" algn="l" defTabSz="914400" rtl="0" eaLnBrk="1" fontAlgn="auto" latinLnBrk="0" hangingPunct="1">
-              <a:lnSpc>
-                <a:spcPct val="100000"/>
-              </a:lnSpc>
-              <a:spcBef>
-                <a:spcPts val="0"/>
-              </a:spcBef>
-              <a:spcAft>
-                <a:spcPts val="0"/>
-              </a:spcAft>
-              <a:buClrTx/>
-              <a:buSzTx/>
-              <a:buFont typeface="Arial" panose="020B0604020202020204" pitchFamily="34" charset="0"/>
-              <a:buNone/>
-              <a:tabLst/>
-              <a:defRPr/>
-            </a:pPr>
-            <a:r>
-              <a:rPr lang="en-US" b="1" dirty="0"/>
-              <a:t>Notes</a:t>
-            </a:r>
             <a:r>
               <a:rPr lang="en-US" b="1" dirty="0" smtClean="0"/>
-              <a:t>:</a:t>
-            </a:r>
-          </a:p>
-          <a:p>
-            <a:pPr marL="171450" marR="0" lvl="0" indent="-171450" algn="l" defTabSz="914400" rtl="0" eaLnBrk="1" fontAlgn="auto" latinLnBrk="0" hangingPunct="1">
-              <a:lnSpc>
-                <a:spcPct val="100000"/>
-              </a:lnSpc>
-              <a:spcBef>
-                <a:spcPts val="0"/>
-              </a:spcBef>
-              <a:spcAft>
-                <a:spcPts val="0"/>
-              </a:spcAft>
-              <a:buClrTx/>
-              <a:buSzTx/>
+              <a:t>Notes:</a:t>
+            </a:r>
+          </a:p>
+          <a:p>
+            <a:pPr marL="228600" indent="-228600">
               <a:buFont typeface="Arial"/>
               <a:buChar char="•"/>
-              <a:tabLst/>
-              <a:defRPr/>
             </a:pPr>
             <a:r>
-              <a:rPr lang="en-US" b="0" dirty="0" smtClean="0"/>
-              <a:t>This code snippet uses the variables set in the previous slide.</a:t>
-            </a:r>
-          </a:p>
-          <a:p>
-            <a:pPr marL="171450" marR="0" lvl="0" indent="-171450" algn="l" defTabSz="914400" rtl="0" eaLnBrk="1" fontAlgn="auto" latinLnBrk="0" hangingPunct="1">
-              <a:lnSpc>
-                <a:spcPct val="100000"/>
-              </a:lnSpc>
-              <a:spcBef>
-                <a:spcPts val="0"/>
-              </a:spcBef>
-              <a:spcAft>
-                <a:spcPts val="0"/>
-              </a:spcAft>
-              <a:buClrTx/>
-              <a:buSzTx/>
-              <a:buFont typeface="Arial"/>
-              <a:buChar char="•"/>
-              <a:tabLst/>
-              <a:defRPr/>
-            </a:pPr>
-            <a:r>
-              <a:rPr lang="en-US" b="0" dirty="0" smtClean="0"/>
-              <a:t>This </a:t>
-            </a:r>
-            <a:r>
-              <a:rPr lang="en-US" b="0" dirty="0" smtClean="0"/>
-              <a:t>is not a functioning</a:t>
-            </a:r>
-            <a:r>
-              <a:rPr lang="en-US" b="0" baseline="0" dirty="0" smtClean="0"/>
-              <a:t> example and is missing some key Chef specific elements that will be explained in a later lesson.</a:t>
-            </a:r>
-            <a:endParaRPr lang="en-US" b="0" dirty="0" smtClean="0"/>
-          </a:p>
-          <a:p>
-            <a:pPr marL="171450" marR="0" lvl="0" indent="-171450" algn="l" defTabSz="914400" rtl="0" eaLnBrk="1" fontAlgn="auto" latinLnBrk="0" hangingPunct="1">
-              <a:lnSpc>
-                <a:spcPct val="100000"/>
-              </a:lnSpc>
-              <a:spcBef>
-                <a:spcPts val="0"/>
-              </a:spcBef>
-              <a:spcAft>
-                <a:spcPts val="0"/>
-              </a:spcAft>
-              <a:buClrTx/>
-              <a:buSzTx/>
-              <a:buFont typeface="Arial"/>
-              <a:buChar char="•"/>
-              <a:tabLst/>
-              <a:defRPr/>
-            </a:pPr>
-            <a:r>
-              <a:rPr lang="en-US" b="0" dirty="0" smtClean="0"/>
-              <a:t>The notation #{….} is how a</a:t>
-            </a:r>
-            <a:r>
-              <a:rPr lang="en-US" b="0" baseline="0" dirty="0" smtClean="0"/>
-              <a:t> variable is resolved inside of a quoted string in Ruby.  This notation allows string characters and variables that need to be resolved to co-exist within one set of quotes.  The end result reads as:</a:t>
+              <a:rPr lang="en-US" baseline="0" dirty="0" smtClean="0"/>
+              <a:t>Because of </a:t>
+            </a:r>
+            <a:r>
+              <a:rPr lang="en-US" baseline="0" dirty="0" err="1" smtClean="0"/>
+              <a:t>Idempotence</a:t>
+            </a:r>
+            <a:r>
+              <a:rPr lang="en-US" baseline="0" dirty="0" smtClean="0"/>
+              <a:t>, if the script is applied to the server and the server is already in the desired state, then nothing happens.  If the server is not in the desired state, then the server is put into the desired state.</a:t>
             </a:r>
             <a:br>
-              <a:rPr lang="en-US" b="0" baseline="0" dirty="0" smtClean="0"/>
+              <a:rPr lang="en-US" baseline="0" dirty="0" smtClean="0"/>
             </a:br>
             <a:r>
-              <a:rPr lang="en-US" b="0" baseline="0" dirty="0" smtClean="0"/>
-              <a:t>file ‘c:\</a:t>
-            </a:r>
-            <a:r>
-              <a:rPr lang="en-US" b="0" baseline="0" dirty="0" err="1" smtClean="0"/>
-              <a:t>ProgramData</a:t>
-            </a:r>
-            <a:r>
-              <a:rPr lang="en-US" b="0" baseline="0" dirty="0" smtClean="0"/>
-              <a:t>\</a:t>
-            </a:r>
-            <a:r>
-              <a:rPr lang="en-US" b="0" baseline="0" dirty="0" err="1" smtClean="0"/>
-              <a:t>my.ini</a:t>
-            </a:r>
-            <a:r>
-              <a:rPr lang="en-US" b="0" baseline="0" dirty="0" smtClean="0"/>
-              <a:t>’ do</a:t>
-            </a:r>
-            <a:br>
-              <a:rPr lang="en-US" b="0" baseline="0" dirty="0" smtClean="0"/>
-            </a:br>
-            <a:r>
-              <a:rPr lang="en-US" b="0" baseline="0" dirty="0" smtClean="0"/>
-              <a:t>content “</a:t>
-            </a:r>
-            <a:br>
-              <a:rPr lang="en-US" b="0" baseline="0" dirty="0" smtClean="0"/>
-            </a:br>
-            <a:r>
-              <a:rPr lang="en-US" b="0" baseline="0" dirty="0" smtClean="0"/>
-              <a:t>   user=</a:t>
-            </a:r>
-            <a:r>
-              <a:rPr lang="en-US" b="0" baseline="0" dirty="0" err="1" smtClean="0"/>
-              <a:t>myDBuser</a:t>
-            </a:r>
-            <a:r>
-              <a:rPr lang="en-US" b="0" baseline="0" dirty="0" smtClean="0"/>
-              <a:t/>
-            </a:r>
-            <a:br>
-              <a:rPr lang="en-US" b="0" baseline="0" dirty="0" smtClean="0"/>
-            </a:br>
-            <a:r>
-              <a:rPr lang="en-US" b="0" baseline="0" dirty="0" smtClean="0"/>
-              <a:t>   password=</a:t>
-            </a:r>
-            <a:r>
-              <a:rPr lang="en-US" b="0" baseline="0" dirty="0" err="1" smtClean="0"/>
-              <a:t>myDBpasswd</a:t>
-            </a:r>
-            <a:r>
-              <a:rPr lang="en-US" b="0" baseline="0" dirty="0" smtClean="0"/>
-              <a:t/>
-            </a:r>
-            <a:br>
-              <a:rPr lang="en-US" b="0" baseline="0" dirty="0" smtClean="0"/>
-            </a:br>
-            <a:r>
-              <a:rPr lang="en-US" b="0" baseline="0" dirty="0" smtClean="0"/>
-              <a:t>“</a:t>
-            </a:r>
-          </a:p>
-          <a:p>
-            <a:pPr marL="171450" marR="0" lvl="0" indent="-171450" algn="l" defTabSz="914400" rtl="0" eaLnBrk="1" fontAlgn="auto" latinLnBrk="0" hangingPunct="1">
-              <a:lnSpc>
-                <a:spcPct val="100000"/>
-              </a:lnSpc>
-              <a:spcBef>
-                <a:spcPts val="0"/>
-              </a:spcBef>
-              <a:spcAft>
-                <a:spcPts val="0"/>
-              </a:spcAft>
-              <a:buClrTx/>
-              <a:buSzTx/>
-              <a:buFont typeface="Arial"/>
-              <a:buChar char="•"/>
-              <a:tabLst/>
-              <a:defRPr/>
-            </a:pPr>
-            <a:r>
-              <a:rPr lang="en-US" b="1" baseline="0" dirty="0" smtClean="0"/>
-              <a:t>“</a:t>
-            </a:r>
-            <a:r>
-              <a:rPr lang="en-US" b="0" baseline="0" dirty="0" smtClean="0"/>
-              <a:t>rights :read, ‘Everyone’</a:t>
-            </a:r>
-            <a:r>
-              <a:rPr lang="en-US" b="1" baseline="0" dirty="0" smtClean="0"/>
-              <a:t>” </a:t>
-            </a:r>
-            <a:r>
-              <a:rPr lang="en-US" b="0" baseline="0" dirty="0" smtClean="0"/>
-              <a:t>sets access permissions. This is a Windows notation and would be different for a Linux server</a:t>
-            </a:r>
-            <a:r>
-              <a:rPr lang="en-US" b="1" baseline="0" dirty="0" smtClean="0"/>
+              <a:rPr lang="en-US" baseline="0" dirty="0" smtClean="0"/>
+              <a:t>Example: script dictates that Apache should be installed.  The first time the script is run, Apache is not installed so the client installs Apache.  The next time the script is run Apache is already installed so that step is skipped.  If someone were to manually uninstall Apache, then next time the script runs Apache will be re-installed.  This is </a:t>
+            </a:r>
+            <a:r>
+              <a:rPr lang="en-US" baseline="0" dirty="0" err="1" smtClean="0"/>
+              <a:t>Idempotence</a:t>
+            </a:r>
+            <a:r>
+              <a:rPr lang="en-US" baseline="0" dirty="0" smtClean="0"/>
               <a:t>.</a:t>
             </a:r>
           </a:p>
           <a:p>
-            <a:pPr marL="171450" marR="0" lvl="0" indent="-171450" algn="l" defTabSz="914400" rtl="0" eaLnBrk="1" fontAlgn="auto" latinLnBrk="0" hangingPunct="1">
-              <a:lnSpc>
-                <a:spcPct val="100000"/>
-              </a:lnSpc>
-              <a:spcBef>
-                <a:spcPts val="0"/>
-              </a:spcBef>
-              <a:spcAft>
-                <a:spcPts val="0"/>
-              </a:spcAft>
-              <a:buClrTx/>
-              <a:buSzTx/>
-              <a:buFont typeface="Arial"/>
-              <a:buChar char="•"/>
-              <a:tabLst/>
-              <a:defRPr/>
-            </a:pPr>
-            <a:endParaRPr lang="en-US" b="1" dirty="0" smtClean="0"/>
+            <a:endParaRPr lang="en-US" dirty="0"/>
           </a:p>
         </p:txBody>
       </p:sp>
@@ -1263,7 +1267,6 @@
           <a:p>
             <a:fld id="{01283FAC-A721-45A3-BBDE-EAF2B09B7CD9}" type="slidenum">
               <a:rPr lang="en-US" smtClean="0"/>
-              <a:pPr/>
               <a:t>14</a:t>
             </a:fld>
             <a:endParaRPr lang="en-US"/>
@@ -1273,7 +1276,7 @@
     </p:spTree>
     <p:extLst>
       <p:ext uri="{BB962C8B-B14F-4D97-AF65-F5344CB8AC3E}">
-        <p14:creationId xmlns:p14="http://schemas.microsoft.com/office/powerpoint/2010/main" val="1442726811"/>
+        <p14:creationId xmlns:p14="http://schemas.microsoft.com/office/powerpoint/2010/main" val="155379973"/>
       </p:ext>
     </p:extLst>
   </p:cSld>
@@ -1331,41 +1334,133 @@
               <a:rPr lang="en-US" b="1" dirty="0" smtClean="0"/>
               <a:t>Notes:</a:t>
             </a:r>
-          </a:p>
-          <a:p>
-            <a:pPr marL="228600" indent="-228600">
+            <a:endParaRPr lang="en-US" b="1" dirty="0" smtClean="0"/>
+          </a:p>
+          <a:p>
+            <a:pPr marL="171450" indent="-171450">
               <a:buFont typeface="Arial"/>
               <a:buChar char="•"/>
             </a:pPr>
             <a:r>
+              <a:rPr lang="en-US" dirty="0" smtClean="0"/>
+              <a:t>The instructor should</a:t>
+            </a:r>
+            <a:r>
               <a:rPr lang="en-US" baseline="0" dirty="0" smtClean="0"/>
-              <a:t>Because of </a:t>
+              <a:t> not get too confused by the mathematics definition of </a:t>
             </a:r>
             <a:r>
               <a:rPr lang="en-US" baseline="0" dirty="0" err="1" smtClean="0"/>
+              <a:t>idempotence</a:t>
+            </a:r>
+            <a:r>
+              <a:rPr lang="en-US" baseline="0" dirty="0" smtClean="0"/>
+              <a:t>. We’re talking about the ability to execute a script multiple times without harming the state of the system. This also implies that if a call to a script is made multiple times, changes are only made when the server has strayed from the “desired state”. </a:t>
+            </a:r>
+          </a:p>
+          <a:p>
+            <a:pPr marL="171450" indent="-171450">
+              <a:buFont typeface="Arial"/>
+              <a:buChar char="•"/>
+            </a:pPr>
+            <a:endParaRPr lang="en-US" baseline="0" dirty="0" smtClean="0"/>
+          </a:p>
+          <a:p>
+            <a:pPr marL="171450" indent="-171450">
+              <a:buFont typeface="Arial"/>
+              <a:buChar char="•"/>
+            </a:pPr>
+            <a:r>
+              <a:rPr lang="en-US" baseline="0" dirty="0" smtClean="0"/>
+              <a:t>This means that changes are only made when a new feature is released or rolled out</a:t>
+            </a:r>
+            <a:r>
+              <a:rPr lang="en-US" baseline="0" dirty="0" smtClean="0"/>
+              <a:t>!</a:t>
+            </a:r>
+          </a:p>
+          <a:p>
+            <a:pPr marL="171450" indent="-171450">
+              <a:buFont typeface="Arial"/>
+              <a:buChar char="•"/>
+            </a:pPr>
+            <a:endParaRPr lang="en-US" dirty="0" smtClean="0"/>
+          </a:p>
+          <a:p>
+            <a:pPr marL="0" indent="0">
+              <a:buFont typeface="Arial"/>
+              <a:buNone/>
+            </a:pPr>
+            <a:r>
+              <a:rPr lang="en-US" b="1" dirty="0" smtClean="0"/>
+              <a:t>References:</a:t>
+            </a:r>
+          </a:p>
+          <a:p>
+            <a:pPr marL="171450" indent="-171450">
+              <a:buFont typeface="Arial"/>
+              <a:buChar char="•"/>
+            </a:pPr>
+            <a:r>
+              <a:rPr lang="en-US" dirty="0" smtClean="0"/>
+              <a:t>http://</a:t>
+            </a:r>
+            <a:r>
+              <a:rPr lang="en-US" dirty="0" err="1" smtClean="0"/>
+              <a:t>www.restapitutorial.com</a:t>
+            </a:r>
+            <a:r>
+              <a:rPr lang="en-US" dirty="0" smtClean="0"/>
+              <a:t>/lessons/</a:t>
+            </a:r>
+            <a:r>
+              <a:rPr lang="en-US" dirty="0" err="1" smtClean="0"/>
+              <a:t>idempotency.html</a:t>
+            </a:r>
+            <a:endParaRPr lang="en-US" dirty="0" smtClean="0"/>
+          </a:p>
+          <a:p>
+            <a:pPr marL="171450" indent="-171450">
+              <a:buFont typeface="Arial"/>
+              <a:buChar char="•"/>
+            </a:pPr>
+            <a:r>
+              <a:rPr lang="en-US" dirty="0" smtClean="0"/>
+              <a:t>https://</a:t>
+            </a:r>
+            <a:r>
+              <a:rPr lang="en-US" dirty="0" err="1" smtClean="0"/>
+              <a:t>en.wikipedia.org</a:t>
+            </a:r>
+            <a:r>
+              <a:rPr lang="en-US" dirty="0" smtClean="0"/>
+              <a:t>/wiki/</a:t>
+            </a:r>
+            <a:r>
+              <a:rPr lang="en-US" dirty="0" err="1" smtClean="0"/>
               <a:t>Idempotence</a:t>
             </a:r>
-            <a:r>
-              <a:rPr lang="en-US" baseline="0" dirty="0" smtClean="0"/>
-              <a:t>, if the script is applied to the server and the server is already in the desired state, then nothing happens.  If the server is not in the desired state, then the server is put into the desired state.</a:t>
-            </a:r>
-            <a:br>
-              <a:rPr lang="en-US" baseline="0" dirty="0" smtClean="0"/>
-            </a:br>
-            <a:r>
-              <a:rPr lang="en-US" baseline="0" dirty="0" smtClean="0"/>
-              <a:t>Example: script dictates that Apache should be installed.  The first time the script is run, Apache is not installed so the client installs Apache.  The next time the script is run Apache is already installed so that step is skipped.  If someone were to manually uninstall Apache, then next time the script runs Apache will be re-installed.  This is </a:t>
-            </a:r>
-            <a:r>
-              <a:rPr lang="en-US" baseline="0" dirty="0" err="1" smtClean="0"/>
-              <a:t>Idempotence</a:t>
-            </a:r>
-            <a:r>
-              <a:rPr lang="en-US" baseline="0" dirty="0" smtClean="0"/>
-              <a:t>.</a:t>
-            </a:r>
-          </a:p>
-          <a:p>
+            <a:endParaRPr lang="en-US" dirty="0" smtClean="0"/>
+          </a:p>
+          <a:p>
+            <a:pPr marL="171450" indent="-171450">
+              <a:buFont typeface="Arial"/>
+              <a:buChar char="•"/>
+            </a:pPr>
+            <a:endParaRPr lang="en-US" baseline="0" dirty="0" smtClean="0"/>
+          </a:p>
+          <a:p>
+            <a:pPr marL="171450" indent="-171450">
+              <a:buFont typeface="Arial"/>
+              <a:buChar char="•"/>
+            </a:pPr>
+            <a:endParaRPr lang="en-US" baseline="0" dirty="0" smtClean="0"/>
+          </a:p>
+          <a:p>
+            <a:pPr marL="171450" indent="-171450">
+              <a:buFont typeface="Arial"/>
+              <a:buChar char="•"/>
+            </a:pPr>
             <a:endParaRPr lang="en-US" dirty="0"/>
           </a:p>
         </p:txBody>
@@ -1450,7 +1545,107 @@
           <a:bodyPr/>
           <a:lstStyle/>
           <a:p>
-            <a:endParaRPr lang="en-US" dirty="0"/>
+            <a:pPr marL="0" marR="0" lvl="0" indent="0" algn="l" defTabSz="914400" rtl="0" eaLnBrk="1" fontAlgn="auto" latinLnBrk="0" hangingPunct="1">
+              <a:lnSpc>
+                <a:spcPct val="100000"/>
+              </a:lnSpc>
+              <a:spcBef>
+                <a:spcPts val="0"/>
+              </a:spcBef>
+              <a:spcAft>
+                <a:spcPts val="0"/>
+              </a:spcAft>
+              <a:buClrTx/>
+              <a:buSzTx/>
+              <a:buFont typeface="Arial"/>
+              <a:buNone/>
+              <a:tabLst/>
+              <a:defRPr/>
+            </a:pPr>
+            <a:r>
+              <a:rPr lang="en-US" b="1" dirty="0" smtClean="0"/>
+              <a:t>References:</a:t>
+            </a:r>
+          </a:p>
+          <a:p>
+            <a:pPr marL="171450" marR="0" lvl="0" indent="-171450" algn="l" defTabSz="914400" rtl="0" eaLnBrk="1" fontAlgn="auto" latinLnBrk="0" hangingPunct="1">
+              <a:lnSpc>
+                <a:spcPct val="100000"/>
+              </a:lnSpc>
+              <a:spcBef>
+                <a:spcPts val="0"/>
+              </a:spcBef>
+              <a:spcAft>
+                <a:spcPts val="0"/>
+              </a:spcAft>
+              <a:buClrTx/>
+              <a:buSzTx/>
+              <a:buFont typeface="Arial"/>
+              <a:buChar char="•"/>
+              <a:tabLst/>
+              <a:defRPr/>
+            </a:pPr>
+            <a:r>
+              <a:rPr lang="en-US" dirty="0" smtClean="0"/>
+              <a:t>https</a:t>
+            </a:r>
+            <a:r>
+              <a:rPr lang="en-US" dirty="0" smtClean="0"/>
+              <a:t>://</a:t>
+            </a:r>
+            <a:r>
+              <a:rPr lang="en-US" dirty="0" err="1" smtClean="0"/>
+              <a:t>en.wikipedia.org</a:t>
+            </a:r>
+            <a:r>
+              <a:rPr lang="en-US" dirty="0" smtClean="0"/>
+              <a:t>/wiki/</a:t>
+            </a:r>
+            <a:r>
+              <a:rPr lang="en-US" dirty="0" err="1" smtClean="0"/>
+              <a:t>Infrastructure_as_Code</a:t>
+            </a:r>
+            <a:endParaRPr lang="en-US" dirty="0" smtClean="0"/>
+          </a:p>
+          <a:p>
+            <a:pPr marL="0" marR="0" lvl="0" indent="0" algn="l" defTabSz="914400" rtl="0" eaLnBrk="1" fontAlgn="auto" latinLnBrk="0" hangingPunct="1">
+              <a:lnSpc>
+                <a:spcPct val="100000"/>
+              </a:lnSpc>
+              <a:spcBef>
+                <a:spcPts val="0"/>
+              </a:spcBef>
+              <a:spcAft>
+                <a:spcPts val="0"/>
+              </a:spcAft>
+              <a:buClrTx/>
+              <a:buSzTx/>
+              <a:buFontTx/>
+              <a:buNone/>
+              <a:tabLst/>
+              <a:defRPr/>
+            </a:pPr>
+            <a:endParaRPr lang="en-US" dirty="0" smtClean="0"/>
+          </a:p>
+          <a:p>
+            <a:pPr marL="0" marR="0" lvl="0" indent="0" algn="l" defTabSz="914400" rtl="0" eaLnBrk="1" fontAlgn="auto" latinLnBrk="0" hangingPunct="1">
+              <a:lnSpc>
+                <a:spcPct val="100000"/>
+              </a:lnSpc>
+              <a:spcBef>
+                <a:spcPts val="0"/>
+              </a:spcBef>
+              <a:spcAft>
+                <a:spcPts val="0"/>
+              </a:spcAft>
+              <a:buClrTx/>
+              <a:buSzTx/>
+              <a:buFontTx/>
+              <a:buNone/>
+              <a:tabLst/>
+              <a:defRPr/>
+            </a:pPr>
+            <a:endParaRPr lang="en-US" dirty="0" smtClean="0"/>
           </a:p>
         </p:txBody>
       </p:sp>
@@ -1480,7 +1675,7 @@
     </p:spTree>
     <p:extLst>
       <p:ext uri="{BB962C8B-B14F-4D97-AF65-F5344CB8AC3E}">
-        <p14:creationId xmlns:p14="http://schemas.microsoft.com/office/powerpoint/2010/main" val="155379973"/>
+        <p14:creationId xmlns:p14="http://schemas.microsoft.com/office/powerpoint/2010/main" val="1429399873"/>
       </p:ext>
     </p:extLst>
   </p:cSld>
@@ -1534,43 +1729,89 @@
           <a:bodyPr/>
           <a:lstStyle/>
           <a:p>
-            <a:pPr marL="0" marR="0" lvl="0" indent="0" algn="l" defTabSz="914400" rtl="0" eaLnBrk="1" fontAlgn="auto" latinLnBrk="0" hangingPunct="1">
-              <a:lnSpc>
-                <a:spcPct val="100000"/>
-              </a:lnSpc>
-              <a:spcBef>
-                <a:spcPts val="0"/>
-              </a:spcBef>
-              <a:spcAft>
-                <a:spcPts val="0"/>
-              </a:spcAft>
-              <a:buClrTx/>
-              <a:buSzTx/>
-              <a:buFontTx/>
-              <a:buNone/>
-              <a:tabLst/>
-              <a:defRPr/>
+            <a:r>
+              <a:rPr lang="en-US" b="1" dirty="0" smtClean="0"/>
+              <a:t>Notes:</a:t>
+            </a:r>
+          </a:p>
+          <a:p>
+            <a:pPr marL="228600" indent="-228600">
+              <a:buFont typeface="Arial"/>
+              <a:buChar char="•"/>
             </a:pPr>
+            <a:r>
+              <a:rPr lang="en-US" dirty="0" smtClean="0"/>
+              <a:t>These are the most</a:t>
+            </a:r>
+            <a:r>
+              <a:rPr lang="en-US" baseline="0" dirty="0" smtClean="0"/>
+              <a:t> popular CM platforms.</a:t>
+            </a:r>
+          </a:p>
+          <a:p>
+            <a:pPr marL="228600" indent="-228600">
+              <a:buFont typeface="Arial"/>
+              <a:buChar char="•"/>
+            </a:pPr>
+            <a:r>
+              <a:rPr lang="en-US" baseline="0" dirty="0" smtClean="0"/>
+              <a:t>Puppet and Chef are the top platforms.</a:t>
+            </a:r>
+          </a:p>
+          <a:p>
+            <a:pPr marL="228600" indent="-228600">
+              <a:buFont typeface="Arial"/>
+              <a:buChar char="•"/>
+            </a:pPr>
+            <a:r>
+              <a:rPr lang="en-US" baseline="0" dirty="0" err="1" smtClean="0"/>
+              <a:t>Rightscale</a:t>
+            </a:r>
+            <a:r>
+              <a:rPr lang="en-US" baseline="0" dirty="0" smtClean="0"/>
+              <a:t> is GUI driven</a:t>
+            </a:r>
+          </a:p>
+          <a:p>
+            <a:pPr marL="228600" indent="-228600">
+              <a:buFont typeface="Arial"/>
+              <a:buChar char="•"/>
+            </a:pPr>
+            <a:r>
+              <a:rPr lang="en-US" baseline="0" dirty="0" err="1" smtClean="0"/>
+              <a:t>Ansible</a:t>
+            </a:r>
+            <a:r>
+              <a:rPr lang="en-US" baseline="0" dirty="0" smtClean="0"/>
+              <a:t> and Salt are platforms with a smaller (but very loyal) user base, but aren’t really accepted in the Enterprise</a:t>
+            </a:r>
+          </a:p>
+          <a:p>
+            <a:pPr marL="228600" indent="-228600">
+              <a:buFont typeface="Arial"/>
+              <a:buChar char="•"/>
+            </a:pPr>
+            <a:r>
+              <a:rPr lang="en-US" dirty="0" err="1" smtClean="0"/>
+              <a:t>Cfengine</a:t>
+            </a:r>
+            <a:r>
+              <a:rPr lang="en-US" baseline="0" dirty="0" smtClean="0"/>
+              <a:t> started the CM process, but is outdated now</a:t>
+            </a:r>
+          </a:p>
+          <a:p>
+            <a:pPr marL="228600" indent="-228600">
+              <a:buFont typeface="Arial"/>
+              <a:buChar char="•"/>
+            </a:pPr>
+            <a:r>
+              <a:rPr lang="en-US" baseline="0" dirty="0" smtClean="0"/>
+              <a:t>DIY = Do It Yourself, writing your own scripts in BASH or another language of your choosing</a:t>
+            </a:r>
             <a:endParaRPr lang="en-US" dirty="0" smtClean="0"/>
           </a:p>
           <a:p>
-            <a:pPr marL="0" marR="0" lvl="0" indent="0" algn="l" defTabSz="914400" rtl="0" eaLnBrk="1" fontAlgn="auto" latinLnBrk="0" hangingPunct="1">
-              <a:lnSpc>
-                <a:spcPct val="100000"/>
-              </a:lnSpc>
-              <a:spcBef>
-                <a:spcPts val="0"/>
-              </a:spcBef>
-              <a:spcAft>
-                <a:spcPts val="0"/>
-              </a:spcAft>
-              <a:buClrTx/>
-              <a:buSzTx/>
-              <a:buFontTx/>
-              <a:buNone/>
-              <a:tabLst/>
-              <a:defRPr/>
-            </a:pPr>
             <a:endParaRPr lang="en-US" dirty="0"/>
           </a:p>
         </p:txBody>
@@ -1601,7 +1842,7 @@
     </p:spTree>
     <p:extLst>
       <p:ext uri="{BB962C8B-B14F-4D97-AF65-F5344CB8AC3E}">
-        <p14:creationId xmlns:p14="http://schemas.microsoft.com/office/powerpoint/2010/main" val="1429399873"/>
+        <p14:creationId xmlns:p14="http://schemas.microsoft.com/office/powerpoint/2010/main" val="155379973"/>
       </p:ext>
     </p:extLst>
   </p:cSld>
@@ -1661,84 +1902,80 @@
             </a:r>
           </a:p>
           <a:p>
-            <a:pPr marL="228600" indent="-228600">
+            <a:pPr marL="171450" indent="-171450">
               <a:buFont typeface="Arial"/>
               <a:buChar char="•"/>
             </a:pPr>
             <a:r>
-              <a:rPr lang="en-US" dirty="0" smtClean="0"/>
-              <a:t>These are the most</a:t>
-            </a:r>
-            <a:r>
-              <a:rPr lang="en-US" baseline="0" dirty="0" smtClean="0"/>
-              <a:t> popular CM platforms.</a:t>
-            </a:r>
-          </a:p>
-          <a:p>
-            <a:pPr marL="228600" indent="-228600">
+              <a:rPr lang="en-US" b="0" dirty="0" smtClean="0"/>
+              <a:t>DSL = Domain</a:t>
+            </a:r>
+            <a:r>
+              <a:rPr lang="en-US" b="0" baseline="0" dirty="0" smtClean="0"/>
+              <a:t> Specific Language, meaning taking an existing programming language and from within that language creating a new language</a:t>
+            </a:r>
+          </a:p>
+          <a:p>
+            <a:pPr marL="171450" indent="-171450">
               <a:buFont typeface="Arial"/>
               <a:buChar char="•"/>
             </a:pPr>
-            <a:r>
-              <a:rPr lang="en-US" baseline="0" dirty="0" smtClean="0"/>
-              <a:t>Puppet and Chef are the top platforms.</a:t>
-            </a:r>
-          </a:p>
-          <a:p>
-            <a:pPr marL="228600" indent="-228600">
+            <a:endParaRPr lang="en-US" b="0" baseline="0" dirty="0" smtClean="0"/>
+          </a:p>
+          <a:p>
+            <a:pPr marL="0" indent="0">
+              <a:buFont typeface="Arial"/>
+              <a:buNone/>
+            </a:pPr>
+            <a:r>
+              <a:rPr lang="en-US" b="1" baseline="0" dirty="0" smtClean="0"/>
+              <a:t>References:</a:t>
+            </a:r>
+          </a:p>
+          <a:p>
+            <a:pPr marL="171450" marR="0" indent="-171450" algn="l" defTabSz="914400" rtl="0" eaLnBrk="1" fontAlgn="auto" latinLnBrk="0" hangingPunct="1">
+              <a:lnSpc>
+                <a:spcPct val="100000"/>
+              </a:lnSpc>
+              <a:spcBef>
+                <a:spcPts val="0"/>
+              </a:spcBef>
+              <a:spcAft>
+                <a:spcPts val="0"/>
+              </a:spcAft>
+              <a:buClrTx/>
+              <a:buSzTx/>
+              <a:buFont typeface="Arial"/>
+              <a:buChar char="•"/>
+              <a:tabLst/>
+              <a:defRPr/>
+            </a:pPr>
+            <a:r>
+              <a:rPr lang="en-US" b="0" baseline="0" dirty="0" smtClean="0"/>
+              <a:t>https://</a:t>
+            </a:r>
+            <a:r>
+              <a:rPr lang="en-US" b="0" baseline="0" dirty="0" err="1" smtClean="0"/>
+              <a:t>puppet.com</a:t>
+            </a:r>
+            <a:r>
+              <a:rPr lang="en-US" b="0" baseline="0" dirty="0" smtClean="0"/>
+              <a:t>/</a:t>
+            </a:r>
+          </a:p>
+          <a:p>
+            <a:pPr marL="171450" indent="-171450">
               <a:buFont typeface="Arial"/>
               <a:buChar char="•"/>
             </a:pPr>
-            <a:r>
-              <a:rPr lang="en-US" baseline="0" dirty="0" err="1" smtClean="0"/>
-              <a:t>Rightscale</a:t>
-            </a:r>
-            <a:r>
-              <a:rPr lang="en-US" baseline="0" dirty="0" smtClean="0"/>
-              <a:t> is GUI driven</a:t>
-            </a:r>
-          </a:p>
-          <a:p>
-            <a:pPr marL="228600" indent="-228600">
+            <a:endParaRPr lang="en-US" b="0" baseline="0" dirty="0" smtClean="0"/>
+          </a:p>
+          <a:p>
+            <a:pPr marL="171450" indent="-171450">
               <a:buFont typeface="Arial"/>
               <a:buChar char="•"/>
             </a:pPr>
-            <a:r>
-              <a:rPr lang="en-US" baseline="0" dirty="0" err="1" smtClean="0"/>
-              <a:t>Ansible</a:t>
-            </a:r>
-            <a:r>
-              <a:rPr lang="en-US" baseline="0" dirty="0" smtClean="0"/>
-              <a:t> and Salt are platforms with a smaller (but very loyal) user base, but aren’t really accepted in the Enterprise</a:t>
-            </a:r>
-          </a:p>
-          <a:p>
-            <a:pPr marL="228600" indent="-228600">
-              <a:buFont typeface="Arial"/>
-              <a:buChar char="•"/>
-            </a:pPr>
-            <a:r>
-              <a:rPr lang="en-US" dirty="0" err="1" smtClean="0"/>
-              <a:t>Cfengine</a:t>
-            </a:r>
-            <a:r>
-              <a:rPr lang="en-US" baseline="0" dirty="0" smtClean="0"/>
-              <a:t> started the CM process, but is outdated now</a:t>
-            </a:r>
-          </a:p>
-          <a:p>
-            <a:pPr marL="228600" indent="-228600">
-              <a:buFont typeface="Arial"/>
-              <a:buChar char="•"/>
-            </a:pPr>
-            <a:r>
-              <a:rPr lang="en-US" baseline="0" dirty="0" smtClean="0"/>
-              <a:t>DIY = Do It Yourself, writing your own scripts in BASH or another language of your choosing</a:t>
-            </a:r>
-            <a:endParaRPr lang="en-US" dirty="0" smtClean="0"/>
-          </a:p>
-          <a:p>
-            <a:endParaRPr lang="en-US" dirty="0"/>
+            <a:endParaRPr lang="en-US" b="0" dirty="0"/>
           </a:p>
         </p:txBody>
       </p:sp>
@@ -1824,7 +2061,7 @@
           <a:p>
             <a:r>
               <a:rPr lang="en-US" b="1" dirty="0" smtClean="0"/>
-              <a:t>Notes:</a:t>
+              <a:t>Notes</a:t>
             </a:r>
           </a:p>
           <a:p>
@@ -1834,12 +2071,35 @@
             </a:pPr>
             <a:r>
               <a:rPr lang="en-US" b="0" dirty="0" smtClean="0"/>
-              <a:t>DSL = Domain</a:t>
+              <a:t>DSC can be managed by Chef or Puppet, or can</a:t>
             </a:r>
             <a:r>
               <a:rPr lang="en-US" b="0" baseline="0" dirty="0" smtClean="0"/>
-              <a:t> Specific Language, meaning taking an existing programming language and from within that language creating a new language</a:t>
-            </a:r>
+              <a:t> be </a:t>
+            </a:r>
+            <a:r>
+              <a:rPr lang="en-US" b="0" dirty="0" smtClean="0"/>
+              <a:t>run independently</a:t>
+            </a:r>
+          </a:p>
+          <a:p>
+            <a:pPr marL="171450" indent="-171450">
+              <a:buFont typeface="Arial"/>
+              <a:buChar char="•"/>
+            </a:pPr>
+            <a:r>
+              <a:rPr lang="en-US" b="0" dirty="0" smtClean="0"/>
+              <a:t>Client</a:t>
+            </a:r>
+            <a:r>
+              <a:rPr lang="en-US" b="0" baseline="0" dirty="0" smtClean="0"/>
+              <a:t> servers have to be running Windows Management Framework (WMF) version 4 </a:t>
+            </a:r>
+            <a:r>
+              <a:rPr lang="en-US" b="0" baseline="0" smtClean="0"/>
+              <a:t>or higher</a:t>
+            </a:r>
+            <a:endParaRPr lang="en-US" b="0" smtClean="0"/>
           </a:p>
           <a:p>
             <a:pPr marL="171450" indent="-171450">
@@ -1847,47 +2107,6 @@
               <a:buChar char="•"/>
             </a:pPr>
             <a:endParaRPr lang="en-US" b="0" baseline="0" dirty="0" smtClean="0"/>
-          </a:p>
-          <a:p>
-            <a:pPr marL="0" indent="0">
-              <a:buFont typeface="Arial"/>
-              <a:buNone/>
-            </a:pPr>
-            <a:r>
-              <a:rPr lang="en-US" b="1" baseline="0" dirty="0" smtClean="0"/>
-              <a:t>References:</a:t>
-            </a:r>
-          </a:p>
-          <a:p>
-            <a:pPr marL="171450" marR="0" indent="-171450" algn="l" defTabSz="914400" rtl="0" eaLnBrk="1" fontAlgn="auto" latinLnBrk="0" hangingPunct="1">
-              <a:lnSpc>
-                <a:spcPct val="100000"/>
-              </a:lnSpc>
-              <a:spcBef>
-                <a:spcPts val="0"/>
-              </a:spcBef>
-              <a:spcAft>
-                <a:spcPts val="0"/>
-              </a:spcAft>
-              <a:buClrTx/>
-              <a:buSzTx/>
-              <a:buFont typeface="Arial"/>
-              <a:buChar char="•"/>
-              <a:tabLst/>
-              <a:defRPr/>
-            </a:pPr>
-            <a:r>
-              <a:rPr lang="en-US" b="0" baseline="0" dirty="0" smtClean="0"/>
-              <a:t>https://</a:t>
-            </a:r>
-            <a:r>
-              <a:rPr lang="en-US" b="0" baseline="0" dirty="0" err="1" smtClean="0"/>
-              <a:t>puppet.com</a:t>
-            </a:r>
-            <a:r>
-              <a:rPr lang="en-US" b="0" baseline="0" dirty="0" smtClean="0"/>
-              <a:t>/</a:t>
-            </a:r>
           </a:p>
           <a:p>
             <a:pPr marL="171450" indent="-171450">
@@ -1987,66 +2206,71 @@
           <a:p>
             <a:r>
               <a:rPr lang="en-US" b="1" dirty="0" smtClean="0"/>
-              <a:t>Notes</a:t>
-            </a:r>
-          </a:p>
-          <a:p>
-            <a:pPr marL="171450" indent="-171450">
+              <a:t>Notes:</a:t>
+            </a:r>
+          </a:p>
+          <a:p>
+            <a:pPr marL="228600" indent="-228600">
               <a:buFont typeface="Arial"/>
               <a:buChar char="•"/>
             </a:pPr>
             <a:r>
-              <a:rPr lang="en-US" b="0" dirty="0" smtClean="0"/>
-              <a:t>DSC can be managed by Chef or Puppet, or can</a:t>
-            </a:r>
-            <a:r>
-              <a:rPr lang="en-US" b="0" baseline="0" dirty="0" smtClean="0"/>
-              <a:t> be </a:t>
-            </a:r>
-            <a:r>
-              <a:rPr lang="en-US" b="0" dirty="0" smtClean="0"/>
-              <a:t>run independently</a:t>
-            </a:r>
-          </a:p>
-          <a:p>
-            <a:pPr marL="171450" indent="-171450">
+              <a:rPr lang="en-US" dirty="0" smtClean="0"/>
+              <a:t>Chef is used throughout this module for examples.</a:t>
+            </a:r>
+          </a:p>
+          <a:p>
+            <a:pPr marL="228600" indent="-228600">
               <a:buFont typeface="Arial"/>
               <a:buChar char="•"/>
             </a:pPr>
             <a:r>
-              <a:rPr lang="en-US" b="0" dirty="0" smtClean="0"/>
-              <a:t>Client</a:t>
-            </a:r>
-            <a:r>
-              <a:rPr lang="en-US" b="0" baseline="0" dirty="0" smtClean="0"/>
-              <a:t> servers have to be running Windows Management Framework (WMF) version 4 </a:t>
-            </a:r>
-            <a:r>
-              <a:rPr lang="en-US" b="0" baseline="0" smtClean="0"/>
-              <a:t>or higher</a:t>
-            </a:r>
-            <a:endParaRPr lang="en-US" b="0" smtClean="0"/>
-          </a:p>
-          <a:p>
-            <a:pPr marL="171450" indent="-171450">
+              <a:rPr lang="en-US" sz="1200" dirty="0" smtClean="0">
+                <a:solidFill>
+                  <a:srgbClr val="000000"/>
+                </a:solidFill>
+              </a:rPr>
+              <a:t>Chef’s large community allows you to leverage community resources instead of writing your own</a:t>
+            </a:r>
+            <a:endParaRPr lang="en-US" dirty="0" smtClean="0"/>
+          </a:p>
+          <a:p>
+            <a:pPr marL="228600" indent="-228600">
               <a:buFont typeface="Arial"/>
               <a:buChar char="•"/>
             </a:pPr>
-            <a:endParaRPr lang="en-US" b="0" baseline="0" dirty="0" smtClean="0"/>
-          </a:p>
-          <a:p>
-            <a:pPr marL="171450" indent="-171450">
+            <a:endParaRPr lang="en-US" dirty="0" smtClean="0"/>
+          </a:p>
+          <a:p>
+            <a:pPr marL="0" indent="0">
+              <a:buFont typeface="Arial"/>
+              <a:buNone/>
+            </a:pPr>
+            <a:r>
+              <a:rPr lang="en-US" b="1" dirty="0" smtClean="0"/>
+              <a:t>References:</a:t>
+            </a:r>
+          </a:p>
+          <a:p>
+            <a:pPr marL="228600" indent="-228600">
               <a:buFont typeface="Arial"/>
               <a:buChar char="•"/>
             </a:pPr>
-            <a:endParaRPr lang="en-US" b="0" baseline="0" dirty="0" smtClean="0"/>
-          </a:p>
-          <a:p>
-            <a:pPr marL="171450" indent="-171450">
-              <a:buFont typeface="Arial"/>
-              <a:buChar char="•"/>
-            </a:pPr>
-            <a:endParaRPr lang="en-US" b="0" dirty="0"/>
+            <a:r>
+              <a:rPr lang="en-US" dirty="0" smtClean="0"/>
+              <a:t>https://</a:t>
+            </a:r>
+            <a:r>
+              <a:rPr lang="en-US" dirty="0" err="1" smtClean="0"/>
+              <a:t>www.chef.io</a:t>
+            </a:r>
+            <a:r>
+              <a:rPr lang="en-US" dirty="0" smtClean="0"/>
+              <a:t>/</a:t>
+            </a:r>
+          </a:p>
+          <a:p>
+            <a:endParaRPr lang="en-US" dirty="0"/>
           </a:p>
         </p:txBody>
       </p:sp>
@@ -2216,71 +2440,39 @@
           <a:p>
             <a:r>
               <a:rPr lang="en-US" b="1" dirty="0" smtClean="0"/>
-              <a:t>Notes:</a:t>
-            </a:r>
-          </a:p>
-          <a:p>
-            <a:pPr marL="228600" indent="-228600">
+              <a:t>References:</a:t>
+            </a:r>
+          </a:p>
+          <a:p>
+            <a:pPr marL="171450" marR="0" indent="-171450" algn="l" defTabSz="914400" rtl="0" eaLnBrk="1" fontAlgn="auto" latinLnBrk="0" hangingPunct="1">
+              <a:lnSpc>
+                <a:spcPct val="100000"/>
+              </a:lnSpc>
+              <a:spcBef>
+                <a:spcPts val="0"/>
+              </a:spcBef>
+              <a:spcAft>
+                <a:spcPts val="0"/>
+              </a:spcAft>
+              <a:buClrTx/>
+              <a:buSzTx/>
               <a:buFont typeface="Arial"/>
               <a:buChar char="•"/>
+              <a:tabLst/>
+              <a:defRPr/>
             </a:pPr>
             <a:r>
               <a:rPr lang="en-US" dirty="0" smtClean="0"/>
-              <a:t>Chef is used throughout this module for examples.</a:t>
-            </a:r>
-          </a:p>
-          <a:p>
-            <a:pPr marL="228600" indent="-228600">
-              <a:buFont typeface="Arial"/>
-              <a:buChar char="•"/>
-            </a:pPr>
-            <a:r>
-              <a:rPr lang="en-US" sz="1200" dirty="0" smtClean="0">
-                <a:solidFill>
-                  <a:srgbClr val="000000"/>
-                </a:solidFill>
-              </a:rPr>
-              <a:t>Chef’s large community allows you to leverage community resources instead of writing your own</a:t>
-            </a:r>
-            <a:endParaRPr lang="en-US" dirty="0" smtClean="0"/>
-          </a:p>
-          <a:p>
-            <a:pPr marL="228600" indent="-228600">
-              <a:buFont typeface="Arial"/>
-              <a:buChar char="•"/>
-            </a:pPr>
-            <a:endParaRPr lang="en-US" dirty="0" smtClean="0"/>
-          </a:p>
-          <a:p>
-            <a:pPr marL="0" indent="0">
-              <a:buFont typeface="Arial"/>
-              <a:buNone/>
-            </a:pPr>
-            <a:r>
-              <a:rPr lang="en-US" b="1" dirty="0" smtClean="0"/>
-              <a:t>References:</a:t>
-            </a:r>
-          </a:p>
-          <a:p>
-            <a:pPr marL="228600" indent="-228600">
-              <a:buFont typeface="Arial"/>
-              <a:buChar char="•"/>
-            </a:pPr>
-            <a:r>
-              <a:rPr lang="en-US" dirty="0" smtClean="0"/>
-              <a:t>https://</a:t>
+              <a:t>http://</a:t>
             </a:r>
             <a:r>
               <a:rPr lang="en-US" dirty="0" err="1" smtClean="0"/>
-              <a:t>www.chef.io</a:t>
+              <a:t>www.rightscale.com</a:t>
             </a:r>
             <a:r>
               <a:rPr lang="en-US" dirty="0" smtClean="0"/>
               <a:t>/</a:t>
             </a:r>
-          </a:p>
-          <a:p>
-            <a:endParaRPr lang="en-US" dirty="0"/>
           </a:p>
         </p:txBody>
       </p:sp>
@@ -2364,41 +2556,7 @@
           <a:bodyPr/>
           <a:lstStyle/>
           <a:p>
-            <a:r>
-              <a:rPr lang="en-US" b="1" dirty="0" smtClean="0"/>
-              <a:t>References:</a:t>
-            </a:r>
-          </a:p>
-          <a:p>
-            <a:pPr marL="171450" marR="0" indent="-171450" algn="l" defTabSz="914400" rtl="0" eaLnBrk="1" fontAlgn="auto" latinLnBrk="0" hangingPunct="1">
-              <a:lnSpc>
-                <a:spcPct val="100000"/>
-              </a:lnSpc>
-              <a:spcBef>
-                <a:spcPts val="0"/>
-              </a:spcBef>
-              <a:spcAft>
-                <a:spcPts val="0"/>
-              </a:spcAft>
-              <a:buClrTx/>
-              <a:buSzTx/>
-              <a:buFont typeface="Arial"/>
-              <a:buChar char="•"/>
-              <a:tabLst/>
-              <a:defRPr/>
-            </a:pPr>
-            <a:r>
-              <a:rPr lang="en-US" dirty="0" smtClean="0"/>
-              <a:t>http://</a:t>
-            </a:r>
-            <a:r>
-              <a:rPr lang="en-US" dirty="0" err="1" smtClean="0"/>
-              <a:t>www.rightscale.com</a:t>
-            </a:r>
-            <a:r>
-              <a:rPr lang="en-US" dirty="0" smtClean="0"/>
-              <a:t>/</a:t>
-            </a:r>
+            <a:endParaRPr lang="en-US" dirty="0"/>
           </a:p>
         </p:txBody>
       </p:sp>
@@ -2650,6 +2808,36 @@
           <a:bodyPr/>
           <a:lstStyle/>
           <a:p>
+            <a:r>
+              <a:rPr lang="en-US" b="1" dirty="0" smtClean="0"/>
+              <a:t>Notes:</a:t>
+            </a:r>
+          </a:p>
+          <a:p>
+            <a:pPr marL="171450" indent="-171450">
+              <a:buFont typeface="Arial"/>
+              <a:buChar char="•"/>
+            </a:pPr>
+            <a:r>
+              <a:rPr lang="en-US" sz="1200" dirty="0" smtClean="0"/>
+              <a:t>Cloud computing defines compute resources that are owned by another entity (such as Microsoft Azure or Amazon Web Services) but that can be “rented” for low cost and no commitment </a:t>
+            </a:r>
+          </a:p>
+          <a:p>
+            <a:pPr marL="171450" indent="-171450">
+              <a:buFont typeface="Arial"/>
+              <a:buChar char="•"/>
+            </a:pPr>
+            <a:r>
+              <a:rPr lang="en-US" sz="1200" dirty="0" smtClean="0"/>
+              <a:t>Clouds enable DevOps engineers to launch thousands of servers, use them for a few hours, and then terminate those servers when no longer needed, with no upfront cost before using these resources and no additional cost after they are terminated</a:t>
+            </a:r>
+          </a:p>
+          <a:p>
+            <a:pPr marL="171450" indent="-171450">
+              <a:buFont typeface="Arial"/>
+              <a:buChar char="•"/>
+            </a:pPr>
             <a:endParaRPr lang="en-US" dirty="0"/>
           </a:p>
         </p:txBody>
@@ -2740,31 +2928,29 @@
             </a:r>
           </a:p>
           <a:p>
-            <a:pPr marL="171450" indent="-171450">
+            <a:pPr marL="228600" indent="-228600">
               <a:buFont typeface="Arial"/>
               <a:buChar char="•"/>
             </a:pPr>
             <a:r>
-              <a:rPr lang="en-US" sz="1200" dirty="0" smtClean="0"/>
-              <a:t>Cloud computing defines compute resources that are owned by another entity (such as Microsoft Azure or Amazon Web Services) but that can be “rented” for low cost and no commitment </a:t>
-            </a:r>
-          </a:p>
-          <a:p>
-            <a:pPr marL="171450" indent="-171450">
+              <a:rPr lang="en-US" dirty="0" smtClean="0"/>
+              <a:t>The cloud</a:t>
+            </a:r>
+            <a:r>
+              <a:rPr lang="en-US" baseline="0" dirty="0" smtClean="0"/>
+              <a:t> plus configuration management gives incredible flexibility to IT departments.  Over 1000 servers could be launched, all configured the same, then terminated with a single command.</a:t>
+            </a:r>
+          </a:p>
+          <a:p>
+            <a:pPr marL="228600" indent="-228600">
               <a:buFont typeface="Arial"/>
               <a:buChar char="•"/>
             </a:pPr>
             <a:r>
-              <a:rPr lang="en-US" sz="1200" dirty="0" smtClean="0"/>
-              <a:t>Clouds enable DevOps engineers to launch thousands of servers, use them for a few hours, and then terminate those servers when no longer needed, with no upfront cost before using these resources and no additional cost after they are terminated</a:t>
-            </a:r>
-          </a:p>
-          <a:p>
-            <a:pPr marL="171450" indent="-171450">
-              <a:buFont typeface="Arial"/>
-              <a:buChar char="•"/>
-            </a:pPr>
-            <a:endParaRPr lang="en-US" dirty="0"/>
+              <a:rPr lang="en-US" baseline="0" dirty="0" smtClean="0"/>
+              <a:t>This has huge implications for education, research, enterprise and SMB businesses, allowing them to dynamically scale computing resources to match their needs in the moment, with no long-term commitments to hardware costs.</a:t>
+            </a:r>
+            <a:endParaRPr lang="en-US" dirty="0" smtClean="0"/>
           </a:p>
         </p:txBody>
       </p:sp>
@@ -2848,83 +3034,61 @@
           <a:bodyPr/>
           <a:lstStyle/>
           <a:p>
-            <a:r>
-              <a:rPr lang="en-US" b="1" dirty="0" smtClean="0"/>
-              <a:t>Notes:</a:t>
-            </a:r>
-          </a:p>
-          <a:p>
-            <a:pPr marL="228600" indent="-228600">
-              <a:buFont typeface="Arial"/>
-              <a:buChar char="•"/>
+            <a:pPr marL="0" marR="0" lvl="0" indent="0" algn="l" defTabSz="914400" rtl="0" eaLnBrk="1" fontAlgn="auto" latinLnBrk="0" hangingPunct="1">
+              <a:lnSpc>
+                <a:spcPct val="100000"/>
+              </a:lnSpc>
+              <a:spcBef>
+                <a:spcPts val="0"/>
+              </a:spcBef>
+              <a:spcAft>
+                <a:spcPts val="0"/>
+              </a:spcAft>
+              <a:buClrTx/>
+              <a:buSzTx/>
+              <a:buFontTx/>
+              <a:buNone/>
+              <a:tabLst/>
+              <a:defRPr/>
             </a:pPr>
             <a:r>
+              <a:rPr lang="en-US" dirty="0"/>
+              <a:t>Answer: </a:t>
+            </a:r>
+            <a:r>
               <a:rPr lang="en-US" dirty="0" smtClean="0"/>
-              <a:t>The cloud</a:t>
-            </a:r>
-            <a:r>
-              <a:rPr lang="en-US" baseline="0" dirty="0" smtClean="0"/>
-              <a:t> plus configuration management gives incredible flexibility to IT departments.  </a:t>
-            </a:r>
-            <a:r>
-              <a:rPr lang="en-US" baseline="0" dirty="0" smtClean="0"/>
-              <a:t>Over 1000 servers could be launched, </a:t>
-            </a:r>
-            <a:r>
-              <a:rPr lang="en-US" baseline="0" dirty="0" smtClean="0"/>
-              <a:t>all </a:t>
-            </a:r>
-            <a:r>
-              <a:rPr lang="en-US" baseline="0" dirty="0" smtClean="0"/>
-              <a:t>configured </a:t>
-            </a:r>
-            <a:r>
-              <a:rPr lang="en-US" baseline="0" dirty="0" smtClean="0"/>
-              <a:t>the same, then </a:t>
-            </a:r>
-            <a:r>
-              <a:rPr lang="en-US" baseline="0" dirty="0" smtClean="0"/>
-              <a:t>terminated </a:t>
-            </a:r>
-            <a:r>
-              <a:rPr lang="en-US" baseline="0" dirty="0" smtClean="0"/>
-              <a:t>with a single command.</a:t>
-            </a:r>
-          </a:p>
-          <a:p>
-            <a:pPr marL="228600" indent="-228600">
-              <a:buFont typeface="Arial"/>
-              <a:buChar char="•"/>
+              <a:t>c</a:t>
+            </a:r>
+            <a:endParaRPr lang="en-US" u="sng" dirty="0">
+              <a:solidFill>
+                <a:schemeClr val="hlink"/>
+              </a:solidFill>
+              <a:hlinkClick r:id="rId3"/>
+            </a:endParaRPr>
+          </a:p>
+          <a:p>
+            <a:pPr marL="0" marR="0" lvl="0" indent="0" algn="l" defTabSz="914400" rtl="0" eaLnBrk="1" fontAlgn="auto" latinLnBrk="0" hangingPunct="1">
+              <a:lnSpc>
+                <a:spcPct val="100000"/>
+              </a:lnSpc>
+              <a:spcBef>
+                <a:spcPts val="0"/>
+              </a:spcBef>
+              <a:spcAft>
+                <a:spcPts val="0"/>
+              </a:spcAft>
+              <a:buClrTx/>
+              <a:buSzTx/>
+              <a:buFontTx/>
+              <a:buNone/>
+              <a:tabLst/>
+              <a:defRPr/>
             </a:pPr>
-            <a:r>
-              <a:rPr lang="en-US" baseline="0" dirty="0" smtClean="0"/>
-              <a:t>This has huge implications for </a:t>
-            </a:r>
-            <a:r>
-              <a:rPr lang="en-US" baseline="0" dirty="0" smtClean="0"/>
-              <a:t>education, research</a:t>
-            </a:r>
-            <a:r>
-              <a:rPr lang="en-US" baseline="0" dirty="0" smtClean="0"/>
-              <a:t>, </a:t>
-            </a:r>
-            <a:r>
-              <a:rPr lang="en-US" baseline="0" dirty="0" smtClean="0"/>
-              <a:t>enterprise </a:t>
-            </a:r>
-            <a:r>
-              <a:rPr lang="en-US" baseline="0" dirty="0" smtClean="0"/>
-              <a:t>and SMB businesses, allowing them to dynamically scale </a:t>
-            </a:r>
-            <a:r>
-              <a:rPr lang="en-US" baseline="0" dirty="0" smtClean="0"/>
-              <a:t>computing </a:t>
-            </a:r>
-            <a:r>
-              <a:rPr lang="en-US" baseline="0" dirty="0" smtClean="0"/>
-              <a:t>resources to match their needs in the moment, with no long-term commitments to hardware costs.</a:t>
-            </a:r>
-            <a:endParaRPr lang="en-US" dirty="0" smtClean="0"/>
+            <a:endParaRPr lang="en-US" u="none" dirty="0">
+              <a:solidFill>
+                <a:schemeClr val="hlink"/>
+              </a:solidFill>
+            </a:endParaRPr>
           </a:p>
         </p:txBody>
       </p:sp>
@@ -2954,7 +3118,7 @@
     </p:spTree>
     <p:extLst>
       <p:ext uri="{BB962C8B-B14F-4D97-AF65-F5344CB8AC3E}">
-        <p14:creationId xmlns:p14="http://schemas.microsoft.com/office/powerpoint/2010/main" val="155379973"/>
+        <p14:creationId xmlns:p14="http://schemas.microsoft.com/office/powerpoint/2010/main" val="332430948"/>
       </p:ext>
     </p:extLst>
   </p:cSld>
@@ -3031,7 +3195,7 @@
             </a:r>
             <a:r>
               <a:rPr lang="en-US" dirty="0" smtClean="0"/>
-              <a:t>c</a:t>
+              <a:t>b</a:t>
             </a:r>
             <a:endParaRPr lang="en-US" u="sng" dirty="0">
               <a:solidFill>
@@ -3146,61 +3310,7 @@
           <a:bodyPr/>
           <a:lstStyle/>
           <a:p>
-            <a:pPr marL="0" marR="0" lvl="0" indent="0" algn="l" defTabSz="914400" rtl="0" eaLnBrk="1" fontAlgn="auto" latinLnBrk="0" hangingPunct="1">
-              <a:lnSpc>
-                <a:spcPct val="100000"/>
-              </a:lnSpc>
-              <a:spcBef>
-                <a:spcPts val="0"/>
-              </a:spcBef>
-              <a:spcAft>
-                <a:spcPts val="0"/>
-              </a:spcAft>
-              <a:buClrTx/>
-              <a:buSzTx/>
-              <a:buFontTx/>
-              <a:buNone/>
-              <a:tabLst/>
-              <a:defRPr/>
-            </a:pPr>
-            <a:r>
-              <a:rPr lang="en-US" dirty="0"/>
-              <a:t>Answer: </a:t>
-            </a:r>
-            <a:r>
-              <a:rPr lang="en-US" dirty="0" smtClean="0"/>
-              <a:t>b</a:t>
-            </a:r>
-            <a:endParaRPr lang="en-US" u="sng" dirty="0">
-              <a:solidFill>
-                <a:schemeClr val="hlink"/>
-              </a:solidFill>
-              <a:hlinkClick r:id="rId3"/>
-            </a:endParaRPr>
-          </a:p>
-          <a:p>
-            <a:pPr marL="0" marR="0" lvl="0" indent="0" algn="l" defTabSz="914400" rtl="0" eaLnBrk="1" fontAlgn="auto" latinLnBrk="0" hangingPunct="1">
-              <a:lnSpc>
-                <a:spcPct val="100000"/>
-              </a:lnSpc>
-              <a:spcBef>
-                <a:spcPts val="0"/>
-              </a:spcBef>
-              <a:spcAft>
-                <a:spcPts val="0"/>
-              </a:spcAft>
-              <a:buClrTx/>
-              <a:buSzTx/>
-              <a:buFontTx/>
-              <a:buNone/>
-              <a:tabLst/>
-              <a:defRPr/>
-            </a:pPr>
-            <a:endParaRPr lang="en-US" u="none" dirty="0">
-              <a:solidFill>
-                <a:schemeClr val="hlink"/>
-              </a:solidFill>
-            </a:endParaRPr>
+            <a:endParaRPr lang="en-US" dirty="0"/>
           </a:p>
         </p:txBody>
       </p:sp>
@@ -3222,90 +3332,6 @@
             <a:fld id="{01283FAC-A721-45A3-BBDE-EAF2B09B7CD9}" type="slidenum">
               <a:rPr lang="en-US" smtClean="0"/>
               <a:t>29</a:t>
-            </a:fld>
-            <a:endParaRPr lang="en-US"/>
-          </a:p>
-        </p:txBody>
-      </p:sp>
-    </p:spTree>
-    <p:extLst>
-      <p:ext uri="{BB962C8B-B14F-4D97-AF65-F5344CB8AC3E}">
-        <p14:creationId xmlns:p14="http://schemas.microsoft.com/office/powerpoint/2010/main" val="332430948"/>
-      </p:ext>
-    </p:extLst>
-  </p:cSld>
-  <p:clrMapOvr>
-    <a:masterClrMapping/>
-  </p:clrMapOvr>
-</p:notes>
-</file>
-
-<file path=ppt/notesSlides/notesSlide29.xml><?xml version="1.0" encoding="utf-8"?>
-<p:notes xmlns:a="http://schemas.openxmlformats.org/drawingml/2006/main" xmlns:r="http://schemas.openxmlformats.org/officeDocument/2006/relationships" xmlns:p="http://schemas.openxmlformats.org/presentationml/2006/main">
-  <p:cSld>
-    <p:spTree>
-      <p:nvGrpSpPr>
-        <p:cNvPr id="1" name=""/>
-        <p:cNvGrpSpPr/>
-        <p:nvPr/>
-      </p:nvGrpSpPr>
-      <p:grpSpPr>
-        <a:xfrm>
-          <a:off x="0" y="0"/>
-          <a:ext cx="0" cy="0"/>
-          <a:chOff x="0" y="0"/>
-          <a:chExt cx="0" cy="0"/>
-        </a:xfrm>
-      </p:grpSpPr>
-      <p:sp>
-        <p:nvSpPr>
-          <p:cNvPr id="2" name="Slide Image Placeholder 1"/>
-          <p:cNvSpPr>
-            <a:spLocks noGrp="1" noRot="1" noChangeAspect="1"/>
-          </p:cNvSpPr>
-          <p:nvPr>
-            <p:ph type="sldImg"/>
-          </p:nvPr>
-        </p:nvSpPr>
-        <p:spPr/>
-      </p:sp>
-      <p:sp>
-        <p:nvSpPr>
-          <p:cNvPr id="3" name="Notes Placeholder 2"/>
-          <p:cNvSpPr>
-            <a:spLocks noGrp="1"/>
-          </p:cNvSpPr>
-          <p:nvPr>
-            <p:ph type="body" idx="1"/>
-          </p:nvPr>
-        </p:nvSpPr>
-        <p:spPr/>
-        <p:txBody>
-          <a:bodyPr/>
-          <a:lstStyle/>
-          <a:p>
-            <a:endParaRPr lang="en-US" dirty="0"/>
-          </a:p>
-        </p:txBody>
-      </p:sp>
-      <p:sp>
-        <p:nvSpPr>
-          <p:cNvPr id="4" name="Slide Number Placeholder 3"/>
-          <p:cNvSpPr>
-            <a:spLocks noGrp="1"/>
-          </p:cNvSpPr>
-          <p:nvPr>
-            <p:ph type="sldNum" sz="quarter" idx="10"/>
-          </p:nvPr>
-        </p:nvSpPr>
-        <p:spPr/>
-        <p:txBody>
-          <a:bodyPr/>
-          <a:lstStyle/>
-          <a:p>
-            <a:fld id="{01283FAC-A721-45A3-BBDE-EAF2B09B7CD9}" type="slidenum">
-              <a:rPr lang="en-US" smtClean="0"/>
-              <a:t>30</a:t>
             </a:fld>
             <a:endParaRPr lang="en-US"/>
           </a:p>
@@ -3374,125 +3400,36 @@
             </a:r>
           </a:p>
           <a:p>
-            <a:pPr marL="228600" marR="0" indent="-228600" algn="l" defTabSz="914400" rtl="0" eaLnBrk="1" fontAlgn="auto" latinLnBrk="0" hangingPunct="1">
-              <a:lnSpc>
-                <a:spcPct val="100000"/>
-              </a:lnSpc>
-              <a:spcBef>
-                <a:spcPts val="0"/>
-              </a:spcBef>
-              <a:spcAft>
-                <a:spcPts val="0"/>
-              </a:spcAft>
-              <a:buClrTx/>
-              <a:buSzTx/>
+            <a:pPr marL="228600" indent="-228600">
               <a:buFont typeface="Arial"/>
               <a:buChar char="•"/>
-              <a:tabLst/>
-              <a:defRPr/>
             </a:pPr>
             <a:r>
-              <a:rPr lang="en-US" sz="1200" dirty="0" smtClean="0"/>
-              <a:t>The</a:t>
-            </a:r>
-            <a:r>
-              <a:rPr lang="en-US" sz="1200" baseline="0" dirty="0" smtClean="0"/>
-              <a:t> key component here is consistency:  you can write a script once, and have it applied to hundreds of virtual machines and they will be configured exactly the same.</a:t>
-            </a:r>
-          </a:p>
-          <a:p>
-            <a:pPr marL="228600" marR="0" indent="-228600" algn="l" defTabSz="914400" rtl="0" eaLnBrk="1" fontAlgn="auto" latinLnBrk="0" hangingPunct="1">
-              <a:lnSpc>
-                <a:spcPct val="100000"/>
-              </a:lnSpc>
-              <a:spcBef>
-                <a:spcPts val="0"/>
-              </a:spcBef>
-              <a:spcAft>
-                <a:spcPts val="0"/>
-              </a:spcAft>
-              <a:buClrTx/>
-              <a:buSzTx/>
+              <a:rPr lang="en-US" dirty="0" smtClean="0"/>
+              <a:t>It is much</a:t>
+            </a:r>
+            <a:r>
+              <a:rPr lang="en-US" baseline="0" dirty="0" smtClean="0"/>
+              <a:t> cheaper to automate server configuration than to pay someone to manually configure a server.</a:t>
+            </a:r>
+          </a:p>
+          <a:p>
+            <a:pPr marL="228600" indent="-228600">
               <a:buFont typeface="Arial"/>
               <a:buChar char="•"/>
-              <a:tabLst/>
-              <a:defRPr/>
             </a:pPr>
             <a:r>
-              <a:rPr lang="en-US" sz="1200" baseline="0" dirty="0" smtClean="0"/>
-              <a:t>Configuration management controls how a server is launched, how it is configured, how it is updated and how it is terminated, hence the “lifecycle.”</a:t>
-            </a:r>
-          </a:p>
-          <a:p>
-            <a:pPr marL="228600" marR="0" indent="-228600" algn="l" defTabSz="914400" rtl="0" eaLnBrk="1" fontAlgn="auto" latinLnBrk="0" hangingPunct="1">
-              <a:lnSpc>
-                <a:spcPct val="100000"/>
-              </a:lnSpc>
-              <a:spcBef>
-                <a:spcPts val="0"/>
-              </a:spcBef>
-              <a:spcAft>
-                <a:spcPts val="0"/>
-              </a:spcAft>
-              <a:buClrTx/>
-              <a:buSzTx/>
-              <a:buFont typeface="Arial"/>
-              <a:buChar char="•"/>
-              <a:tabLst/>
-              <a:defRPr/>
-            </a:pPr>
-            <a:r>
-              <a:rPr lang="en-US" sz="1200" dirty="0" smtClean="0"/>
-              <a:t>Testing is an important component</a:t>
-            </a:r>
-            <a:r>
-              <a:rPr lang="en-US" sz="1200" baseline="0" dirty="0" smtClean="0"/>
-              <a:t> of CM to ensure that code will work before it is rolled out to production (see the testing lesson within this module).</a:t>
-            </a:r>
-          </a:p>
-          <a:p>
-            <a:pPr marL="228600" marR="0" indent="-228600" algn="l" defTabSz="914400" rtl="0" eaLnBrk="1" fontAlgn="auto" latinLnBrk="0" hangingPunct="1">
-              <a:lnSpc>
-                <a:spcPct val="100000"/>
-              </a:lnSpc>
-              <a:spcBef>
-                <a:spcPts val="0"/>
-              </a:spcBef>
-              <a:spcAft>
-                <a:spcPts val="0"/>
-              </a:spcAft>
-              <a:buClrTx/>
-              <a:buSzTx/>
-              <a:buFont typeface="Arial"/>
-              <a:buChar char="•"/>
-              <a:tabLst/>
-              <a:defRPr/>
-            </a:pPr>
-            <a:r>
-              <a:rPr lang="en-US" sz="1200" dirty="0" smtClean="0"/>
-              <a:t>Using products such as DSC, Chef, Puppet, </a:t>
-            </a:r>
-            <a:r>
-              <a:rPr lang="en-US" sz="1200" dirty="0" err="1" smtClean="0"/>
-              <a:t>Ansible</a:t>
-            </a:r>
-            <a:r>
-              <a:rPr lang="en-US" sz="1200" dirty="0" smtClean="0"/>
-              <a:t>, etc. allows the use of pre-written</a:t>
-            </a:r>
-            <a:r>
-              <a:rPr lang="en-US" sz="1200" baseline="0" dirty="0" smtClean="0"/>
-              <a:t> </a:t>
-            </a:r>
-            <a:r>
-              <a:rPr lang="en-US" sz="1200" dirty="0" smtClean="0"/>
-              <a:t>code to accomplish</a:t>
-            </a:r>
-            <a:r>
-              <a:rPr lang="en-US" sz="1200" baseline="0" dirty="0" smtClean="0"/>
-              <a:t> common tasks.</a:t>
-            </a:r>
-            <a:endParaRPr lang="en-US" sz="1200" dirty="0" smtClean="0"/>
+              <a:rPr lang="en-US" baseline="0" dirty="0" smtClean="0"/>
+              <a:t>Example of a catastrophic event: A database master server is having increasing hardware failures.  With CM, a new replacement master </a:t>
+            </a:r>
+            <a:r>
+              <a:rPr lang="en-US" baseline="0" dirty="0" err="1" smtClean="0"/>
+              <a:t>Db</a:t>
+            </a:r>
+            <a:r>
+              <a:rPr lang="en-US" baseline="0" dirty="0" smtClean="0"/>
+              <a:t> can be launched and failover can be done for the new instance. The old instance can then be terminated with very little effect to customers and virtually no cost.</a:t>
+            </a:r>
           </a:p>
         </p:txBody>
       </p:sp>
@@ -3522,7 +3459,7 @@
     </p:spTree>
     <p:extLst>
       <p:ext uri="{BB962C8B-B14F-4D97-AF65-F5344CB8AC3E}">
-        <p14:creationId xmlns:p14="http://schemas.microsoft.com/office/powerpoint/2010/main" val="1270224338"/>
+        <p14:creationId xmlns:p14="http://schemas.microsoft.com/office/powerpoint/2010/main" val="917515957"/>
       </p:ext>
     </p:extLst>
   </p:cSld>
@@ -3577,42 +3514,54 @@
           <a:lstStyle/>
           <a:p>
             <a:r>
-              <a:rPr lang="en-US" b="1" dirty="0" smtClean="0"/>
-              <a:t>Notes:</a:t>
-            </a:r>
-          </a:p>
-          <a:p>
-            <a:pPr marL="228600" indent="-228600">
-              <a:buFont typeface="Arial"/>
-              <a:buChar char="•"/>
-            </a:pPr>
-            <a:r>
               <a:rPr lang="en-US" dirty="0" smtClean="0"/>
-              <a:t>It is much</a:t>
+              <a:t>Articles</a:t>
             </a:r>
             <a:r>
               <a:rPr lang="en-US" baseline="0" dirty="0" smtClean="0"/>
-              <a:t> cheaper to automate server configuration than to pay someone to manually configure a server.</a:t>
-            </a:r>
-          </a:p>
-          <a:p>
-            <a:pPr marL="228600" indent="-228600">
-              <a:buFont typeface="Arial"/>
-              <a:buChar char="•"/>
-            </a:pPr>
-            <a:r>
-              <a:rPr lang="en-US" baseline="0" dirty="0" smtClean="0"/>
-              <a:t>Example of a catastrophic event: A database master server is having increasing hardware failures.  With CM, a new replacement master </a:t>
-            </a:r>
-            <a:r>
-              <a:rPr lang="en-US" baseline="0" dirty="0" err="1" smtClean="0"/>
-              <a:t>Db</a:t>
-            </a:r>
-            <a:r>
-              <a:rPr lang="en-US" baseline="0" dirty="0" smtClean="0"/>
-              <a:t> can be launched and failover can be done for the new instance. The old instance can then be terminated with very little effect to customers and virtually no cost.</a:t>
-            </a:r>
-            <a:endParaRPr lang="en-US" baseline="0" dirty="0" smtClean="0"/>
+              <a:t> to understand examples of potential uses for configuration management:</a:t>
+            </a:r>
+            <a:endParaRPr lang="en-US" dirty="0" smtClean="0"/>
+          </a:p>
+          <a:p>
+            <a:endParaRPr lang="en-US" dirty="0" smtClean="0"/>
+          </a:p>
+          <a:p>
+            <a:r>
+              <a:rPr lang="en-US" dirty="0" smtClean="0"/>
+              <a:t>https://</a:t>
+            </a:r>
+            <a:r>
+              <a:rPr lang="en-US" dirty="0" err="1" smtClean="0"/>
+              <a:t>en.wikipedia.org</a:t>
+            </a:r>
+            <a:r>
+              <a:rPr lang="en-US" dirty="0" smtClean="0"/>
+              <a:t>/wiki/</a:t>
+            </a:r>
+            <a:r>
+              <a:rPr lang="en-US" dirty="0" err="1" smtClean="0"/>
+              <a:t>Configuration_management</a:t>
+            </a:r>
+            <a:endParaRPr lang="en-US" dirty="0" smtClean="0"/>
+          </a:p>
+          <a:p>
+            <a:endParaRPr lang="en-US" dirty="0" smtClean="0"/>
+          </a:p>
+          <a:p>
+            <a:r>
+              <a:rPr lang="en-US" dirty="0" smtClean="0"/>
+              <a:t>https://</a:t>
+            </a:r>
+            <a:r>
+              <a:rPr lang="en-US" dirty="0" err="1" smtClean="0"/>
+              <a:t>www.upguard.com</a:t>
+            </a:r>
+            <a:r>
+              <a:rPr lang="en-US" dirty="0" smtClean="0"/>
+              <a:t>/blog/5-configuration-management-boss</a:t>
+            </a:r>
+            <a:endParaRPr lang="en-US" dirty="0"/>
           </a:p>
         </p:txBody>
       </p:sp>
@@ -3642,7 +3591,7 @@
     </p:spTree>
     <p:extLst>
       <p:ext uri="{BB962C8B-B14F-4D97-AF65-F5344CB8AC3E}">
-        <p14:creationId xmlns:p14="http://schemas.microsoft.com/office/powerpoint/2010/main" val="917515957"/>
+        <p14:creationId xmlns:p14="http://schemas.microsoft.com/office/powerpoint/2010/main" val="1268071312"/>
       </p:ext>
     </p:extLst>
   </p:cSld>
@@ -3698,212 +3647,23 @@
           <a:p>
             <a:r>
               <a:rPr lang="en-US" b="1" dirty="0" smtClean="0"/>
-              <a:t>Notes: </a:t>
-            </a:r>
-          </a:p>
-          <a:p>
-            <a:pPr marL="228600" indent="-228600">
+              <a:t>Notes:</a:t>
+            </a:r>
+          </a:p>
+          <a:p>
+            <a:pPr marL="171450" indent="-171450">
               <a:buFont typeface="Arial"/>
               <a:buChar char="•"/>
             </a:pPr>
             <a:r>
+              <a:rPr lang="en-US" dirty="0" smtClean="0"/>
+              <a:t>Typically</a:t>
+            </a:r>
+            <a:r>
               <a:rPr lang="en-US" baseline="0" dirty="0" smtClean="0"/>
-              <a:t>Example Chef script (covered later in this chapter).  This installs apache (</a:t>
-            </a:r>
-            <a:r>
-              <a:rPr lang="en-US" baseline="0" dirty="0" err="1" smtClean="0"/>
-              <a:t>httpd</a:t>
-            </a:r>
-            <a:r>
-              <a:rPr lang="en-US" baseline="0" dirty="0" smtClean="0"/>
-              <a:t>) on an </a:t>
-            </a:r>
-            <a:r>
-              <a:rPr lang="en-US" baseline="0" dirty="0" err="1" smtClean="0"/>
-              <a:t>CentOS</a:t>
-            </a:r>
-            <a:r>
-              <a:rPr lang="en-US" baseline="0" dirty="0" smtClean="0"/>
-              <a:t>/</a:t>
-            </a:r>
-            <a:r>
-              <a:rPr lang="en-US" baseline="0" dirty="0" err="1" smtClean="0"/>
-              <a:t>Redhat</a:t>
-            </a:r>
-            <a:r>
-              <a:rPr lang="en-US" baseline="0" dirty="0" smtClean="0"/>
-              <a:t> system, then writes an </a:t>
-            </a:r>
-            <a:r>
-              <a:rPr lang="en-US" baseline="0" dirty="0" err="1" smtClean="0"/>
-              <a:t>index.html</a:t>
-            </a:r>
-            <a:r>
-              <a:rPr lang="en-US" baseline="0" dirty="0" smtClean="0"/>
-              <a:t> file into the location where Apache expects to find it, then it starts Apache and configures Apache to start if the machine is rebooted.</a:t>
-            </a:r>
-            <a:br>
-              <a:rPr lang="en-US" baseline="0" dirty="0" smtClean="0"/>
-            </a:br>
-            <a:r>
-              <a:rPr lang="en-US" baseline="0" dirty="0" smtClean="0"/>
-              <a:t/>
-            </a:r>
-            <a:br>
-              <a:rPr lang="en-US" baseline="0" dirty="0" smtClean="0"/>
-            </a:br>
-            <a:r>
-              <a:rPr lang="en-US" baseline="0" dirty="0" smtClean="0"/>
-              <a:t>package “</a:t>
-            </a:r>
-            <a:r>
-              <a:rPr lang="en-US" baseline="0" dirty="0" err="1" smtClean="0"/>
-              <a:t>httpd</a:t>
-            </a:r>
-            <a:r>
-              <a:rPr lang="en-US" baseline="0" dirty="0" smtClean="0"/>
-              <a:t>” do</a:t>
-            </a:r>
-            <a:br>
-              <a:rPr lang="en-US" baseline="0" dirty="0" smtClean="0"/>
-            </a:br>
-            <a:r>
-              <a:rPr lang="en-US" baseline="0" dirty="0" smtClean="0"/>
-              <a:t>   action :install</a:t>
-            </a:r>
-            <a:br>
-              <a:rPr lang="en-US" baseline="0" dirty="0" smtClean="0"/>
-            </a:br>
-            <a:r>
-              <a:rPr lang="en-US" baseline="0" dirty="0" smtClean="0"/>
-              <a:t>end</a:t>
-            </a:r>
-            <a:br>
-              <a:rPr lang="en-US" baseline="0" dirty="0" smtClean="0"/>
-            </a:br>
-            <a:r>
-              <a:rPr lang="en-US" baseline="0" dirty="0" smtClean="0"/>
-              <a:t/>
-            </a:r>
-            <a:br>
-              <a:rPr lang="en-US" baseline="0" dirty="0" smtClean="0"/>
-            </a:br>
-            <a:r>
-              <a:rPr lang="en-US" baseline="0" dirty="0" smtClean="0"/>
-              <a:t>file “/</a:t>
-            </a:r>
-            <a:r>
-              <a:rPr lang="en-US" baseline="0" dirty="0" err="1" smtClean="0"/>
-              <a:t>var</a:t>
-            </a:r>
-            <a:r>
-              <a:rPr lang="en-US" baseline="0" dirty="0" smtClean="0"/>
-              <a:t>/www/html/</a:t>
-            </a:r>
-            <a:r>
-              <a:rPr lang="en-US" baseline="0" dirty="0" err="1" smtClean="0"/>
-              <a:t>index.html</a:t>
-            </a:r>
-            <a:r>
-              <a:rPr lang="en-US" baseline="0" dirty="0" smtClean="0"/>
-              <a:t>” do</a:t>
-            </a:r>
-            <a:br>
-              <a:rPr lang="en-US" baseline="0" dirty="0" smtClean="0"/>
-            </a:br>
-            <a:r>
-              <a:rPr lang="en-US" baseline="0" dirty="0" smtClean="0"/>
-              <a:t>    content “</a:t>
-            </a:r>
-            <a:r>
-              <a:rPr lang="en-US" baseline="0" dirty="0" err="1" smtClean="0"/>
-              <a:t>Hellow</a:t>
-            </a:r>
-            <a:r>
-              <a:rPr lang="en-US" baseline="0" dirty="0" smtClean="0"/>
-              <a:t> World”</a:t>
-            </a:r>
-            <a:br>
-              <a:rPr lang="en-US" baseline="0" dirty="0" smtClean="0"/>
-            </a:br>
-            <a:r>
-              <a:rPr lang="en-US" baseline="0" dirty="0" smtClean="0"/>
-              <a:t>    action :create</a:t>
-            </a:r>
-            <a:br>
-              <a:rPr lang="en-US" baseline="0" dirty="0" smtClean="0"/>
-            </a:br>
-            <a:r>
-              <a:rPr lang="en-US" baseline="0" dirty="0" smtClean="0"/>
-              <a:t>end</a:t>
-            </a:r>
-            <a:br>
-              <a:rPr lang="en-US" baseline="0" dirty="0" smtClean="0"/>
-            </a:br>
-            <a:r>
-              <a:rPr lang="en-US" baseline="0" dirty="0" smtClean="0"/>
-              <a:t/>
-            </a:r>
-            <a:br>
-              <a:rPr lang="en-US" baseline="0" dirty="0" smtClean="0"/>
-            </a:br>
-            <a:r>
-              <a:rPr lang="en-US" baseline="0" dirty="0" smtClean="0"/>
-              <a:t>service “</a:t>
-            </a:r>
-            <a:r>
-              <a:rPr lang="en-US" baseline="0" dirty="0" err="1" smtClean="0"/>
-              <a:t>httpd</a:t>
-            </a:r>
-            <a:r>
-              <a:rPr lang="en-US" baseline="0" dirty="0" smtClean="0"/>
-              <a:t>” do</a:t>
-            </a:r>
-            <a:br>
-              <a:rPr lang="en-US" baseline="0" dirty="0" smtClean="0"/>
-            </a:br>
-            <a:r>
-              <a:rPr lang="en-US" baseline="0" dirty="0" smtClean="0"/>
-              <a:t>    action [:enable, :start]</a:t>
-            </a:r>
-            <a:br>
-              <a:rPr lang="en-US" baseline="0" dirty="0" smtClean="0"/>
-            </a:br>
-            <a:r>
-              <a:rPr lang="en-US" baseline="0" dirty="0" smtClean="0"/>
-              <a:t>end</a:t>
-            </a:r>
-            <a:br>
-              <a:rPr lang="en-US" baseline="0" dirty="0" smtClean="0"/>
-            </a:br>
-            <a:endParaRPr lang="en-US" baseline="0" dirty="0" smtClean="0"/>
-          </a:p>
-          <a:p>
-            <a:pPr marL="0" indent="0">
-              <a:buNone/>
-            </a:pPr>
-            <a:r>
-              <a:rPr lang="en-US" b="1" baseline="0" dirty="0" smtClean="0"/>
-              <a:t>References:</a:t>
-            </a:r>
-          </a:p>
-          <a:p>
-            <a:pPr marL="228600" indent="-228600">
-              <a:buFont typeface="Arial"/>
-              <a:buChar char="•"/>
-            </a:pPr>
-            <a:r>
-              <a:rPr lang="en-US" baseline="0" dirty="0" smtClean="0"/>
-              <a:t>See </a:t>
-            </a:r>
-            <a:r>
-              <a:rPr lang="en-US" baseline="0" dirty="0" err="1" smtClean="0"/>
-              <a:t>www.rightscale.com</a:t>
-            </a:r>
-            <a:r>
-              <a:rPr lang="en-US" baseline="0" dirty="0" smtClean="0"/>
-              <a:t> for an example of a Graphically driven Configuration Management platform</a:t>
-            </a:r>
+              <a:t> each function would be a different script; one script for launching the instance and a separate script for installing and configuring the database.</a:t>
+            </a:r>
+            <a:endParaRPr lang="en-US" dirty="0" smtClean="0"/>
           </a:p>
           <a:p>
             <a:endParaRPr lang="en-US" dirty="0"/>
@@ -3990,28 +3750,306 @@
           <a:bodyPr/>
           <a:lstStyle/>
           <a:p>
+            <a:pPr marL="171450" marR="0" lvl="0" indent="-171450" algn="l" defTabSz="914400" rtl="0" eaLnBrk="1" fontAlgn="auto" latinLnBrk="0" hangingPunct="1">
+              <a:lnSpc>
+                <a:spcPct val="100000"/>
+              </a:lnSpc>
+              <a:spcBef>
+                <a:spcPts val="0"/>
+              </a:spcBef>
+              <a:spcAft>
+                <a:spcPts val="0"/>
+              </a:spcAft>
+              <a:buClrTx/>
+              <a:buSzTx/>
+              <a:buFont typeface="Arial" panose="020B0604020202020204" pitchFamily="34" charset="0"/>
+              <a:buNone/>
+              <a:tabLst/>
+              <a:defRPr/>
+            </a:pPr>
+            <a:r>
+              <a:rPr lang="en-US" b="1" dirty="0"/>
+              <a:t>Notes</a:t>
+            </a:r>
             <a:r>
               <a:rPr lang="en-US" b="1" dirty="0" smtClean="0"/>
-              <a:t>Notes:</a:t>
-            </a:r>
-          </a:p>
-          <a:p>
-            <a:pPr marL="171450" indent="-171450">
+              <a:t>:</a:t>
+            </a:r>
+          </a:p>
+          <a:p>
+            <a:pPr marL="171450" marR="0" lvl="0" indent="-171450" algn="l" defTabSz="914400" rtl="0" eaLnBrk="1" fontAlgn="auto" latinLnBrk="0" hangingPunct="1">
+              <a:lnSpc>
+                <a:spcPct val="100000"/>
+              </a:lnSpc>
+              <a:spcBef>
+                <a:spcPts val="0"/>
+              </a:spcBef>
+              <a:spcAft>
+                <a:spcPts val="0"/>
+              </a:spcAft>
+              <a:buClrTx/>
+              <a:buSzTx/>
+              <a:buFont typeface="Arial" panose="020B0604020202020204" pitchFamily="34" charset="0"/>
+              <a:buChar char="•"/>
+              <a:tabLst/>
+              <a:defRPr/>
+            </a:pPr>
+            <a:r>
+              <a:rPr lang="en-US" dirty="0" smtClean="0"/>
+              <a:t>The result of this code is the</a:t>
+            </a:r>
+            <a:r>
+              <a:rPr lang="en-US" baseline="0" dirty="0" smtClean="0"/>
+              <a:t> that an Apache web server is installed and started, with a default web page is created with the words “Hello, World!”</a:t>
+            </a:r>
+            <a:endParaRPr lang="en-US" baseline="0" dirty="0"/>
+          </a:p>
+          <a:p>
+            <a:pPr marL="228600" marR="0" lvl="0" indent="-228600" algn="l" defTabSz="914400" rtl="0" eaLnBrk="1" fontAlgn="auto" latinLnBrk="0" hangingPunct="1">
+              <a:lnSpc>
+                <a:spcPct val="100000"/>
+              </a:lnSpc>
+              <a:spcBef>
+                <a:spcPts val="0"/>
+              </a:spcBef>
+              <a:spcAft>
+                <a:spcPts val="0"/>
+              </a:spcAft>
+              <a:buClrTx/>
+              <a:buSzTx/>
               <a:buFont typeface="Arial"/>
               <a:buChar char="•"/>
+              <a:tabLst/>
+              <a:defRPr/>
             </a:pPr>
             <a:r>
-              <a:rPr lang="en-US" dirty="0" smtClean="0"/>
-              <a:t>Typically</a:t>
+              <a:rPr lang="en-US" baseline="0" dirty="0" err="1" smtClean="0"/>
+              <a:t>Httpd</a:t>
             </a:r>
             <a:r>
               <a:rPr lang="en-US" baseline="0" dirty="0" smtClean="0"/>
-              <a:t> each function would be a different script; one script for launching the instance and a separate script for installing and configuring the database.</a:t>
-            </a:r>
-            <a:endParaRPr lang="en-US" dirty="0" smtClean="0"/>
-          </a:p>
-          <a:p>
-            <a:endParaRPr lang="en-US" dirty="0"/>
+              <a:t> is the package name for Apache on </a:t>
+            </a:r>
+            <a:r>
+              <a:rPr lang="en-US" baseline="0" dirty="0" err="1" smtClean="0"/>
+              <a:t>CentOS</a:t>
+            </a:r>
+            <a:r>
+              <a:rPr lang="en-US" baseline="0" dirty="0" smtClean="0"/>
+              <a:t>.  It is called “apache2” for Ubuntu.  </a:t>
+            </a:r>
+          </a:p>
+          <a:p>
+            <a:pPr marL="228600" marR="0" lvl="0" indent="-228600" algn="l" defTabSz="914400" rtl="0" eaLnBrk="1" fontAlgn="auto" latinLnBrk="0" hangingPunct="1">
+              <a:lnSpc>
+                <a:spcPct val="100000"/>
+              </a:lnSpc>
+              <a:spcBef>
+                <a:spcPts val="0"/>
+              </a:spcBef>
+              <a:spcAft>
+                <a:spcPts val="0"/>
+              </a:spcAft>
+              <a:buClrTx/>
+              <a:buSzTx/>
+              <a:buFont typeface="Arial"/>
+              <a:buChar char="•"/>
+              <a:tabLst/>
+              <a:defRPr/>
+            </a:pPr>
+            <a:r>
+              <a:rPr lang="en-US" baseline="0" dirty="0" smtClean="0"/>
+              <a:t>The ’service’ block here has the simplified action “start”.  In practical examples, we use action [:enable , :start] so that it starts the Apache process now and it enables the server such that the Apache process starts if the machine is rebooted.</a:t>
+            </a:r>
+          </a:p>
+          <a:p>
+            <a:pPr marL="228600" marR="0" lvl="0" indent="-228600" algn="l" defTabSz="914400" rtl="0" eaLnBrk="1" fontAlgn="auto" latinLnBrk="0" hangingPunct="1">
+              <a:lnSpc>
+                <a:spcPct val="100000"/>
+              </a:lnSpc>
+              <a:spcBef>
+                <a:spcPts val="0"/>
+              </a:spcBef>
+              <a:spcAft>
+                <a:spcPts val="0"/>
+              </a:spcAft>
+              <a:buClrTx/>
+              <a:buSzTx/>
+              <a:buFont typeface="Arial"/>
+              <a:buChar char="•"/>
+              <a:tabLst/>
+              <a:defRPr/>
+            </a:pPr>
+            <a:r>
+              <a:rPr lang="en-US" baseline="0" dirty="0" smtClean="0"/>
+              <a:t>For the Package and File resources, you could leave out the action because these resources are using the default action.  The more streamlined code would look like:</a:t>
+            </a:r>
+            <a:br>
+              <a:rPr lang="en-US" baseline="0" dirty="0" smtClean="0"/>
+            </a:br>
+            <a:r>
+              <a:rPr lang="en-US" baseline="0" dirty="0" smtClean="0"/>
+              <a:t>package “</a:t>
+            </a:r>
+            <a:r>
+              <a:rPr lang="en-US" baseline="0" dirty="0" err="1" smtClean="0"/>
+              <a:t>httpd</a:t>
+            </a:r>
+            <a:r>
+              <a:rPr lang="en-US" baseline="0" dirty="0" smtClean="0"/>
+              <a:t>”</a:t>
+            </a:r>
+            <a:br>
+              <a:rPr lang="en-US" baseline="0" dirty="0" smtClean="0"/>
+            </a:br>
+            <a:r>
+              <a:rPr lang="en-US" baseline="0" dirty="0" smtClean="0"/>
+              <a:t/>
+            </a:r>
+            <a:br>
+              <a:rPr lang="en-US" baseline="0" dirty="0" smtClean="0"/>
+            </a:br>
+            <a:r>
+              <a:rPr lang="en-US" baseline="0" dirty="0" smtClean="0"/>
+              <a:t>service “</a:t>
+            </a:r>
+            <a:r>
+              <a:rPr lang="en-US" baseline="0" dirty="0" err="1" smtClean="0"/>
+              <a:t>httpd</a:t>
+            </a:r>
+            <a:r>
+              <a:rPr lang="en-US" baseline="0" dirty="0" smtClean="0"/>
+              <a:t>” do</a:t>
+            </a:r>
+            <a:br>
+              <a:rPr lang="en-US" baseline="0" dirty="0" smtClean="0"/>
+            </a:br>
+            <a:r>
+              <a:rPr lang="en-US" baseline="0" dirty="0" smtClean="0"/>
+              <a:t>  action [:enable, :start]</a:t>
+            </a:r>
+            <a:br>
+              <a:rPr lang="en-US" baseline="0" dirty="0" smtClean="0"/>
+            </a:br>
+            <a:r>
+              <a:rPr lang="en-US" baseline="0" dirty="0" smtClean="0"/>
+              <a:t>end</a:t>
+            </a:r>
+            <a:br>
+              <a:rPr lang="en-US" baseline="0" dirty="0" smtClean="0"/>
+            </a:br>
+            <a:r>
+              <a:rPr lang="en-US" baseline="0" dirty="0" smtClean="0"/>
+              <a:t/>
+            </a:r>
+            <a:br>
+              <a:rPr lang="en-US" baseline="0" dirty="0" smtClean="0"/>
+            </a:br>
+            <a:r>
+              <a:rPr lang="en-US" baseline="0" dirty="0" smtClean="0"/>
+              <a:t>file “/</a:t>
+            </a:r>
+            <a:r>
+              <a:rPr lang="en-US" baseline="0" dirty="0" err="1" smtClean="0"/>
+              <a:t>var</a:t>
+            </a:r>
+            <a:r>
+              <a:rPr lang="en-US" baseline="0" dirty="0" smtClean="0"/>
+              <a:t>/www/html/</a:t>
+            </a:r>
+            <a:r>
+              <a:rPr lang="en-US" baseline="0" dirty="0" err="1" smtClean="0"/>
+              <a:t>index.html</a:t>
+            </a:r>
+            <a:r>
+              <a:rPr lang="en-US" baseline="0" dirty="0" smtClean="0"/>
+              <a:t>” do</a:t>
+            </a:r>
+            <a:br>
+              <a:rPr lang="en-US" baseline="0" dirty="0" smtClean="0"/>
+            </a:br>
+            <a:r>
+              <a:rPr lang="en-US" baseline="0" dirty="0" smtClean="0"/>
+              <a:t>    content “Hello World”</a:t>
+            </a:r>
+            <a:br>
+              <a:rPr lang="en-US" baseline="0" dirty="0" smtClean="0"/>
+            </a:br>
+            <a:r>
+              <a:rPr lang="en-US" baseline="0" dirty="0" smtClean="0"/>
+              <a:t>end</a:t>
+            </a:r>
+          </a:p>
+          <a:p>
+            <a:pPr marL="0" marR="0" lvl="0" indent="0" algn="l" defTabSz="914400" rtl="0" eaLnBrk="1" fontAlgn="auto" latinLnBrk="0" hangingPunct="1">
+              <a:lnSpc>
+                <a:spcPct val="100000"/>
+              </a:lnSpc>
+              <a:spcBef>
+                <a:spcPts val="0"/>
+              </a:spcBef>
+              <a:spcAft>
+                <a:spcPts val="0"/>
+              </a:spcAft>
+              <a:buClrTx/>
+              <a:buSzTx/>
+              <a:buFont typeface="Arial"/>
+              <a:buNone/>
+              <a:tabLst/>
+              <a:defRPr/>
+            </a:pPr>
+            <a:endParaRPr lang="en-US" baseline="0" dirty="0" smtClean="0"/>
+          </a:p>
+          <a:p>
+            <a:pPr marL="0" marR="0" lvl="0" indent="0" algn="l" defTabSz="914400" rtl="0" eaLnBrk="1" fontAlgn="auto" latinLnBrk="0" hangingPunct="1">
+              <a:lnSpc>
+                <a:spcPct val="100000"/>
+              </a:lnSpc>
+              <a:spcBef>
+                <a:spcPts val="0"/>
+              </a:spcBef>
+              <a:spcAft>
+                <a:spcPts val="0"/>
+              </a:spcAft>
+              <a:buClrTx/>
+              <a:buSzTx/>
+              <a:buFont typeface="Arial" panose="020B0604020202020204" pitchFamily="34" charset="0"/>
+              <a:buNone/>
+              <a:tabLst/>
+              <a:defRPr/>
+            </a:pPr>
+            <a:r>
+              <a:rPr lang="en-US" b="1" baseline="0" dirty="0" smtClean="0"/>
+              <a:t>References:</a:t>
+            </a:r>
+          </a:p>
+          <a:p>
+            <a:pPr marL="228600" marR="0" lvl="0" indent="-228600" algn="l" defTabSz="914400" rtl="0" eaLnBrk="1" fontAlgn="auto" latinLnBrk="0" hangingPunct="1">
+              <a:lnSpc>
+                <a:spcPct val="100000"/>
+              </a:lnSpc>
+              <a:spcBef>
+                <a:spcPts val="0"/>
+              </a:spcBef>
+              <a:spcAft>
+                <a:spcPts val="0"/>
+              </a:spcAft>
+              <a:buClrTx/>
+              <a:buSzTx/>
+              <a:buFont typeface="Arial"/>
+              <a:buChar char="•"/>
+              <a:tabLst/>
+              <a:defRPr/>
+            </a:pPr>
+            <a:r>
+              <a:rPr lang="en-US" baseline="0" dirty="0" smtClean="0"/>
+              <a:t>For default actions, see: </a:t>
+            </a:r>
+            <a:r>
+              <a:rPr lang="en-US" baseline="0" dirty="0" err="1" smtClean="0"/>
+              <a:t>docs.chef.io</a:t>
+            </a:r>
+            <a:endParaRPr lang="en-US" baseline="0" dirty="0" smtClean="0"/>
           </a:p>
         </p:txBody>
       </p:sp>
@@ -4032,6 +4070,7 @@
           <a:p>
             <a:fld id="{01283FAC-A721-45A3-BBDE-EAF2B09B7CD9}" type="slidenum">
               <a:rPr lang="en-US" smtClean="0"/>
+              <a:pPr/>
               <a:t>7</a:t>
             </a:fld>
             <a:endParaRPr lang="en-US"/>
@@ -4041,7 +4080,7 @@
     </p:spTree>
     <p:extLst>
       <p:ext uri="{BB962C8B-B14F-4D97-AF65-F5344CB8AC3E}">
-        <p14:creationId xmlns:p14="http://schemas.microsoft.com/office/powerpoint/2010/main" val="1268071312"/>
+        <p14:creationId xmlns:p14="http://schemas.microsoft.com/office/powerpoint/2010/main" val="1442726811"/>
       </p:ext>
     </p:extLst>
   </p:cSld>
@@ -4145,272 +4184,9 @@
             </a:r>
             <a:r>
               <a:rPr lang="en-US" baseline="0" dirty="0" smtClean="0"/>
-              <a:t> that an Apache web server is installed and started, with a default web page is created with the words “Hello, World!”</a:t>
-            </a:r>
-            <a:endParaRPr lang="en-US" baseline="0" dirty="0"/>
-          </a:p>
-          <a:p>
-            <a:pPr marL="228600" marR="0" lvl="0" indent="-228600" algn="l" defTabSz="914400" rtl="0" eaLnBrk="1" fontAlgn="auto" latinLnBrk="0" hangingPunct="1">
-              <a:lnSpc>
-                <a:spcPct val="100000"/>
-              </a:lnSpc>
-              <a:spcBef>
-                <a:spcPts val="0"/>
-              </a:spcBef>
-              <a:spcAft>
-                <a:spcPts val="0"/>
-              </a:spcAft>
-              <a:buClrTx/>
-              <a:buSzTx/>
-              <a:buFont typeface="Arial"/>
-              <a:buChar char="•"/>
-              <a:tabLst/>
-              <a:defRPr/>
-            </a:pPr>
-            <a:r>
-              <a:rPr lang="en-US" baseline="0" dirty="0" err="1" smtClean="0"/>
-              <a:t>Httpd</a:t>
-            </a:r>
-            <a:r>
-              <a:rPr lang="en-US" baseline="0" dirty="0" smtClean="0"/>
-              <a:t> is the package name for Apache on </a:t>
-            </a:r>
-            <a:r>
-              <a:rPr lang="en-US" baseline="0" dirty="0" err="1" smtClean="0"/>
-              <a:t>CentOS</a:t>
-            </a:r>
-            <a:r>
-              <a:rPr lang="en-US" baseline="0" dirty="0" smtClean="0"/>
-              <a:t>.  It is called “apache2” for Ubuntu.  </a:t>
-            </a:r>
-          </a:p>
-          <a:p>
-            <a:pPr marL="228600" marR="0" lvl="0" indent="-228600" algn="l" defTabSz="914400" rtl="0" eaLnBrk="1" fontAlgn="auto" latinLnBrk="0" hangingPunct="1">
-              <a:lnSpc>
-                <a:spcPct val="100000"/>
-              </a:lnSpc>
-              <a:spcBef>
-                <a:spcPts val="0"/>
-              </a:spcBef>
-              <a:spcAft>
-                <a:spcPts val="0"/>
-              </a:spcAft>
-              <a:buClrTx/>
-              <a:buSzTx/>
-              <a:buFont typeface="Arial"/>
-              <a:buChar char="•"/>
-              <a:tabLst/>
-              <a:defRPr/>
-            </a:pPr>
-            <a:r>
-              <a:rPr lang="en-US" baseline="0" dirty="0" smtClean="0"/>
-              <a:t>The ’service’ block here has the simplified action “start”.  In practical examples, we </a:t>
-            </a:r>
-            <a:r>
-              <a:rPr lang="en-US" baseline="0" dirty="0" smtClean="0"/>
-              <a:t>use action </a:t>
-            </a:r>
-            <a:r>
-              <a:rPr lang="en-US" baseline="0" dirty="0" smtClean="0"/>
-              <a:t>[:enable , :start</a:t>
-            </a:r>
-            <a:r>
-              <a:rPr lang="en-US" baseline="0" dirty="0" smtClean="0"/>
-              <a:t>] so </a:t>
-            </a:r>
-            <a:r>
-              <a:rPr lang="en-US" baseline="0" dirty="0" smtClean="0"/>
-              <a:t>that it starts the Apache process now and it enables the server such that the Apache process starts if the machine is rebooted.</a:t>
-            </a:r>
-          </a:p>
-          <a:p>
-            <a:pPr marL="228600" marR="0" lvl="0" indent="-228600" algn="l" defTabSz="914400" rtl="0" eaLnBrk="1" fontAlgn="auto" latinLnBrk="0" hangingPunct="1">
-              <a:lnSpc>
-                <a:spcPct val="100000"/>
-              </a:lnSpc>
-              <a:spcBef>
-                <a:spcPts val="0"/>
-              </a:spcBef>
-              <a:spcAft>
-                <a:spcPts val="0"/>
-              </a:spcAft>
-              <a:buClrTx/>
-              <a:buSzTx/>
-              <a:buFont typeface="Arial"/>
-              <a:buChar char="•"/>
-              <a:tabLst/>
-              <a:defRPr/>
-            </a:pPr>
-            <a:r>
-              <a:rPr lang="en-US" baseline="0" dirty="0" smtClean="0"/>
-              <a:t>For the Package and File resources, you could leave out the action because these resources are using the default action.  The more streamlined code would look like:</a:t>
-            </a:r>
-            <a:br>
-              <a:rPr lang="en-US" baseline="0" dirty="0" smtClean="0"/>
-            </a:br>
-            <a:r>
-              <a:rPr lang="en-US" baseline="0" dirty="0" smtClean="0"/>
-              <a:t>package “</a:t>
-            </a:r>
-            <a:r>
-              <a:rPr lang="en-US" baseline="0" dirty="0" err="1" smtClean="0"/>
-              <a:t>httpd</a:t>
-            </a:r>
-            <a:r>
-              <a:rPr lang="en-US" baseline="0" dirty="0" smtClean="0"/>
-              <a:t>”</a:t>
-            </a:r>
-            <a:br>
-              <a:rPr lang="en-US" baseline="0" dirty="0" smtClean="0"/>
-            </a:br>
-            <a:r>
-              <a:rPr lang="en-US" baseline="0" dirty="0" smtClean="0"/>
-              <a:t/>
-            </a:r>
-            <a:br>
-              <a:rPr lang="en-US" baseline="0" dirty="0" smtClean="0"/>
-            </a:br>
-            <a:r>
-              <a:rPr lang="en-US" baseline="0" dirty="0" smtClean="0"/>
-              <a:t>service “</a:t>
-            </a:r>
-            <a:r>
-              <a:rPr lang="en-US" baseline="0" dirty="0" err="1" smtClean="0"/>
-              <a:t>httpd</a:t>
-            </a:r>
-            <a:r>
-              <a:rPr lang="en-US" baseline="0" dirty="0" smtClean="0"/>
-              <a:t>” do</a:t>
-            </a:r>
-            <a:br>
-              <a:rPr lang="en-US" baseline="0" dirty="0" smtClean="0"/>
-            </a:br>
-            <a:r>
-              <a:rPr lang="en-US" baseline="0" dirty="0" smtClean="0"/>
-              <a:t>  action [:enable, :start]</a:t>
-            </a:r>
-            <a:br>
-              <a:rPr lang="en-US" baseline="0" dirty="0" smtClean="0"/>
-            </a:br>
-            <a:r>
-              <a:rPr lang="en-US" baseline="0" dirty="0" smtClean="0"/>
-              <a:t>end</a:t>
-            </a:r>
-            <a:br>
-              <a:rPr lang="en-US" baseline="0" dirty="0" smtClean="0"/>
-            </a:br>
-            <a:r>
-              <a:rPr lang="en-US" baseline="0" dirty="0" smtClean="0"/>
-              <a:t/>
-            </a:r>
-            <a:br>
-              <a:rPr lang="en-US" baseline="0" dirty="0" smtClean="0"/>
-            </a:br>
-            <a:r>
-              <a:rPr lang="en-US" baseline="0" dirty="0" smtClean="0"/>
-              <a:t>file “/</a:t>
-            </a:r>
-            <a:r>
-              <a:rPr lang="en-US" baseline="0" dirty="0" err="1" smtClean="0"/>
-              <a:t>var</a:t>
-            </a:r>
-            <a:r>
-              <a:rPr lang="en-US" baseline="0" dirty="0" smtClean="0"/>
-              <a:t>/www/html/</a:t>
-            </a:r>
-            <a:r>
-              <a:rPr lang="en-US" baseline="0" dirty="0" err="1" smtClean="0"/>
-              <a:t>index.html</a:t>
-            </a:r>
-            <a:r>
-              <a:rPr lang="en-US" baseline="0" dirty="0" smtClean="0"/>
-              <a:t>” do</a:t>
-            </a:r>
-            <a:br>
-              <a:rPr lang="en-US" baseline="0" dirty="0" smtClean="0"/>
-            </a:br>
-            <a:r>
-              <a:rPr lang="en-US" baseline="0" dirty="0" smtClean="0"/>
-              <a:t>    content “Hello World”</a:t>
-            </a:r>
-            <a:br>
-              <a:rPr lang="en-US" baseline="0" dirty="0" smtClean="0"/>
-            </a:br>
-            <a:r>
-              <a:rPr lang="en-US" baseline="0" dirty="0" smtClean="0"/>
-              <a:t>end</a:t>
-            </a:r>
-          </a:p>
-          <a:p>
-            <a:pPr marL="0" marR="0" lvl="0" indent="0" algn="l" defTabSz="914400" rtl="0" eaLnBrk="1" fontAlgn="auto" latinLnBrk="0" hangingPunct="1">
-              <a:lnSpc>
-                <a:spcPct val="100000"/>
-              </a:lnSpc>
-              <a:spcBef>
-                <a:spcPts val="0"/>
-              </a:spcBef>
-              <a:spcAft>
-                <a:spcPts val="0"/>
-              </a:spcAft>
-              <a:buClrTx/>
-              <a:buSzTx/>
-              <a:buFont typeface="Arial"/>
-              <a:buNone/>
-              <a:tabLst/>
-              <a:defRPr/>
-            </a:pPr>
-            <a:endParaRPr lang="en-US" baseline="0" dirty="0" smtClean="0"/>
-          </a:p>
-          <a:p>
-            <a:pPr marL="0" marR="0" lvl="0" indent="0" algn="l" defTabSz="914400" rtl="0" eaLnBrk="1" fontAlgn="auto" latinLnBrk="0" hangingPunct="1">
-              <a:lnSpc>
-                <a:spcPct val="100000"/>
-              </a:lnSpc>
-              <a:spcBef>
-                <a:spcPts val="0"/>
-              </a:spcBef>
-              <a:spcAft>
-                <a:spcPts val="0"/>
-              </a:spcAft>
-              <a:buClrTx/>
-              <a:buSzTx/>
-              <a:buFont typeface="Arial" panose="020B0604020202020204" pitchFamily="34" charset="0"/>
-              <a:buNone/>
-              <a:tabLst/>
-              <a:defRPr/>
-            </a:pPr>
-            <a:r>
-              <a:rPr lang="en-US" b="1" baseline="0" dirty="0" smtClean="0"/>
-              <a:t>References:</a:t>
-            </a:r>
-          </a:p>
-          <a:p>
-            <a:pPr marL="228600" marR="0" lvl="0" indent="-228600" algn="l" defTabSz="914400" rtl="0" eaLnBrk="1" fontAlgn="auto" latinLnBrk="0" hangingPunct="1">
-              <a:lnSpc>
-                <a:spcPct val="100000"/>
-              </a:lnSpc>
-              <a:spcBef>
-                <a:spcPts val="0"/>
-              </a:spcBef>
-              <a:spcAft>
-                <a:spcPts val="0"/>
-              </a:spcAft>
-              <a:buClrTx/>
-              <a:buSzTx/>
-              <a:buFont typeface="Arial"/>
-              <a:buChar char="•"/>
-              <a:tabLst/>
-              <a:defRPr/>
-            </a:pPr>
-            <a:r>
-              <a:rPr lang="en-US" baseline="0" dirty="0" smtClean="0"/>
-              <a:t>For default actions, see: </a:t>
-            </a:r>
-            <a:r>
-              <a:rPr lang="en-US" baseline="0" dirty="0" err="1" smtClean="0"/>
-              <a:t>docs.chef.io</a:t>
-            </a:r>
-            <a:endParaRPr lang="en-US" baseline="0" dirty="0" smtClean="0"/>
+              <a:t> that an IIS web server is installed and started, and a default web page is created with the words “Hello, World!”</a:t>
+            </a:r>
+            <a:endParaRPr lang="en-US" dirty="0"/>
           </a:p>
         </p:txBody>
       </p:sp>
@@ -4430,11 +4206,21 @@
           <a:lstStyle/>
           <a:p>
             <a:fld id="{01283FAC-A721-45A3-BBDE-EAF2B09B7CD9}" type="slidenum">
-              <a:rPr lang="en-US" smtClean="0"/>
+              <a:rPr lang="en-US" smtClean="0">
+                <a:solidFill>
+                  <a:prstClr val="black"/>
+                </a:solidFill>
+                <a:latin typeface="Calibri"/>
+              </a:rPr>
               <a:pPr/>
               <a:t>8</a:t>
             </a:fld>
-            <a:endParaRPr lang="en-US"/>
+            <a:endParaRPr lang="en-US">
+              <a:solidFill>
+                <a:prstClr val="black"/>
+              </a:solidFill>
+              <a:latin typeface="Calibri"/>
+            </a:endParaRPr>
           </a:p>
         </p:txBody>
       </p:sp>
@@ -4495,58 +4281,6 @@
           <a:bodyPr/>
           <a:lstStyle/>
           <a:p>
-            <a:pPr marL="171450" marR="0" lvl="0" indent="-171450" algn="l" defTabSz="914400" rtl="0" eaLnBrk="1" fontAlgn="auto" latinLnBrk="0" hangingPunct="1">
-              <a:lnSpc>
-                <a:spcPct val="100000"/>
-              </a:lnSpc>
-              <a:spcBef>
-                <a:spcPts val="0"/>
-              </a:spcBef>
-              <a:spcAft>
-                <a:spcPts val="0"/>
-              </a:spcAft>
-              <a:buClrTx/>
-              <a:buSzTx/>
-              <a:buFont typeface="Arial" panose="020B0604020202020204" pitchFamily="34" charset="0"/>
-              <a:buNone/>
-              <a:tabLst/>
-              <a:defRPr/>
-            </a:pPr>
-            <a:r>
-              <a:rPr lang="en-US" b="1" dirty="0"/>
-              <a:t>Notes</a:t>
-            </a:r>
-            <a:r>
-              <a:rPr lang="en-US" b="1" dirty="0" smtClean="0"/>
-              <a:t>:</a:t>
-            </a:r>
-          </a:p>
-          <a:p>
-            <a:pPr marL="171450" marR="0" lvl="0" indent="-171450" algn="l" defTabSz="914400" rtl="0" eaLnBrk="1" fontAlgn="auto" latinLnBrk="0" hangingPunct="1">
-              <a:lnSpc>
-                <a:spcPct val="100000"/>
-              </a:lnSpc>
-              <a:spcBef>
-                <a:spcPts val="0"/>
-              </a:spcBef>
-              <a:spcAft>
-                <a:spcPts val="0"/>
-              </a:spcAft>
-              <a:buClrTx/>
-              <a:buSzTx/>
-              <a:buFont typeface="Arial" panose="020B0604020202020204" pitchFamily="34" charset="0"/>
-              <a:buChar char="•"/>
-              <a:tabLst/>
-              <a:defRPr/>
-            </a:pPr>
-            <a:r>
-              <a:rPr lang="en-US" dirty="0" smtClean="0"/>
-              <a:t>The result of this code is the</a:t>
-            </a:r>
-            <a:r>
-              <a:rPr lang="en-US" baseline="0" dirty="0" smtClean="0"/>
-              <a:t> that an IIS web server is installed and started, and a default web page is created with the words “Hello, World!”</a:t>
-            </a:r>
             <a:endParaRPr lang="en-US" dirty="0"/>
           </a:p>
         </p:txBody>
@@ -4567,28 +4301,17 @@
           <a:lstStyle/>
           <a:p>
             <a:fld id="{01283FAC-A721-45A3-BBDE-EAF2B09B7CD9}" type="slidenum">
-              <a:rPr lang="en-US" smtClean="0">
-                <a:solidFill>
-                  <a:prstClr val="black"/>
-                </a:solidFill>
-                <a:latin typeface="Calibri"/>
-              </a:rPr>
-              <a:pPr/>
+              <a:rPr lang="en-US" smtClean="0"/>
               <a:t>9</a:t>
             </a:fld>
-            <a:endParaRPr lang="en-US">
-              <a:solidFill>
-                <a:prstClr val="black"/>
-              </a:solidFill>
-              <a:latin typeface="Calibri"/>
-            </a:endParaRPr>
+            <a:endParaRPr lang="en-US"/>
           </a:p>
         </p:txBody>
       </p:sp>
     </p:spTree>
     <p:extLst>
       <p:ext uri="{BB962C8B-B14F-4D97-AF65-F5344CB8AC3E}">
-        <p14:creationId xmlns:p14="http://schemas.microsoft.com/office/powerpoint/2010/main" val="1442726811"/>
+        <p14:creationId xmlns:p14="http://schemas.microsoft.com/office/powerpoint/2010/main" val="308916367"/>
       </p:ext>
     </p:extLst>
   </p:cSld>
@@ -4642,6 +4365,32 @@
           <a:bodyPr/>
           <a:lstStyle/>
           <a:p>
+            <a:r>
+              <a:rPr lang="en-US" b="1" dirty="0" smtClean="0"/>
+              <a:t>Notes:</a:t>
+            </a:r>
+          </a:p>
+          <a:p>
+            <a:pPr marL="228600" indent="-228600">
+              <a:buFont typeface="Arial"/>
+              <a:buChar char="•"/>
+            </a:pPr>
+            <a:r>
+              <a:rPr lang="en-US" baseline="0" dirty="0" smtClean="0"/>
+              <a:t>Variables are important to allow you to write code once and use it in different situations.  </a:t>
+            </a:r>
+          </a:p>
+          <a:p>
+            <a:pPr marL="228600" indent="-228600">
+              <a:buFont typeface="Arial"/>
+              <a:buChar char="•"/>
+            </a:pPr>
+            <a:r>
+              <a:rPr lang="en-US" baseline="0" dirty="0" smtClean="0"/>
+              <a:t>Example: you create code that installs and configures a database, but every department in your company needs their own database with a unique username and password.  Variables allow the same code to be run to create a database for each department, but with unique values for each department’s database for username and password.</a:t>
+            </a:r>
+          </a:p>
+          <a:p>
             <a:endParaRPr lang="en-US" dirty="0"/>
           </a:p>
         </p:txBody>
@@ -4672,7 +4421,7 @@
     </p:spTree>
     <p:extLst>
       <p:ext uri="{BB962C8B-B14F-4D97-AF65-F5344CB8AC3E}">
-        <p14:creationId xmlns:p14="http://schemas.microsoft.com/office/powerpoint/2010/main" val="308916367"/>
+        <p14:creationId xmlns:p14="http://schemas.microsoft.com/office/powerpoint/2010/main" val="155379973"/>
       </p:ext>
     </p:extLst>
   </p:cSld>
@@ -4832,7 +4581,7 @@
             <a:fld id="{0459C166-16D3-4A25-A2F8-C51E0E346B22}" type="datetimeFigureOut">
               <a:rPr lang="en-US" smtClean="0"/>
               <a:pPr/>
-              <a:t>7/14/16</a:t>
+              <a:t>7/26/16</a:t>
             </a:fld>
             <a:endParaRPr lang="en-US"/>
           </a:p>
@@ -5201,7 +4950,7 @@
             <a:fld id="{0459C166-16D3-4A25-A2F8-C51E0E346B22}" type="datetimeFigureOut">
               <a:rPr lang="en-US" smtClean="0"/>
               <a:pPr/>
-              <a:t>7/14/16</a:t>
+              <a:t>7/26/16</a:t>
             </a:fld>
             <a:endParaRPr lang="en-US"/>
           </a:p>
@@ -5321,7 +5070,7 @@
             <a:fld id="{0459C166-16D3-4A25-A2F8-C51E0E346B22}" type="datetimeFigureOut">
               <a:rPr lang="en-US" smtClean="0"/>
               <a:pPr/>
-              <a:t>7/14/16</a:t>
+              <a:t>7/26/16</a:t>
             </a:fld>
             <a:endParaRPr lang="en-US"/>
           </a:p>
@@ -5540,7 +5289,7 @@
                 <a:latin typeface="Segoe UI"/>
               </a:rPr>
               <a:pPr/>
-              <a:t>7/14/16</a:t>
+              <a:t>7/26/16</a:t>
             </a:fld>
             <a:endParaRPr lang="en-US">
               <a:solidFill>
@@ -5747,7 +5496,7 @@
                 <a:latin typeface="Segoe UI"/>
               </a:rPr>
               <a:pPr/>
-              <a:t>7/14/16</a:t>
+              <a:t>7/26/16</a:t>
             </a:fld>
             <a:endParaRPr lang="en-US">
               <a:solidFill>
@@ -6046,7 +5795,7 @@
                 <a:latin typeface="Segoe UI"/>
               </a:rPr>
               <a:pPr/>
-              <a:t>7/14/16</a:t>
+              <a:t>7/26/16</a:t>
             </a:fld>
             <a:endParaRPr lang="en-US">
               <a:solidFill>
@@ -6393,7 +6142,7 @@
                 <a:latin typeface="Segoe UI"/>
               </a:rPr>
               <a:pPr/>
-              <a:t>7/14/16</a:t>
+              <a:t>7/26/16</a:t>
             </a:fld>
             <a:endParaRPr lang="en-US">
               <a:solidFill>
@@ -6773,7 +6522,7 @@
                 <a:latin typeface="Segoe UI"/>
               </a:rPr>
               <a:pPr/>
-              <a:t>7/14/16</a:t>
+              <a:t>7/26/16</a:t>
             </a:fld>
             <a:endParaRPr lang="en-US">
               <a:solidFill>
@@ -7657,7 +7406,7 @@
             <a:fld id="{0459C166-16D3-4A25-A2F8-C51E0E346B22}" type="datetimeFigureOut">
               <a:rPr lang="en-US" smtClean="0"/>
               <a:pPr/>
-              <a:t>7/14/16</a:t>
+              <a:t>7/26/16</a:t>
             </a:fld>
             <a:endParaRPr lang="en-US"/>
           </a:p>
@@ -7898,7 +7647,7 @@
                 <a:latin typeface="Segoe UI"/>
               </a:rPr>
               <a:pPr/>
-              <a:t>7/14/16</a:t>
+              <a:t>7/26/16</a:t>
             </a:fld>
             <a:endParaRPr lang="en-US">
               <a:solidFill>
@@ -8302,7 +8051,7 @@
                 <a:latin typeface="Segoe UI"/>
               </a:rPr>
               <a:pPr/>
-              <a:t>7/14/16</a:t>
+              <a:t>7/26/16</a:t>
             </a:fld>
             <a:endParaRPr lang="en-US">
               <a:solidFill>
@@ -8457,7 +8206,7 @@
                 <a:latin typeface="Segoe UI"/>
               </a:rPr>
               <a:pPr/>
-              <a:t>7/14/16</a:t>
+              <a:t>7/26/16</a:t>
             </a:fld>
             <a:endParaRPr lang="en-US">
               <a:solidFill>
@@ -8751,7 +8500,7 @@
             <a:fld id="{0459C166-16D3-4A25-A2F8-C51E0E346B22}" type="datetimeFigureOut">
               <a:rPr lang="en-US" smtClean="0"/>
               <a:pPr/>
-              <a:t>7/14/16</a:t>
+              <a:t>7/26/16</a:t>
             </a:fld>
             <a:endParaRPr lang="en-US"/>
           </a:p>
@@ -9071,7 +8820,7 @@
             <a:fld id="{0459C166-16D3-4A25-A2F8-C51E0E346B22}" type="datetimeFigureOut">
               <a:rPr lang="en-US" smtClean="0"/>
               <a:pPr/>
-              <a:t>7/14/16</a:t>
+              <a:t>7/26/16</a:t>
             </a:fld>
             <a:endParaRPr lang="en-US"/>
           </a:p>
@@ -9470,7 +9219,7 @@
             <a:fld id="{0459C166-16D3-4A25-A2F8-C51E0E346B22}" type="datetimeFigureOut">
               <a:rPr lang="en-US" smtClean="0"/>
               <a:pPr/>
-              <a:t>7/14/16</a:t>
+              <a:t>7/26/16</a:t>
             </a:fld>
             <a:endParaRPr lang="en-US"/>
           </a:p>
@@ -10442,7 +10191,7 @@
             <a:fld id="{0459C166-16D3-4A25-A2F8-C51E0E346B22}" type="datetimeFigureOut">
               <a:rPr lang="en-US" smtClean="0"/>
               <a:pPr/>
-              <a:t>7/14/16</a:t>
+              <a:t>7/26/16</a:t>
             </a:fld>
             <a:endParaRPr lang="en-US"/>
           </a:p>
@@ -10656,7 +10405,7 @@
             <a:fld id="{0459C166-16D3-4A25-A2F8-C51E0E346B22}" type="datetimeFigureOut">
               <a:rPr lang="en-US" smtClean="0"/>
               <a:pPr/>
-              <a:t>7/14/16</a:t>
+              <a:t>7/26/16</a:t>
             </a:fld>
             <a:endParaRPr lang="en-US"/>
           </a:p>
@@ -11204,7 +10953,7 @@
                 <a:latin typeface="Segoe UI"/>
               </a:rPr>
               <a:pPr/>
-              <a:t>7/14/16</a:t>
+              <a:t>7/26/16</a:t>
             </a:fld>
             <a:endParaRPr lang="en-US">
               <a:solidFill>
@@ -11776,489 +11525,6 @@
 </file>
 
 <file path=ppt/slides/slide10.xml><?xml version="1.0" encoding="utf-8"?>
-<p:sld xmlns:a="http://schemas.openxmlformats.org/drawingml/2006/main" xmlns:r="http://schemas.openxmlformats.org/officeDocument/2006/relationships" xmlns:p="http://schemas.openxmlformats.org/presentationml/2006/main">
-  <p:cSld>
-    <p:spTree>
-      <p:nvGrpSpPr>
-        <p:cNvPr id="1" name=""/>
-        <p:cNvGrpSpPr/>
-        <p:nvPr/>
-      </p:nvGrpSpPr>
-      <p:grpSpPr>
-        <a:xfrm>
-          <a:off x="0" y="0"/>
-          <a:ext cx="0" cy="0"/>
-          <a:chOff x="0" y="0"/>
-          <a:chExt cx="0" cy="0"/>
-        </a:xfrm>
-      </p:grpSpPr>
-      <p:sp>
-        <p:nvSpPr>
-          <p:cNvPr id="5" name="TextBox 4"/>
-          <p:cNvSpPr txBox="1"/>
-          <p:nvPr/>
-        </p:nvSpPr>
-        <p:spPr>
-          <a:xfrm>
-            <a:off x="846417" y="537883"/>
-            <a:ext cx="10214305" cy="769441"/>
-          </a:xfrm>
-          <a:prstGeom prst="rect">
-            <a:avLst/>
-          </a:prstGeom>
-          <a:noFill/>
-        </p:spPr>
-        <p:txBody>
-          <a:bodyPr wrap="square" rtlCol="0">
-            <a:spAutoFit/>
-          </a:bodyPr>
-          <a:lstStyle/>
-          <a:p>
-            <a:r>
-              <a:rPr lang="en-US" sz="4400" dirty="0" smtClean="0"/>
-              <a:t>Configuring Multiple Servers Identically</a:t>
-            </a:r>
-            <a:endParaRPr lang="en-US" sz="4400" dirty="0"/>
-          </a:p>
-        </p:txBody>
-      </p:sp>
-      <p:grpSp>
-        <p:nvGrpSpPr>
-          <p:cNvPr id="8" name="Group 7"/>
-          <p:cNvGrpSpPr/>
-          <p:nvPr/>
-        </p:nvGrpSpPr>
-        <p:grpSpPr>
-          <a:xfrm>
-            <a:off x="0" y="1950630"/>
-            <a:ext cx="12192000" cy="3859620"/>
-            <a:chOff x="0" y="1950630"/>
-            <a:chExt cx="12192000" cy="3497682"/>
-          </a:xfrm>
-        </p:grpSpPr>
-        <p:grpSp>
-          <p:nvGrpSpPr>
-            <p:cNvPr id="2" name="Group 1"/>
-            <p:cNvGrpSpPr/>
-            <p:nvPr/>
-          </p:nvGrpSpPr>
-          <p:grpSpPr>
-            <a:xfrm>
-              <a:off x="0" y="1950630"/>
-              <a:ext cx="12192000" cy="832911"/>
-              <a:chOff x="0" y="1950630"/>
-              <a:chExt cx="12192000" cy="832911"/>
-            </a:xfrm>
-          </p:grpSpPr>
-          <p:sp>
-            <p:nvSpPr>
-              <p:cNvPr id="3" name="Rectangle 2"/>
-              <p:cNvSpPr/>
-              <p:nvPr/>
-            </p:nvSpPr>
-            <p:spPr>
-              <a:xfrm>
-                <a:off x="0" y="1950630"/>
-                <a:ext cx="12192000" cy="832911"/>
-              </a:xfrm>
-              <a:prstGeom prst="rect">
-                <a:avLst/>
-              </a:prstGeom>
-              <a:solidFill>
-                <a:srgbClr val="0070C0"/>
-              </a:solidFill>
-              <a:ln w="9525" cap="flat" cmpd="sng" algn="ctr">
-                <a:noFill/>
-                <a:prstDash val="solid"/>
-              </a:ln>
-              <a:effectLst/>
-            </p:spPr>
-            <p:txBody>
-              <a:bodyPr rtlCol="0" anchor="ctr"/>
-              <a:lstStyle/>
-              <a:p>
-                <a:pPr marL="0" marR="0" lvl="0" indent="0" defTabSz="914400" eaLnBrk="1" fontAlgn="auto" latinLnBrk="0" hangingPunct="1">
-                  <a:lnSpc>
-                    <a:spcPct val="100000"/>
-                  </a:lnSpc>
-                  <a:spcBef>
-                    <a:spcPts val="0"/>
-                  </a:spcBef>
-                  <a:spcAft>
-                    <a:spcPts val="0"/>
-                  </a:spcAft>
-                  <a:buClrTx/>
-                  <a:buSzTx/>
-                  <a:buFont typeface="Arial" panose="020B0604020202020204" pitchFamily="34" charset="0"/>
-                  <a:buNone/>
-                  <a:tabLst/>
-                  <a:defRPr/>
-                </a:pPr>
-                <a:r>
-                  <a:rPr lang="en-US" sz="2800" kern="0" noProof="0" dirty="0" smtClean="0">
-                    <a:solidFill>
-                      <a:prstClr val="white"/>
-                    </a:solidFill>
-                    <a:latin typeface="+mj-lt"/>
-                  </a:rPr>
-                  <a:t>	Scripts can be rolled out to thousands of servers</a:t>
-                </a:r>
-                <a:endParaRPr kumimoji="0" lang="en-US" sz="2800" u="none" strike="noStrike" kern="0" cap="none" spc="0" normalizeH="0" baseline="0" noProof="0" dirty="0">
-                  <a:ln>
-                    <a:noFill/>
-                  </a:ln>
-                  <a:solidFill>
-                    <a:prstClr val="white"/>
-                  </a:solidFill>
-                  <a:effectLst/>
-                  <a:uLnTx/>
-                  <a:uFillTx/>
-                  <a:latin typeface="+mj-lt"/>
-                </a:endParaRPr>
-              </a:p>
-            </p:txBody>
-          </p:sp>
-          <p:sp>
-            <p:nvSpPr>
-              <p:cNvPr id="4" name="Content Placeholder 2"/>
-              <p:cNvSpPr txBox="1">
-                <a:spLocks/>
-              </p:cNvSpPr>
-              <p:nvPr/>
-            </p:nvSpPr>
-            <p:spPr>
-              <a:xfrm>
-                <a:off x="846418" y="1950630"/>
-                <a:ext cx="9423400" cy="832911"/>
-              </a:xfrm>
-              <a:prstGeom prst="rect">
-                <a:avLst/>
-              </a:prstGeom>
-            </p:spPr>
-            <p:txBody>
-              <a:bodyPr anchor="ctr"/>
-              <a:lstStyle>
-                <a:lvl1pPr marL="0" indent="0" algn="ctr" defTabSz="914400" rtl="0" eaLnBrk="1" latinLnBrk="0" hangingPunct="1">
-                  <a:lnSpc>
-                    <a:spcPct val="90000"/>
-                  </a:lnSpc>
-                  <a:spcBef>
-                    <a:spcPts val="1000"/>
-                  </a:spcBef>
-                  <a:buFont typeface="Arial" panose="020B0604020202020204" pitchFamily="34" charset="0"/>
-                  <a:buNone/>
-                  <a:defRPr sz="2800" i="1" kern="1200">
-                    <a:solidFill>
-                      <a:schemeClr val="bg1"/>
-                    </a:solidFill>
-                    <a:latin typeface="+mn-lt"/>
-                    <a:ea typeface="+mn-ea"/>
-                    <a:cs typeface="+mn-cs"/>
-                  </a:defRPr>
-                </a:lvl1pPr>
-                <a:lvl2pPr marL="457200" indent="0" algn="ctr" defTabSz="914400" rtl="0" eaLnBrk="1" latinLnBrk="0" hangingPunct="1">
-                  <a:lnSpc>
-                    <a:spcPct val="90000"/>
-                  </a:lnSpc>
-                  <a:spcBef>
-                    <a:spcPts val="500"/>
-                  </a:spcBef>
-                  <a:buFont typeface="Arial" panose="020B0604020202020204" pitchFamily="34" charset="0"/>
-                  <a:buNone/>
-                  <a:defRPr sz="2400" i="1" kern="1200">
-                    <a:solidFill>
-                      <a:schemeClr val="bg1"/>
-                    </a:solidFill>
-                    <a:latin typeface="+mn-lt"/>
-                    <a:ea typeface="+mn-ea"/>
-                    <a:cs typeface="+mn-cs"/>
-                  </a:defRPr>
-                </a:lvl2pPr>
-                <a:lvl3pPr marL="914400" indent="0" algn="ctr" defTabSz="914400" rtl="0" eaLnBrk="1" latinLnBrk="0" hangingPunct="1">
-                  <a:lnSpc>
-                    <a:spcPct val="90000"/>
-                  </a:lnSpc>
-                  <a:spcBef>
-                    <a:spcPts val="500"/>
-                  </a:spcBef>
-                  <a:buFont typeface="Arial" panose="020B0604020202020204" pitchFamily="34" charset="0"/>
-                  <a:buNone/>
-                  <a:defRPr sz="2000" i="1" kern="1200">
-                    <a:solidFill>
-                      <a:schemeClr val="bg1"/>
-                    </a:solidFill>
-                    <a:latin typeface="+mn-lt"/>
-                    <a:ea typeface="+mn-ea"/>
-                    <a:cs typeface="+mn-cs"/>
-                  </a:defRPr>
-                </a:lvl3pPr>
-                <a:lvl4pPr marL="1371600" indent="0" algn="ctr" defTabSz="914400" rtl="0" eaLnBrk="1" latinLnBrk="0" hangingPunct="1">
-                  <a:lnSpc>
-                    <a:spcPct val="90000"/>
-                  </a:lnSpc>
-                  <a:spcBef>
-                    <a:spcPts val="500"/>
-                  </a:spcBef>
-                  <a:buFont typeface="Arial" panose="020B0604020202020204" pitchFamily="34" charset="0"/>
-                  <a:buNone/>
-                  <a:defRPr sz="1800" i="1" kern="1200">
-                    <a:solidFill>
-                      <a:schemeClr val="bg1"/>
-                    </a:solidFill>
-                    <a:latin typeface="+mn-lt"/>
-                    <a:ea typeface="+mn-ea"/>
-                    <a:cs typeface="+mn-cs"/>
-                  </a:defRPr>
-                </a:lvl4pPr>
-                <a:lvl5pPr marL="1828800" indent="0" algn="ctr" defTabSz="914400" rtl="0" eaLnBrk="1" latinLnBrk="0" hangingPunct="1">
-                  <a:lnSpc>
-                    <a:spcPct val="90000"/>
-                  </a:lnSpc>
-                  <a:spcBef>
-                    <a:spcPts val="500"/>
-                  </a:spcBef>
-                  <a:buFont typeface="Arial" panose="020B0604020202020204" pitchFamily="34" charset="0"/>
-                  <a:buNone/>
-                  <a:defRPr sz="1800" i="1" kern="1200">
-                    <a:solidFill>
-                      <a:schemeClr val="bg1"/>
-                    </a:solidFill>
-                    <a:latin typeface="+mn-lt"/>
-                    <a:ea typeface="+mn-ea"/>
-                    <a:cs typeface="+mn-cs"/>
-                  </a:defRPr>
-                </a:lvl5pPr>
-                <a:lvl6pPr marL="2514600" indent="-228600" algn="l" defTabSz="914400" rtl="0" eaLnBrk="1" latinLnBrk="0" hangingPunct="1">
-                  <a:lnSpc>
-                    <a:spcPct val="90000"/>
-                  </a:lnSpc>
-                  <a:spcBef>
-                    <a:spcPts val="500"/>
-                  </a:spcBef>
-                  <a:buFont typeface="Arial" panose="020B0604020202020204" pitchFamily="34" charset="0"/>
-                  <a:buChar char="•"/>
-                  <a:defRPr sz="1800" kern="1200">
-                    <a:solidFill>
-                      <a:schemeClr val="tx1"/>
-                    </a:solidFill>
-                    <a:latin typeface="+mn-lt"/>
-                    <a:ea typeface="+mn-ea"/>
-                    <a:cs typeface="+mn-cs"/>
-                  </a:defRPr>
-                </a:lvl6pPr>
-                <a:lvl7pPr marL="2971800" indent="-228600" algn="l" defTabSz="914400" rtl="0" eaLnBrk="1" latinLnBrk="0" hangingPunct="1">
-                  <a:lnSpc>
-                    <a:spcPct val="90000"/>
-                  </a:lnSpc>
-                  <a:spcBef>
-                    <a:spcPts val="500"/>
-                  </a:spcBef>
-                  <a:buFont typeface="Arial" panose="020B0604020202020204" pitchFamily="34" charset="0"/>
-                  <a:buChar char="•"/>
-                  <a:defRPr sz="1800" kern="1200">
-                    <a:solidFill>
-                      <a:schemeClr val="tx1"/>
-                    </a:solidFill>
-                    <a:latin typeface="+mn-lt"/>
-                    <a:ea typeface="+mn-ea"/>
-                    <a:cs typeface="+mn-cs"/>
-                  </a:defRPr>
-                </a:lvl7pPr>
-                <a:lvl8pPr marL="3429000" indent="-228600" algn="l" defTabSz="914400" rtl="0" eaLnBrk="1" latinLnBrk="0" hangingPunct="1">
-                  <a:lnSpc>
-                    <a:spcPct val="90000"/>
-                  </a:lnSpc>
-                  <a:spcBef>
-                    <a:spcPts val="500"/>
-                  </a:spcBef>
-                  <a:buFont typeface="Arial" panose="020B0604020202020204" pitchFamily="34" charset="0"/>
-                  <a:buChar char="•"/>
-                  <a:defRPr sz="1800" kern="1200">
-                    <a:solidFill>
-                      <a:schemeClr val="tx1"/>
-                    </a:solidFill>
-                    <a:latin typeface="+mn-lt"/>
-                    <a:ea typeface="+mn-ea"/>
-                    <a:cs typeface="+mn-cs"/>
-                  </a:defRPr>
-                </a:lvl8pPr>
-                <a:lvl9pPr marL="3886200" indent="-228600" algn="l" defTabSz="914400" rtl="0" eaLnBrk="1" latinLnBrk="0" hangingPunct="1">
-                  <a:lnSpc>
-                    <a:spcPct val="90000"/>
-                  </a:lnSpc>
-                  <a:spcBef>
-                    <a:spcPts val="500"/>
-                  </a:spcBef>
-                  <a:buFont typeface="Arial" panose="020B0604020202020204" pitchFamily="34" charset="0"/>
-                  <a:buChar char="•"/>
-                  <a:defRPr sz="1800" kern="1200">
-                    <a:solidFill>
-                      <a:schemeClr val="tx1"/>
-                    </a:solidFill>
-                    <a:latin typeface="+mn-lt"/>
-                    <a:ea typeface="+mn-ea"/>
-                    <a:cs typeface="+mn-cs"/>
-                  </a:defRPr>
-                </a:lvl9pPr>
-              </a:lstStyle>
-              <a:p>
-                <a:pPr algn="l"/>
-                <a:endParaRPr lang="en-US" i="0" dirty="0"/>
-              </a:p>
-            </p:txBody>
-          </p:sp>
-        </p:grpSp>
-        <p:sp>
-          <p:nvSpPr>
-            <p:cNvPr id="7" name="Rectangle 6"/>
-            <p:cNvSpPr/>
-            <p:nvPr/>
-          </p:nvSpPr>
-          <p:spPr>
-            <a:xfrm>
-              <a:off x="0" y="2783545"/>
-              <a:ext cx="12192000" cy="2664767"/>
-            </a:xfrm>
-            <a:prstGeom prst="rect">
-              <a:avLst/>
-            </a:prstGeom>
-            <a:noFill/>
-            <a:ln>
-              <a:noFill/>
-            </a:ln>
-          </p:spPr>
-          <p:style>
-            <a:lnRef idx="2">
-              <a:schemeClr val="accent1">
-                <a:shade val="50000"/>
-              </a:schemeClr>
-            </a:lnRef>
-            <a:fillRef idx="1">
-              <a:schemeClr val="accent1"/>
-            </a:fillRef>
-            <a:effectRef idx="0">
-              <a:schemeClr val="accent1"/>
-            </a:effectRef>
-            <a:fontRef idx="minor">
-              <a:schemeClr val="lt1"/>
-            </a:fontRef>
-          </p:style>
-          <p:txBody>
-            <a:bodyPr rtlCol="0" anchor="ctr"/>
-            <a:lstStyle/>
-            <a:p>
-              <a:pPr marL="1371600" lvl="2" indent="-457200">
-                <a:buFont typeface="Wingdings" charset="2"/>
-                <a:buChar char="§"/>
-              </a:pPr>
-              <a:r>
-                <a:rPr lang="en-US" sz="2800" dirty="0" smtClean="0">
-                  <a:solidFill>
-                    <a:srgbClr val="000000"/>
-                  </a:solidFill>
-                </a:rPr>
-                <a:t>The </a:t>
-              </a:r>
-              <a:r>
-                <a:rPr lang="en-US" sz="2800" dirty="0">
-                  <a:solidFill>
-                    <a:srgbClr val="000000"/>
-                  </a:solidFill>
-                </a:rPr>
-                <a:t>previous code example can be applied to one server or to </a:t>
-              </a:r>
-              <a:r>
-                <a:rPr lang="en-US" sz="2800" dirty="0" smtClean="0">
-                  <a:solidFill>
-                    <a:srgbClr val="000000"/>
-                  </a:solidFill>
-                </a:rPr>
-                <a:t>ten</a:t>
-              </a:r>
-              <a:r>
-                <a:rPr lang="en-US" sz="2800" dirty="0">
-                  <a:solidFill>
-                    <a:srgbClr val="000000"/>
-                  </a:solidFill>
-                </a:rPr>
-                <a:t>-thousand servers </a:t>
-              </a:r>
-            </a:p>
-            <a:p>
-              <a:pPr marL="1371600" lvl="2" indent="-457200">
-                <a:buFont typeface="Wingdings" charset="2"/>
-                <a:buChar char="§"/>
-              </a:pPr>
-              <a:r>
-                <a:rPr lang="en-US" sz="2800" dirty="0" smtClean="0">
-                  <a:solidFill>
-                    <a:srgbClr val="000000"/>
-                  </a:solidFill>
-                </a:rPr>
-                <a:t>The </a:t>
-              </a:r>
-              <a:r>
-                <a:rPr lang="en-US" sz="2800" dirty="0">
-                  <a:solidFill>
-                    <a:srgbClr val="000000"/>
-                  </a:solidFill>
-                </a:rPr>
-                <a:t>end result will be that each server is configured identically, </a:t>
-              </a:r>
-              <a:r>
-                <a:rPr lang="en-US" sz="2800" dirty="0" smtClean="0">
-                  <a:solidFill>
-                    <a:srgbClr val="000000"/>
-                  </a:solidFill>
-                </a:rPr>
-                <a:t>as specified </a:t>
-              </a:r>
-              <a:r>
-                <a:rPr lang="en-US" sz="2800" dirty="0">
-                  <a:solidFill>
-                    <a:srgbClr val="000000"/>
-                  </a:solidFill>
-                </a:rPr>
-                <a:t>in the </a:t>
-              </a:r>
-              <a:r>
-                <a:rPr lang="en-US" sz="2800" dirty="0" smtClean="0">
-                  <a:solidFill>
-                    <a:srgbClr val="000000"/>
-                  </a:solidFill>
-                </a:rPr>
-                <a:t>script</a:t>
-              </a:r>
-              <a:endParaRPr lang="en-US" sz="2800" dirty="0">
-                <a:solidFill>
-                  <a:srgbClr val="000000"/>
-                </a:solidFill>
-              </a:endParaRPr>
-            </a:p>
-          </p:txBody>
-        </p:sp>
-      </p:grpSp>
-    </p:spTree>
-    <p:extLst>
-      <p:ext uri="{BB962C8B-B14F-4D97-AF65-F5344CB8AC3E}">
-        <p14:creationId xmlns:p14="http://schemas.microsoft.com/office/powerpoint/2010/main" val="2020878817"/>
-      </p:ext>
-    </p:extLst>
-  </p:cSld>
-  <p:clrMapOvr>
-    <a:masterClrMapping/>
-  </p:clrMapOvr>
-  <p:timing>
-    <p:tnLst>
-      <p:par>
-        <p:cTn xmlns:p14="http://schemas.microsoft.com/office/powerpoint/2010/main" id="1" dur="indefinite" restart="never" nodeType="tmRoot"/>
-      </p:par>
-    </p:tnLst>
-  </p:timing>
-</p:sld>
-</file>
-
-<file path=ppt/slides/slide11.xml><?xml version="1.0" encoding="utf-8"?>
 <p:sld xmlns:a="http://schemas.openxmlformats.org/drawingml/2006/main" xmlns:r="http://schemas.openxmlformats.org/officeDocument/2006/relationships" xmlns:p="http://schemas.openxmlformats.org/presentationml/2006/main">
   <p:cSld>
     <p:spTree>
@@ -12704,6 +11970,197 @@
 </p:sld>
 </file>
 
+<file path=ppt/slides/slide11.xml><?xml version="1.0" encoding="utf-8"?>
+<p:sld xmlns:a="http://schemas.openxmlformats.org/drawingml/2006/main" xmlns:r="http://schemas.openxmlformats.org/officeDocument/2006/relationships" xmlns:p="http://schemas.openxmlformats.org/presentationml/2006/main">
+  <p:cSld>
+    <p:spTree>
+      <p:nvGrpSpPr>
+        <p:cNvPr id="1" name=""/>
+        <p:cNvGrpSpPr/>
+        <p:nvPr/>
+      </p:nvGrpSpPr>
+      <p:grpSpPr>
+        <a:xfrm>
+          <a:off x="0" y="0"/>
+          <a:ext cx="0" cy="0"/>
+          <a:chOff x="0" y="0"/>
+          <a:chExt cx="0" cy="0"/>
+        </a:xfrm>
+      </p:grpSpPr>
+      <p:sp>
+        <p:nvSpPr>
+          <p:cNvPr id="2" name="Title 1"/>
+          <p:cNvSpPr>
+            <a:spLocks noGrp="1"/>
+          </p:cNvSpPr>
+          <p:nvPr>
+            <p:ph type="title"/>
+          </p:nvPr>
+        </p:nvSpPr>
+        <p:spPr/>
+        <p:txBody>
+          <a:bodyPr>
+            <a:normAutofit fontScale="90000"/>
+          </a:bodyPr>
+          <a:lstStyle/>
+          <a:p>
+            <a:r>
+              <a:rPr lang="en-US" sz="4800" dirty="0" smtClean="0"/>
+              <a:t>Example 1: Variables For A Web Server</a:t>
+            </a:r>
+            <a:endParaRPr lang="en-US" sz="4800" dirty="0"/>
+          </a:p>
+        </p:txBody>
+      </p:sp>
+      <p:sp>
+        <p:nvSpPr>
+          <p:cNvPr id="3" name="Content Placeholder 2"/>
+          <p:cNvSpPr>
+            <a:spLocks noGrp="1"/>
+          </p:cNvSpPr>
+          <p:nvPr>
+            <p:ph idx="1"/>
+          </p:nvPr>
+        </p:nvSpPr>
+        <p:spPr/>
+        <p:txBody>
+          <a:bodyPr/>
+          <a:lstStyle/>
+          <a:p>
+            <a:r>
+              <a:rPr lang="en-US" dirty="0"/>
+              <a:t>#set the variable</a:t>
+            </a:r>
+          </a:p>
+          <a:p>
+            <a:r>
+              <a:rPr lang="en-US" b="1" i="1" dirty="0" err="1"/>
+              <a:t>software_app</a:t>
+            </a:r>
+            <a:r>
+              <a:rPr lang="en-US" b="1" dirty="0"/>
+              <a:t> </a:t>
+            </a:r>
+            <a:r>
+              <a:rPr lang="en-US" dirty="0"/>
+              <a:t>= “</a:t>
+            </a:r>
+            <a:r>
+              <a:rPr lang="en-US" dirty="0" err="1"/>
+              <a:t>httpd</a:t>
+            </a:r>
+            <a:r>
+              <a:rPr lang="en-US" dirty="0"/>
+              <a:t>”</a:t>
+            </a:r>
+          </a:p>
+          <a:p>
+            <a:endParaRPr lang="en-US" dirty="0"/>
+          </a:p>
+          <a:p>
+            <a:r>
+              <a:rPr lang="en-US" dirty="0"/>
+              <a:t>#use the variable</a:t>
+            </a:r>
+          </a:p>
+          <a:p>
+            <a:r>
+              <a:rPr lang="en-US" dirty="0"/>
+              <a:t>package </a:t>
+            </a:r>
+            <a:r>
+              <a:rPr lang="en-US" b="1" i="1" dirty="0" err="1"/>
+              <a:t>software_app</a:t>
+            </a:r>
+            <a:r>
+              <a:rPr lang="en-US" b="1" dirty="0"/>
+              <a:t> </a:t>
+            </a:r>
+            <a:r>
+              <a:rPr lang="en-US" dirty="0"/>
+              <a:t>do</a:t>
+            </a:r>
+          </a:p>
+          <a:p>
+            <a:r>
+              <a:rPr lang="en-US" dirty="0"/>
+              <a:t>  action :install</a:t>
+            </a:r>
+          </a:p>
+          <a:p>
+            <a:r>
+              <a:rPr lang="en-US" dirty="0"/>
+              <a:t>end</a:t>
+            </a:r>
+          </a:p>
+          <a:p>
+            <a:endParaRPr lang="en-US" dirty="0"/>
+          </a:p>
+          <a:p>
+            <a:r>
+              <a:rPr lang="en-US" dirty="0"/>
+              <a:t>#this will resolve ‘</a:t>
+            </a:r>
+            <a:r>
+              <a:rPr lang="en-US" i="1" dirty="0" err="1"/>
+              <a:t>software_app</a:t>
+            </a:r>
+            <a:r>
+              <a:rPr lang="en-US" dirty="0"/>
+              <a:t>’ into ‘</a:t>
+            </a:r>
+            <a:r>
+              <a:rPr lang="en-US" dirty="0" err="1"/>
+              <a:t>httpd</a:t>
+            </a:r>
+            <a:r>
+              <a:rPr lang="en-US" dirty="0"/>
+              <a:t>’ with the result of </a:t>
+            </a:r>
+            <a:br>
+              <a:rPr lang="en-US" dirty="0"/>
+            </a:br>
+            <a:r>
+              <a:rPr lang="en-US" dirty="0"/>
+              <a:t>#</a:t>
+            </a:r>
+            <a:r>
+              <a:rPr lang="en-US" dirty="0" err="1"/>
+              <a:t>httpd</a:t>
+            </a:r>
+            <a:r>
+              <a:rPr lang="en-US" dirty="0"/>
+              <a:t> (apache) being installed</a:t>
+            </a:r>
+          </a:p>
+          <a:p>
+            <a:endParaRPr lang="en-US" dirty="0"/>
+          </a:p>
+          <a:p>
+            <a:endParaRPr lang="en-US" dirty="0"/>
+          </a:p>
+        </p:txBody>
+      </p:sp>
+    </p:spTree>
+    <p:extLst>
+      <p:ext uri="{BB962C8B-B14F-4D97-AF65-F5344CB8AC3E}">
+        <p14:creationId xmlns:p14="http://schemas.microsoft.com/office/powerpoint/2010/main" val="2146437590"/>
+      </p:ext>
+    </p:extLst>
+  </p:cSld>
+  <p:clrMapOvr>
+    <a:masterClrMapping/>
+  </p:clrMapOvr>
+  <p:timing>
+    <p:tnLst>
+      <p:par>
+        <p:cTn xmlns:p14="http://schemas.microsoft.com/office/powerpoint/2010/main" id="1" dur="indefinite" restart="never" nodeType="tmRoot"/>
+      </p:par>
+    </p:tnLst>
+  </p:timing>
+</p:sld>
+</file>
+
 <file path=ppt/slides/slide12.xml><?xml version="1.0" encoding="utf-8"?>
 <p:sld xmlns:a="http://schemas.openxmlformats.org/drawingml/2006/main" xmlns:r="http://schemas.openxmlformats.org/officeDocument/2006/relationships" xmlns:p="http://schemas.openxmlformats.org/presentationml/2006/main">
   <p:cSld>
@@ -12740,7 +12197,7 @@
           <a:p>
             <a:r>
               <a:rPr lang="en-US" sz="4800" dirty="0" smtClean="0"/>
-              <a:t>Example 1: Variables For A Web Server</a:t>
+              <a:t>Example 2: Variables For A Database</a:t>
             </a:r>
             <a:endParaRPr lang="en-US" sz="4800" dirty="0"/>
           </a:p>
@@ -12763,114 +12220,51 @@
           <a:p>
             <a:r>
               <a:rPr lang="en-US" dirty="0"/>
-              <a:t>#set the variable</a:t>
-            </a:r>
-          </a:p>
-          <a:p>
-            <a:r>
-              <a:rPr lang="en-US" b="1" i="1" dirty="0" err="1"/>
-              <a:t>software_app</a:t>
-            </a:r>
-            <a:r>
-              <a:rPr lang="en-US" b="1" dirty="0"/>
-              <a:t> </a:t>
+              <a:t>#first we set the variables in a </a:t>
+            </a:r>
+            <a:r>
+              <a:rPr lang="en-US" dirty="0" err="1"/>
+              <a:t>config</a:t>
             </a:r>
             <a:r>
               <a:rPr lang="en-US" dirty="0"/>
-              <a:t>= “</a:t>
-            </a:r>
-            <a:r>
-              <a:rPr lang="en-US" dirty="0" err="1"/>
-              <a:t>httpd</a:t>
-            </a:r>
+              <a:t> management variable file</a:t>
+            </a:r>
+          </a:p>
+          <a:p>
             <a:r>
               <a:rPr lang="en-US" dirty="0"/>
-              <a:t>”</a:t>
-            </a:r>
-          </a:p>
-          <a:p>
-            <a:endParaRPr lang="en-US" dirty="0"/>
-          </a:p>
-          <a:p>
-            <a:r>
-              <a:rPr lang="en-US" dirty="0"/>
-              <a:t>#use the variable</a:t>
-            </a:r>
-          </a:p>
-          <a:p>
-            <a:r>
-              <a:rPr lang="en-US" dirty="0"/>
-              <a:t>package </a:t>
-            </a:r>
-            <a:r>
-              <a:rPr lang="en-US" b="1" i="1" dirty="0" err="1"/>
-              <a:t>software_app</a:t>
-            </a:r>
-            <a:r>
-              <a:rPr lang="en-US" b="1" dirty="0"/>
-              <a:t> </a:t>
-            </a:r>
-            <a:r>
-              <a:rPr lang="en-US" dirty="0"/>
-              <a:t>do</a:t>
-            </a:r>
-          </a:p>
-          <a:p>
-            <a:r>
-              <a:rPr lang="en-US" dirty="0"/>
-              <a:t>  action :install</a:t>
-            </a:r>
-          </a:p>
-          <a:p>
-            <a:r>
-              <a:rPr lang="en-US" dirty="0"/>
-              <a:t>end</a:t>
-            </a:r>
-          </a:p>
-          <a:p>
-            <a:endParaRPr lang="en-US" dirty="0"/>
-          </a:p>
-          <a:p>
-            <a:r>
-              <a:rPr lang="en-US" dirty="0"/>
-              <a:t>#this will resolve ‘</a:t>
-            </a:r>
-            <a:r>
-              <a:rPr lang="en-US" i="1" dirty="0" err="1"/>
-              <a:t>software_app</a:t>
-            </a:r>
-            <a:r>
-              <a:rPr lang="en-US" dirty="0"/>
-              <a:t>’ into ‘</a:t>
-            </a:r>
-            <a:r>
-              <a:rPr lang="en-US" dirty="0" err="1"/>
-              <a:t>httpd</a:t>
-            </a:r>
-            <a:r>
-              <a:rPr lang="en-US" dirty="0"/>
-              <a:t>’ with the result of </a:t>
+              <a:t/>
             </a:r>
             <a:br>
               <a:rPr lang="en-US" dirty="0"/>
             </a:br>
             <a:r>
               <a:rPr lang="en-US" dirty="0"/>
-              <a:t>#</a:t>
+              <a:t>[“database”][“user”] = “</a:t>
             </a:r>
             <a:r>
               <a:rPr lang="en-US" dirty="0" err="1"/>
-              <a:t>httpd</a:t>
+              <a:t>myDBuser</a:t>
             </a:r>
             <a:r>
               <a:rPr lang="en-US" dirty="0"/>
-              <a:t> (apache) being installed</a:t>
-            </a:r>
-          </a:p>
-          <a:p>
-            <a:endParaRPr lang="en-US" dirty="0"/>
-          </a:p>
-          <a:p>
+              <a:t>”</a:t>
+            </a:r>
+          </a:p>
+          <a:p>
+            <a:r>
+              <a:rPr lang="en-US" dirty="0"/>
+              <a:t>[“database”][“password”] = “</a:t>
+            </a:r>
+            <a:r>
+              <a:rPr lang="en-US" dirty="0" err="1"/>
+              <a:t>myDBpasswd</a:t>
+            </a:r>
+            <a:r>
+              <a:rPr lang="en-US" dirty="0" smtClean="0"/>
+              <a:t>”</a:t>
+            </a:r>
             <a:endParaRPr lang="en-US" dirty="0"/>
           </a:p>
         </p:txBody>
@@ -12878,7 +12272,7 @@
     </p:spTree>
     <p:extLst>
       <p:ext uri="{BB962C8B-B14F-4D97-AF65-F5344CB8AC3E}">
-        <p14:creationId xmlns:p14="http://schemas.microsoft.com/office/powerpoint/2010/main" val="2146437590"/>
+        <p14:creationId xmlns:p14="http://schemas.microsoft.com/office/powerpoint/2010/main" val="2719078522"/>
       </p:ext>
     </p:extLst>
   </p:cSld>
@@ -12954,134 +12348,6 @@
           <a:p>
             <a:r>
               <a:rPr lang="en-US" dirty="0"/>
-              <a:t>#first we set the variables in a </a:t>
-            </a:r>
-            <a:r>
-              <a:rPr lang="en-US" dirty="0" err="1"/>
-              <a:t>config</a:t>
-            </a:r>
-            <a:r>
-              <a:rPr lang="en-US" dirty="0"/>
-              <a:t> management variable file</a:t>
-            </a:r>
-          </a:p>
-          <a:p>
-            <a:r>
-              <a:rPr lang="en-US" dirty="0"/>
-              <a:t/>
-            </a:r>
-            <a:br>
-              <a:rPr lang="en-US" dirty="0"/>
-            </a:br>
-            <a:r>
-              <a:rPr lang="en-US" dirty="0"/>
-              <a:t>[“database”][“user”] = “</a:t>
-            </a:r>
-            <a:r>
-              <a:rPr lang="en-US" dirty="0" err="1"/>
-              <a:t>myDBuser</a:t>
-            </a:r>
-            <a:r>
-              <a:rPr lang="en-US" dirty="0"/>
-              <a:t>”</a:t>
-            </a:r>
-          </a:p>
-          <a:p>
-            <a:r>
-              <a:rPr lang="en-US" dirty="0"/>
-              <a:t>[“database”][“password”] = “</a:t>
-            </a:r>
-            <a:r>
-              <a:rPr lang="en-US" dirty="0" err="1"/>
-              <a:t>myDBpasswd</a:t>
-            </a:r>
-            <a:r>
-              <a:rPr lang="en-US" dirty="0" smtClean="0"/>
-              <a:t>”</a:t>
-            </a:r>
-            <a:endParaRPr lang="en-US" dirty="0"/>
-          </a:p>
-        </p:txBody>
-      </p:sp>
-    </p:spTree>
-    <p:extLst>
-      <p:ext uri="{BB962C8B-B14F-4D97-AF65-F5344CB8AC3E}">
-        <p14:creationId xmlns:p14="http://schemas.microsoft.com/office/powerpoint/2010/main" val="2719078522"/>
-      </p:ext>
-    </p:extLst>
-  </p:cSld>
-  <p:clrMapOvr>
-    <a:masterClrMapping/>
-  </p:clrMapOvr>
-  <p:timing>
-    <p:tnLst>
-      <p:par>
-        <p:cTn xmlns:p14="http://schemas.microsoft.com/office/powerpoint/2010/main" id="1" dur="indefinite" restart="never" nodeType="tmRoot"/>
-      </p:par>
-    </p:tnLst>
-  </p:timing>
-</p:sld>
-</file>
-
-<file path=ppt/slides/slide14.xml><?xml version="1.0" encoding="utf-8"?>
-<p:sld xmlns:a="http://schemas.openxmlformats.org/drawingml/2006/main" xmlns:r="http://schemas.openxmlformats.org/officeDocument/2006/relationships" xmlns:p="http://schemas.openxmlformats.org/presentationml/2006/main">
-  <p:cSld>
-    <p:spTree>
-      <p:nvGrpSpPr>
-        <p:cNvPr id="1" name=""/>
-        <p:cNvGrpSpPr/>
-        <p:nvPr/>
-      </p:nvGrpSpPr>
-      <p:grpSpPr>
-        <a:xfrm>
-          <a:off x="0" y="0"/>
-          <a:ext cx="0" cy="0"/>
-          <a:chOff x="0" y="0"/>
-          <a:chExt cx="0" cy="0"/>
-        </a:xfrm>
-      </p:grpSpPr>
-      <p:sp>
-        <p:nvSpPr>
-          <p:cNvPr id="2" name="Title 1"/>
-          <p:cNvSpPr>
-            <a:spLocks noGrp="1"/>
-          </p:cNvSpPr>
-          <p:nvPr>
-            <p:ph type="title"/>
-          </p:nvPr>
-        </p:nvSpPr>
-        <p:spPr/>
-        <p:txBody>
-          <a:bodyPr>
-            <a:normAutofit fontScale="90000"/>
-          </a:bodyPr>
-          <a:lstStyle/>
-          <a:p>
-            <a:r>
-              <a:rPr lang="en-US" sz="4800" dirty="0" smtClean="0"/>
-              <a:t>Example 2: Variables For A Database</a:t>
-            </a:r>
-            <a:endParaRPr lang="en-US" sz="4800" dirty="0"/>
-          </a:p>
-        </p:txBody>
-      </p:sp>
-      <p:sp>
-        <p:nvSpPr>
-          <p:cNvPr id="3" name="Content Placeholder 2"/>
-          <p:cNvSpPr>
-            <a:spLocks noGrp="1"/>
-          </p:cNvSpPr>
-          <p:nvPr>
-            <p:ph idx="1"/>
-          </p:nvPr>
-        </p:nvSpPr>
-        <p:spPr/>
-        <p:txBody>
-          <a:bodyPr/>
-          <a:lstStyle/>
-          <a:p>
-            <a:r>
-              <a:rPr lang="en-US" dirty="0"/>
               <a:t>#next, we use the variables when configuring the database</a:t>
             </a:r>
             <a:br>
@@ -13178,7 +12444,7 @@
 </p:sld>
 </file>
 
-<file path=ppt/slides/slide15.xml><?xml version="1.0" encoding="utf-8"?>
+<file path=ppt/slides/slide14.xml><?xml version="1.0" encoding="utf-8"?>
 <p:sld xmlns:a="http://schemas.openxmlformats.org/drawingml/2006/main" xmlns:r="http://schemas.openxmlformats.org/officeDocument/2006/relationships" xmlns:p="http://schemas.openxmlformats.org/presentationml/2006/main">
   <p:cSld>
     <p:spTree>
@@ -13673,7 +12939,7 @@
 </p:sld>
 </file>
 
-<file path=ppt/slides/slide16.xml><?xml version="1.0" encoding="utf-8"?>
+<file path=ppt/slides/slide15.xml><?xml version="1.0" encoding="utf-8"?>
 <p:sld xmlns:a="http://schemas.openxmlformats.org/drawingml/2006/main" xmlns:r="http://schemas.openxmlformats.org/officeDocument/2006/relationships" xmlns:p="http://schemas.openxmlformats.org/presentationml/2006/main">
   <p:cSld>
     <p:spTree>
@@ -13717,8 +12983,8 @@
               <a:t>Power Of </a:t>
             </a:r>
             <a:r>
-              <a:rPr lang="en-US" sz="4400" dirty="0" err="1"/>
-              <a:t>Idempotence</a:t>
+              <a:rPr lang="en-US" sz="4400" dirty="0" err="1" smtClean="0"/>
+              <a:t>Idempotency</a:t>
             </a:r>
             <a:endParaRPr lang="en-US" sz="4400" dirty="0"/>
           </a:p>
@@ -13733,7 +12999,7 @@
         <p:grpSpPr>
           <a:xfrm>
             <a:off x="0" y="1950630"/>
-            <a:ext cx="12192000" cy="3938996"/>
+            <a:ext cx="12192000" cy="4907370"/>
             <a:chOff x="0" y="1950630"/>
             <a:chExt cx="12192000" cy="3569614"/>
           </a:xfrm>
@@ -13812,7 +13078,7 @@
                     </a:solidFill>
                     <a:latin typeface="+mj-lt"/>
                   </a:rPr>
-                  <a:t>Why is </a:t>
+                  <a:t>What is </a:t>
                 </a:r>
                 <a:r>
                   <a:rPr lang="en-US" sz="2800" kern="0" dirty="0" err="1" smtClean="0">
@@ -13821,7 +13087,7 @@
                     </a:solidFill>
                     <a:latin typeface="+mj-lt"/>
                   </a:rPr>
-                  <a:t>idempotence</a:t>
+                  <a:t>idempotency</a:t>
                 </a:r>
                 <a:r>
                   <a:rPr lang="en-US" sz="2800" kern="0" dirty="0" smtClean="0">
@@ -13830,7 +13096,7 @@
                     </a:solidFill>
                     <a:latin typeface="+mj-lt"/>
                   </a:rPr>
-                  <a:t> important?</a:t>
+                  <a:t>?</a:t>
                 </a:r>
                 <a:endParaRPr kumimoji="0" lang="en-US" sz="2800" u="none" strike="noStrike" kern="0" cap="none" spc="0" normalizeH="0" baseline="0" noProof="0" dirty="0">
                   <a:ln>
@@ -14086,23 +13352,7 @@
                     <a:srgbClr val="000000"/>
                   </a:solidFill>
                 </a:rPr>
-                <a:t>If </a:t>
-              </a:r>
-              <a:r>
-                <a:rPr lang="en-US" sz="2800" dirty="0">
-                  <a:solidFill>
-                    <a:srgbClr val="000000"/>
-                  </a:solidFill>
-                </a:rPr>
-                <a:t>an unauthorized or accidental change is made to a server</a:t>
-              </a:r>
-              <a:r>
-                <a:rPr lang="en-US" sz="2800" dirty="0" smtClean="0">
-                  <a:solidFill>
-                    <a:srgbClr val="000000"/>
-                  </a:solidFill>
-                </a:rPr>
-                <a:t>, </a:t>
+                <a:t>In Computer Science, </a:t>
               </a:r>
               <a:r>
                 <a:rPr lang="en-US" sz="2800" dirty="0" err="1" smtClean="0">
@@ -14118,7 +13368,21 @@
                     <a:srgbClr val="000000"/>
                   </a:solidFill>
                 </a:rPr>
-                <a:t> </a:t>
+                <a:t> refers to the ability to run the same script multiple times, with the same result</a:t>
+              </a:r>
+            </a:p>
+            <a:p>
+              <a:pPr marL="1371600" lvl="2" indent="-457200">
+                <a:buFont typeface="Wingdings" charset="2"/>
+                <a:buChar char="§"/>
+              </a:pPr>
+              <a:r>
+                <a:rPr lang="en-US" sz="2800" dirty="0" smtClean="0">
+                  <a:solidFill>
+                    <a:srgbClr val="000000"/>
+                  </a:solidFill>
+                </a:rPr>
+                <a:t>If the </a:t>
               </a:r>
               <a:r>
                 <a:rPr lang="en-US" sz="2800" dirty="0">
@@ -14126,7 +13390,7 @@
                     <a:srgbClr val="000000"/>
                   </a:solidFill>
                 </a:rPr>
-                <a:t>will bring it back into alignment, but if the server </a:t>
+                <a:t>server </a:t>
               </a:r>
               <a:r>
                 <a:rPr lang="en-US" sz="2800" dirty="0" smtClean="0">
@@ -14150,7 +13414,7 @@
                     <a:srgbClr val="000000"/>
                   </a:solidFill>
                 </a:rPr>
-                <a:t>made</a:t>
+                <a:t>made when a configuration is applied</a:t>
               </a:r>
               <a:endParaRPr lang="en-US" sz="2800" dirty="0">
                 <a:solidFill>
@@ -14248,7 +13512,7 @@
 </p:sld>
 </file>
 
-<file path=ppt/slides/slide17.xml><?xml version="1.0" encoding="utf-8"?>
+<file path=ppt/slides/slide16.xml><?xml version="1.0" encoding="utf-8"?>
 <p:sld xmlns:a="http://schemas.openxmlformats.org/drawingml/2006/main" xmlns:r="http://schemas.openxmlformats.org/officeDocument/2006/relationships" xmlns:p="http://schemas.openxmlformats.org/presentationml/2006/main">
   <p:cSld>
     <p:spTree>
@@ -14709,7 +13973,7 @@
 </p:sld>
 </file>
 
-<file path=ppt/slides/slide18.xml><?xml version="1.0" encoding="utf-8"?>
+<file path=ppt/slides/slide17.xml><?xml version="1.0" encoding="utf-8"?>
 <p:sld xmlns:a="http://schemas.openxmlformats.org/drawingml/2006/main" xmlns:r="http://schemas.openxmlformats.org/officeDocument/2006/relationships" xmlns:p="http://schemas.openxmlformats.org/presentationml/2006/main">
   <p:cSld>
     <p:spTree>
@@ -15239,7 +14503,7 @@
 </p:sld>
 </file>
 
-<file path=ppt/slides/slide19.xml><?xml version="1.0" encoding="utf-8"?>
+<file path=ppt/slides/slide18.xml><?xml version="1.0" encoding="utf-8"?>
 <p:sld xmlns:a="http://schemas.openxmlformats.org/drawingml/2006/main" xmlns:r="http://schemas.openxmlformats.org/officeDocument/2006/relationships" xmlns:p="http://schemas.openxmlformats.org/presentationml/2006/main">
   <p:cSld>
     <p:spTree>
@@ -15708,90 +14972,7 @@
 </p:sld>
 </file>
 
-<file path=ppt/slides/slide2.xml><?xml version="1.0" encoding="utf-8"?>
-<p:sld xmlns:a="http://schemas.openxmlformats.org/drawingml/2006/main" xmlns:r="http://schemas.openxmlformats.org/officeDocument/2006/relationships" xmlns:p="http://schemas.openxmlformats.org/presentationml/2006/main">
-  <p:cSld>
-    <p:spTree>
-      <p:nvGrpSpPr>
-        <p:cNvPr id="1" name=""/>
-        <p:cNvGrpSpPr/>
-        <p:nvPr/>
-      </p:nvGrpSpPr>
-      <p:grpSpPr>
-        <a:xfrm>
-          <a:off x="0" y="0"/>
-          <a:ext cx="0" cy="0"/>
-          <a:chOff x="0" y="0"/>
-          <a:chExt cx="0" cy="0"/>
-        </a:xfrm>
-      </p:grpSpPr>
-      <p:sp>
-        <p:nvSpPr>
-          <p:cNvPr id="2" name="Title 1"/>
-          <p:cNvSpPr>
-            <a:spLocks noGrp="1"/>
-          </p:cNvSpPr>
-          <p:nvPr>
-            <p:ph type="title"/>
-          </p:nvPr>
-        </p:nvSpPr>
-        <p:spPr/>
-        <p:txBody>
-          <a:bodyPr/>
-          <a:lstStyle/>
-          <a:p>
-            <a:r>
-              <a:rPr lang="en-US" dirty="0" smtClean="0"/>
-              <a:t>Topics</a:t>
-            </a:r>
-            <a:endParaRPr lang="en-US" dirty="0"/>
-          </a:p>
-        </p:txBody>
-      </p:sp>
-      <p:sp>
-        <p:nvSpPr>
-          <p:cNvPr id="3" name="Content Placeholder 2"/>
-          <p:cNvSpPr>
-            <a:spLocks noGrp="1"/>
-          </p:cNvSpPr>
-          <p:nvPr>
-            <p:ph sz="half" idx="1"/>
-          </p:nvPr>
-        </p:nvSpPr>
-        <p:spPr/>
-        <p:txBody>
-          <a:bodyPr/>
-          <a:lstStyle/>
-          <a:p>
-            <a:r>
-              <a:rPr lang="en-US" dirty="0" smtClean="0"/>
-              <a:t>Configuration Management</a:t>
-            </a:r>
-            <a:endParaRPr lang="en-US" dirty="0"/>
-          </a:p>
-        </p:txBody>
-      </p:sp>
-    </p:spTree>
-    <p:extLst>
-      <p:ext uri="{BB962C8B-B14F-4D97-AF65-F5344CB8AC3E}">
-        <p14:creationId xmlns:p14="http://schemas.microsoft.com/office/powerpoint/2010/main" val="726558530"/>
-      </p:ext>
-    </p:extLst>
-  </p:cSld>
-  <p:clrMapOvr>
-    <a:masterClrMapping/>
-  </p:clrMapOvr>
-  <p:timing>
-    <p:tnLst>
-      <p:par>
-        <p:cTn xmlns:p14="http://schemas.microsoft.com/office/powerpoint/2010/main" id="1" dur="indefinite" restart="never" nodeType="tmRoot"/>
-      </p:par>
-    </p:tnLst>
-  </p:timing>
-</p:sld>
-</file>
-
-<file path=ppt/slides/slide20.xml><?xml version="1.0" encoding="utf-8"?>
+<file path=ppt/slides/slide19.xml><?xml version="1.0" encoding="utf-8"?>
 <p:sld xmlns:a="http://schemas.openxmlformats.org/drawingml/2006/main" xmlns:r="http://schemas.openxmlformats.org/officeDocument/2006/relationships" xmlns:p="http://schemas.openxmlformats.org/presentationml/2006/main">
   <p:cSld>
     <p:spTree>
@@ -16255,7 +15436,90 @@
 </p:sld>
 </file>
 
-<file path=ppt/slides/slide21.xml><?xml version="1.0" encoding="utf-8"?>
+<file path=ppt/slides/slide2.xml><?xml version="1.0" encoding="utf-8"?>
+<p:sld xmlns:a="http://schemas.openxmlformats.org/drawingml/2006/main" xmlns:r="http://schemas.openxmlformats.org/officeDocument/2006/relationships" xmlns:p="http://schemas.openxmlformats.org/presentationml/2006/main">
+  <p:cSld>
+    <p:spTree>
+      <p:nvGrpSpPr>
+        <p:cNvPr id="1" name=""/>
+        <p:cNvGrpSpPr/>
+        <p:nvPr/>
+      </p:nvGrpSpPr>
+      <p:grpSpPr>
+        <a:xfrm>
+          <a:off x="0" y="0"/>
+          <a:ext cx="0" cy="0"/>
+          <a:chOff x="0" y="0"/>
+          <a:chExt cx="0" cy="0"/>
+        </a:xfrm>
+      </p:grpSpPr>
+      <p:sp>
+        <p:nvSpPr>
+          <p:cNvPr id="2" name="Title 1"/>
+          <p:cNvSpPr>
+            <a:spLocks noGrp="1"/>
+          </p:cNvSpPr>
+          <p:nvPr>
+            <p:ph type="title"/>
+          </p:nvPr>
+        </p:nvSpPr>
+        <p:spPr/>
+        <p:txBody>
+          <a:bodyPr/>
+          <a:lstStyle/>
+          <a:p>
+            <a:r>
+              <a:rPr lang="en-US" dirty="0" smtClean="0"/>
+              <a:t>Topics</a:t>
+            </a:r>
+            <a:endParaRPr lang="en-US" dirty="0"/>
+          </a:p>
+        </p:txBody>
+      </p:sp>
+      <p:sp>
+        <p:nvSpPr>
+          <p:cNvPr id="3" name="Content Placeholder 2"/>
+          <p:cNvSpPr>
+            <a:spLocks noGrp="1"/>
+          </p:cNvSpPr>
+          <p:nvPr>
+            <p:ph sz="half" idx="1"/>
+          </p:nvPr>
+        </p:nvSpPr>
+        <p:spPr/>
+        <p:txBody>
+          <a:bodyPr/>
+          <a:lstStyle/>
+          <a:p>
+            <a:r>
+              <a:rPr lang="en-US" dirty="0" smtClean="0"/>
+              <a:t>Configuration Management</a:t>
+            </a:r>
+            <a:endParaRPr lang="en-US" dirty="0"/>
+          </a:p>
+        </p:txBody>
+      </p:sp>
+    </p:spTree>
+    <p:extLst>
+      <p:ext uri="{BB962C8B-B14F-4D97-AF65-F5344CB8AC3E}">
+        <p14:creationId xmlns:p14="http://schemas.microsoft.com/office/powerpoint/2010/main" val="726558530"/>
+      </p:ext>
+    </p:extLst>
+  </p:cSld>
+  <p:clrMapOvr>
+    <a:masterClrMapping/>
+  </p:clrMapOvr>
+  <p:timing>
+    <p:tnLst>
+      <p:par>
+        <p:cTn xmlns:p14="http://schemas.microsoft.com/office/powerpoint/2010/main" id="1" dur="indefinite" restart="never" nodeType="tmRoot"/>
+      </p:par>
+    </p:tnLst>
+  </p:timing>
+</p:sld>
+</file>
+
+<file path=ppt/slides/slide20.xml><?xml version="1.0" encoding="utf-8"?>
 <p:sld xmlns:a="http://schemas.openxmlformats.org/drawingml/2006/main" xmlns:r="http://schemas.openxmlformats.org/officeDocument/2006/relationships" xmlns:p="http://schemas.openxmlformats.org/presentationml/2006/main">
   <p:cSld>
     <p:spTree>
@@ -16660,21 +15924,8 @@
                     <a:srgbClr val="000000"/>
                   </a:solidFill>
                 </a:rPr>
-                <a:t>Large community providing many </a:t>
+                <a:t>Large community providing many resources</a:t>
               </a:r>
-              <a:r>
-                <a:rPr lang="en-US" sz="2800" dirty="0" smtClean="0">
-                  <a:solidFill>
-                    <a:srgbClr val="000000"/>
-                  </a:solidFill>
-                </a:rPr>
-                <a:t>resources</a:t>
-              </a:r>
-              <a:endParaRPr lang="en-US" sz="2800" dirty="0" smtClean="0">
-                <a:solidFill>
-                  <a:srgbClr val="000000"/>
-                </a:solidFill>
-              </a:endParaRPr>
             </a:p>
             <a:p>
               <a:pPr marL="1371600" lvl="2" indent="-457200">
@@ -16713,7 +15964,7 @@
 </p:sld>
 </file>
 
-<file path=ppt/slides/slide22.xml><?xml version="1.0" encoding="utf-8"?>
+<file path=ppt/slides/slide21.xml><?xml version="1.0" encoding="utf-8"?>
 <p:sld xmlns:a="http://schemas.openxmlformats.org/drawingml/2006/main" xmlns:r="http://schemas.openxmlformats.org/officeDocument/2006/relationships" xmlns:p="http://schemas.openxmlformats.org/presentationml/2006/main">
   <p:cSld>
     <p:spTree>
@@ -17137,7 +16388,7 @@
 </p:sld>
 </file>
 
-<file path=ppt/slides/slide23.xml><?xml version="1.0" encoding="utf-8"?>
+<file path=ppt/slides/slide22.xml><?xml version="1.0" encoding="utf-8"?>
 <p:sld xmlns:a="http://schemas.openxmlformats.org/drawingml/2006/main" xmlns:r="http://schemas.openxmlformats.org/officeDocument/2006/relationships" xmlns:p="http://schemas.openxmlformats.org/presentationml/2006/main">
   <p:cSld>
     <p:spTree>
@@ -17598,7 +16849,7 @@
 </p:sld>
 </file>
 
-<file path=ppt/slides/slide24.xml><?xml version="1.0" encoding="utf-8"?>
+<file path=ppt/slides/slide23.xml><?xml version="1.0" encoding="utf-8"?>
 <p:sld xmlns:a="http://schemas.openxmlformats.org/drawingml/2006/main" xmlns:r="http://schemas.openxmlformats.org/officeDocument/2006/relationships" xmlns:p="http://schemas.openxmlformats.org/presentationml/2006/main">
   <p:cSld>
     <p:spTree>
@@ -18008,15 +17259,7 @@
                     <a:srgbClr val="000000"/>
                   </a:solidFill>
                 </a:rPr>
-                <a:t>No significant installed base at this </a:t>
-              </a:r>
-              <a:r>
-                <a:rPr lang="en-US" sz="2800" dirty="0" smtClean="0">
-                  <a:solidFill>
-                    <a:srgbClr val="000000"/>
-                  </a:solidFill>
-                </a:rPr>
-                <a:t>time</a:t>
+                <a:t>No significant installed base at this time</a:t>
               </a:r>
               <a:endParaRPr lang="en-US" sz="2800" dirty="0">
                 <a:solidFill>
@@ -18043,15 +17286,7 @@
                     <a:srgbClr val="000000"/>
                   </a:solidFill>
                 </a:rPr>
-                <a:t> </a:t>
-              </a:r>
-              <a:r>
-                <a:rPr lang="en-US" sz="2800" dirty="0" smtClean="0">
-                  <a:solidFill>
-                    <a:srgbClr val="000000"/>
-                  </a:solidFill>
-                </a:rPr>
-                <a:t>started Configuration Management as an important component in the IT space</a:t>
+                <a:t> started Configuration Management as an important component in the IT space</a:t>
               </a:r>
               <a:endParaRPr lang="en-US" sz="2800" dirty="0">
                 <a:solidFill>
@@ -18082,7 +17317,7 @@
 </p:sld>
 </file>
 
-<file path=ppt/slides/slide25.xml><?xml version="1.0" encoding="utf-8"?>
+<file path=ppt/slides/slide24.xml><?xml version="1.0" encoding="utf-8"?>
 <p:sld xmlns:a="http://schemas.openxmlformats.org/drawingml/2006/main" xmlns:r="http://schemas.openxmlformats.org/officeDocument/2006/relationships" xmlns:p="http://schemas.openxmlformats.org/presentationml/2006/main">
   <p:cSld>
     <p:spTree>
@@ -18487,15 +17722,7 @@
                     <a:srgbClr val="000000"/>
                   </a:solidFill>
                 </a:rPr>
-                <a:t>Can </a:t>
-              </a:r>
-              <a:r>
-                <a:rPr lang="en-US" sz="2800" dirty="0" smtClean="0">
-                  <a:solidFill>
-                    <a:srgbClr val="000000"/>
-                  </a:solidFill>
-                </a:rPr>
-                <a:t>use BASH, PowerShell Script, Ruby or any development platform</a:t>
+                <a:t>Can use BASH, PowerShell Script, Ruby or any development platform</a:t>
               </a:r>
             </a:p>
             <a:p>
@@ -18540,7 +17767,7 @@
 </p:sld>
 </file>
 
-<file path=ppt/slides/slide26.xml><?xml version="1.0" encoding="utf-8"?>
+<file path=ppt/slides/slide25.xml><?xml version="1.0" encoding="utf-8"?>
 <p:sld xmlns:a="http://schemas.openxmlformats.org/drawingml/2006/main" xmlns:r="http://schemas.openxmlformats.org/officeDocument/2006/relationships" xmlns:p="http://schemas.openxmlformats.org/presentationml/2006/main">
   <p:cSld>
     <p:spTree>
@@ -18581,7 +17808,7 @@
           <a:p>
             <a:r>
               <a:rPr lang="en-US" sz="4400" dirty="0" smtClean="0"/>
-              <a:t>Configuration Management And The Cloud</a:t>
+              <a:t>Integration with “The Cloud”</a:t>
             </a:r>
             <a:endParaRPr lang="en-US" sz="4400" dirty="0"/>
           </a:p>
@@ -18596,7 +17823,7 @@
         <p:grpSpPr>
           <a:xfrm>
             <a:off x="0" y="1950630"/>
-            <a:ext cx="12192000" cy="4161246"/>
+            <a:ext cx="12192000" cy="4907370"/>
             <a:chOff x="0" y="1950630"/>
             <a:chExt cx="12192000" cy="3771022"/>
           </a:xfrm>
@@ -18963,6 +18190,20 @@
               </a:r>
             </a:p>
             <a:p>
+              <a:pPr marL="1828800" lvl="3" indent="-457200">
+                <a:buFont typeface="Wingdings" charset="2"/>
+                <a:buChar char="§"/>
+              </a:pPr>
+              <a:r>
+                <a:rPr lang="en-US" sz="2800" dirty="0" smtClean="0">
+                  <a:solidFill>
+                    <a:srgbClr val="000000"/>
+                  </a:solidFill>
+                </a:rPr>
+                <a:t>Google Cloud Compute</a:t>
+              </a:r>
+            </a:p>
+            <a:p>
               <a:pPr marL="1371600" lvl="2" indent="-457200">
                 <a:buFont typeface="Wingdings" charset="2"/>
                 <a:buChar char="§"/>
@@ -18973,7 +18214,7 @@
                     <a:srgbClr val="000000"/>
                   </a:solidFill>
                 </a:rPr>
-                <a:t>These resources can be “rented” for low cost and no commitment</a:t>
+                <a:t>These resources can be “rented”, usually by the hour with no long-term commitment </a:t>
               </a:r>
             </a:p>
             <a:p>
@@ -19018,7 +18259,7 @@
 </p:sld>
 </file>
 
-<file path=ppt/slides/slide27.xml><?xml version="1.0" encoding="utf-8"?>
+<file path=ppt/slides/slide26.xml><?xml version="1.0" encoding="utf-8"?>
 <p:sld xmlns:a="http://schemas.openxmlformats.org/drawingml/2006/main" xmlns:r="http://schemas.openxmlformats.org/officeDocument/2006/relationships" xmlns:p="http://schemas.openxmlformats.org/presentationml/2006/main">
   <p:cSld>
     <p:spTree>
@@ -19502,7 +18743,7 @@
 </p:sld>
 </file>
 
-<file path=ppt/slides/slide28.xml><?xml version="1.0" encoding="utf-8"?>
+<file path=ppt/slides/slide27.xml><?xml version="1.0" encoding="utf-8"?>
 <p:sld xmlns:a="http://schemas.openxmlformats.org/drawingml/2006/main" xmlns:r="http://schemas.openxmlformats.org/officeDocument/2006/relationships" xmlns:p="http://schemas.openxmlformats.org/presentationml/2006/main">
   <p:cSld>
     <p:spTree>
@@ -19939,7 +19180,7 @@
 </p:sld>
 </file>
 
-<file path=ppt/slides/slide29.xml><?xml version="1.0" encoding="utf-8"?>
+<file path=ppt/slides/slide28.xml><?xml version="1.0" encoding="utf-8"?>
 <p:sld xmlns:a="http://schemas.openxmlformats.org/drawingml/2006/main" xmlns:r="http://schemas.openxmlformats.org/officeDocument/2006/relationships" xmlns:p="http://schemas.openxmlformats.org/presentationml/2006/main">
   <p:cSld>
     <p:spTree>
@@ -20360,440 +19601,7 @@
 </p:sld>
 </file>
 
-<file path=ppt/slides/slide3.xml><?xml version="1.0" encoding="utf-8"?>
-<p:sld xmlns:a="http://schemas.openxmlformats.org/drawingml/2006/main" xmlns:r="http://schemas.openxmlformats.org/officeDocument/2006/relationships" xmlns:p="http://schemas.openxmlformats.org/presentationml/2006/main">
-  <p:cSld>
-    <p:spTree>
-      <p:nvGrpSpPr>
-        <p:cNvPr id="1" name=""/>
-        <p:cNvGrpSpPr/>
-        <p:nvPr/>
-      </p:nvGrpSpPr>
-      <p:grpSpPr>
-        <a:xfrm>
-          <a:off x="0" y="0"/>
-          <a:ext cx="0" cy="0"/>
-          <a:chOff x="0" y="0"/>
-          <a:chExt cx="0" cy="0"/>
-        </a:xfrm>
-      </p:grpSpPr>
-      <p:sp>
-        <p:nvSpPr>
-          <p:cNvPr id="5" name="TextBox 4"/>
-          <p:cNvSpPr txBox="1"/>
-          <p:nvPr/>
-        </p:nvSpPr>
-        <p:spPr>
-          <a:xfrm>
-            <a:off x="846418" y="537883"/>
-            <a:ext cx="4948518" cy="769441"/>
-          </a:xfrm>
-          <a:prstGeom prst="rect">
-            <a:avLst/>
-          </a:prstGeom>
-          <a:noFill/>
-        </p:spPr>
-        <p:txBody>
-          <a:bodyPr wrap="square" rtlCol="0">
-            <a:spAutoFit/>
-          </a:bodyPr>
-          <a:lstStyle/>
-          <a:p>
-            <a:r>
-              <a:rPr lang="en-US" sz="4400" dirty="0"/>
-              <a:t>Objectives</a:t>
-            </a:r>
-          </a:p>
-        </p:txBody>
-      </p:sp>
-      <p:grpSp>
-        <p:nvGrpSpPr>
-          <p:cNvPr id="8" name="Group 7"/>
-          <p:cNvGrpSpPr/>
-          <p:nvPr/>
-        </p:nvGrpSpPr>
-        <p:grpSpPr>
-          <a:xfrm>
-            <a:off x="0" y="1950630"/>
-            <a:ext cx="12192000" cy="4907371"/>
-            <a:chOff x="0" y="1950630"/>
-            <a:chExt cx="12192000" cy="4447179"/>
-          </a:xfrm>
-        </p:grpSpPr>
-        <p:grpSp>
-          <p:nvGrpSpPr>
-            <p:cNvPr id="2" name="Group 1"/>
-            <p:cNvGrpSpPr/>
-            <p:nvPr/>
-          </p:nvGrpSpPr>
-          <p:grpSpPr>
-            <a:xfrm>
-              <a:off x="0" y="1950630"/>
-              <a:ext cx="12192000" cy="832911"/>
-              <a:chOff x="0" y="1950630"/>
-              <a:chExt cx="12192000" cy="832911"/>
-            </a:xfrm>
-          </p:grpSpPr>
-          <p:sp>
-            <p:nvSpPr>
-              <p:cNvPr id="3" name="Rectangle 2"/>
-              <p:cNvSpPr/>
-              <p:nvPr/>
-            </p:nvSpPr>
-            <p:spPr>
-              <a:xfrm>
-                <a:off x="0" y="1950630"/>
-                <a:ext cx="12192000" cy="832911"/>
-              </a:xfrm>
-              <a:prstGeom prst="rect">
-                <a:avLst/>
-              </a:prstGeom>
-              <a:solidFill>
-                <a:srgbClr val="0070C0"/>
-              </a:solidFill>
-              <a:ln w="9525" cap="flat" cmpd="sng" algn="ctr">
-                <a:noFill/>
-                <a:prstDash val="solid"/>
-              </a:ln>
-              <a:effectLst/>
-            </p:spPr>
-            <p:txBody>
-              <a:bodyPr rtlCol="0" anchor="ctr"/>
-              <a:lstStyle/>
-              <a:p>
-                <a:pPr marL="0" marR="0" lvl="0" indent="0" algn="ctr" defTabSz="914400" eaLnBrk="1" fontAlgn="auto" latinLnBrk="0" hangingPunct="1">
-                  <a:lnSpc>
-                    <a:spcPct val="100000"/>
-                  </a:lnSpc>
-                  <a:spcBef>
-                    <a:spcPts val="0"/>
-                  </a:spcBef>
-                  <a:spcAft>
-                    <a:spcPts val="0"/>
-                  </a:spcAft>
-                  <a:buClrTx/>
-                  <a:buSzTx/>
-                  <a:buFont typeface="Arial" panose="020B0604020202020204" pitchFamily="34" charset="0"/>
-                  <a:buNone/>
-                  <a:tabLst/>
-                  <a:defRPr/>
-                </a:pPr>
-                <a:endParaRPr kumimoji="0" lang="en-US" sz="4000" i="1" u="none" strike="noStrike" kern="0" cap="none" spc="0" normalizeH="0" baseline="0" noProof="0" dirty="0">
-                  <a:ln>
-                    <a:noFill/>
-                  </a:ln>
-                  <a:solidFill>
-                    <a:prstClr val="white"/>
-                  </a:solidFill>
-                  <a:effectLst/>
-                  <a:uLnTx/>
-                  <a:uFillTx/>
-                  <a:latin typeface="+mj-lt"/>
-                </a:endParaRPr>
-              </a:p>
-            </p:txBody>
-          </p:sp>
-          <p:sp>
-            <p:nvSpPr>
-              <p:cNvPr id="4" name="Content Placeholder 2"/>
-              <p:cNvSpPr txBox="1">
-                <a:spLocks/>
-              </p:cNvSpPr>
-              <p:nvPr/>
-            </p:nvSpPr>
-            <p:spPr>
-              <a:xfrm>
-                <a:off x="846418" y="1950630"/>
-                <a:ext cx="9423400" cy="832911"/>
-              </a:xfrm>
-              <a:prstGeom prst="rect">
-                <a:avLst/>
-              </a:prstGeom>
-            </p:spPr>
-            <p:txBody>
-              <a:bodyPr anchor="ctr"/>
-              <a:lstStyle>
-                <a:lvl1pPr marL="0" indent="0" algn="ctr" defTabSz="914400" rtl="0" eaLnBrk="1" latinLnBrk="0" hangingPunct="1">
-                  <a:lnSpc>
-                    <a:spcPct val="90000"/>
-                  </a:lnSpc>
-                  <a:spcBef>
-                    <a:spcPts val="1000"/>
-                  </a:spcBef>
-                  <a:buFont typeface="Arial" panose="020B0604020202020204" pitchFamily="34" charset="0"/>
-                  <a:buNone/>
-                  <a:defRPr sz="2800" i="1" kern="1200">
-                    <a:solidFill>
-                      <a:schemeClr val="bg1"/>
-                    </a:solidFill>
-                    <a:latin typeface="+mn-lt"/>
-                    <a:ea typeface="+mn-ea"/>
-                    <a:cs typeface="+mn-cs"/>
-                  </a:defRPr>
-                </a:lvl1pPr>
-                <a:lvl2pPr marL="457200" indent="0" algn="ctr" defTabSz="914400" rtl="0" eaLnBrk="1" latinLnBrk="0" hangingPunct="1">
-                  <a:lnSpc>
-                    <a:spcPct val="90000"/>
-                  </a:lnSpc>
-                  <a:spcBef>
-                    <a:spcPts val="500"/>
-                  </a:spcBef>
-                  <a:buFont typeface="Arial" panose="020B0604020202020204" pitchFamily="34" charset="0"/>
-                  <a:buNone/>
-                  <a:defRPr sz="2400" i="1" kern="1200">
-                    <a:solidFill>
-                      <a:schemeClr val="bg1"/>
-                    </a:solidFill>
-                    <a:latin typeface="+mn-lt"/>
-                    <a:ea typeface="+mn-ea"/>
-                    <a:cs typeface="+mn-cs"/>
-                  </a:defRPr>
-                </a:lvl2pPr>
-                <a:lvl3pPr marL="914400" indent="0" algn="ctr" defTabSz="914400" rtl="0" eaLnBrk="1" latinLnBrk="0" hangingPunct="1">
-                  <a:lnSpc>
-                    <a:spcPct val="90000"/>
-                  </a:lnSpc>
-                  <a:spcBef>
-                    <a:spcPts val="500"/>
-                  </a:spcBef>
-                  <a:buFont typeface="Arial" panose="020B0604020202020204" pitchFamily="34" charset="0"/>
-                  <a:buNone/>
-                  <a:defRPr sz="2000" i="1" kern="1200">
-                    <a:solidFill>
-                      <a:schemeClr val="bg1"/>
-                    </a:solidFill>
-                    <a:latin typeface="+mn-lt"/>
-                    <a:ea typeface="+mn-ea"/>
-                    <a:cs typeface="+mn-cs"/>
-                  </a:defRPr>
-                </a:lvl3pPr>
-                <a:lvl4pPr marL="1371600" indent="0" algn="ctr" defTabSz="914400" rtl="0" eaLnBrk="1" latinLnBrk="0" hangingPunct="1">
-                  <a:lnSpc>
-                    <a:spcPct val="90000"/>
-                  </a:lnSpc>
-                  <a:spcBef>
-                    <a:spcPts val="500"/>
-                  </a:spcBef>
-                  <a:buFont typeface="Arial" panose="020B0604020202020204" pitchFamily="34" charset="0"/>
-                  <a:buNone/>
-                  <a:defRPr sz="1800" i="1" kern="1200">
-                    <a:solidFill>
-                      <a:schemeClr val="bg1"/>
-                    </a:solidFill>
-                    <a:latin typeface="+mn-lt"/>
-                    <a:ea typeface="+mn-ea"/>
-                    <a:cs typeface="+mn-cs"/>
-                  </a:defRPr>
-                </a:lvl4pPr>
-                <a:lvl5pPr marL="1828800" indent="0" algn="ctr" defTabSz="914400" rtl="0" eaLnBrk="1" latinLnBrk="0" hangingPunct="1">
-                  <a:lnSpc>
-                    <a:spcPct val="90000"/>
-                  </a:lnSpc>
-                  <a:spcBef>
-                    <a:spcPts val="500"/>
-                  </a:spcBef>
-                  <a:buFont typeface="Arial" panose="020B0604020202020204" pitchFamily="34" charset="0"/>
-                  <a:buNone/>
-                  <a:defRPr sz="1800" i="1" kern="1200">
-                    <a:solidFill>
-                      <a:schemeClr val="bg1"/>
-                    </a:solidFill>
-                    <a:latin typeface="+mn-lt"/>
-                    <a:ea typeface="+mn-ea"/>
-                    <a:cs typeface="+mn-cs"/>
-                  </a:defRPr>
-                </a:lvl5pPr>
-                <a:lvl6pPr marL="2514600" indent="-228600" algn="l" defTabSz="914400" rtl="0" eaLnBrk="1" latinLnBrk="0" hangingPunct="1">
-                  <a:lnSpc>
-                    <a:spcPct val="90000"/>
-                  </a:lnSpc>
-                  <a:spcBef>
-                    <a:spcPts val="500"/>
-                  </a:spcBef>
-                  <a:buFont typeface="Arial" panose="020B0604020202020204" pitchFamily="34" charset="0"/>
-                  <a:buChar char="•"/>
-                  <a:defRPr sz="1800" kern="1200">
-                    <a:solidFill>
-                      <a:schemeClr val="tx1"/>
-                    </a:solidFill>
-                    <a:latin typeface="+mn-lt"/>
-                    <a:ea typeface="+mn-ea"/>
-                    <a:cs typeface="+mn-cs"/>
-                  </a:defRPr>
-                </a:lvl6pPr>
-                <a:lvl7pPr marL="2971800" indent="-228600" algn="l" defTabSz="914400" rtl="0" eaLnBrk="1" latinLnBrk="0" hangingPunct="1">
-                  <a:lnSpc>
-                    <a:spcPct val="90000"/>
-                  </a:lnSpc>
-                  <a:spcBef>
-                    <a:spcPts val="500"/>
-                  </a:spcBef>
-                  <a:buFont typeface="Arial" panose="020B0604020202020204" pitchFamily="34" charset="0"/>
-                  <a:buChar char="•"/>
-                  <a:defRPr sz="1800" kern="1200">
-                    <a:solidFill>
-                      <a:schemeClr val="tx1"/>
-                    </a:solidFill>
-                    <a:latin typeface="+mn-lt"/>
-                    <a:ea typeface="+mn-ea"/>
-                    <a:cs typeface="+mn-cs"/>
-                  </a:defRPr>
-                </a:lvl7pPr>
-                <a:lvl8pPr marL="3429000" indent="-228600" algn="l" defTabSz="914400" rtl="0" eaLnBrk="1" latinLnBrk="0" hangingPunct="1">
-                  <a:lnSpc>
-                    <a:spcPct val="90000"/>
-                  </a:lnSpc>
-                  <a:spcBef>
-                    <a:spcPts val="500"/>
-                  </a:spcBef>
-                  <a:buFont typeface="Arial" panose="020B0604020202020204" pitchFamily="34" charset="0"/>
-                  <a:buChar char="•"/>
-                  <a:defRPr sz="1800" kern="1200">
-                    <a:solidFill>
-                      <a:schemeClr val="tx1"/>
-                    </a:solidFill>
-                    <a:latin typeface="+mn-lt"/>
-                    <a:ea typeface="+mn-ea"/>
-                    <a:cs typeface="+mn-cs"/>
-                  </a:defRPr>
-                </a:lvl8pPr>
-                <a:lvl9pPr marL="3886200" indent="-228600" algn="l" defTabSz="914400" rtl="0" eaLnBrk="1" latinLnBrk="0" hangingPunct="1">
-                  <a:lnSpc>
-                    <a:spcPct val="90000"/>
-                  </a:lnSpc>
-                  <a:spcBef>
-                    <a:spcPts val="500"/>
-                  </a:spcBef>
-                  <a:buFont typeface="Arial" panose="020B0604020202020204" pitchFamily="34" charset="0"/>
-                  <a:buChar char="•"/>
-                  <a:defRPr sz="1800" kern="1200">
-                    <a:solidFill>
-                      <a:schemeClr val="tx1"/>
-                    </a:solidFill>
-                    <a:latin typeface="+mn-lt"/>
-                    <a:ea typeface="+mn-ea"/>
-                    <a:cs typeface="+mn-cs"/>
-                  </a:defRPr>
-                </a:lvl9pPr>
-              </a:lstStyle>
-              <a:p>
-                <a:pPr algn="l"/>
-                <a:r>
-                  <a:rPr lang="en-US" i="0" dirty="0"/>
-                  <a:t>By the end of this lesson you should be able to:</a:t>
-                </a:r>
-              </a:p>
-            </p:txBody>
-          </p:sp>
-        </p:grpSp>
-        <p:sp>
-          <p:nvSpPr>
-            <p:cNvPr id="7" name="Rectangle 6"/>
-            <p:cNvSpPr/>
-            <p:nvPr/>
-          </p:nvSpPr>
-          <p:spPr>
-            <a:xfrm>
-              <a:off x="0" y="2783543"/>
-              <a:ext cx="12192000" cy="3614266"/>
-            </a:xfrm>
-            <a:prstGeom prst="rect">
-              <a:avLst/>
-            </a:prstGeom>
-            <a:solidFill>
-              <a:srgbClr val="002060"/>
-            </a:solidFill>
-            <a:ln>
-              <a:noFill/>
-            </a:ln>
-          </p:spPr>
-          <p:style>
-            <a:lnRef idx="2">
-              <a:schemeClr val="accent1">
-                <a:shade val="50000"/>
-              </a:schemeClr>
-            </a:lnRef>
-            <a:fillRef idx="1">
-              <a:schemeClr val="accent1"/>
-            </a:fillRef>
-            <a:effectRef idx="0">
-              <a:schemeClr val="accent1"/>
-            </a:effectRef>
-            <a:fontRef idx="minor">
-              <a:schemeClr val="lt1"/>
-            </a:fontRef>
-          </p:style>
-          <p:txBody>
-            <a:bodyPr rtlCol="0" anchor="ctr"/>
-            <a:lstStyle/>
-            <a:p>
-              <a:pPr marL="1371600" lvl="2" indent="-457200">
-                <a:buFont typeface="Wingdings" charset="2"/>
-                <a:buChar char="§"/>
-              </a:pPr>
-              <a:r>
-                <a:rPr lang="en-US" sz="2800" dirty="0" smtClean="0"/>
-                <a:t>Define configuration management and infrastructure automation</a:t>
-              </a:r>
-              <a:endParaRPr lang="en-US" sz="2800" dirty="0"/>
-            </a:p>
-            <a:p>
-              <a:pPr marL="1371600" lvl="2" indent="-457200">
-                <a:buFont typeface="Wingdings" charset="2"/>
-                <a:buChar char="§"/>
-              </a:pPr>
-              <a:r>
-                <a:rPr lang="en-US" sz="2800" dirty="0" smtClean="0"/>
-                <a:t>Know the leading configuration management tools and platforms</a:t>
-              </a:r>
-              <a:endParaRPr lang="en-US" sz="2800" dirty="0"/>
-            </a:p>
-            <a:p>
-              <a:pPr marL="1371600" lvl="2" indent="-457200">
-                <a:buFont typeface="Wingdings" charset="2"/>
-                <a:buChar char="§"/>
-              </a:pPr>
-              <a:r>
-                <a:rPr lang="en-US" sz="2800" dirty="0" smtClean="0"/>
-                <a:t>Explain how integration with the cloud changes implementation</a:t>
-              </a:r>
-              <a:endParaRPr lang="en-US" sz="2800" dirty="0"/>
-            </a:p>
-            <a:p>
-              <a:pPr marL="1371600" lvl="2" indent="-457200">
-                <a:buFont typeface="Wingdings" charset="2"/>
-                <a:buChar char="§"/>
-              </a:pPr>
-              <a:r>
-                <a:rPr lang="en-US" sz="2800" dirty="0" smtClean="0"/>
-                <a:t>Review configuration management examples</a:t>
-              </a:r>
-              <a:endParaRPr lang="en-US" sz="2800" dirty="0"/>
-            </a:p>
-          </p:txBody>
-        </p:sp>
-      </p:grpSp>
-    </p:spTree>
-    <p:extLst>
-      <p:ext uri="{BB962C8B-B14F-4D97-AF65-F5344CB8AC3E}">
-        <p14:creationId xmlns:p14="http://schemas.microsoft.com/office/powerpoint/2010/main" val="661346271"/>
-      </p:ext>
-    </p:extLst>
-  </p:cSld>
-  <p:clrMapOvr>
-    <a:masterClrMapping/>
-  </p:clrMapOvr>
-  <p:timing>
-    <p:tnLst>
-      <p:par>
-        <p:cTn xmlns:p14="http://schemas.microsoft.com/office/powerpoint/2010/main" id="1" dur="indefinite" restart="never" nodeType="tmRoot"/>
-      </p:par>
-    </p:tnLst>
-  </p:timing>
-</p:sld>
-</file>
-
-<file path=ppt/slides/slide30.xml><?xml version="1.0" encoding="utf-8"?>
+<file path=ppt/slides/slide29.xml><?xml version="1.0" encoding="utf-8"?>
 <p:sld xmlns:a="http://schemas.openxmlformats.org/drawingml/2006/main" xmlns:r="http://schemas.openxmlformats.org/officeDocument/2006/relationships" xmlns:p="http://schemas.openxmlformats.org/presentationml/2006/main">
   <p:cSld>
     <p:spTree>
@@ -21223,7 +20031,7 @@
 </p:sld>
 </file>
 
-<file path=ppt/slides/slide4.xml><?xml version="1.0" encoding="utf-8"?>
+<file path=ppt/slides/slide3.xml><?xml version="1.0" encoding="utf-8"?>
 <p:sld xmlns:a="http://schemas.openxmlformats.org/drawingml/2006/main" xmlns:r="http://schemas.openxmlformats.org/officeDocument/2006/relationships" xmlns:p="http://schemas.openxmlformats.org/presentationml/2006/main">
   <p:cSld>
     <p:spTree>
@@ -21248,8 +20056,8 @@
         </p:nvSpPr>
         <p:spPr>
           <a:xfrm>
-            <a:off x="846417" y="537883"/>
-            <a:ext cx="10214305" cy="769441"/>
+            <a:off x="846418" y="537883"/>
+            <a:ext cx="4948518" cy="769441"/>
           </a:xfrm>
           <a:prstGeom prst="rect">
             <a:avLst/>
@@ -21264,7 +20072,7 @@
           <a:p>
             <a:r>
               <a:rPr lang="en-US" sz="4400" dirty="0"/>
-              <a:t>What Is Configuration Management</a:t>
+              <a:t>Objectives</a:t>
             </a:r>
           </a:p>
         </p:txBody>
@@ -21277,10 +20085,10 @@
         </p:nvGrpSpPr>
         <p:grpSpPr>
           <a:xfrm>
-            <a:off x="0" y="1950629"/>
-            <a:ext cx="12192000" cy="4192996"/>
+            <a:off x="0" y="1950630"/>
+            <a:ext cx="12192000" cy="4907371"/>
             <a:chOff x="0" y="1950630"/>
-            <a:chExt cx="12192000" cy="3799796"/>
+            <a:chExt cx="12192000" cy="4447179"/>
           </a:xfrm>
         </p:grpSpPr>
         <p:grpSp>
@@ -21324,7 +20132,7 @@
               <a:bodyPr rtlCol="0" anchor="ctr"/>
               <a:lstStyle/>
               <a:p>
-                <a:pPr marL="0" marR="0" lvl="0" indent="0" defTabSz="914400" eaLnBrk="1" fontAlgn="auto" latinLnBrk="0" hangingPunct="1">
+                <a:pPr marL="0" marR="0" lvl="0" indent="0" algn="ctr" defTabSz="914400" eaLnBrk="1" fontAlgn="auto" latinLnBrk="0" hangingPunct="1">
                   <a:lnSpc>
                     <a:spcPct val="100000"/>
                   </a:lnSpc>
@@ -21341,16 +20149,7 @@
                   <a:tabLst/>
                   <a:defRPr/>
                 </a:pPr>
-                <a:r>
-                  <a:rPr lang="en-US" sz="2800" kern="0" noProof="0" dirty="0" smtClean="0">
-                    <a:solidFill>
-                      <a:prstClr val="white"/>
-                    </a:solidFill>
-                    <a:latin typeface="+mj-lt"/>
-                  </a:rPr>
-                  <a:t>	Configuration management is:</a:t>
-                </a:r>
-                <a:endParaRPr kumimoji="0" lang="en-US" sz="2800" u="none" strike="noStrike" kern="0" cap="none" spc="0" normalizeH="0" baseline="0" noProof="0" dirty="0">
+                <a:endParaRPr kumimoji="0" lang="en-US" sz="4000" i="1" u="none" strike="noStrike" kern="0" cap="none" spc="0" normalizeH="0" baseline="0" noProof="0" dirty="0">
                   <a:ln>
                     <a:noFill/>
                   </a:ln>
@@ -21550,7 +20349,10 @@
               </a:lstStyle>
               <a:p>
                 <a:pPr algn="l"/>
-                <a:endParaRPr lang="en-US" i="0" dirty="0"/>
+                <a:r>
+                  <a:rPr lang="en-US" i="0" dirty="0"/>
+                  <a:t>By the end of this lesson you should be able to:</a:t>
+                </a:r>
               </a:p>
             </p:txBody>
           </p:sp>
@@ -21564,12 +20366,14 @@
           <p:spPr>
             <a:xfrm>
               <a:off x="0" y="2783543"/>
-              <a:ext cx="12192000" cy="2966883"/>
+              <a:ext cx="12192000" cy="3614266"/>
             </a:xfrm>
             <a:prstGeom prst="rect">
               <a:avLst/>
             </a:prstGeom>
-            <a:noFill/>
+            <a:solidFill>
+              <a:srgbClr val="002060"/>
+            </a:solidFill>
             <a:ln>
               <a:noFill/>
             </a:ln>
@@ -21599,18 +20403,10 @@
                 <a:buChar char="§"/>
               </a:pPr>
               <a:r>
-                <a:rPr lang="en-US" sz="2800" dirty="0" smtClean="0">
-                  <a:solidFill>
-                    <a:srgbClr val="000000"/>
-                  </a:solidFill>
-                </a:rPr>
-                <a:t>The application of programmatic methods to create consistency in performance, function, design and the operation of compute resources</a:t>
+                <a:rPr lang="en-US" sz="2800" dirty="0" smtClean="0"/>
+                <a:t>Explain the purpose of configuration management and infrastructure automation</a:t>
               </a:r>
-              <a:endParaRPr lang="en-US" sz="2800" dirty="0">
-                <a:solidFill>
-                  <a:srgbClr val="000000"/>
-                </a:solidFill>
-              </a:endParaRPr>
+              <a:endParaRPr lang="en-US" sz="2800" dirty="0"/>
             </a:p>
             <a:p>
               <a:pPr marL="1371600" lvl="2" indent="-457200">
@@ -21618,12 +20414,19 @@
                 <a:buChar char="§"/>
               </a:pPr>
               <a:r>
-                <a:rPr lang="en-US" sz="2800" dirty="0" smtClean="0">
-                  <a:solidFill>
-                    <a:srgbClr val="000000"/>
-                  </a:solidFill>
-                </a:rPr>
-                <a:t>Applied over the life cycle of a system</a:t>
+                <a:rPr lang="en-US" sz="2800" dirty="0" smtClean="0"/>
+                <a:t>Recognize the top configuration management platforms</a:t>
+              </a:r>
+              <a:endParaRPr lang="en-US" sz="2800" dirty="0"/>
+            </a:p>
+            <a:p>
+              <a:pPr marL="1371600" lvl="2" indent="-457200">
+                <a:buFont typeface="Wingdings" charset="2"/>
+                <a:buChar char="§"/>
+              </a:pPr>
+              <a:r>
+                <a:rPr lang="en-US" sz="2800" dirty="0" smtClean="0"/>
+                <a:t>Review configuration management examples</a:t>
               </a:r>
             </a:p>
             <a:p>
@@ -21632,27 +20435,10 @@
                 <a:buChar char="§"/>
               </a:pPr>
               <a:r>
-                <a:rPr lang="en-US" sz="2800" dirty="0" smtClean="0">
-                  <a:solidFill>
-                    <a:srgbClr val="000000"/>
-                  </a:solidFill>
-                </a:rPr>
-                <a:t>The verification of performance as intended through testing</a:t>
+                <a:rPr lang="en-US" sz="2800" dirty="0" smtClean="0"/>
+                <a:t>Discuss implementation in the Cloud</a:t>
               </a:r>
-            </a:p>
-            <a:p>
-              <a:pPr marL="1371600" lvl="2" indent="-457200">
-                <a:buFont typeface="Wingdings" charset="2"/>
-                <a:buChar char="§"/>
-              </a:pPr>
-              <a:r>
-                <a:rPr lang="en-US" sz="2800" dirty="0" smtClean="0">
-                  <a:solidFill>
-                    <a:srgbClr val="000000"/>
-                  </a:solidFill>
-                </a:rPr>
-                <a:t>The use of pre-configured code to accomplish common tasks</a:t>
-              </a:r>
+              <a:endParaRPr lang="en-US" sz="2800" dirty="0"/>
             </a:p>
           </p:txBody>
         </p:sp>
@@ -21660,7 +20446,7 @@
     </p:spTree>
     <p:extLst>
       <p:ext uri="{BB962C8B-B14F-4D97-AF65-F5344CB8AC3E}">
-        <p14:creationId xmlns:p14="http://schemas.microsoft.com/office/powerpoint/2010/main" val="1493999466"/>
+        <p14:creationId xmlns:p14="http://schemas.microsoft.com/office/powerpoint/2010/main" val="661346271"/>
       </p:ext>
     </p:extLst>
   </p:cSld>
@@ -21677,7 +20463,7 @@
 </p:sld>
 </file>
 
-<file path=ppt/slides/slide5.xml><?xml version="1.0" encoding="utf-8"?>
+<file path=ppt/slides/slide4.xml><?xml version="1.0" encoding="utf-8"?>
 <p:sld xmlns:a="http://schemas.openxmlformats.org/drawingml/2006/main" xmlns:r="http://schemas.openxmlformats.org/officeDocument/2006/relationships" xmlns:p="http://schemas.openxmlformats.org/presentationml/2006/main">
   <p:cSld>
     <p:spTree>
@@ -21733,9 +20519,9 @@
         <p:grpSpPr>
           <a:xfrm>
             <a:off x="0" y="1950630"/>
-            <a:ext cx="12192000" cy="4240621"/>
+            <a:ext cx="12192000" cy="4907370"/>
             <a:chOff x="0" y="1950630"/>
-            <a:chExt cx="12192000" cy="3842954"/>
+            <a:chExt cx="12192000" cy="4447178"/>
           </a:xfrm>
         </p:grpSpPr>
         <p:grpSp>
@@ -21803,7 +20589,7 @@
                     </a:solidFill>
                     <a:latin typeface="+mj-lt"/>
                   </a:rPr>
-                  <a:t>	Configuration should provide:</a:t>
+                  <a:t>	The benefits can include:</a:t>
                 </a:r>
                 <a:endParaRPr kumimoji="0" lang="en-US" sz="2800" u="none" strike="noStrike" kern="0" cap="none" spc="0" normalizeH="0" baseline="0" noProof="0" dirty="0">
                   <a:ln>
@@ -22019,7 +20805,7 @@
           <p:spPr>
             <a:xfrm>
               <a:off x="0" y="2783544"/>
-              <a:ext cx="12192000" cy="3010040"/>
+              <a:ext cx="12192000" cy="3614264"/>
             </a:xfrm>
             <a:prstGeom prst="rect">
               <a:avLst/>
@@ -22085,12 +20871,20 @@
                 <a:buChar char="§"/>
               </a:pPr>
               <a:r>
+                <a:rPr lang="en-US" sz="2800" dirty="0">
+                  <a:solidFill>
+                    <a:srgbClr val="000000"/>
+                  </a:solidFill>
+                </a:rPr>
+                <a:t>C</a:t>
+              </a:r>
+              <a:r>
                 <a:rPr lang="en-US" sz="2800" dirty="0" smtClean="0">
                   <a:solidFill>
                     <a:srgbClr val="000000"/>
                   </a:solidFill>
                 </a:rPr>
-                <a:t>Prevention of catastrophic events</a:t>
+                <a:t>atastrophic events prevention and recovery</a:t>
               </a:r>
             </a:p>
             <a:p>
@@ -22104,8 +20898,33 @@
                     <a:srgbClr val="000000"/>
                   </a:solidFill>
                 </a:rPr>
-                <a:t>Exponential increase of time-savings in the form of reusable code</a:t>
+                <a:t>Reusable code</a:t>
               </a:r>
+            </a:p>
+            <a:p>
+              <a:pPr marL="1828800" lvl="3" indent="-457200">
+                <a:buFont typeface="Wingdings" charset="2"/>
+                <a:buChar char="§"/>
+              </a:pPr>
+              <a:r>
+                <a:rPr lang="en-US" sz="2800" dirty="0" smtClean="0">
+                  <a:solidFill>
+                    <a:srgbClr val="000000"/>
+                  </a:solidFill>
+                </a:rPr>
+                <a:t>Graphical representation and monitoring of the state of your nodes</a:t>
+              </a:r>
+            </a:p>
+            <a:p>
+              <a:pPr marL="1828800" lvl="3" indent="-457200">
+                <a:buFont typeface="Wingdings" charset="2"/>
+                <a:buChar char="§"/>
+              </a:pPr>
+              <a:endParaRPr lang="en-US" sz="2800" dirty="0" smtClean="0">
+                <a:solidFill>
+                  <a:srgbClr val="000000"/>
+                </a:solidFill>
+              </a:endParaRPr>
             </a:p>
             <a:p>
               <a:endParaRPr lang="en-US" sz="2800" dirty="0"/>
@@ -22140,7 +20959,7 @@
 </p:sld>
 </file>
 
-<file path=ppt/slides/slide6.xml><?xml version="1.0" encoding="utf-8"?>
+<file path=ppt/slides/slide5.xml><?xml version="1.0" encoding="utf-8"?>
 <p:sld xmlns:a="http://schemas.openxmlformats.org/drawingml/2006/main" xmlns:r="http://schemas.openxmlformats.org/officeDocument/2006/relationships" xmlns:p="http://schemas.openxmlformats.org/presentationml/2006/main">
   <p:cSld>
     <p:spTree>
@@ -22195,8 +21014,8 @@
         </p:nvGrpSpPr>
         <p:grpSpPr>
           <a:xfrm>
-            <a:off x="0" y="1950630"/>
-            <a:ext cx="12192000" cy="3542120"/>
+            <a:off x="0" y="1950629"/>
+            <a:ext cx="12192000" cy="4578507"/>
             <a:chOff x="0" y="1950630"/>
             <a:chExt cx="12192000" cy="3209955"/>
           </a:xfrm>
@@ -22522,13 +21341,8 @@
                     <a:srgbClr val="000000"/>
                   </a:solidFill>
                 </a:rPr>
-                <a:t>A script that defines how to install, configure and start an Apache Web Server or Internet Information Server (IIS)</a:t>
+                <a:t>A script that defines how to install and configure a database server, such as MySQL or MongoDB.</a:t>
               </a:r>
-              <a:endParaRPr lang="en-US" sz="2800" dirty="0">
-                <a:solidFill>
-                  <a:srgbClr val="000000"/>
-                </a:solidFill>
-              </a:endParaRPr>
             </a:p>
             <a:p>
               <a:pPr marL="1371600" lvl="2" indent="-457200">
@@ -22541,9 +21355,37 @@
                     <a:srgbClr val="000000"/>
                   </a:solidFill>
                 </a:rPr>
-                <a:t>A graphical interface that allows for the provisioning, configuration and termination of virtual or physical resources</a:t>
+                <a:t>Maintenance of OS configuration files</a:t>
+              </a:r>
+            </a:p>
+            <a:p>
+              <a:pPr marL="1371600" lvl="2" indent="-457200">
+                <a:buFont typeface="Wingdings" charset="2"/>
+                <a:buChar char="§"/>
+              </a:pPr>
+              <a:r>
+                <a:rPr lang="en-US" sz="2800" dirty="0" smtClean="0">
+                  <a:solidFill>
+                    <a:srgbClr val="000000"/>
+                  </a:solidFill>
+                </a:rPr>
+                <a:t>Installing Apache and configuring a web application</a:t>
               </a:r>
               <a:endParaRPr lang="en-US" sz="2800" dirty="0"/>
+            </a:p>
+            <a:p>
+              <a:pPr marL="1371600" lvl="2" indent="-457200">
+                <a:buFont typeface="Wingdings" charset="2"/>
+                <a:buChar char="§"/>
+              </a:pPr>
+              <a:r>
+                <a:rPr lang="en-US" sz="2800" dirty="0" smtClean="0">
+                  <a:solidFill>
+                    <a:srgbClr val="000000"/>
+                  </a:solidFill>
+                </a:rPr>
+                <a:t>Rolling out changes to an application on a schedule (Continuous Delivery)</a:t>
+              </a:r>
             </a:p>
           </p:txBody>
         </p:sp>
@@ -22568,7 +21410,7 @@
 </p:sld>
 </file>
 
-<file path=ppt/slides/slide7.xml><?xml version="1.0" encoding="utf-8"?>
+<file path=ppt/slides/slide6.xml><?xml version="1.0" encoding="utf-8"?>
 <p:sld xmlns:a="http://schemas.openxmlformats.org/drawingml/2006/main" xmlns:r="http://schemas.openxmlformats.org/officeDocument/2006/relationships" xmlns:p="http://schemas.openxmlformats.org/presentationml/2006/main">
   <p:cSld>
     <p:spTree>
@@ -23059,6 +21901,361 @@
 </p:sld>
 </file>
 
+<file path=ppt/slides/slide7.xml><?xml version="1.0" encoding="utf-8"?>
+<p:sld xmlns:a="http://schemas.openxmlformats.org/drawingml/2006/main" xmlns:r="http://schemas.openxmlformats.org/officeDocument/2006/relationships" xmlns:p="http://schemas.openxmlformats.org/presentationml/2006/main">
+  <p:cSld>
+    <p:spTree>
+      <p:nvGrpSpPr>
+        <p:cNvPr id="1" name=""/>
+        <p:cNvGrpSpPr/>
+        <p:nvPr/>
+      </p:nvGrpSpPr>
+      <p:grpSpPr>
+        <a:xfrm>
+          <a:off x="0" y="0"/>
+          <a:ext cx="0" cy="0"/>
+          <a:chOff x="0" y="0"/>
+          <a:chExt cx="0" cy="0"/>
+        </a:xfrm>
+      </p:grpSpPr>
+      <p:sp>
+        <p:nvSpPr>
+          <p:cNvPr id="2" name="Title 1"/>
+          <p:cNvSpPr>
+            <a:spLocks noGrp="1"/>
+          </p:cNvSpPr>
+          <p:nvPr>
+            <p:ph type="title"/>
+          </p:nvPr>
+        </p:nvSpPr>
+        <p:spPr/>
+        <p:txBody>
+          <a:bodyPr>
+            <a:normAutofit fontScale="90000"/>
+          </a:bodyPr>
+          <a:lstStyle/>
+          <a:p>
+            <a:r>
+              <a:rPr lang="en-US" sz="4800" dirty="0" smtClean="0"/>
+              <a:t>Apache Server Installation Example</a:t>
+            </a:r>
+            <a:endParaRPr lang="en-US" sz="4800" dirty="0"/>
+          </a:p>
+        </p:txBody>
+      </p:sp>
+      <p:sp>
+        <p:nvSpPr>
+          <p:cNvPr id="4" name="Content Placeholder 3"/>
+          <p:cNvSpPr>
+            <a:spLocks noGrp="1"/>
+          </p:cNvSpPr>
+          <p:nvPr>
+            <p:ph idx="1"/>
+          </p:nvPr>
+        </p:nvSpPr>
+        <p:spPr/>
+        <p:txBody>
+          <a:bodyPr/>
+          <a:lstStyle/>
+          <a:p>
+            <a:pPr lvl="0">
+              <a:lnSpc>
+                <a:spcPct val="100000"/>
+              </a:lnSpc>
+              <a:spcBef>
+                <a:spcPts val="0"/>
+              </a:spcBef>
+            </a:pPr>
+            <a:r>
+              <a:rPr lang="en-US" sz="1900" dirty="0">
+                <a:solidFill>
+                  <a:prstClr val="black"/>
+                </a:solidFill>
+              </a:rPr>
+              <a:t>package “</a:t>
+            </a:r>
+            <a:r>
+              <a:rPr lang="en-US" sz="1900" dirty="0" err="1">
+                <a:solidFill>
+                  <a:prstClr val="black"/>
+                </a:solidFill>
+              </a:rPr>
+              <a:t>httpd</a:t>
+            </a:r>
+            <a:r>
+              <a:rPr lang="en-US" sz="1900" dirty="0">
+                <a:solidFill>
+                  <a:prstClr val="black"/>
+                </a:solidFill>
+              </a:rPr>
+              <a:t>” do</a:t>
+            </a:r>
+          </a:p>
+          <a:p>
+            <a:pPr lvl="0">
+              <a:lnSpc>
+                <a:spcPct val="100000"/>
+              </a:lnSpc>
+              <a:spcBef>
+                <a:spcPts val="0"/>
+              </a:spcBef>
+            </a:pPr>
+            <a:r>
+              <a:rPr lang="en-US" sz="1900" dirty="0">
+                <a:solidFill>
+                  <a:prstClr val="black"/>
+                </a:solidFill>
+              </a:rPr>
+              <a:t>  action :install</a:t>
+            </a:r>
+          </a:p>
+          <a:p>
+            <a:pPr lvl="0">
+              <a:lnSpc>
+                <a:spcPct val="100000"/>
+              </a:lnSpc>
+              <a:spcBef>
+                <a:spcPts val="0"/>
+              </a:spcBef>
+            </a:pPr>
+            <a:r>
+              <a:rPr lang="en-US" sz="1900" dirty="0">
+                <a:solidFill>
+                  <a:prstClr val="black"/>
+                </a:solidFill>
+              </a:rPr>
+              <a:t>end</a:t>
+            </a:r>
+          </a:p>
+          <a:p>
+            <a:pPr lvl="0">
+              <a:lnSpc>
+                <a:spcPct val="100000"/>
+              </a:lnSpc>
+              <a:spcBef>
+                <a:spcPts val="0"/>
+              </a:spcBef>
+            </a:pPr>
+            <a:endParaRPr lang="en-US" sz="1900" dirty="0">
+              <a:solidFill>
+                <a:prstClr val="black"/>
+              </a:solidFill>
+            </a:endParaRPr>
+          </a:p>
+          <a:p>
+            <a:pPr lvl="0">
+              <a:lnSpc>
+                <a:spcPct val="100000"/>
+              </a:lnSpc>
+              <a:spcBef>
+                <a:spcPts val="0"/>
+              </a:spcBef>
+            </a:pPr>
+            <a:r>
+              <a:rPr lang="en-US" sz="1900" dirty="0">
+                <a:solidFill>
+                  <a:prstClr val="black"/>
+                </a:solidFill>
+              </a:rPr>
+              <a:t>service “</a:t>
+            </a:r>
+            <a:r>
+              <a:rPr lang="en-US" sz="1900" dirty="0" err="1">
+                <a:solidFill>
+                  <a:prstClr val="black"/>
+                </a:solidFill>
+              </a:rPr>
+              <a:t>httpd</a:t>
+            </a:r>
+            <a:r>
+              <a:rPr lang="en-US" sz="1900" dirty="0">
+                <a:solidFill>
+                  <a:prstClr val="black"/>
+                </a:solidFill>
+              </a:rPr>
+              <a:t>” do</a:t>
+            </a:r>
+          </a:p>
+          <a:p>
+            <a:pPr lvl="0">
+              <a:lnSpc>
+                <a:spcPct val="100000"/>
+              </a:lnSpc>
+              <a:spcBef>
+                <a:spcPts val="0"/>
+              </a:spcBef>
+            </a:pPr>
+            <a:r>
+              <a:rPr lang="en-US" sz="1900" dirty="0">
+                <a:solidFill>
+                  <a:prstClr val="black"/>
+                </a:solidFill>
+              </a:rPr>
+              <a:t>  action :start</a:t>
+            </a:r>
+          </a:p>
+          <a:p>
+            <a:pPr lvl="0">
+              <a:lnSpc>
+                <a:spcPct val="100000"/>
+              </a:lnSpc>
+              <a:spcBef>
+                <a:spcPts val="0"/>
+              </a:spcBef>
+            </a:pPr>
+            <a:r>
+              <a:rPr lang="en-US" sz="1900" dirty="0">
+                <a:solidFill>
+                  <a:prstClr val="black"/>
+                </a:solidFill>
+              </a:rPr>
+              <a:t>end</a:t>
+            </a:r>
+          </a:p>
+          <a:p>
+            <a:pPr lvl="0">
+              <a:lnSpc>
+                <a:spcPct val="100000"/>
+              </a:lnSpc>
+              <a:spcBef>
+                <a:spcPts val="0"/>
+              </a:spcBef>
+            </a:pPr>
+            <a:endParaRPr lang="en-US" sz="1900" dirty="0">
+              <a:solidFill>
+                <a:prstClr val="black"/>
+              </a:solidFill>
+            </a:endParaRPr>
+          </a:p>
+          <a:p>
+            <a:pPr lvl="0">
+              <a:lnSpc>
+                <a:spcPct val="100000"/>
+              </a:lnSpc>
+              <a:spcBef>
+                <a:spcPts val="0"/>
+              </a:spcBef>
+            </a:pPr>
+            <a:r>
+              <a:rPr lang="en-US" sz="1900" dirty="0">
+                <a:solidFill>
+                  <a:prstClr val="black"/>
+                </a:solidFill>
+              </a:rPr>
+              <a:t>file “/</a:t>
+            </a:r>
+            <a:r>
+              <a:rPr lang="en-US" sz="1900" dirty="0" err="1">
+                <a:solidFill>
+                  <a:prstClr val="black"/>
+                </a:solidFill>
+              </a:rPr>
+              <a:t>var</a:t>
+            </a:r>
+            <a:r>
+              <a:rPr lang="en-US" sz="1900" dirty="0">
+                <a:solidFill>
+                  <a:prstClr val="black"/>
+                </a:solidFill>
+              </a:rPr>
+              <a:t>/www/html/</a:t>
+            </a:r>
+            <a:r>
+              <a:rPr lang="en-US" sz="1900" dirty="0" err="1">
+                <a:solidFill>
+                  <a:prstClr val="black"/>
+                </a:solidFill>
+              </a:rPr>
+              <a:t>index.html</a:t>
+            </a:r>
+            <a:r>
+              <a:rPr lang="en-US" sz="1900" dirty="0">
+                <a:solidFill>
+                  <a:prstClr val="black"/>
+                </a:solidFill>
+              </a:rPr>
+              <a:t>” do</a:t>
+            </a:r>
+          </a:p>
+          <a:p>
+            <a:pPr lvl="0">
+              <a:lnSpc>
+                <a:spcPct val="100000"/>
+              </a:lnSpc>
+              <a:spcBef>
+                <a:spcPts val="0"/>
+              </a:spcBef>
+            </a:pPr>
+            <a:r>
+              <a:rPr lang="en-US" sz="1900" dirty="0">
+                <a:solidFill>
+                  <a:prstClr val="black"/>
+                </a:solidFill>
+              </a:rPr>
+              <a:t>  content “Hello World”</a:t>
+            </a:r>
+          </a:p>
+          <a:p>
+            <a:pPr lvl="0">
+              <a:lnSpc>
+                <a:spcPct val="100000"/>
+              </a:lnSpc>
+              <a:spcBef>
+                <a:spcPts val="0"/>
+              </a:spcBef>
+            </a:pPr>
+            <a:r>
+              <a:rPr lang="en-US" sz="1900" dirty="0">
+                <a:solidFill>
+                  <a:prstClr val="black"/>
+                </a:solidFill>
+              </a:rPr>
+              <a:t>  action :create</a:t>
+            </a:r>
+          </a:p>
+          <a:p>
+            <a:pPr lvl="0">
+              <a:lnSpc>
+                <a:spcPct val="100000"/>
+              </a:lnSpc>
+              <a:spcBef>
+                <a:spcPts val="0"/>
+              </a:spcBef>
+            </a:pPr>
+            <a:r>
+              <a:rPr lang="en-US" sz="1900" dirty="0">
+                <a:solidFill>
+                  <a:prstClr val="black"/>
+                </a:solidFill>
+              </a:rPr>
+              <a:t>end</a:t>
+            </a:r>
+          </a:p>
+          <a:p>
+            <a:endParaRPr lang="en-US" dirty="0"/>
+          </a:p>
+        </p:txBody>
+      </p:sp>
+    </p:spTree>
+    <p:extLst>
+      <p:ext uri="{BB962C8B-B14F-4D97-AF65-F5344CB8AC3E}">
+        <p14:creationId xmlns:p14="http://schemas.microsoft.com/office/powerpoint/2010/main" val="1675192083"/>
+      </p:ext>
+    </p:extLst>
+  </p:cSld>
+  <p:clrMapOvr>
+    <a:masterClrMapping/>
+  </p:clrMapOvr>
+  <p:timing>
+    <p:tnLst>
+      <p:par>
+        <p:cTn xmlns:p14="http://schemas.microsoft.com/office/powerpoint/2010/main" id="1" dur="indefinite" restart="never" nodeType="tmRoot"/>
+      </p:par>
+    </p:tnLst>
+  </p:timing>
+</p:sld>
+</file>
+
 <file path=ppt/slides/slide8.xml><?xml version="1.0" encoding="utf-8"?>
 <p:sld xmlns:a="http://schemas.openxmlformats.org/drawingml/2006/main" xmlns:r="http://schemas.openxmlformats.org/officeDocument/2006/relationships" xmlns:p="http://schemas.openxmlformats.org/presentationml/2006/main">
   <p:cSld>
@@ -23086,7 +22283,12 @@
             <p:ph type="title"/>
           </p:nvPr>
         </p:nvSpPr>
-        <p:spPr/>
+        <p:spPr>
+          <a:xfrm>
+            <a:off x="838200" y="156845"/>
+            <a:ext cx="10515600" cy="1113155"/>
+          </a:xfrm>
+        </p:spPr>
         <p:txBody>
           <a:bodyPr>
             <a:normAutofit fontScale="90000"/>
@@ -23095,7 +22297,14 @@
           <a:p>
             <a:r>
               <a:rPr lang="en-US" sz="4800" dirty="0" smtClean="0"/>
-              <a:t>Apache Server Installation Example</a:t>
+              <a:t>Internet Information Server (IIS) </a:t>
+            </a:r>
+            <a:br>
+              <a:rPr lang="en-US" sz="4800" dirty="0" smtClean="0"/>
+            </a:br>
+            <a:r>
+              <a:rPr lang="en-US" sz="4800" dirty="0" smtClean="0"/>
+              <a:t>Installation Example</a:t>
             </a:r>
             <a:endParaRPr lang="en-US" sz="4800" dirty="0"/>
           </a:p>
@@ -23111,281 +22320,163 @@
             <p:ph idx="1"/>
           </p:nvPr>
         </p:nvSpPr>
-        <p:spPr/>
+        <p:spPr>
+          <a:xfrm>
+            <a:off x="838200" y="1397000"/>
+            <a:ext cx="10515600" cy="5252720"/>
+          </a:xfrm>
+        </p:spPr>
         <p:txBody>
-          <a:bodyPr/>
+          <a:bodyPr>
+            <a:normAutofit fontScale="92500" lnSpcReduction="20000"/>
+          </a:bodyPr>
           <a:lstStyle/>
           <a:p>
-            <a:pPr lvl="0">
-              <a:lnSpc>
-                <a:spcPct val="100000"/>
-              </a:lnSpc>
-              <a:spcBef>
-                <a:spcPts val="0"/>
-              </a:spcBef>
-            </a:pPr>
-            <a:r>
-              <a:rPr lang="en-US" sz="1900" dirty="0">
-                <a:solidFill>
-                  <a:prstClr val="black"/>
-                </a:solidFill>
-              </a:rPr>
-              <a:t>package “</a:t>
-            </a:r>
-            <a:r>
-              <a:rPr lang="en-US" sz="1900" dirty="0" err="1">
-                <a:solidFill>
-                  <a:prstClr val="black"/>
-                </a:solidFill>
-              </a:rPr>
-              <a:t>httpd</a:t>
-            </a:r>
-            <a:r>
-              <a:rPr lang="en-US" sz="1900" dirty="0">
-                <a:solidFill>
-                  <a:prstClr val="black"/>
-                </a:solidFill>
-              </a:rPr>
-              <a:t>” do</a:t>
-            </a:r>
-          </a:p>
-          <a:p>
-            <a:pPr lvl="0">
-              <a:lnSpc>
-                <a:spcPct val="100000"/>
-              </a:lnSpc>
-              <a:spcBef>
-                <a:spcPts val="0"/>
-              </a:spcBef>
-            </a:pPr>
-            <a:r>
-              <a:rPr lang="en-US" sz="1900" dirty="0">
-                <a:solidFill>
-                  <a:prstClr val="black"/>
-                </a:solidFill>
-              </a:rPr>
-              <a:t>  action :install</a:t>
-            </a:r>
-          </a:p>
-          <a:p>
-            <a:pPr lvl="0">
-              <a:lnSpc>
-                <a:spcPct val="100000"/>
-              </a:lnSpc>
-              <a:spcBef>
-                <a:spcPts val="0"/>
-              </a:spcBef>
-            </a:pPr>
-            <a:r>
-              <a:rPr lang="en-US" sz="1900" dirty="0">
-                <a:solidFill>
-                  <a:prstClr val="black"/>
-                </a:solidFill>
-              </a:rPr>
+            <a:r>
+              <a:rPr lang="en-US" sz="2000" dirty="0" err="1"/>
+              <a:t>powershell_script</a:t>
+            </a:r>
+            <a:r>
+              <a:rPr lang="en-US" sz="2000" dirty="0"/>
+              <a:t> 'Install IIS' do</a:t>
+            </a:r>
+          </a:p>
+          <a:p>
+            <a:r>
+              <a:rPr lang="en-US" sz="2000" dirty="0"/>
+              <a:t>  code 'Add-</a:t>
+            </a:r>
+            <a:r>
+              <a:rPr lang="en-US" sz="2000" dirty="0" err="1"/>
+              <a:t>WindowsFeature</a:t>
+            </a:r>
+            <a:r>
+              <a:rPr lang="en-US" sz="2000" dirty="0"/>
+              <a:t> Web-Server'</a:t>
+            </a:r>
+          </a:p>
+          <a:p>
+            <a:r>
+              <a:rPr lang="en-US" sz="2000" dirty="0"/>
+              <a:t>  </a:t>
+            </a:r>
+            <a:r>
+              <a:rPr lang="en-US" sz="2000" dirty="0" err="1"/>
+              <a:t>guard_interpreter</a:t>
+            </a:r>
+            <a:r>
+              <a:rPr lang="en-US" sz="2000" dirty="0"/>
+              <a:t> :</a:t>
+            </a:r>
+            <a:r>
+              <a:rPr lang="en-US" sz="2000" dirty="0" err="1"/>
+              <a:t>powershell_script</a:t>
+            </a:r>
+            <a:endParaRPr lang="en-US" sz="2000" dirty="0"/>
+          </a:p>
+          <a:p>
+            <a:r>
+              <a:rPr lang="en-US" sz="2000" dirty="0"/>
+              <a:t>  </a:t>
+            </a:r>
+            <a:r>
+              <a:rPr lang="en-US" sz="2000" dirty="0" err="1"/>
+              <a:t>not_if</a:t>
+            </a:r>
+            <a:r>
+              <a:rPr lang="en-US" sz="2000" dirty="0"/>
+              <a:t> "(Get-</a:t>
+            </a:r>
+            <a:r>
+              <a:rPr lang="en-US" sz="2000" dirty="0" err="1"/>
+              <a:t>WindowsFeature</a:t>
+            </a:r>
+            <a:r>
+              <a:rPr lang="en-US" sz="2000" dirty="0"/>
+              <a:t> -Name Web-Server).Installed"</a:t>
+            </a:r>
+          </a:p>
+          <a:p>
+            <a:r>
+              <a:rPr lang="en-US" sz="2000" dirty="0"/>
+              <a:t>  action :run</a:t>
+            </a:r>
+          </a:p>
+          <a:p>
+            <a:r>
+              <a:rPr lang="en-US" sz="2000" dirty="0"/>
               <a:t>end</a:t>
             </a:r>
           </a:p>
           <a:p>
-            <a:pPr lvl="0">
-              <a:lnSpc>
-                <a:spcPct val="100000"/>
-              </a:lnSpc>
-              <a:spcBef>
-                <a:spcPts val="0"/>
-              </a:spcBef>
-            </a:pPr>
-            <a:endParaRPr lang="en-US" sz="1900" dirty="0">
-              <a:solidFill>
-                <a:prstClr val="black"/>
-              </a:solidFill>
-            </a:endParaRPr>
-          </a:p>
-          <a:p>
-            <a:pPr lvl="0">
-              <a:lnSpc>
-                <a:spcPct val="100000"/>
-              </a:lnSpc>
-              <a:spcBef>
-                <a:spcPts val="0"/>
-              </a:spcBef>
-            </a:pPr>
-            <a:r>
-              <a:rPr lang="en-US" sz="1900" dirty="0">
-                <a:solidFill>
-                  <a:prstClr val="black"/>
-                </a:solidFill>
-              </a:rPr>
-              <a:t>service “</a:t>
-            </a:r>
-            <a:r>
-              <a:rPr lang="en-US" sz="1900" dirty="0" err="1">
-                <a:solidFill>
-                  <a:prstClr val="black"/>
-                </a:solidFill>
-              </a:rPr>
-              <a:t>httpd</a:t>
-            </a:r>
-            <a:r>
-              <a:rPr lang="en-US" sz="1900" dirty="0">
-                <a:solidFill>
-                  <a:prstClr val="black"/>
-                </a:solidFill>
-              </a:rPr>
-              <a:t>” do</a:t>
-            </a:r>
-          </a:p>
-          <a:p>
-            <a:pPr lvl="0">
-              <a:lnSpc>
-                <a:spcPct val="100000"/>
-              </a:lnSpc>
-              <a:spcBef>
-                <a:spcPts val="0"/>
-              </a:spcBef>
-            </a:pPr>
-            <a:r>
-              <a:rPr lang="en-US" sz="1900" dirty="0">
-                <a:solidFill>
-                  <a:prstClr val="black"/>
-                </a:solidFill>
-              </a:rPr>
-              <a:t>  action :start</a:t>
-            </a:r>
-          </a:p>
-          <a:p>
-            <a:pPr lvl="0">
-              <a:lnSpc>
-                <a:spcPct val="100000"/>
-              </a:lnSpc>
-              <a:spcBef>
-                <a:spcPts val="0"/>
-              </a:spcBef>
-            </a:pPr>
-            <a:r>
-              <a:rPr lang="en-US" sz="1900" dirty="0">
-                <a:solidFill>
-                  <a:prstClr val="black"/>
-                </a:solidFill>
-              </a:rPr>
+            <a:endParaRPr lang="en-US" sz="2000" dirty="0"/>
+          </a:p>
+          <a:p>
+            <a:r>
+              <a:rPr lang="en-US" sz="2000" dirty="0"/>
+              <a:t>file 'c:\</a:t>
+            </a:r>
+            <a:r>
+              <a:rPr lang="en-US" sz="2000" dirty="0" err="1"/>
+              <a:t>inetpub</a:t>
+            </a:r>
+            <a:r>
+              <a:rPr lang="en-US" sz="2000" dirty="0"/>
+              <a:t>\</a:t>
+            </a:r>
+            <a:r>
+              <a:rPr lang="en-US" sz="2000" dirty="0" err="1"/>
+              <a:t>wwwroot</a:t>
+            </a:r>
+            <a:r>
+              <a:rPr lang="en-US" sz="2000" dirty="0"/>
+              <a:t>\</a:t>
+            </a:r>
+            <a:r>
+              <a:rPr lang="en-US" sz="2000" dirty="0" err="1"/>
+              <a:t>Default.htm</a:t>
+            </a:r>
+            <a:r>
+              <a:rPr lang="en-US" sz="2000" dirty="0"/>
+              <a:t>' do</a:t>
+            </a:r>
+          </a:p>
+          <a:p>
+            <a:r>
+              <a:rPr lang="en-US" sz="2000" dirty="0"/>
+              <a:t>  content '&lt;html&gt;&lt;body&gt;&lt;h1&gt;Hello World&lt;/h1&gt;&lt;/body&gt;&lt;/html&gt;'</a:t>
+            </a:r>
+          </a:p>
+          <a:p>
+            <a:r>
+              <a:rPr lang="en-US" sz="2000" dirty="0"/>
+              <a:t>  action :create</a:t>
+            </a:r>
+          </a:p>
+          <a:p>
+            <a:r>
+              <a:rPr lang="en-US" sz="2000" dirty="0"/>
               <a:t>end</a:t>
             </a:r>
           </a:p>
           <a:p>
-            <a:pPr lvl="0">
-              <a:lnSpc>
-                <a:spcPct val="100000"/>
-              </a:lnSpc>
-              <a:spcBef>
-                <a:spcPts val="0"/>
-              </a:spcBef>
-            </a:pPr>
-            <a:endParaRPr lang="en-US" sz="1900" dirty="0">
-              <a:solidFill>
-                <a:prstClr val="black"/>
-              </a:solidFill>
-            </a:endParaRPr>
-          </a:p>
-          <a:p>
-            <a:pPr lvl="0">
-              <a:lnSpc>
-                <a:spcPct val="100000"/>
-              </a:lnSpc>
-              <a:spcBef>
-                <a:spcPts val="0"/>
-              </a:spcBef>
-            </a:pPr>
-            <a:r>
-              <a:rPr lang="en-US" sz="1900" dirty="0">
-                <a:solidFill>
-                  <a:prstClr val="black"/>
-                </a:solidFill>
-              </a:rPr>
-              <a:t>file “/</a:t>
-            </a:r>
-            <a:r>
-              <a:rPr lang="en-US" sz="1900" dirty="0" err="1">
-                <a:solidFill>
-                  <a:prstClr val="black"/>
-                </a:solidFill>
-              </a:rPr>
-              <a:t>var</a:t>
-            </a:r>
-            <a:r>
-              <a:rPr lang="en-US" sz="1900" dirty="0">
-                <a:solidFill>
-                  <a:prstClr val="black"/>
-                </a:solidFill>
-              </a:rPr>
-              <a:t>/www/html/</a:t>
-            </a:r>
-            <a:r>
-              <a:rPr lang="en-US" sz="1900" dirty="0" err="1">
-                <a:solidFill>
-                  <a:prstClr val="black"/>
-                </a:solidFill>
-              </a:rPr>
-              <a:t>index.html</a:t>
-            </a:r>
-            <a:r>
-              <a:rPr lang="en-US" sz="1900" dirty="0">
-                <a:solidFill>
-                  <a:prstClr val="black"/>
-                </a:solidFill>
-              </a:rPr>
-              <a:t>” do</a:t>
-            </a:r>
-          </a:p>
-          <a:p>
-            <a:pPr lvl="0">
-              <a:lnSpc>
-                <a:spcPct val="100000"/>
-              </a:lnSpc>
-              <a:spcBef>
-                <a:spcPts val="0"/>
-              </a:spcBef>
-            </a:pPr>
-            <a:r>
-              <a:rPr lang="en-US" sz="1900" dirty="0">
-                <a:solidFill>
-                  <a:prstClr val="black"/>
-                </a:solidFill>
-              </a:rPr>
-              <a:t>  content “Hello World”</a:t>
-            </a:r>
-          </a:p>
-          <a:p>
-            <a:pPr lvl="0">
-              <a:lnSpc>
-                <a:spcPct val="100000"/>
-              </a:lnSpc>
-              <a:spcBef>
-                <a:spcPts val="0"/>
-              </a:spcBef>
-            </a:pPr>
-            <a:r>
-              <a:rPr lang="en-US" sz="1900" dirty="0">
-                <a:solidFill>
-                  <a:prstClr val="black"/>
-                </a:solidFill>
-              </a:rPr>
-              <a:t>  action :create</a:t>
-            </a:r>
-          </a:p>
-          <a:p>
-            <a:pPr lvl="0">
-              <a:lnSpc>
-                <a:spcPct val="100000"/>
-              </a:lnSpc>
-              <a:spcBef>
-                <a:spcPts val="0"/>
-              </a:spcBef>
-            </a:pPr>
-            <a:r>
-              <a:rPr lang="en-US" sz="1900" dirty="0">
-                <a:solidFill>
-                  <a:prstClr val="black"/>
-                </a:solidFill>
-              </a:rPr>
+            <a:endParaRPr lang="en-US" sz="2000" dirty="0"/>
+          </a:p>
+          <a:p>
+            <a:r>
+              <a:rPr lang="en-US" sz="2000" dirty="0"/>
+              <a:t>service 'w3svc' do</a:t>
+            </a:r>
+          </a:p>
+          <a:p>
+            <a:r>
+              <a:rPr lang="en-US" sz="2000" dirty="0"/>
+              <a:t>  action [:enable, :start]</a:t>
+            </a:r>
+          </a:p>
+          <a:p>
+            <a:r>
+              <a:rPr lang="en-US" sz="2000" dirty="0"/>
               <a:t>end</a:t>
             </a:r>
           </a:p>
@@ -23397,7 +22488,7 @@
     </p:spTree>
     <p:extLst>
       <p:ext uri="{BB962C8B-B14F-4D97-AF65-F5344CB8AC3E}">
-        <p14:creationId xmlns:p14="http://schemas.microsoft.com/office/powerpoint/2010/main" val="1675192083"/>
+        <p14:creationId xmlns:p14="http://schemas.microsoft.com/office/powerpoint/2010/main" val="1564906680"/>
       </p:ext>
     </p:extLst>
   </p:cSld>
@@ -23433,220 +22524,451 @@
       </p:grpSpPr>
       <p:sp>
         <p:nvSpPr>
-          <p:cNvPr id="2" name="Title 1"/>
-          <p:cNvSpPr>
-            <a:spLocks noGrp="1"/>
-          </p:cNvSpPr>
-          <p:nvPr>
-            <p:ph type="title"/>
-          </p:nvPr>
+          <p:cNvPr id="5" name="TextBox 4"/>
+          <p:cNvSpPr txBox="1"/>
+          <p:nvPr/>
         </p:nvSpPr>
         <p:spPr>
           <a:xfrm>
-            <a:off x="838200" y="156845"/>
-            <a:ext cx="10515600" cy="1113155"/>
+            <a:off x="846417" y="537883"/>
+            <a:ext cx="10214305" cy="769441"/>
           </a:xfrm>
+          <a:prstGeom prst="rect">
+            <a:avLst/>
+          </a:prstGeom>
+          <a:noFill/>
         </p:spPr>
         <p:txBody>
-          <a:bodyPr>
-            <a:normAutofit fontScale="90000"/>
+          <a:bodyPr wrap="square" rtlCol="0">
+            <a:spAutoFit/>
           </a:bodyPr>
           <a:lstStyle/>
           <a:p>
             <a:r>
-              <a:rPr lang="en-US" sz="4800" dirty="0" smtClean="0"/>
-              <a:t>Internet Information Server (IIS) </a:t>
-            </a:r>
-            <a:br>
-              <a:rPr lang="en-US" sz="4800" dirty="0" smtClean="0"/>
-            </a:br>
-            <a:r>
-              <a:rPr lang="en-US" sz="4800" dirty="0" smtClean="0"/>
-              <a:t>Installation Example</a:t>
-            </a:r>
-            <a:endParaRPr lang="en-US" sz="4800" dirty="0"/>
+              <a:rPr lang="en-US" sz="4400" dirty="0" smtClean="0"/>
+              <a:t>Configuring Multiple Servers Identically</a:t>
+            </a:r>
+            <a:endParaRPr lang="en-US" sz="4400" dirty="0"/>
           </a:p>
         </p:txBody>
       </p:sp>
-      <p:sp>
-        <p:nvSpPr>
-          <p:cNvPr id="4" name="Content Placeholder 3"/>
-          <p:cNvSpPr>
-            <a:spLocks noGrp="1"/>
-          </p:cNvSpPr>
-          <p:nvPr>
-            <p:ph idx="1"/>
-          </p:nvPr>
-        </p:nvSpPr>
-        <p:spPr>
+      <p:grpSp>
+        <p:nvGrpSpPr>
+          <p:cNvPr id="8" name="Group 7"/>
+          <p:cNvGrpSpPr/>
+          <p:nvPr/>
+        </p:nvGrpSpPr>
+        <p:grpSpPr>
           <a:xfrm>
-            <a:off x="838200" y="1397000"/>
-            <a:ext cx="10515600" cy="5252720"/>
+            <a:off x="0" y="1950630"/>
+            <a:ext cx="12192000" cy="3859620"/>
+            <a:chOff x="0" y="1950630"/>
+            <a:chExt cx="12192000" cy="3497682"/>
           </a:xfrm>
-        </p:spPr>
-        <p:txBody>
-          <a:bodyPr>
-            <a:normAutofit fontScale="92500" lnSpcReduction="20000"/>
-          </a:bodyPr>
-          <a:lstStyle/>
-          <a:p>
-            <a:r>
-              <a:rPr lang="en-US" sz="2000" dirty="0" err="1"/>
-              <a:t>powershell_script</a:t>
-            </a:r>
-            <a:r>
-              <a:rPr lang="en-US" sz="2000" dirty="0"/>
-              <a:t> 'Install IIS' do</a:t>
-            </a:r>
-          </a:p>
-          <a:p>
-            <a:r>
-              <a:rPr lang="en-US" sz="2000" dirty="0"/>
-              <a:t>  code 'Add-</a:t>
-            </a:r>
-            <a:r>
-              <a:rPr lang="en-US" sz="2000" dirty="0" err="1"/>
-              <a:t>WindowsFeature</a:t>
-            </a:r>
-            <a:r>
-              <a:rPr lang="en-US" sz="2000" dirty="0"/>
-              <a:t> Web-Server'</a:t>
-            </a:r>
-          </a:p>
-          <a:p>
-            <a:r>
-              <a:rPr lang="en-US" sz="2000" dirty="0"/>
-              <a:t>  </a:t>
-            </a:r>
-            <a:r>
-              <a:rPr lang="en-US" sz="2000" dirty="0" err="1"/>
-              <a:t>guard_interpreter</a:t>
-            </a:r>
-            <a:r>
-              <a:rPr lang="en-US" sz="2000" dirty="0"/>
-              <a:t> :</a:t>
-            </a:r>
-            <a:r>
-              <a:rPr lang="en-US" sz="2000" dirty="0" err="1"/>
-              <a:t>powershell_script</a:t>
-            </a:r>
-            <a:endParaRPr lang="en-US" sz="2000" dirty="0"/>
-          </a:p>
-          <a:p>
-            <a:r>
-              <a:rPr lang="en-US" sz="2000" dirty="0"/>
-              <a:t>  </a:t>
-            </a:r>
-            <a:r>
-              <a:rPr lang="en-US" sz="2000" dirty="0" err="1"/>
-              <a:t>not_if</a:t>
-            </a:r>
-            <a:r>
-              <a:rPr lang="en-US" sz="2000" dirty="0"/>
-              <a:t> "(Get-</a:t>
-            </a:r>
-            <a:r>
-              <a:rPr lang="en-US" sz="2000" dirty="0" err="1"/>
-              <a:t>WindowsFeature</a:t>
-            </a:r>
-            <a:r>
-              <a:rPr lang="en-US" sz="2000" dirty="0"/>
-              <a:t> -Name Web-Server).Installed"</a:t>
-            </a:r>
-          </a:p>
-          <a:p>
-            <a:r>
-              <a:rPr lang="en-US" sz="2000" dirty="0"/>
-              <a:t>  action :run</a:t>
-            </a:r>
-          </a:p>
-          <a:p>
-            <a:r>
-              <a:rPr lang="en-US" sz="2000" dirty="0"/>
-              <a:t>end</a:t>
-            </a:r>
-          </a:p>
-          <a:p>
-            <a:endParaRPr lang="en-US" sz="2000" dirty="0"/>
-          </a:p>
-          <a:p>
-            <a:r>
-              <a:rPr lang="en-US" sz="2000" dirty="0"/>
-              <a:t>file 'c:\</a:t>
-            </a:r>
-            <a:r>
-              <a:rPr lang="en-US" sz="2000" dirty="0" err="1"/>
-              <a:t>inetpub</a:t>
-            </a:r>
-            <a:r>
-              <a:rPr lang="en-US" sz="2000" dirty="0"/>
-              <a:t>\</a:t>
-            </a:r>
-            <a:r>
-              <a:rPr lang="en-US" sz="2000" dirty="0" err="1"/>
-              <a:t>wwwroot</a:t>
-            </a:r>
-            <a:r>
-              <a:rPr lang="en-US" sz="2000" dirty="0"/>
-              <a:t>\</a:t>
-            </a:r>
-            <a:r>
-              <a:rPr lang="en-US" sz="2000" dirty="0" err="1"/>
-              <a:t>Default.htm</a:t>
-            </a:r>
-            <a:r>
-              <a:rPr lang="en-US" sz="2000" dirty="0"/>
-              <a:t>' do</a:t>
-            </a:r>
-          </a:p>
-          <a:p>
-            <a:r>
-              <a:rPr lang="en-US" sz="2000" dirty="0"/>
-              <a:t>  content '&lt;html&gt;&lt;body&gt;&lt;h1&gt;Hello World&lt;/h1&gt;&lt;/body&gt;&lt;/html&gt;'</a:t>
-            </a:r>
-          </a:p>
-          <a:p>
-            <a:r>
-              <a:rPr lang="en-US" sz="2000" dirty="0"/>
-              <a:t>  action :create</a:t>
-            </a:r>
-          </a:p>
-          <a:p>
-            <a:r>
-              <a:rPr lang="en-US" sz="2000" dirty="0"/>
-              <a:t>end</a:t>
-            </a:r>
-          </a:p>
-          <a:p>
-            <a:endParaRPr lang="en-US" sz="2000" dirty="0"/>
-          </a:p>
-          <a:p>
-            <a:r>
-              <a:rPr lang="en-US" sz="2000" dirty="0"/>
-              <a:t>service 'w3svc' do</a:t>
-            </a:r>
-          </a:p>
-          <a:p>
-            <a:r>
-              <a:rPr lang="en-US" sz="2000" dirty="0"/>
-              <a:t>  action [:enable, :start]</a:t>
-            </a:r>
-          </a:p>
-          <a:p>
-            <a:r>
-              <a:rPr lang="en-US" sz="2000" dirty="0"/>
-              <a:t>end</a:t>
-            </a:r>
-          </a:p>
-          <a:p>
-            <a:endParaRPr lang="en-US" dirty="0"/>
-          </a:p>
-        </p:txBody>
-      </p:sp>
+        </p:grpSpPr>
+        <p:grpSp>
+          <p:nvGrpSpPr>
+            <p:cNvPr id="2" name="Group 1"/>
+            <p:cNvGrpSpPr/>
+            <p:nvPr/>
+          </p:nvGrpSpPr>
+          <p:grpSpPr>
+            <a:xfrm>
+              <a:off x="0" y="1950630"/>
+              <a:ext cx="12192000" cy="832911"/>
+              <a:chOff x="0" y="1950630"/>
+              <a:chExt cx="12192000" cy="832911"/>
+            </a:xfrm>
+          </p:grpSpPr>
+          <p:sp>
+            <p:nvSpPr>
+              <p:cNvPr id="3" name="Rectangle 2"/>
+              <p:cNvSpPr/>
+              <p:nvPr/>
+            </p:nvSpPr>
+            <p:spPr>
+              <a:xfrm>
+                <a:off x="0" y="1950630"/>
+                <a:ext cx="12192000" cy="832911"/>
+              </a:xfrm>
+              <a:prstGeom prst="rect">
+                <a:avLst/>
+              </a:prstGeom>
+              <a:solidFill>
+                <a:srgbClr val="0070C0"/>
+              </a:solidFill>
+              <a:ln w="9525" cap="flat" cmpd="sng" algn="ctr">
+                <a:noFill/>
+                <a:prstDash val="solid"/>
+              </a:ln>
+              <a:effectLst/>
+            </p:spPr>
+            <p:txBody>
+              <a:bodyPr rtlCol="0" anchor="ctr"/>
+              <a:lstStyle/>
+              <a:p>
+                <a:pPr marL="0" marR="0" lvl="0" indent="0" defTabSz="914400" eaLnBrk="1" fontAlgn="auto" latinLnBrk="0" hangingPunct="1">
+                  <a:lnSpc>
+                    <a:spcPct val="100000"/>
+                  </a:lnSpc>
+                  <a:spcBef>
+                    <a:spcPts val="0"/>
+                  </a:spcBef>
+                  <a:spcAft>
+                    <a:spcPts val="0"/>
+                  </a:spcAft>
+                  <a:buClrTx/>
+                  <a:buSzTx/>
+                  <a:buFont typeface="Arial" panose="020B0604020202020204" pitchFamily="34" charset="0"/>
+                  <a:buNone/>
+                  <a:tabLst/>
+                  <a:defRPr/>
+                </a:pPr>
+                <a:r>
+                  <a:rPr lang="en-US" sz="2800" kern="0" noProof="0" dirty="0" smtClean="0">
+                    <a:solidFill>
+                      <a:prstClr val="white"/>
+                    </a:solidFill>
+                    <a:latin typeface="+mj-lt"/>
+                  </a:rPr>
+                  <a:t>	Scripts can be rolled out to any number of servers!</a:t>
+                </a:r>
+                <a:endParaRPr kumimoji="0" lang="en-US" sz="2800" u="none" strike="noStrike" kern="0" cap="none" spc="0" normalizeH="0" baseline="0" noProof="0" dirty="0">
+                  <a:ln>
+                    <a:noFill/>
+                  </a:ln>
+                  <a:solidFill>
+                    <a:prstClr val="white"/>
+                  </a:solidFill>
+                  <a:effectLst/>
+                  <a:uLnTx/>
+                  <a:uFillTx/>
+                  <a:latin typeface="+mj-lt"/>
+                </a:endParaRPr>
+              </a:p>
+            </p:txBody>
+          </p:sp>
+          <p:sp>
+            <p:nvSpPr>
+              <p:cNvPr id="4" name="Content Placeholder 2"/>
+              <p:cNvSpPr txBox="1">
+                <a:spLocks/>
+              </p:cNvSpPr>
+              <p:nvPr/>
+            </p:nvSpPr>
+            <p:spPr>
+              <a:xfrm>
+                <a:off x="846418" y="1950630"/>
+                <a:ext cx="9423400" cy="832911"/>
+              </a:xfrm>
+              <a:prstGeom prst="rect">
+                <a:avLst/>
+              </a:prstGeom>
+            </p:spPr>
+            <p:txBody>
+              <a:bodyPr anchor="ctr"/>
+              <a:lstStyle>
+                <a:lvl1pPr marL="0" indent="0" algn="ctr" defTabSz="914400" rtl="0" eaLnBrk="1" latinLnBrk="0" hangingPunct="1">
+                  <a:lnSpc>
+                    <a:spcPct val="90000"/>
+                  </a:lnSpc>
+                  <a:spcBef>
+                    <a:spcPts val="1000"/>
+                  </a:spcBef>
+                  <a:buFont typeface="Arial" panose="020B0604020202020204" pitchFamily="34" charset="0"/>
+                  <a:buNone/>
+                  <a:defRPr sz="2800" i="1" kern="1200">
+                    <a:solidFill>
+                      <a:schemeClr val="bg1"/>
+                    </a:solidFill>
+                    <a:latin typeface="+mn-lt"/>
+                    <a:ea typeface="+mn-ea"/>
+                    <a:cs typeface="+mn-cs"/>
+                  </a:defRPr>
+                </a:lvl1pPr>
+                <a:lvl2pPr marL="457200" indent="0" algn="ctr" defTabSz="914400" rtl="0" eaLnBrk="1" latinLnBrk="0" hangingPunct="1">
+                  <a:lnSpc>
+                    <a:spcPct val="90000"/>
+                  </a:lnSpc>
+                  <a:spcBef>
+                    <a:spcPts val="500"/>
+                  </a:spcBef>
+                  <a:buFont typeface="Arial" panose="020B0604020202020204" pitchFamily="34" charset="0"/>
+                  <a:buNone/>
+                  <a:defRPr sz="2400" i="1" kern="1200">
+                    <a:solidFill>
+                      <a:schemeClr val="bg1"/>
+                    </a:solidFill>
+                    <a:latin typeface="+mn-lt"/>
+                    <a:ea typeface="+mn-ea"/>
+                    <a:cs typeface="+mn-cs"/>
+                  </a:defRPr>
+                </a:lvl2pPr>
+                <a:lvl3pPr marL="914400" indent="0" algn="ctr" defTabSz="914400" rtl="0" eaLnBrk="1" latinLnBrk="0" hangingPunct="1">
+                  <a:lnSpc>
+                    <a:spcPct val="90000"/>
+                  </a:lnSpc>
+                  <a:spcBef>
+                    <a:spcPts val="500"/>
+                  </a:spcBef>
+                  <a:buFont typeface="Arial" panose="020B0604020202020204" pitchFamily="34" charset="0"/>
+                  <a:buNone/>
+                  <a:defRPr sz="2000" i="1" kern="1200">
+                    <a:solidFill>
+                      <a:schemeClr val="bg1"/>
+                    </a:solidFill>
+                    <a:latin typeface="+mn-lt"/>
+                    <a:ea typeface="+mn-ea"/>
+                    <a:cs typeface="+mn-cs"/>
+                  </a:defRPr>
+                </a:lvl3pPr>
+                <a:lvl4pPr marL="1371600" indent="0" algn="ctr" defTabSz="914400" rtl="0" eaLnBrk="1" latinLnBrk="0" hangingPunct="1">
+                  <a:lnSpc>
+                    <a:spcPct val="90000"/>
+                  </a:lnSpc>
+                  <a:spcBef>
+                    <a:spcPts val="500"/>
+                  </a:spcBef>
+                  <a:buFont typeface="Arial" panose="020B0604020202020204" pitchFamily="34" charset="0"/>
+                  <a:buNone/>
+                  <a:defRPr sz="1800" i="1" kern="1200">
+                    <a:solidFill>
+                      <a:schemeClr val="bg1"/>
+                    </a:solidFill>
+                    <a:latin typeface="+mn-lt"/>
+                    <a:ea typeface="+mn-ea"/>
+                    <a:cs typeface="+mn-cs"/>
+                  </a:defRPr>
+                </a:lvl4pPr>
+                <a:lvl5pPr marL="1828800" indent="0" algn="ctr" defTabSz="914400" rtl="0" eaLnBrk="1" latinLnBrk="0" hangingPunct="1">
+                  <a:lnSpc>
+                    <a:spcPct val="90000"/>
+                  </a:lnSpc>
+                  <a:spcBef>
+                    <a:spcPts val="500"/>
+                  </a:spcBef>
+                  <a:buFont typeface="Arial" panose="020B0604020202020204" pitchFamily="34" charset="0"/>
+                  <a:buNone/>
+                  <a:defRPr sz="1800" i="1" kern="1200">
+                    <a:solidFill>
+                      <a:schemeClr val="bg1"/>
+                    </a:solidFill>
+                    <a:latin typeface="+mn-lt"/>
+                    <a:ea typeface="+mn-ea"/>
+                    <a:cs typeface="+mn-cs"/>
+                  </a:defRPr>
+                </a:lvl5pPr>
+                <a:lvl6pPr marL="2514600" indent="-228600" algn="l" defTabSz="914400" rtl="0" eaLnBrk="1" latinLnBrk="0" hangingPunct="1">
+                  <a:lnSpc>
+                    <a:spcPct val="90000"/>
+                  </a:lnSpc>
+                  <a:spcBef>
+                    <a:spcPts val="500"/>
+                  </a:spcBef>
+                  <a:buFont typeface="Arial" panose="020B0604020202020204" pitchFamily="34" charset="0"/>
+                  <a:buChar char="•"/>
+                  <a:defRPr sz="1800" kern="1200">
+                    <a:solidFill>
+                      <a:schemeClr val="tx1"/>
+                    </a:solidFill>
+                    <a:latin typeface="+mn-lt"/>
+                    <a:ea typeface="+mn-ea"/>
+                    <a:cs typeface="+mn-cs"/>
+                  </a:defRPr>
+                </a:lvl6pPr>
+                <a:lvl7pPr marL="2971800" indent="-228600" algn="l" defTabSz="914400" rtl="0" eaLnBrk="1" latinLnBrk="0" hangingPunct="1">
+                  <a:lnSpc>
+                    <a:spcPct val="90000"/>
+                  </a:lnSpc>
+                  <a:spcBef>
+                    <a:spcPts val="500"/>
+                  </a:spcBef>
+                  <a:buFont typeface="Arial" panose="020B0604020202020204" pitchFamily="34" charset="0"/>
+                  <a:buChar char="•"/>
+                  <a:defRPr sz="1800" kern="1200">
+                    <a:solidFill>
+                      <a:schemeClr val="tx1"/>
+                    </a:solidFill>
+                    <a:latin typeface="+mn-lt"/>
+                    <a:ea typeface="+mn-ea"/>
+                    <a:cs typeface="+mn-cs"/>
+                  </a:defRPr>
+                </a:lvl7pPr>
+                <a:lvl8pPr marL="3429000" indent="-228600" algn="l" defTabSz="914400" rtl="0" eaLnBrk="1" latinLnBrk="0" hangingPunct="1">
+                  <a:lnSpc>
+                    <a:spcPct val="90000"/>
+                  </a:lnSpc>
+                  <a:spcBef>
+                    <a:spcPts val="500"/>
+                  </a:spcBef>
+                  <a:buFont typeface="Arial" panose="020B0604020202020204" pitchFamily="34" charset="0"/>
+                  <a:buChar char="•"/>
+                  <a:defRPr sz="1800" kern="1200">
+                    <a:solidFill>
+                      <a:schemeClr val="tx1"/>
+                    </a:solidFill>
+                    <a:latin typeface="+mn-lt"/>
+                    <a:ea typeface="+mn-ea"/>
+                    <a:cs typeface="+mn-cs"/>
+                  </a:defRPr>
+                </a:lvl8pPr>
+                <a:lvl9pPr marL="3886200" indent="-228600" algn="l" defTabSz="914400" rtl="0" eaLnBrk="1" latinLnBrk="0" hangingPunct="1">
+                  <a:lnSpc>
+                    <a:spcPct val="90000"/>
+                  </a:lnSpc>
+                  <a:spcBef>
+                    <a:spcPts val="500"/>
+                  </a:spcBef>
+                  <a:buFont typeface="Arial" panose="020B0604020202020204" pitchFamily="34" charset="0"/>
+                  <a:buChar char="•"/>
+                  <a:defRPr sz="1800" kern="1200">
+                    <a:solidFill>
+                      <a:schemeClr val="tx1"/>
+                    </a:solidFill>
+                    <a:latin typeface="+mn-lt"/>
+                    <a:ea typeface="+mn-ea"/>
+                    <a:cs typeface="+mn-cs"/>
+                  </a:defRPr>
+                </a:lvl9pPr>
+              </a:lstStyle>
+              <a:p>
+                <a:pPr algn="l"/>
+                <a:endParaRPr lang="en-US" i="0" dirty="0"/>
+              </a:p>
+            </p:txBody>
+          </p:sp>
+        </p:grpSp>
+        <p:sp>
+          <p:nvSpPr>
+            <p:cNvPr id="7" name="Rectangle 6"/>
+            <p:cNvSpPr/>
+            <p:nvPr/>
+          </p:nvSpPr>
+          <p:spPr>
+            <a:xfrm>
+              <a:off x="0" y="2783545"/>
+              <a:ext cx="12192000" cy="2664767"/>
+            </a:xfrm>
+            <a:prstGeom prst="rect">
+              <a:avLst/>
+            </a:prstGeom>
+            <a:noFill/>
+            <a:ln>
+              <a:noFill/>
+            </a:ln>
+          </p:spPr>
+          <p:style>
+            <a:lnRef idx="2">
+              <a:schemeClr val="accent1">
+                <a:shade val="50000"/>
+              </a:schemeClr>
+            </a:lnRef>
+            <a:fillRef idx="1">
+              <a:schemeClr val="accent1"/>
+            </a:fillRef>
+            <a:effectRef idx="0">
+              <a:schemeClr val="accent1"/>
+            </a:effectRef>
+            <a:fontRef idx="minor">
+              <a:schemeClr val="lt1"/>
+            </a:fontRef>
+          </p:style>
+          <p:txBody>
+            <a:bodyPr rtlCol="0" anchor="ctr"/>
+            <a:lstStyle/>
+            <a:p>
+              <a:pPr marL="1371600" lvl="2" indent="-457200">
+                <a:buFont typeface="Wingdings" charset="2"/>
+                <a:buChar char="§"/>
+              </a:pPr>
+              <a:r>
+                <a:rPr lang="en-US" sz="2800" dirty="0" smtClean="0">
+                  <a:solidFill>
+                    <a:srgbClr val="000000"/>
+                  </a:solidFill>
+                </a:rPr>
+                <a:t>The </a:t>
+              </a:r>
+              <a:r>
+                <a:rPr lang="en-US" sz="2800" dirty="0">
+                  <a:solidFill>
+                    <a:srgbClr val="000000"/>
+                  </a:solidFill>
+                </a:rPr>
+                <a:t>previous code example can be applied to </a:t>
+              </a:r>
+              <a:r>
+                <a:rPr lang="en-US" sz="2800" dirty="0" smtClean="0">
+                  <a:solidFill>
+                    <a:srgbClr val="000000"/>
+                  </a:solidFill>
+                </a:rPr>
+                <a:t>a single </a:t>
+              </a:r>
+              <a:r>
+                <a:rPr lang="en-US" sz="2800" dirty="0">
+                  <a:solidFill>
+                    <a:srgbClr val="000000"/>
+                  </a:solidFill>
+                </a:rPr>
+                <a:t>server or to </a:t>
+              </a:r>
+              <a:r>
+                <a:rPr lang="en-US" sz="2800" dirty="0" smtClean="0">
+                  <a:solidFill>
+                    <a:srgbClr val="000000"/>
+                  </a:solidFill>
+                </a:rPr>
+                <a:t>ten</a:t>
+              </a:r>
+              <a:r>
+                <a:rPr lang="en-US" sz="2800" dirty="0">
+                  <a:solidFill>
+                    <a:srgbClr val="000000"/>
+                  </a:solidFill>
+                </a:rPr>
+                <a:t>-thousand </a:t>
+              </a:r>
+              <a:r>
+                <a:rPr lang="en-US" sz="2800" dirty="0" smtClean="0">
+                  <a:solidFill>
+                    <a:srgbClr val="000000"/>
+                  </a:solidFill>
+                </a:rPr>
+                <a:t>servers</a:t>
+              </a:r>
+              <a:endParaRPr lang="en-US" sz="2800" dirty="0">
+                <a:solidFill>
+                  <a:srgbClr val="000000"/>
+                </a:solidFill>
+              </a:endParaRPr>
+            </a:p>
+            <a:p>
+              <a:pPr marL="1371600" lvl="2" indent="-457200">
+                <a:buFont typeface="Wingdings" charset="2"/>
+                <a:buChar char="§"/>
+              </a:pPr>
+              <a:r>
+                <a:rPr lang="en-US" sz="2800" dirty="0" smtClean="0">
+                  <a:solidFill>
+                    <a:srgbClr val="000000"/>
+                  </a:solidFill>
+                </a:rPr>
+                <a:t>If properly tested and deployed, each server will be configured identically</a:t>
+              </a:r>
+              <a:endParaRPr lang="en-US" sz="2800" dirty="0">
+                <a:solidFill>
+                  <a:srgbClr val="000000"/>
+                </a:solidFill>
+              </a:endParaRPr>
+            </a:p>
+          </p:txBody>
+        </p:sp>
+      </p:grpSp>
     </p:spTree>
     <p:extLst>
       <p:ext uri="{BB962C8B-B14F-4D97-AF65-F5344CB8AC3E}">
-        <p14:creationId xmlns:p14="http://schemas.microsoft.com/office/powerpoint/2010/main" val="1564906680"/>
+        <p14:creationId xmlns:p14="http://schemas.microsoft.com/office/powerpoint/2010/main" val="2020878817"/>
       </p:ext>
     </p:extLst>
   </p:cSld>

--- a/Complimentary Course Content/Module7/Lessons/Module7_Lesson2 Configuration Management.pptx
+++ b/Complimentary Course Content/Module7/Lessons/Module7_Lesson2 Configuration Management.pptx
@@ -138,7 +138,7 @@
   </p:defaultTextStyle>
   <p:extLst>
     <p:ext uri="{EFAFB233-063F-42B5-8137-9DF3F51BA10A}">
-      <p15:sldGuideLst xmlns:p15="http://schemas.microsoft.com/office/powerpoint/2012/main" xmlns="">
+      <p15:sldGuideLst xmlns="" xmlns:p15="http://schemas.microsoft.com/office/powerpoint/2012/main">
         <p15:guide id="1" orient="horz" pos="2184" userDrawn="1">
           <p15:clr>
             <a:srgbClr val="A4A3A4"/>
@@ -258,7 +258,7 @@
             <a:fld id="{49B60EF2-7028-489F-85D8-FE86CD7CF2A0}" type="datetimeFigureOut">
               <a:rPr lang="en-US" smtClean="0"/>
               <a:pPr/>
-              <a:t>7/26/16</a:t>
+              <a:t>7/29/16</a:t>
             </a:fld>
             <a:endParaRPr lang="en-US"/>
           </a:p>
@@ -1227,14 +1227,49 @@
             </a:r>
             <a:r>
               <a:rPr lang="en-US" baseline="0" dirty="0" smtClean="0"/>
-              <a:t>, if the script is applied to the server and the server is already in the desired state, then nothing happens.  If the server is not in the desired state, then the server is put into the desired state.</a:t>
-            </a:r>
-            <a:br>
+              <a:t>, if the script is applied to the </a:t>
+            </a:r>
+            <a:r>
               <a:rPr lang="en-US" baseline="0" dirty="0" smtClean="0"/>
-            </a:br>
+              <a:t>server, but the </a:t>
+            </a:r>
             <a:r>
               <a:rPr lang="en-US" baseline="0" dirty="0" smtClean="0"/>
-              <a:t>Example: script dictates that Apache should be installed.  The first time the script is run, Apache is not installed so the client installs Apache.  The next time the script is run Apache is already installed so that step is skipped.  If someone were to manually uninstall Apache, then next time the script runs Apache will be re-installed.  This is </a:t>
+              <a:t>server is </a:t>
+            </a:r>
+            <a:r>
+              <a:rPr lang="en-US" baseline="0" dirty="0" smtClean="0"/>
+              <a:t>in </a:t>
+            </a:r>
+            <a:r>
+              <a:rPr lang="en-US" baseline="0" dirty="0" smtClean="0"/>
+              <a:t>the desired state, </a:t>
+            </a:r>
+            <a:r>
+              <a:rPr lang="en-US" baseline="0" dirty="0" smtClean="0"/>
+              <a:t>nothing </a:t>
+            </a:r>
+            <a:r>
+              <a:rPr lang="en-US" baseline="0" dirty="0" smtClean="0"/>
+              <a:t>happens.  If the server is not in the desired state, then the server is put into the desired state</a:t>
+            </a:r>
+            <a:r>
+              <a:rPr lang="en-US" baseline="0" dirty="0" smtClean="0"/>
+              <a:t>.</a:t>
+            </a:r>
+          </a:p>
+          <a:p>
+            <a:pPr marL="228600" indent="-228600">
+              <a:buFont typeface="Arial"/>
+              <a:buChar char="•"/>
+            </a:pPr>
+            <a:r>
+              <a:rPr lang="en-US" baseline="0" dirty="0" smtClean="0"/>
+              <a:t>Example</a:t>
+            </a:r>
+            <a:r>
+              <a:rPr lang="en-US" baseline="0" dirty="0" smtClean="0"/>
+              <a:t>: script dictates that Apache should be installed.  The first time the script is run, Apache is not installed so the client installs Apache.  The next time the script is run Apache is already installed so that step is skipped.  If someone were to manually uninstall Apache, then next time the script runs Apache will be re-installed.  This is </a:t>
             </a:r>
             <a:r>
               <a:rPr lang="en-US" baseline="0" dirty="0" err="1" smtClean="0"/>
@@ -1334,7 +1369,6 @@
               <a:rPr lang="en-US" b="1" dirty="0" smtClean="0"/>
               <a:t>Notes:</a:t>
             </a:r>
-            <a:endParaRPr lang="en-US" b="1" dirty="0" smtClean="0"/>
           </a:p>
           <a:p>
             <a:pPr marL="171450" indent="-171450">
@@ -1355,7 +1389,15 @@
             </a:r>
             <a:r>
               <a:rPr lang="en-US" baseline="0" dirty="0" smtClean="0"/>
-              <a:t>. We’re talking about the ability to execute a script multiple times without harming the state of the system. This also implies that if a call to a script is made multiple times, changes are only made when the server has strayed from the “desired state”. </a:t>
+              <a:t>. We’re talking about the ability to execute a script multiple times without harming the state of the system. This also implies that if a call to a script is made multiple times, changes are </a:t>
+            </a:r>
+            <a:r>
+              <a:rPr lang="en-US" baseline="0" dirty="0" smtClean="0"/>
+              <a:t>made only </a:t>
+            </a:r>
+            <a:r>
+              <a:rPr lang="en-US" baseline="0" dirty="0" smtClean="0"/>
+              <a:t>when the server has strayed from the “desired state”. </a:t>
             </a:r>
           </a:p>
           <a:p>
@@ -1372,11 +1414,15 @@
             </a:pPr>
             <a:r>
               <a:rPr lang="en-US" baseline="0" dirty="0" smtClean="0"/>
-              <a:t>This means that changes are only made when a new feature is released or rolled out</a:t>
+              <a:t>This means that changes are </a:t>
             </a:r>
             <a:r>
               <a:rPr lang="en-US" baseline="0" dirty="0" smtClean="0"/>
-              <a:t>!</a:t>
+              <a:t>made only when </a:t>
+            </a:r>
+            <a:r>
+              <a:rPr lang="en-US" baseline="0" dirty="0" smtClean="0"/>
+              <a:t>a new feature is released or rolled out!</a:t>
             </a:r>
           </a:p>
           <a:p>
@@ -1587,11 +1633,7 @@
             </a:pPr>
             <a:r>
               <a:rPr lang="en-US" dirty="0" smtClean="0"/>
-              <a:t>https</a:t>
-            </a:r>
-            <a:r>
-              <a:rPr lang="en-US" dirty="0" smtClean="0"/>
-              <a:t>://</a:t>
+              <a:t>https://</a:t>
             </a:r>
             <a:r>
               <a:rPr lang="en-US" dirty="0" err="1" smtClean="0"/>
@@ -2820,8 +2862,33 @@
             </a:pPr>
             <a:r>
               <a:rPr lang="en-US" sz="1200" dirty="0" smtClean="0"/>
-              <a:t>Cloud computing defines compute resources that are owned by another entity (such as Microsoft Azure or Amazon Web Services) but that can be “rented” for low cost and no commitment </a:t>
-            </a:r>
+              <a:t>Clouds make it possible</a:t>
+            </a:r>
+            <a:r>
+              <a:rPr lang="en-US" sz="1200" baseline="0" dirty="0" smtClean="0"/>
+              <a:t> for </a:t>
+            </a:r>
+            <a:r>
+              <a:rPr lang="en-US" sz="1200" dirty="0" err="1" smtClean="0"/>
+              <a:t>DevOps</a:t>
+            </a:r>
+            <a:r>
+              <a:rPr lang="en-US" sz="1200" dirty="0" smtClean="0"/>
+              <a:t> </a:t>
+            </a:r>
+            <a:r>
+              <a:rPr lang="en-US" sz="1200" dirty="0" smtClean="0"/>
+              <a:t>engineers to launch thousands of </a:t>
+            </a:r>
+            <a:r>
+              <a:rPr lang="en-US" sz="1200" dirty="0" smtClean="0"/>
+              <a:t>servers, use them</a:t>
+            </a:r>
+            <a:r>
+              <a:rPr lang="en-US" sz="1200" baseline="0" dirty="0" smtClean="0"/>
+              <a:t> for any time period from minutes to years, terminating whenever the servers are no longer necessary.</a:t>
+            </a:r>
+            <a:endParaRPr lang="en-US" sz="1200" dirty="0" smtClean="0"/>
           </a:p>
           <a:p>
             <a:pPr marL="171450" indent="-171450">
@@ -2829,15 +2896,13 @@
               <a:buChar char="•"/>
             </a:pPr>
             <a:r>
-              <a:rPr lang="en-US" sz="1200" dirty="0" smtClean="0"/>
-              <a:t>Clouds enable DevOps engineers to launch thousands of servers, use them for a few hours, and then terminate those servers when no longer needed, with no upfront cost before using these resources and no additional cost after they are terminated</a:t>
-            </a:r>
-          </a:p>
-          <a:p>
-            <a:pPr marL="171450" indent="-171450">
-              <a:buFont typeface="Arial"/>
-              <a:buChar char="•"/>
-            </a:pPr>
+              <a:rPr lang="en-US" dirty="0" smtClean="0"/>
+              <a:t>The lack</a:t>
+            </a:r>
+            <a:r>
+              <a:rPr lang="en-US" baseline="0" dirty="0" smtClean="0"/>
+              <a:t> of cost upfront and in terms of maintenance and support make cloud computing very useful</a:t>
+            </a:r>
             <a:endParaRPr lang="en-US" dirty="0"/>
           </a:p>
         </p:txBody>
@@ -4581,7 +4646,7 @@
             <a:fld id="{0459C166-16D3-4A25-A2F8-C51E0E346B22}" type="datetimeFigureOut">
               <a:rPr lang="en-US" smtClean="0"/>
               <a:pPr/>
-              <a:t>7/26/16</a:t>
+              <a:t>7/29/16</a:t>
             </a:fld>
             <a:endParaRPr lang="en-US"/>
           </a:p>
@@ -4950,7 +5015,7 @@
             <a:fld id="{0459C166-16D3-4A25-A2F8-C51E0E346B22}" type="datetimeFigureOut">
               <a:rPr lang="en-US" smtClean="0"/>
               <a:pPr/>
-              <a:t>7/26/16</a:t>
+              <a:t>7/29/16</a:t>
             </a:fld>
             <a:endParaRPr lang="en-US"/>
           </a:p>
@@ -5070,7 +5135,7 @@
             <a:fld id="{0459C166-16D3-4A25-A2F8-C51E0E346B22}" type="datetimeFigureOut">
               <a:rPr lang="en-US" smtClean="0"/>
               <a:pPr/>
-              <a:t>7/26/16</a:t>
+              <a:t>7/29/16</a:t>
             </a:fld>
             <a:endParaRPr lang="en-US"/>
           </a:p>
@@ -5289,7 +5354,7 @@
                 <a:latin typeface="Segoe UI"/>
               </a:rPr>
               <a:pPr/>
-              <a:t>7/26/16</a:t>
+              <a:t>7/29/16</a:t>
             </a:fld>
             <a:endParaRPr lang="en-US">
               <a:solidFill>
@@ -5496,7 +5561,7 @@
                 <a:latin typeface="Segoe UI"/>
               </a:rPr>
               <a:pPr/>
-              <a:t>7/26/16</a:t>
+              <a:t>7/29/16</a:t>
             </a:fld>
             <a:endParaRPr lang="en-US">
               <a:solidFill>
@@ -5795,7 +5860,7 @@
                 <a:latin typeface="Segoe UI"/>
               </a:rPr>
               <a:pPr/>
-              <a:t>7/26/16</a:t>
+              <a:t>7/29/16</a:t>
             </a:fld>
             <a:endParaRPr lang="en-US">
               <a:solidFill>
@@ -6142,7 +6207,7 @@
                 <a:latin typeface="Segoe UI"/>
               </a:rPr>
               <a:pPr/>
-              <a:t>7/26/16</a:t>
+              <a:t>7/29/16</a:t>
             </a:fld>
             <a:endParaRPr lang="en-US">
               <a:solidFill>
@@ -6522,7 +6587,7 @@
                 <a:latin typeface="Segoe UI"/>
               </a:rPr>
               <a:pPr/>
-              <a:t>7/26/16</a:t>
+              <a:t>7/29/16</a:t>
             </a:fld>
             <a:endParaRPr lang="en-US">
               <a:solidFill>
@@ -7406,7 +7471,7 @@
             <a:fld id="{0459C166-16D3-4A25-A2F8-C51E0E346B22}" type="datetimeFigureOut">
               <a:rPr lang="en-US" smtClean="0"/>
               <a:pPr/>
-              <a:t>7/26/16</a:t>
+              <a:t>7/29/16</a:t>
             </a:fld>
             <a:endParaRPr lang="en-US"/>
           </a:p>
@@ -7647,7 +7712,7 @@
                 <a:latin typeface="Segoe UI"/>
               </a:rPr>
               <a:pPr/>
-              <a:t>7/26/16</a:t>
+              <a:t>7/29/16</a:t>
             </a:fld>
             <a:endParaRPr lang="en-US">
               <a:solidFill>
@@ -8051,7 +8116,7 @@
                 <a:latin typeface="Segoe UI"/>
               </a:rPr>
               <a:pPr/>
-              <a:t>7/26/16</a:t>
+              <a:t>7/29/16</a:t>
             </a:fld>
             <a:endParaRPr lang="en-US">
               <a:solidFill>
@@ -8206,7 +8271,7 @@
                 <a:latin typeface="Segoe UI"/>
               </a:rPr>
               <a:pPr/>
-              <a:t>7/26/16</a:t>
+              <a:t>7/29/16</a:t>
             </a:fld>
             <a:endParaRPr lang="en-US">
               <a:solidFill>
@@ -8500,7 +8565,7 @@
             <a:fld id="{0459C166-16D3-4A25-A2F8-C51E0E346B22}" type="datetimeFigureOut">
               <a:rPr lang="en-US" smtClean="0"/>
               <a:pPr/>
-              <a:t>7/26/16</a:t>
+              <a:t>7/29/16</a:t>
             </a:fld>
             <a:endParaRPr lang="en-US"/>
           </a:p>
@@ -8820,7 +8885,7 @@
             <a:fld id="{0459C166-16D3-4A25-A2F8-C51E0E346B22}" type="datetimeFigureOut">
               <a:rPr lang="en-US" smtClean="0"/>
               <a:pPr/>
-              <a:t>7/26/16</a:t>
+              <a:t>7/29/16</a:t>
             </a:fld>
             <a:endParaRPr lang="en-US"/>
           </a:p>
@@ -9219,7 +9284,7 @@
             <a:fld id="{0459C166-16D3-4A25-A2F8-C51E0E346B22}" type="datetimeFigureOut">
               <a:rPr lang="en-US" smtClean="0"/>
               <a:pPr/>
-              <a:t>7/26/16</a:t>
+              <a:t>7/29/16</a:t>
             </a:fld>
             <a:endParaRPr lang="en-US"/>
           </a:p>
@@ -10191,7 +10256,7 @@
             <a:fld id="{0459C166-16D3-4A25-A2F8-C51E0E346B22}" type="datetimeFigureOut">
               <a:rPr lang="en-US" smtClean="0"/>
               <a:pPr/>
-              <a:t>7/26/16</a:t>
+              <a:t>7/29/16</a:t>
             </a:fld>
             <a:endParaRPr lang="en-US"/>
           </a:p>
@@ -10405,7 +10470,7 @@
             <a:fld id="{0459C166-16D3-4A25-A2F8-C51E0E346B22}" type="datetimeFigureOut">
               <a:rPr lang="en-US" smtClean="0"/>
               <a:pPr/>
-              <a:t>7/26/16</a:t>
+              <a:t>7/29/16</a:t>
             </a:fld>
             <a:endParaRPr lang="en-US"/>
           </a:p>
@@ -10953,7 +11018,7 @@
                 <a:latin typeface="Segoe UI"/>
               </a:rPr>
               <a:pPr/>
-              <a:t>7/26/16</a:t>
+              <a:t>7/29/16</a:t>
             </a:fld>
             <a:endParaRPr lang="en-US">
               <a:solidFill>
@@ -16329,8 +16394,13 @@
                     <a:srgbClr val="000000"/>
                   </a:solidFill>
                 </a:rPr>
-                <a:t>No programming knowledge needed</a:t>
+                <a:t>Does not require any programming knowledge</a:t>
               </a:r>
+              <a:endParaRPr lang="en-US" sz="2800" dirty="0" smtClean="0">
+                <a:solidFill>
+                  <a:srgbClr val="000000"/>
+                </a:solidFill>
+              </a:endParaRPr>
             </a:p>
             <a:p>
               <a:pPr marL="1371600" lvl="2" indent="-457200">
@@ -18158,8 +18228,21 @@
                     <a:srgbClr val="000000"/>
                   </a:solidFill>
                 </a:rPr>
-                <a:t>Compute resources that are owned by another entity such as: </a:t>
+                <a:t>Compute resources </a:t>
               </a:r>
+              <a:r>
+                <a:rPr lang="en-US" sz="2800" dirty="0" smtClean="0">
+                  <a:solidFill>
+                    <a:srgbClr val="000000"/>
+                  </a:solidFill>
+                </a:rPr>
+                <a:t>owned by some other entity: </a:t>
+              </a:r>
+              <a:endParaRPr lang="en-US" sz="2800" dirty="0" smtClean="0">
+                <a:solidFill>
+                  <a:srgbClr val="000000"/>
+                </a:solidFill>
+              </a:endParaRPr>
             </a:p>
             <a:p>
               <a:pPr marL="1828800" lvl="3" indent="-457200">
@@ -19994,7 +20077,19 @@
               </a:pPr>
               <a:r>
                 <a:rPr lang="en-US" sz="2800" dirty="0"/>
-                <a:t>Explain how integration with the cloud changes implementation</a:t>
+                <a:t>Explain </a:t>
+              </a:r>
+              <a:r>
+                <a:rPr lang="en-US" sz="2800" dirty="0" smtClean="0"/>
+                <a:t>how cloud </a:t>
+              </a:r>
+              <a:r>
+                <a:rPr lang="en-US" sz="2800" dirty="0" smtClean="0"/>
+                <a:t>integration changes </a:t>
+              </a:r>
+              <a:r>
+                <a:rPr lang="en-US" sz="2800" dirty="0"/>
+                <a:t>implementation</a:t>
               </a:r>
             </a:p>
             <a:p>
@@ -20003,10 +20098,9 @@
                 <a:buChar char="§"/>
               </a:pPr>
               <a:r>
-                <a:rPr lang="en-US" sz="2800"/>
+                <a:rPr lang="en-US" sz="2800" dirty="0"/>
                 <a:t>Review configuration management examples</a:t>
               </a:r>
-              <a:endParaRPr lang="en-US" sz="2800" dirty="0"/>
             </a:p>
           </p:txBody>
         </p:sp>
@@ -20848,8 +20942,13 @@
                     <a:srgbClr val="000000"/>
                   </a:solidFill>
                 </a:rPr>
-                <a:t>A many times return on investment as a result of:</a:t>
+                <a:t>Huge return on investment given:</a:t>
               </a:r>
+              <a:endParaRPr lang="en-US" sz="2800" dirty="0" smtClean="0">
+                <a:solidFill>
+                  <a:srgbClr val="000000"/>
+                </a:solidFill>
+              </a:endParaRPr>
             </a:p>
             <a:p>
               <a:pPr marL="1828800" lvl="3" indent="-457200">
@@ -22890,12 +22989,20 @@
                 <a:t>The </a:t>
               </a:r>
               <a:r>
+                <a:rPr lang="en-US" sz="2800" dirty="0" smtClean="0">
+                  <a:solidFill>
+                    <a:srgbClr val="000000"/>
+                  </a:solidFill>
+                </a:rPr>
+                <a:t>preceding examples </a:t>
+              </a:r>
+              <a:r>
                 <a:rPr lang="en-US" sz="2800" dirty="0">
                   <a:solidFill>
                     <a:srgbClr val="000000"/>
                   </a:solidFill>
                 </a:rPr>
-                <a:t>previous code example can be applied to </a:t>
+                <a:t>can be applied </a:t>
               </a:r>
               <a:r>
                 <a:rPr lang="en-US" sz="2800" dirty="0" smtClean="0">
@@ -22903,7 +23010,7 @@
                     <a:srgbClr val="000000"/>
                   </a:solidFill>
                 </a:rPr>
-                <a:t>a single </a:t>
+                <a:t>to anywhere from one </a:t>
               </a:r>
               <a:r>
                 <a:rPr lang="en-US" sz="2800" dirty="0">
@@ -22911,7 +23018,7 @@
                     <a:srgbClr val="000000"/>
                   </a:solidFill>
                 </a:rPr>
-                <a:t>server or to </a:t>
+                <a:t>to </a:t>
               </a:r>
               <a:r>
                 <a:rPr lang="en-US" sz="2800" dirty="0" smtClean="0">
@@ -23248,7 +23355,7 @@
   <a:extraClrSchemeLst/>
   <a:extLst>
     <a:ext uri="{05A4C25C-085E-4340-85A3-A5531E510DB2}">
-      <thm15:themeFamily xmlns:thm15="http://schemas.microsoft.com/office/thememl/2012/main" xmlns="" name="Office Theme" id="{62F939B6-93AF-4DB8-9C6B-D6C7DFDC589F}" vid="{4A3C46E8-61CC-4603-A589-7422A47A8E4A}"/>
+      <thm15:themeFamily xmlns="" xmlns:thm15="http://schemas.microsoft.com/office/thememl/2012/main" name="Office Theme" id="{62F939B6-93AF-4DB8-9C6B-D6C7DFDC589F}" vid="{4A3C46E8-61CC-4603-A589-7422A47A8E4A}"/>
     </a:ext>
   </a:extLst>
 </a:theme>
@@ -23517,7 +23624,7 @@
   <a:extraClrSchemeLst/>
   <a:extLst>
     <a:ext uri="{05A4C25C-085E-4340-85A3-A5531E510DB2}">
-      <thm15:themeFamily xmlns:thm15="http://schemas.microsoft.com/office/thememl/2012/main" xmlns="" name="Office Theme" id="{62F939B6-93AF-4DB8-9C6B-D6C7DFDC589F}" vid="{4A3C46E8-61CC-4603-A589-7422A47A8E4A}"/>
+      <thm15:themeFamily xmlns="" xmlns:thm15="http://schemas.microsoft.com/office/thememl/2012/main" name="Office Theme" id="{62F939B6-93AF-4DB8-9C6B-D6C7DFDC589F}" vid="{4A3C46E8-61CC-4603-A589-7422A47A8E4A}"/>
     </a:ext>
   </a:extLst>
 </a:theme>
@@ -23812,7 +23919,7 @@
   <a:extraClrSchemeLst/>
   <a:extLst>
     <a:ext uri="{05A4C25C-085E-4340-85A3-A5531E510DB2}">
-      <thm15:themeFamily xmlns:thm15="http://schemas.microsoft.com/office/thememl/2012/main" xmlns="" name="Office Theme" id="{62F939B6-93AF-4DB8-9C6B-D6C7DFDC589F}" vid="{4A3C46E8-61CC-4603-A589-7422A47A8E4A}"/>
+      <thm15:themeFamily xmlns="" xmlns:thm15="http://schemas.microsoft.com/office/thememl/2012/main" name="Office Theme" id="{62F939B6-93AF-4DB8-9C6B-D6C7DFDC589F}" vid="{4A3C46E8-61CC-4603-A589-7422A47A8E4A}"/>
     </a:ext>
   </a:extLst>
 </a:theme>

--- a/Complimentary Course Content/Module7/Lessons/Module7_Lesson2 Configuration Management.pptx
+++ b/Complimentary Course Content/Module7/Lessons/Module7_Lesson2 Configuration Management.pptx
@@ -1227,35 +1227,7 @@
             </a:r>
             <a:r>
               <a:rPr lang="en-US" baseline="0" dirty="0" smtClean="0"/>
-              <a:t>, if the script is applied to the </a:t>
-            </a:r>
-            <a:r>
-              <a:rPr lang="en-US" baseline="0" dirty="0" smtClean="0"/>
-              <a:t>server, but the </a:t>
-            </a:r>
-            <a:r>
-              <a:rPr lang="en-US" baseline="0" dirty="0" smtClean="0"/>
-              <a:t>server is </a:t>
-            </a:r>
-            <a:r>
-              <a:rPr lang="en-US" baseline="0" dirty="0" smtClean="0"/>
-              <a:t>in </a:t>
-            </a:r>
-            <a:r>
-              <a:rPr lang="en-US" baseline="0" dirty="0" smtClean="0"/>
-              <a:t>the desired state, </a:t>
-            </a:r>
-            <a:r>
-              <a:rPr lang="en-US" baseline="0" dirty="0" smtClean="0"/>
-              <a:t>nothing </a:t>
-            </a:r>
-            <a:r>
-              <a:rPr lang="en-US" baseline="0" dirty="0" smtClean="0"/>
-              <a:t>happens.  If the server is not in the desired state, then the server is put into the desired state</a:t>
-            </a:r>
-            <a:r>
-              <a:rPr lang="en-US" baseline="0" dirty="0" smtClean="0"/>
-              <a:t>.</a:t>
+              <a:t>, if the script is applied to the server, but the server is in the desired state, nothing happens.  If the server is not in the desired state, then the server is put into the desired state.</a:t>
             </a:r>
           </a:p>
           <a:p>
@@ -1265,11 +1237,7 @@
             </a:pPr>
             <a:r>
               <a:rPr lang="en-US" baseline="0" dirty="0" smtClean="0"/>
-              <a:t>Example</a:t>
-            </a:r>
-            <a:r>
-              <a:rPr lang="en-US" baseline="0" dirty="0" smtClean="0"/>
-              <a:t>: script dictates that Apache should be installed.  The first time the script is run, Apache is not installed so the client installs Apache.  The next time the script is run Apache is already installed so that step is skipped.  If someone were to manually uninstall Apache, then next time the script runs Apache will be re-installed.  This is </a:t>
+              <a:t>Example: script dictates that Apache should be installed.  The first time the script is run, Apache is not installed so the client installs Apache.  The next time the script is run Apache is already installed so that step is skipped.  If someone were to manually uninstall Apache, then next time the script runs Apache will be re-installed.  This is </a:t>
             </a:r>
             <a:r>
               <a:rPr lang="en-US" baseline="0" dirty="0" err="1" smtClean="0"/>
@@ -1389,15 +1357,7 @@
             </a:r>
             <a:r>
               <a:rPr lang="en-US" baseline="0" dirty="0" smtClean="0"/>
-              <a:t>. We’re talking about the ability to execute a script multiple times without harming the state of the system. This also implies that if a call to a script is made multiple times, changes are </a:t>
-            </a:r>
-            <a:r>
-              <a:rPr lang="en-US" baseline="0" dirty="0" smtClean="0"/>
-              <a:t>made only </a:t>
-            </a:r>
-            <a:r>
-              <a:rPr lang="en-US" baseline="0" dirty="0" smtClean="0"/>
-              <a:t>when the server has strayed from the “desired state”. </a:t>
+              <a:t>. We’re talking about the ability to execute a script multiple times without harming the state of the system. This also implies that if a call to a script is made multiple times, changes are made only when the server has strayed from the “desired state”. </a:t>
             </a:r>
           </a:p>
           <a:p>
@@ -1414,15 +1374,7 @@
             </a:pPr>
             <a:r>
               <a:rPr lang="en-US" baseline="0" dirty="0" smtClean="0"/>
-              <a:t>This means that changes are </a:t>
-            </a:r>
-            <a:r>
-              <a:rPr lang="en-US" baseline="0" dirty="0" smtClean="0"/>
-              <a:t>made only when </a:t>
-            </a:r>
-            <a:r>
-              <a:rPr lang="en-US" baseline="0" dirty="0" smtClean="0"/>
-              <a:t>a new feature is released or rolled out!</a:t>
+              <a:t>This means that changes are made only when a new feature is released or rolled out!</a:t>
             </a:r>
           </a:p>
           <a:p>
@@ -2854,6 +2806,7 @@
               <a:rPr lang="en-US" b="1" dirty="0" smtClean="0"/>
               <a:t>Notes:</a:t>
             </a:r>
+            <a:endParaRPr lang="en-US" sz="1200" dirty="0" smtClean="0"/>
           </a:p>
           <a:p>
             <a:pPr marL="171450" indent="-171450">
@@ -2861,32 +2814,28 @@
               <a:buChar char="•"/>
             </a:pPr>
             <a:r>
+              <a:rPr lang="en-US" sz="1200" dirty="0" err="1" smtClean="0"/>
+              <a:t>Devops</a:t>
+            </a:r>
+            <a:r>
+              <a:rPr lang="en-US" sz="1200" baseline="0" dirty="0" smtClean="0"/>
+              <a:t> </a:t>
+            </a:r>
+            <a:r>
               <a:rPr lang="en-US" sz="1200" dirty="0" smtClean="0"/>
-              <a:t>Clouds make it possible</a:t>
+              <a:t>allows</a:t>
             </a:r>
             <a:r>
               <a:rPr lang="en-US" sz="1200" baseline="0" dirty="0" smtClean="0"/>
               <a:t> for </a:t>
             </a:r>
             <a:r>
-              <a:rPr lang="en-US" sz="1200" dirty="0" err="1" smtClean="0"/>
-              <a:t>DevOps</a:t>
-            </a:r>
-            <a:r>
               <a:rPr lang="en-US" sz="1200" dirty="0" smtClean="0"/>
-              <a:t> </a:t>
-            </a:r>
-            <a:r>
-              <a:rPr lang="en-US" sz="1200" dirty="0" smtClean="0"/>
-              <a:t>engineers to launch thousands of </a:t>
-            </a:r>
-            <a:r>
-              <a:rPr lang="en-US" sz="1200" dirty="0" smtClean="0"/>
-              <a:t>servers, use them</a:t>
+              <a:t>thousands of servers to</a:t>
             </a:r>
             <a:r>
               <a:rPr lang="en-US" sz="1200" baseline="0" dirty="0" smtClean="0"/>
-              <a:t> for any time period from minutes to years, terminating whenever the servers are no longer necessary.</a:t>
+              <a:t> be deployed instantly.</a:t>
             </a:r>
             <a:endParaRPr lang="en-US" sz="1200" dirty="0" smtClean="0"/>
           </a:p>
@@ -14438,7 +14387,78 @@
                 <a:buChar char="§"/>
               </a:pPr>
               <a:r>
-                <a:rPr lang="en-US" sz="2800" dirty="0">
+                <a:rPr lang="en-US" sz="2800" dirty="0" err="1" smtClean="0">
+                  <a:solidFill>
+                    <a:srgbClr val="000000"/>
+                  </a:solidFill>
+                </a:rPr>
+                <a:t>Ansible</a:t>
+              </a:r>
+              <a:endParaRPr lang="en-US" sz="2800" dirty="0" smtClean="0">
+                <a:solidFill>
+                  <a:srgbClr val="000000"/>
+                </a:solidFill>
+              </a:endParaRPr>
+            </a:p>
+            <a:p>
+              <a:pPr marL="1371600" lvl="2" indent="-457200">
+                <a:buFont typeface="Wingdings" charset="2"/>
+                <a:buChar char="§"/>
+              </a:pPr>
+              <a:r>
+                <a:rPr lang="en-US" sz="2800" dirty="0" smtClean="0">
+                  <a:solidFill>
+                    <a:srgbClr val="000000"/>
+                  </a:solidFill>
+                </a:rPr>
+                <a:t>Chef</a:t>
+              </a:r>
+            </a:p>
+            <a:p>
+              <a:pPr marL="1371600" lvl="2" indent="-457200">
+                <a:buFont typeface="Wingdings" charset="2"/>
+                <a:buChar char="§"/>
+              </a:pPr>
+              <a:r>
+                <a:rPr lang="en-US" sz="2800" dirty="0" err="1" smtClean="0">
+                  <a:solidFill>
+                    <a:srgbClr val="000000"/>
+                  </a:solidFill>
+                </a:rPr>
+                <a:t>CFEngine</a:t>
+              </a:r>
+              <a:endParaRPr lang="en-US" sz="2800" dirty="0">
+                <a:solidFill>
+                  <a:srgbClr val="000000"/>
+                </a:solidFill>
+              </a:endParaRPr>
+            </a:p>
+            <a:p>
+              <a:pPr marL="1371600" lvl="2" indent="-457200">
+                <a:buFont typeface="Wingdings" charset="2"/>
+                <a:buChar char="§"/>
+              </a:pPr>
+              <a:r>
+                <a:rPr lang="en-US" sz="2800" dirty="0" smtClean="0">
+                  <a:solidFill>
+                    <a:srgbClr val="000000"/>
+                  </a:solidFill>
+                </a:rPr>
+                <a:t>DIY</a:t>
+              </a:r>
+              <a:endParaRPr lang="en-US" sz="2800" dirty="0" smtClean="0">
+                <a:solidFill>
+                  <a:srgbClr val="000000"/>
+                </a:solidFill>
+              </a:endParaRPr>
+            </a:p>
+            <a:p>
+              <a:pPr marL="1371600" lvl="2" indent="-457200">
+                <a:buFont typeface="Wingdings" charset="2"/>
+                <a:buChar char="§"/>
+              </a:pPr>
+              <a:r>
+                <a:rPr lang="en-US" sz="2800" dirty="0" smtClean="0">
                   <a:solidFill>
                     <a:srgbClr val="000000"/>
                   </a:solidFill>
@@ -14452,54 +14472,7 @@
                 <a:buChar char="§"/>
               </a:pPr>
               <a:r>
-                <a:rPr lang="en-US" sz="2800" dirty="0">
-                  <a:solidFill>
-                    <a:srgbClr val="000000"/>
-                  </a:solidFill>
-                </a:rPr>
-                <a:t>Chef</a:t>
-              </a:r>
-            </a:p>
-            <a:p>
-              <a:pPr marL="1371600" lvl="2" indent="-457200">
-                <a:buFont typeface="Wingdings" charset="2"/>
-                <a:buChar char="§"/>
-              </a:pPr>
-              <a:r>
-                <a:rPr lang="en-US" sz="2800" dirty="0" err="1">
-                  <a:solidFill>
-                    <a:srgbClr val="000000"/>
-                  </a:solidFill>
-                </a:rPr>
-                <a:t>Ansible</a:t>
-              </a:r>
-              <a:endParaRPr lang="en-US" sz="2800" dirty="0">
-                <a:solidFill>
-                  <a:srgbClr val="000000"/>
-                </a:solidFill>
-              </a:endParaRPr>
-            </a:p>
-            <a:p>
-              <a:pPr marL="1371600" lvl="2" indent="-457200">
-                <a:buFont typeface="Wingdings" charset="2"/>
-                <a:buChar char="§"/>
-              </a:pPr>
-              <a:r>
-                <a:rPr lang="en-US" sz="2800" dirty="0">
-                  <a:solidFill>
-                    <a:srgbClr val="000000"/>
-                  </a:solidFill>
-                </a:rPr>
-                <a:t>Salt</a:t>
-              </a:r>
-            </a:p>
-            <a:p>
-              <a:pPr marL="1371600" lvl="2" indent="-457200">
-                <a:buFont typeface="Wingdings" charset="2"/>
-                <a:buChar char="§"/>
-              </a:pPr>
-              <a:r>
-                <a:rPr lang="en-US" sz="2800" dirty="0" err="1">
+                <a:rPr lang="en-US" sz="2800" dirty="0" err="1" smtClean="0">
                   <a:solidFill>
                     <a:srgbClr val="000000"/>
                   </a:solidFill>
@@ -14518,32 +14491,18 @@
                 <a:buChar char="§"/>
               </a:pPr>
               <a:r>
-                <a:rPr lang="en-US" sz="2800" dirty="0" err="1">
+                <a:rPr lang="en-US" sz="2800" dirty="0" smtClean="0">
                   <a:solidFill>
                     <a:srgbClr val="000000"/>
                   </a:solidFill>
                 </a:rPr>
-                <a:t>CFEngine</a:t>
+                <a:t>Salt</a:t>
               </a:r>
               <a:endParaRPr lang="en-US" sz="2800" dirty="0">
                 <a:solidFill>
                   <a:srgbClr val="000000"/>
                 </a:solidFill>
               </a:endParaRPr>
-            </a:p>
-            <a:p>
-              <a:pPr marL="1371600" lvl="2" indent="-457200">
-                <a:buFont typeface="Wingdings" charset="2"/>
-                <a:buChar char="§"/>
-              </a:pPr>
-              <a:r>
-                <a:rPr lang="en-US" sz="2800" dirty="0">
-                  <a:solidFill>
-                    <a:srgbClr val="000000"/>
-                  </a:solidFill>
-                </a:rPr>
-                <a:t>DIY</a:t>
-              </a:r>
             </a:p>
           </p:txBody>
         </p:sp>
@@ -16396,11 +16355,6 @@
                 </a:rPr>
                 <a:t>Does not require any programming knowledge</a:t>
               </a:r>
-              <a:endParaRPr lang="en-US" sz="2800" dirty="0" smtClean="0">
-                <a:solidFill>
-                  <a:srgbClr val="000000"/>
-                </a:solidFill>
-              </a:endParaRPr>
             </a:p>
             <a:p>
               <a:pPr marL="1371600" lvl="2" indent="-457200">
@@ -18228,21 +18182,8 @@
                     <a:srgbClr val="000000"/>
                   </a:solidFill>
                 </a:rPr>
-                <a:t>Compute resources </a:t>
+                <a:t>Compute resources owned by some other entity: </a:t>
               </a:r>
-              <a:r>
-                <a:rPr lang="en-US" sz="2800" dirty="0" smtClean="0">
-                  <a:solidFill>
-                    <a:srgbClr val="000000"/>
-                  </a:solidFill>
-                </a:rPr>
-                <a:t>owned by some other entity: </a:t>
-              </a:r>
-              <a:endParaRPr lang="en-US" sz="2800" dirty="0" smtClean="0">
-                <a:solidFill>
-                  <a:srgbClr val="000000"/>
-                </a:solidFill>
-              </a:endParaRPr>
             </a:p>
             <a:p>
               <a:pPr marL="1828800" lvl="3" indent="-457200">
@@ -20057,7 +19998,22 @@
               </a:pPr>
               <a:r>
                 <a:rPr lang="en-US" sz="2800" dirty="0"/>
-                <a:t>Define configuration management and infrastructure automation</a:t>
+                <a:t>Define configuration management </a:t>
+              </a:r>
+              <a:endParaRPr lang="en-US" sz="2800" dirty="0" smtClean="0"/>
+            </a:p>
+            <a:p>
+              <a:pPr marL="1371600" lvl="2" indent="-457200">
+                <a:buFont typeface="Wingdings" charset="2"/>
+                <a:buChar char="§"/>
+              </a:pPr>
+              <a:r>
+                <a:rPr lang="en-US" sz="2800" dirty="0" smtClean="0"/>
+                <a:t>Define infrastructure </a:t>
+              </a:r>
+              <a:r>
+                <a:rPr lang="en-US" sz="2800" dirty="0"/>
+                <a:t>automation</a:t>
               </a:r>
             </a:p>
             <a:p>
@@ -20081,11 +20037,7 @@
               </a:r>
               <a:r>
                 <a:rPr lang="en-US" sz="2800" dirty="0" smtClean="0"/>
-                <a:t>how cloud </a:t>
-              </a:r>
-              <a:r>
-                <a:rPr lang="en-US" sz="2800" dirty="0" smtClean="0"/>
-                <a:t>integration changes </a:t>
+                <a:t>how cloud integration changes </a:t>
               </a:r>
               <a:r>
                 <a:rPr lang="en-US" sz="2800" dirty="0"/>
@@ -20498,7 +20450,21 @@
               </a:pPr>
               <a:r>
                 <a:rPr lang="en-US" sz="2800" dirty="0" smtClean="0"/>
-                <a:t>Explain the purpose of configuration management and infrastructure automation</a:t>
+                <a:t>Explain the purpose of configuration management </a:t>
+              </a:r>
+            </a:p>
+            <a:p>
+              <a:pPr marL="1371600" lvl="2" indent="-457200">
+                <a:buFont typeface="Wingdings" charset="2"/>
+                <a:buChar char="§"/>
+              </a:pPr>
+              <a:r>
+                <a:rPr lang="en-US" sz="2800" smtClean="0"/>
+                <a:t>Explain infrastructure </a:t>
+              </a:r>
+              <a:r>
+                <a:rPr lang="en-US" sz="2800" dirty="0" smtClean="0"/>
+                <a:t>automation</a:t>
               </a:r>
               <a:endParaRPr lang="en-US" sz="2800" dirty="0"/>
             </a:p>
@@ -20944,11 +20910,6 @@
                 </a:rPr>
                 <a:t>Huge return on investment given:</a:t>
               </a:r>
-              <a:endParaRPr lang="en-US" sz="2800" dirty="0" smtClean="0">
-                <a:solidFill>
-                  <a:srgbClr val="000000"/>
-                </a:solidFill>
-              </a:endParaRPr>
             </a:p>
             <a:p>
               <a:pPr marL="1828800" lvl="3" indent="-457200">
@@ -22986,15 +22947,7 @@
                     <a:srgbClr val="000000"/>
                   </a:solidFill>
                 </a:rPr>
-                <a:t>The </a:t>
-              </a:r>
-              <a:r>
-                <a:rPr lang="en-US" sz="2800" dirty="0" smtClean="0">
-                  <a:solidFill>
-                    <a:srgbClr val="000000"/>
-                  </a:solidFill>
-                </a:rPr>
-                <a:t>preceding examples </a:t>
+                <a:t>The preceding examples </a:t>
               </a:r>
               <a:r>
                 <a:rPr lang="en-US" sz="2800" dirty="0">
